--- a/presentation.pptx
+++ b/presentation.pptx
@@ -7,11 +7,14 @@
   <p:sldIdLst>
     <p:sldId id="256" r:id="rId2"/>
     <p:sldId id="257" r:id="rId3"/>
-    <p:sldId id="258" r:id="rId4"/>
+    <p:sldId id="263" r:id="rId4"/>
     <p:sldId id="259" r:id="rId5"/>
-    <p:sldId id="260" r:id="rId6"/>
-    <p:sldId id="261" r:id="rId7"/>
-    <p:sldId id="262" r:id="rId8"/>
+    <p:sldId id="264" r:id="rId6"/>
+    <p:sldId id="265" r:id="rId7"/>
+    <p:sldId id="266" r:id="rId8"/>
+    <p:sldId id="260" r:id="rId9"/>
+    <p:sldId id="261" r:id="rId10"/>
+    <p:sldId id="262" r:id="rId11"/>
   </p:sldIdLst>
   <p:sldSz cx="12192000" cy="6858000"/>
   <p:notesSz cx="6858000" cy="9144000"/>
@@ -110,6 +113,11 @@
       </a:defRPr>
     </a:lvl9pPr>
   </p:defaultTextStyle>
+  <p:extLst>
+    <p:ext uri="{EFAFB233-063F-42B5-8137-9DF3F51BA10A}">
+      <p15:sldGuideLst xmlns:p15="http://schemas.microsoft.com/office/powerpoint/2012/main"/>
+    </p:ext>
+  </p:extLst>
 </p:presentation>
 </file>
 
@@ -615,7 +623,7 @@
           <a:p>
             <a:fld id="{81FAB61E-60FD-45ED-8F87-FA11B7EE7CDE}" type="datetimeFigureOut">
               <a:rPr lang="en-GB" smtClean="0"/>
-              <a:t>02/06/2016</a:t>
+              <a:t>06/06/2016</a:t>
             </a:fld>
             <a:endParaRPr lang="en-GB"/>
           </a:p>
@@ -911,7 +919,7 @@
           <a:p>
             <a:fld id="{81FAB61E-60FD-45ED-8F87-FA11B7EE7CDE}" type="datetimeFigureOut">
               <a:rPr lang="en-GB" smtClean="0"/>
-              <a:t>02/06/2016</a:t>
+              <a:t>06/06/2016</a:t>
             </a:fld>
             <a:endParaRPr lang="en-GB"/>
           </a:p>
@@ -1159,7 +1167,7 @@
           <a:p>
             <a:fld id="{81FAB61E-60FD-45ED-8F87-FA11B7EE7CDE}" type="datetimeFigureOut">
               <a:rPr lang="en-GB" smtClean="0"/>
-              <a:t>02/06/2016</a:t>
+              <a:t>06/06/2016</a:t>
             </a:fld>
             <a:endParaRPr lang="en-GB"/>
           </a:p>
@@ -1699,7 +1707,7 @@
           <a:p>
             <a:fld id="{81FAB61E-60FD-45ED-8F87-FA11B7EE7CDE}" type="datetimeFigureOut">
               <a:rPr lang="en-GB" smtClean="0"/>
-              <a:t>02/06/2016</a:t>
+              <a:t>06/06/2016</a:t>
             </a:fld>
             <a:endParaRPr lang="en-GB"/>
           </a:p>
@@ -1947,7 +1955,7 @@
           <a:p>
             <a:fld id="{81FAB61E-60FD-45ED-8F87-FA11B7EE7CDE}" type="datetimeFigureOut">
               <a:rPr lang="en-GB" smtClean="0"/>
-              <a:t>02/06/2016</a:t>
+              <a:t>06/06/2016</a:t>
             </a:fld>
             <a:endParaRPr lang="en-GB"/>
           </a:p>
@@ -2479,7 +2487,7 @@
           <a:p>
             <a:fld id="{81FAB61E-60FD-45ED-8F87-FA11B7EE7CDE}" type="datetimeFigureOut">
               <a:rPr lang="en-GB" smtClean="0"/>
-              <a:t>02/06/2016</a:t>
+              <a:t>06/06/2016</a:t>
             </a:fld>
             <a:endParaRPr lang="en-GB"/>
           </a:p>
@@ -2776,7 +2784,7 @@
           <a:p>
             <a:fld id="{81FAB61E-60FD-45ED-8F87-FA11B7EE7CDE}" type="datetimeFigureOut">
               <a:rPr lang="en-GB" smtClean="0"/>
-              <a:t>02/06/2016</a:t>
+              <a:t>06/06/2016</a:t>
             </a:fld>
             <a:endParaRPr lang="en-GB"/>
           </a:p>
@@ -2950,7 +2958,7 @@
           <a:p>
             <a:fld id="{81FAB61E-60FD-45ED-8F87-FA11B7EE7CDE}" type="datetimeFigureOut">
               <a:rPr lang="en-GB" smtClean="0"/>
-              <a:t>02/06/2016</a:t>
+              <a:t>06/06/2016</a:t>
             </a:fld>
             <a:endParaRPr lang="en-GB"/>
           </a:p>
@@ -3130,7 +3138,7 @@
           <a:p>
             <a:fld id="{81FAB61E-60FD-45ED-8F87-FA11B7EE7CDE}" type="datetimeFigureOut">
               <a:rPr lang="en-GB" smtClean="0"/>
-              <a:t>02/06/2016</a:t>
+              <a:t>06/06/2016</a:t>
             </a:fld>
             <a:endParaRPr lang="en-GB"/>
           </a:p>
@@ -3300,7 +3308,7 @@
           <a:p>
             <a:fld id="{81FAB61E-60FD-45ED-8F87-FA11B7EE7CDE}" type="datetimeFigureOut">
               <a:rPr lang="en-GB" smtClean="0"/>
-              <a:t>02/06/2016</a:t>
+              <a:t>06/06/2016</a:t>
             </a:fld>
             <a:endParaRPr lang="en-GB"/>
           </a:p>
@@ -3551,7 +3559,7 @@
           <a:p>
             <a:fld id="{81FAB61E-60FD-45ED-8F87-FA11B7EE7CDE}" type="datetimeFigureOut">
               <a:rPr lang="en-GB" smtClean="0"/>
-              <a:t>02/06/2016</a:t>
+              <a:t>06/06/2016</a:t>
             </a:fld>
             <a:endParaRPr lang="en-GB"/>
           </a:p>
@@ -3848,7 +3856,7 @@
           <a:p>
             <a:fld id="{81FAB61E-60FD-45ED-8F87-FA11B7EE7CDE}" type="datetimeFigureOut">
               <a:rPr lang="en-GB" smtClean="0"/>
-              <a:t>02/06/2016</a:t>
+              <a:t>06/06/2016</a:t>
             </a:fld>
             <a:endParaRPr lang="en-GB"/>
           </a:p>
@@ -4290,7 +4298,7 @@
           <a:p>
             <a:fld id="{81FAB61E-60FD-45ED-8F87-FA11B7EE7CDE}" type="datetimeFigureOut">
               <a:rPr lang="en-GB" smtClean="0"/>
-              <a:t>02/06/2016</a:t>
+              <a:t>06/06/2016</a:t>
             </a:fld>
             <a:endParaRPr lang="en-GB"/>
           </a:p>
@@ -4408,7 +4416,7 @@
           <a:p>
             <a:fld id="{81FAB61E-60FD-45ED-8F87-FA11B7EE7CDE}" type="datetimeFigureOut">
               <a:rPr lang="en-GB" smtClean="0"/>
-              <a:t>02/06/2016</a:t>
+              <a:t>06/06/2016</a:t>
             </a:fld>
             <a:endParaRPr lang="en-GB"/>
           </a:p>
@@ -4503,7 +4511,7 @@
           <a:p>
             <a:fld id="{81FAB61E-60FD-45ED-8F87-FA11B7EE7CDE}" type="datetimeFigureOut">
               <a:rPr lang="en-GB" smtClean="0"/>
-              <a:t>02/06/2016</a:t>
+              <a:t>06/06/2016</a:t>
             </a:fld>
             <a:endParaRPr lang="en-GB"/>
           </a:p>
@@ -4786,7 +4794,7 @@
           <a:p>
             <a:fld id="{81FAB61E-60FD-45ED-8F87-FA11B7EE7CDE}" type="datetimeFigureOut">
               <a:rPr lang="en-GB" smtClean="0"/>
-              <a:t>02/06/2016</a:t>
+              <a:t>06/06/2016</a:t>
             </a:fld>
             <a:endParaRPr lang="en-GB"/>
           </a:p>
@@ -5077,7 +5085,7 @@
           <a:p>
             <a:fld id="{81FAB61E-60FD-45ED-8F87-FA11B7EE7CDE}" type="datetimeFigureOut">
               <a:rPr lang="en-GB" smtClean="0"/>
-              <a:t>02/06/2016</a:t>
+              <a:t>06/06/2016</a:t>
             </a:fld>
             <a:endParaRPr lang="en-GB"/>
           </a:p>
@@ -5607,7 +5615,7 @@
           <a:p>
             <a:fld id="{81FAB61E-60FD-45ED-8F87-FA11B7EE7CDE}" type="datetimeFigureOut">
               <a:rPr lang="en-GB" smtClean="0"/>
-              <a:t>02/06/2016</a:t>
+              <a:t>06/06/2016</a:t>
             </a:fld>
             <a:endParaRPr lang="en-GB"/>
           </a:p>
@@ -6172,7 +6180,11 @@
             </a:r>
             <a:r>
               <a:rPr lang="en-GB" dirty="0" smtClean="0"/>
-              <a:t> / SPARQL</a:t>
+              <a:t> </a:t>
+            </a:r>
+            <a:r>
+              <a:rPr lang="en-GB" dirty="0" smtClean="0"/>
+              <a:t>/ SPARQL</a:t>
             </a:r>
             <a:endParaRPr lang="en-GB" dirty="0"/>
           </a:p>
@@ -6224,6 +6236,116 @@
     <p:extLst>
       <p:ext uri="{BB962C8B-B14F-4D97-AF65-F5344CB8AC3E}">
         <p14:creationId xmlns:p14="http://schemas.microsoft.com/office/powerpoint/2010/main" val="4090218587"/>
+      </p:ext>
+    </p:extLst>
+  </p:cSld>
+  <p:clrMapOvr>
+    <a:masterClrMapping/>
+  </p:clrMapOvr>
+  <p:timing>
+    <p:tnLst>
+      <p:par>
+        <p:cTn id="1" dur="indefinite" restart="never" nodeType="tmRoot"/>
+      </p:par>
+    </p:tnLst>
+  </p:timing>
+</p:sld>
+</file>
+
+<file path=ppt/slides/slide10.xml><?xml version="1.0" encoding="utf-8"?>
+<p:sld xmlns:a="http://schemas.openxmlformats.org/drawingml/2006/main" xmlns:r="http://schemas.openxmlformats.org/officeDocument/2006/relationships" xmlns:p="http://schemas.openxmlformats.org/presentationml/2006/main">
+  <p:cSld>
+    <p:spTree>
+      <p:nvGrpSpPr>
+        <p:cNvPr id="1" name=""/>
+        <p:cNvGrpSpPr/>
+        <p:nvPr/>
+      </p:nvGrpSpPr>
+      <p:grpSpPr>
+        <a:xfrm>
+          <a:off x="0" y="0"/>
+          <a:ext cx="0" cy="0"/>
+          <a:chOff x="0" y="0"/>
+          <a:chExt cx="0" cy="0"/>
+        </a:xfrm>
+      </p:grpSpPr>
+      <p:sp>
+        <p:nvSpPr>
+          <p:cNvPr id="2" name="Title 1"/>
+          <p:cNvSpPr>
+            <a:spLocks noGrp="1"/>
+          </p:cNvSpPr>
+          <p:nvPr>
+            <p:ph type="title"/>
+          </p:nvPr>
+        </p:nvSpPr>
+        <p:spPr/>
+        <p:txBody>
+          <a:bodyPr/>
+          <a:lstStyle/>
+          <a:p>
+            <a:r>
+              <a:rPr lang="en-GB" dirty="0" smtClean="0"/>
+              <a:t>Discussion</a:t>
+            </a:r>
+            <a:endParaRPr lang="en-GB" dirty="0"/>
+          </a:p>
+        </p:txBody>
+      </p:sp>
+      <p:sp>
+        <p:nvSpPr>
+          <p:cNvPr id="3" name="Content Placeholder 2"/>
+          <p:cNvSpPr>
+            <a:spLocks noGrp="1"/>
+          </p:cNvSpPr>
+          <p:nvPr>
+            <p:ph idx="1"/>
+          </p:nvPr>
+        </p:nvSpPr>
+        <p:spPr/>
+        <p:txBody>
+          <a:bodyPr/>
+          <a:lstStyle/>
+          <a:p>
+            <a:r>
+              <a:rPr lang="en-GB" dirty="0" smtClean="0"/>
+              <a:t>The complete project can be found on GitHub:</a:t>
+            </a:r>
+          </a:p>
+          <a:p>
+            <a:r>
+              <a:rPr lang="en-GB" dirty="0">
+                <a:hlinkClick r:id="rId2"/>
+              </a:rPr>
+              <a:t>https://github.com/StrubT/ADMgRDFStores</a:t>
+            </a:r>
+            <a:endParaRPr lang="en-GB" dirty="0"/>
+          </a:p>
+          <a:p>
+            <a:endParaRPr lang="en-GB" dirty="0" smtClean="0"/>
+          </a:p>
+          <a:p>
+            <a:r>
+              <a:rPr lang="en-GB" dirty="0" smtClean="0"/>
+              <a:t>Any questions?</a:t>
+            </a:r>
+          </a:p>
+          <a:p>
+            <a:endParaRPr lang="en-GB" dirty="0" smtClean="0"/>
+          </a:p>
+          <a:p>
+            <a:r>
+              <a:rPr lang="en-GB" dirty="0" smtClean="0"/>
+              <a:t>Thank you for your patience.</a:t>
+            </a:r>
+            <a:endParaRPr lang="en-GB" dirty="0"/>
+          </a:p>
+        </p:txBody>
+      </p:sp>
+    </p:spTree>
+    <p:extLst>
+      <p:ext uri="{BB962C8B-B14F-4D97-AF65-F5344CB8AC3E}">
+        <p14:creationId xmlns:p14="http://schemas.microsoft.com/office/powerpoint/2010/main" val="1654437355"/>
       </p:ext>
     </p:extLst>
   </p:cSld>
@@ -6312,8 +6434,30 @@
           <a:p>
             <a:r>
               <a:rPr lang="en-GB" dirty="0" smtClean="0"/>
-              <a:t>Lessons Learnt</a:t>
-            </a:r>
+              <a:t>Lessons </a:t>
+            </a:r>
+            <a:r>
+              <a:rPr lang="en-GB" dirty="0" smtClean="0"/>
+              <a:t>Learnt</a:t>
+            </a:r>
+          </a:p>
+          <a:p>
+            <a:endParaRPr lang="en-GB" dirty="0"/>
+          </a:p>
+          <a:p>
+            <a:r>
+              <a:rPr lang="en-GB" dirty="0">
+                <a:hlinkClick r:id="rId2"/>
+              </a:rPr>
+              <a:t>https://</a:t>
+            </a:r>
+            <a:r>
+              <a:rPr lang="en-GB" dirty="0" smtClean="0">
+                <a:hlinkClick r:id="rId2"/>
+              </a:rPr>
+              <a:t>github.com/StrubT/ADMgRDFStores</a:t>
+            </a:r>
+            <a:endParaRPr lang="en-GB" dirty="0" smtClean="0"/>
           </a:p>
         </p:txBody>
       </p:sp>
@@ -6327,6 +6471,13 @@
   <p:clrMapOvr>
     <a:masterClrMapping/>
   </p:clrMapOvr>
+  <p:timing>
+    <p:tnLst>
+      <p:par>
+        <p:cTn id="1" dur="indefinite" restart="never" nodeType="tmRoot"/>
+      </p:par>
+    </p:tnLst>
+  </p:timing>
 </p:sld>
 </file>
 
@@ -6349,7 +6500,7 @@
       </p:grpSpPr>
       <p:sp>
         <p:nvSpPr>
-          <p:cNvPr id="2" name="Title 1"/>
+          <p:cNvPr id="5" name="Title 4"/>
           <p:cNvSpPr>
             <a:spLocks noGrp="1"/>
           </p:cNvSpPr>
@@ -6359,80 +6510,3452 @@
         </p:nvSpPr>
         <p:spPr/>
         <p:txBody>
-          <a:bodyPr/>
+          <a:bodyPr>
+            <a:normAutofit/>
+          </a:bodyPr>
           <a:lstStyle/>
           <a:p>
             <a:r>
-              <a:rPr lang="en-GB" dirty="0" smtClean="0"/>
+              <a:rPr lang="en-GB" sz="4000" dirty="0"/>
               <a:t>Introduction to SPARQL</a:t>
             </a:r>
-            <a:endParaRPr lang="en-GB" dirty="0"/>
           </a:p>
         </p:txBody>
       </p:sp>
       <p:sp>
         <p:nvSpPr>
-          <p:cNvPr id="3" name="Content Placeholder 2"/>
+          <p:cNvPr id="7" name="Text Placeholder 6"/>
           <p:cNvSpPr>
             <a:spLocks noGrp="1"/>
+          </p:cNvSpPr>
+          <p:nvPr>
+            <p:ph type="body" sz="half" idx="2"/>
+          </p:nvPr>
+        </p:nvSpPr>
+        <p:spPr/>
+        <p:txBody>
+          <a:bodyPr>
+            <a:normAutofit/>
+          </a:bodyPr>
+          <a:lstStyle/>
+          <a:p>
+            <a:r>
+              <a:rPr lang="en-GB" sz="1800" dirty="0"/>
+              <a:t>SELECT, </a:t>
+            </a:r>
+            <a:r>
+              <a:rPr lang="en-GB" sz="1800" dirty="0" smtClean="0"/>
+              <a:t>FROM,</a:t>
+            </a:r>
+            <a:br>
+              <a:rPr lang="en-GB" sz="1800" dirty="0" smtClean="0"/>
+            </a:br>
+            <a:r>
+              <a:rPr lang="en-GB" sz="1800" dirty="0" smtClean="0"/>
+              <a:t>OPTIONAL</a:t>
+            </a:r>
+            <a:r>
+              <a:rPr lang="en-GB" sz="1800" dirty="0"/>
+              <a:t>, </a:t>
+            </a:r>
+            <a:r>
+              <a:rPr lang="en-GB" sz="1800" dirty="0" smtClean="0"/>
+              <a:t>FILTER,</a:t>
+            </a:r>
+            <a:br>
+              <a:rPr lang="en-GB" sz="1800" dirty="0" smtClean="0"/>
+            </a:br>
+            <a:r>
+              <a:rPr lang="en-GB" sz="1800" dirty="0"/>
+              <a:t>UNION, ORDER </a:t>
+            </a:r>
+            <a:r>
+              <a:rPr lang="en-GB" sz="1800" dirty="0" smtClean="0"/>
+              <a:t>BY</a:t>
+            </a:r>
+            <a:endParaRPr lang="en-GB" sz="1800" dirty="0"/>
+          </a:p>
+          <a:p>
+            <a:r>
+              <a:rPr lang="en-GB" sz="1800" dirty="0" smtClean="0"/>
+              <a:t>Source: </a:t>
+            </a:r>
+            <a:r>
+              <a:rPr lang="en-GB" sz="1800" dirty="0" smtClean="0">
+                <a:hlinkClick r:id="rId2"/>
+              </a:rPr>
+              <a:t>https</a:t>
+            </a:r>
+            <a:r>
+              <a:rPr lang="en-GB" sz="1800" dirty="0">
+                <a:hlinkClick r:id="rId2"/>
+              </a:rPr>
+              <a:t>://www.w3.org/TR/rdf-sparql-query</a:t>
+            </a:r>
+            <a:r>
+              <a:rPr lang="en-GB" sz="1800" dirty="0" smtClean="0">
+                <a:hlinkClick r:id="rId2"/>
+              </a:rPr>
+              <a:t>/</a:t>
+            </a:r>
+            <a:endParaRPr lang="en-GB" sz="1800" dirty="0"/>
+          </a:p>
+        </p:txBody>
+      </p:sp>
+      <p:sp>
+        <p:nvSpPr>
+          <p:cNvPr id="8" name="Rectangle 2"/>
+          <p:cNvSpPr>
+            <a:spLocks noGrp="1" noChangeArrowheads="1"/>
           </p:cNvSpPr>
           <p:nvPr>
             <p:ph idx="1"/>
           </p:nvPr>
         </p:nvSpPr>
-        <p:spPr/>
+        <p:spPr bwMode="auto">
+          <a:xfrm>
+            <a:off x="5262033" y="-39323"/>
+            <a:ext cx="5769528" cy="6555641"/>
+          </a:xfrm>
+          <a:prstGeom prst="rect">
+            <a:avLst/>
+          </a:prstGeom>
+          <a:noFill/>
+          <a:ln>
+            <a:noFill/>
+          </a:ln>
+          <a:effectLst/>
+        </p:spPr>
         <p:txBody>
-          <a:bodyPr/>
+          <a:bodyPr vert="horz" wrap="none" lIns="91440" tIns="45720" rIns="91440" bIns="45720" numCol="1" anchor="ctr" anchorCtr="0" compatLnSpc="1">
+            <a:prstTxWarp prst="textNoShape">
+              <a:avLst/>
+            </a:prstTxWarp>
+            <a:spAutoFit/>
+          </a:bodyPr>
           <a:lstStyle/>
           <a:p>
-            <a:r>
-              <a:rPr lang="en-GB" dirty="0" smtClean="0"/>
-              <a:t>SELECT</a:t>
-            </a:r>
-          </a:p>
-          <a:p>
-            <a:r>
-              <a:rPr lang="en-GB" dirty="0" smtClean="0"/>
-              <a:t>FROM</a:t>
-            </a:r>
-          </a:p>
-          <a:p>
-            <a:r>
-              <a:rPr lang="en-GB" dirty="0" smtClean="0"/>
-              <a:t>ORDER BY</a:t>
-            </a:r>
-          </a:p>
-          <a:p>
-            <a:r>
-              <a:rPr lang="en-GB" dirty="0" smtClean="0"/>
-              <a:t>UNION</a:t>
-            </a:r>
-          </a:p>
-          <a:p>
-            <a:r>
-              <a:rPr lang="en-GB" dirty="0" smtClean="0"/>
-              <a:t>OPTIONAL</a:t>
-            </a:r>
-          </a:p>
-          <a:p>
-            <a:r>
-              <a:rPr lang="en-GB" dirty="0" smtClean="0"/>
+            <a:pPr marL="0" marR="0" lvl="0" indent="0" algn="l" defTabSz="914400" rtl="0" eaLnBrk="0" fontAlgn="base" latinLnBrk="0" hangingPunct="0">
+              <a:lnSpc>
+                <a:spcPct val="100000"/>
+              </a:lnSpc>
+              <a:spcBef>
+                <a:spcPct val="0"/>
+              </a:spcBef>
+              <a:spcAft>
+                <a:spcPct val="0"/>
+              </a:spcAft>
+              <a:buClrTx/>
+              <a:buSzTx/>
+              <a:buFontTx/>
+              <a:buNone/>
+              <a:tabLst/>
+            </a:pPr>
+            <a:r>
+              <a:rPr kumimoji="0" lang="en-US" altLang="en-US" sz="1400" b="1" i="0" u="none" strike="noStrike" cap="none" normalizeH="0" baseline="0" dirty="0" smtClean="0">
+                <a:ln>
+                  <a:noFill/>
+                </a:ln>
+                <a:solidFill>
+                  <a:srgbClr val="000080"/>
+                </a:solidFill>
+                <a:effectLst/>
+                <a:latin typeface="Courier New" panose="02070309020205020404" pitchFamily="49" charset="0"/>
+                <a:cs typeface="Courier New" panose="02070309020205020404" pitchFamily="49" charset="0"/>
+              </a:rPr>
+              <a:t>PREFIX </a:t>
+            </a:r>
+            <a:r>
+              <a:rPr kumimoji="0" lang="en-US" altLang="en-US" sz="1400" b="0" i="0" u="none" strike="noStrike" cap="none" normalizeH="0" baseline="0" dirty="0" err="1" smtClean="0">
+                <a:ln>
+                  <a:noFill/>
+                </a:ln>
+                <a:solidFill>
+                  <a:srgbClr val="000000"/>
+                </a:solidFill>
+                <a:effectLst/>
+                <a:latin typeface="Courier New" panose="02070309020205020404" pitchFamily="49" charset="0"/>
+                <a:cs typeface="Courier New" panose="02070309020205020404" pitchFamily="49" charset="0"/>
+              </a:rPr>
+              <a:t>rdfs</a:t>
+            </a:r>
+            <a:r>
+              <a:rPr kumimoji="0" lang="en-US" altLang="en-US" sz="1400" b="0" i="0" u="none" strike="noStrike" cap="none" normalizeH="0" baseline="0" dirty="0" smtClean="0">
+                <a:ln>
+                  <a:noFill/>
+                </a:ln>
+                <a:solidFill>
+                  <a:srgbClr val="000000"/>
+                </a:solidFill>
+                <a:effectLst/>
+                <a:latin typeface="Courier New" panose="02070309020205020404" pitchFamily="49" charset="0"/>
+                <a:cs typeface="Courier New" panose="02070309020205020404" pitchFamily="49" charset="0"/>
+              </a:rPr>
+              <a:t>: &lt;http://www.w3.org/2000/01/rdf-schema#&gt;</a:t>
+            </a:r>
+            <a:br>
+              <a:rPr kumimoji="0" lang="en-US" altLang="en-US" sz="1400" b="0" i="0" u="none" strike="noStrike" cap="none" normalizeH="0" baseline="0" dirty="0" smtClean="0">
+                <a:ln>
+                  <a:noFill/>
+                </a:ln>
+                <a:solidFill>
+                  <a:srgbClr val="000000"/>
+                </a:solidFill>
+                <a:effectLst/>
+                <a:latin typeface="Courier New" panose="02070309020205020404" pitchFamily="49" charset="0"/>
+                <a:cs typeface="Courier New" panose="02070309020205020404" pitchFamily="49" charset="0"/>
+              </a:rPr>
+            </a:br>
+            <a:r>
+              <a:rPr kumimoji="0" lang="en-US" altLang="en-US" sz="1400" b="1" i="0" u="none" strike="noStrike" cap="none" normalizeH="0" baseline="0" dirty="0" smtClean="0">
+                <a:ln>
+                  <a:noFill/>
+                </a:ln>
+                <a:solidFill>
+                  <a:srgbClr val="000080"/>
+                </a:solidFill>
+                <a:effectLst/>
+                <a:latin typeface="Courier New" panose="02070309020205020404" pitchFamily="49" charset="0"/>
+                <a:cs typeface="Courier New" panose="02070309020205020404" pitchFamily="49" charset="0"/>
+              </a:rPr>
+              <a:t>PREFIX </a:t>
+            </a:r>
+            <a:r>
+              <a:rPr kumimoji="0" lang="en-US" altLang="en-US" sz="1400" b="0" i="0" u="none" strike="noStrike" cap="none" normalizeH="0" baseline="0" dirty="0" err="1" smtClean="0">
+                <a:ln>
+                  <a:noFill/>
+                </a:ln>
+                <a:solidFill>
+                  <a:srgbClr val="000000"/>
+                </a:solidFill>
+                <a:effectLst/>
+                <a:latin typeface="Courier New" panose="02070309020205020404" pitchFamily="49" charset="0"/>
+                <a:cs typeface="Courier New" panose="02070309020205020404" pitchFamily="49" charset="0"/>
+              </a:rPr>
+              <a:t>foaf</a:t>
+            </a:r>
+            <a:r>
+              <a:rPr kumimoji="0" lang="en-US" altLang="en-US" sz="1400" b="0" i="0" u="none" strike="noStrike" cap="none" normalizeH="0" baseline="0" dirty="0" smtClean="0">
+                <a:ln>
+                  <a:noFill/>
+                </a:ln>
+                <a:solidFill>
+                  <a:srgbClr val="000000"/>
+                </a:solidFill>
+                <a:effectLst/>
+                <a:latin typeface="Courier New" panose="02070309020205020404" pitchFamily="49" charset="0"/>
+                <a:cs typeface="Courier New" panose="02070309020205020404" pitchFamily="49" charset="0"/>
+              </a:rPr>
+              <a:t>: &lt;http://xmlns.com/foaf/0.1/&gt;</a:t>
+            </a:r>
+            <a:br>
+              <a:rPr kumimoji="0" lang="en-US" altLang="en-US" sz="1400" b="0" i="0" u="none" strike="noStrike" cap="none" normalizeH="0" baseline="0" dirty="0" smtClean="0">
+                <a:ln>
+                  <a:noFill/>
+                </a:ln>
+                <a:solidFill>
+                  <a:srgbClr val="000000"/>
+                </a:solidFill>
+                <a:effectLst/>
+                <a:latin typeface="Courier New" panose="02070309020205020404" pitchFamily="49" charset="0"/>
+                <a:cs typeface="Courier New" panose="02070309020205020404" pitchFamily="49" charset="0"/>
+              </a:rPr>
+            </a:br>
+            <a:r>
+              <a:rPr kumimoji="0" lang="en-US" altLang="en-US" sz="1400" b="1" i="0" u="none" strike="noStrike" cap="none" normalizeH="0" baseline="0" dirty="0" smtClean="0">
+                <a:ln>
+                  <a:noFill/>
+                </a:ln>
+                <a:solidFill>
+                  <a:srgbClr val="000080"/>
+                </a:solidFill>
+                <a:effectLst/>
+                <a:latin typeface="Courier New" panose="02070309020205020404" pitchFamily="49" charset="0"/>
+                <a:cs typeface="Courier New" panose="02070309020205020404" pitchFamily="49" charset="0"/>
+              </a:rPr>
+              <a:t>PREFIX </a:t>
+            </a:r>
+            <a:r>
+              <a:rPr kumimoji="0" lang="en-US" altLang="en-US" sz="1400" b="0" i="0" u="none" strike="noStrike" cap="none" normalizeH="0" baseline="0" dirty="0" err="1" smtClean="0">
+                <a:ln>
+                  <a:noFill/>
+                </a:ln>
+                <a:solidFill>
+                  <a:srgbClr val="000000"/>
+                </a:solidFill>
+                <a:effectLst/>
+                <a:latin typeface="Courier New" panose="02070309020205020404" pitchFamily="49" charset="0"/>
+                <a:cs typeface="Courier New" panose="02070309020205020404" pitchFamily="49" charset="0"/>
+              </a:rPr>
+              <a:t>dbr</a:t>
+            </a:r>
+            <a:r>
+              <a:rPr kumimoji="0" lang="en-US" altLang="en-US" sz="1400" b="0" i="0" u="none" strike="noStrike" cap="none" normalizeH="0" baseline="0" dirty="0" smtClean="0">
+                <a:ln>
+                  <a:noFill/>
+                </a:ln>
+                <a:solidFill>
+                  <a:srgbClr val="000000"/>
+                </a:solidFill>
+                <a:effectLst/>
+                <a:latin typeface="Courier New" panose="02070309020205020404" pitchFamily="49" charset="0"/>
+                <a:cs typeface="Courier New" panose="02070309020205020404" pitchFamily="49" charset="0"/>
+              </a:rPr>
+              <a:t>: &lt;http://dbpedia.org/resource/&gt;</a:t>
+            </a:r>
+            <a:br>
+              <a:rPr kumimoji="0" lang="en-US" altLang="en-US" sz="1400" b="0" i="0" u="none" strike="noStrike" cap="none" normalizeH="0" baseline="0" dirty="0" smtClean="0">
+                <a:ln>
+                  <a:noFill/>
+                </a:ln>
+                <a:solidFill>
+                  <a:srgbClr val="000000"/>
+                </a:solidFill>
+                <a:effectLst/>
+                <a:latin typeface="Courier New" panose="02070309020205020404" pitchFamily="49" charset="0"/>
+                <a:cs typeface="Courier New" panose="02070309020205020404" pitchFamily="49" charset="0"/>
+              </a:rPr>
+            </a:br>
+            <a:r>
+              <a:rPr kumimoji="0" lang="en-US" altLang="en-US" sz="1400" b="1" i="0" u="none" strike="noStrike" cap="none" normalizeH="0" baseline="0" dirty="0" smtClean="0">
+                <a:ln>
+                  <a:noFill/>
+                </a:ln>
+                <a:solidFill>
+                  <a:srgbClr val="000080"/>
+                </a:solidFill>
+                <a:effectLst/>
+                <a:latin typeface="Courier New" panose="02070309020205020404" pitchFamily="49" charset="0"/>
+                <a:cs typeface="Courier New" panose="02070309020205020404" pitchFamily="49" charset="0"/>
+              </a:rPr>
+              <a:t>PREFIX </a:t>
+            </a:r>
+            <a:r>
+              <a:rPr kumimoji="0" lang="en-US" altLang="en-US" sz="1400" b="0" i="0" u="none" strike="noStrike" cap="none" normalizeH="0" baseline="0" dirty="0" err="1" smtClean="0">
+                <a:ln>
+                  <a:noFill/>
+                </a:ln>
+                <a:solidFill>
+                  <a:srgbClr val="000000"/>
+                </a:solidFill>
+                <a:effectLst/>
+                <a:latin typeface="Courier New" panose="02070309020205020404" pitchFamily="49" charset="0"/>
+                <a:cs typeface="Courier New" panose="02070309020205020404" pitchFamily="49" charset="0"/>
+              </a:rPr>
+              <a:t>dbo</a:t>
+            </a:r>
+            <a:r>
+              <a:rPr kumimoji="0" lang="en-US" altLang="en-US" sz="1400" b="0" i="0" u="none" strike="noStrike" cap="none" normalizeH="0" baseline="0" dirty="0" smtClean="0">
+                <a:ln>
+                  <a:noFill/>
+                </a:ln>
+                <a:solidFill>
+                  <a:srgbClr val="000000"/>
+                </a:solidFill>
+                <a:effectLst/>
+                <a:latin typeface="Courier New" panose="02070309020205020404" pitchFamily="49" charset="0"/>
+                <a:cs typeface="Courier New" panose="02070309020205020404" pitchFamily="49" charset="0"/>
+              </a:rPr>
+              <a:t>: &lt;http://dbpedia.org/ontology/&gt;</a:t>
+            </a:r>
+            <a:br>
+              <a:rPr kumimoji="0" lang="en-US" altLang="en-US" sz="1400" b="0" i="0" u="none" strike="noStrike" cap="none" normalizeH="0" baseline="0" dirty="0" smtClean="0">
+                <a:ln>
+                  <a:noFill/>
+                </a:ln>
+                <a:solidFill>
+                  <a:srgbClr val="000000"/>
+                </a:solidFill>
+                <a:effectLst/>
+                <a:latin typeface="Courier New" panose="02070309020205020404" pitchFamily="49" charset="0"/>
+                <a:cs typeface="Courier New" panose="02070309020205020404" pitchFamily="49" charset="0"/>
+              </a:rPr>
+            </a:br>
+            <a:r>
+              <a:rPr kumimoji="0" lang="en-US" altLang="en-US" sz="1400" b="1" i="0" u="none" strike="noStrike" cap="none" normalizeH="0" baseline="0" dirty="0" smtClean="0">
+                <a:ln>
+                  <a:noFill/>
+                </a:ln>
+                <a:solidFill>
+                  <a:srgbClr val="000080"/>
+                </a:solidFill>
+                <a:effectLst/>
+                <a:latin typeface="Courier New" panose="02070309020205020404" pitchFamily="49" charset="0"/>
+                <a:cs typeface="Courier New" panose="02070309020205020404" pitchFamily="49" charset="0"/>
+              </a:rPr>
+              <a:t>PREFIX </a:t>
+            </a:r>
+            <a:r>
+              <a:rPr kumimoji="0" lang="en-US" altLang="en-US" sz="1400" b="0" i="0" u="none" strike="noStrike" cap="none" normalizeH="0" baseline="0" dirty="0" err="1" smtClean="0">
+                <a:ln>
+                  <a:noFill/>
+                </a:ln>
+                <a:solidFill>
+                  <a:srgbClr val="000000"/>
+                </a:solidFill>
+                <a:effectLst/>
+                <a:latin typeface="Courier New" panose="02070309020205020404" pitchFamily="49" charset="0"/>
+                <a:cs typeface="Courier New" panose="02070309020205020404" pitchFamily="49" charset="0"/>
+              </a:rPr>
+              <a:t>dbp</a:t>
+            </a:r>
+            <a:r>
+              <a:rPr kumimoji="0" lang="en-US" altLang="en-US" sz="1400" b="0" i="0" u="none" strike="noStrike" cap="none" normalizeH="0" baseline="0" dirty="0" smtClean="0">
+                <a:ln>
+                  <a:noFill/>
+                </a:ln>
+                <a:solidFill>
+                  <a:srgbClr val="000000"/>
+                </a:solidFill>
+                <a:effectLst/>
+                <a:latin typeface="Courier New" panose="02070309020205020404" pitchFamily="49" charset="0"/>
+                <a:cs typeface="Courier New" panose="02070309020205020404" pitchFamily="49" charset="0"/>
+              </a:rPr>
+              <a:t>: &lt;http://dbpedia.org/property/&gt;</a:t>
+            </a:r>
+          </a:p>
+          <a:p>
+            <a:pPr marL="0" marR="0" lvl="0" indent="0" algn="l" defTabSz="914400" rtl="0" eaLnBrk="0" fontAlgn="base" latinLnBrk="0" hangingPunct="0">
+              <a:lnSpc>
+                <a:spcPct val="100000"/>
+              </a:lnSpc>
+              <a:spcBef>
+                <a:spcPct val="0"/>
+              </a:spcBef>
+              <a:spcAft>
+                <a:spcPct val="0"/>
+              </a:spcAft>
+              <a:buClrTx/>
+              <a:buSzTx/>
+              <a:buFontTx/>
+              <a:buNone/>
+              <a:tabLst/>
+            </a:pPr>
+            <a:endParaRPr kumimoji="0" lang="en-US" altLang="en-US" sz="1400" b="0" i="0" u="none" strike="noStrike" cap="none" normalizeH="0" baseline="0" dirty="0" smtClean="0">
+              <a:ln>
+                <a:noFill/>
+              </a:ln>
+              <a:solidFill>
+                <a:srgbClr val="000000"/>
+              </a:solidFill>
+              <a:effectLst/>
+              <a:latin typeface="Courier New" panose="02070309020205020404" pitchFamily="49" charset="0"/>
+              <a:cs typeface="Courier New" panose="02070309020205020404" pitchFamily="49" charset="0"/>
+            </a:endParaRPr>
+          </a:p>
+          <a:p>
+            <a:pPr marL="0" marR="0" lvl="0" indent="0" algn="l" defTabSz="914400" rtl="0" eaLnBrk="0" fontAlgn="base" latinLnBrk="0" hangingPunct="0">
+              <a:lnSpc>
+                <a:spcPct val="100000"/>
+              </a:lnSpc>
+              <a:spcBef>
+                <a:spcPct val="0"/>
+              </a:spcBef>
+              <a:spcAft>
+                <a:spcPct val="0"/>
+              </a:spcAft>
+              <a:buClrTx/>
+              <a:buSzTx/>
+              <a:buFontTx/>
+              <a:buNone/>
+              <a:tabLst/>
+            </a:pPr>
+            <a:r>
+              <a:rPr kumimoji="0" lang="en-US" altLang="en-US" sz="1400" b="1" i="0" u="none" strike="noStrike" cap="none" normalizeH="0" baseline="0" dirty="0" smtClean="0">
+                <a:ln>
+                  <a:noFill/>
+                </a:ln>
+                <a:solidFill>
+                  <a:srgbClr val="000080"/>
+                </a:solidFill>
+                <a:effectLst/>
+                <a:latin typeface="Courier New" panose="02070309020205020404" pitchFamily="49" charset="0"/>
+                <a:cs typeface="Courier New" panose="02070309020205020404" pitchFamily="49" charset="0"/>
+              </a:rPr>
+              <a:t>SELECT </a:t>
+            </a:r>
+            <a:r>
+              <a:rPr kumimoji="0" lang="en-US" altLang="en-US" sz="1400" b="0" i="0" u="none" strike="noStrike" cap="none" normalizeH="0" baseline="0" dirty="0" smtClean="0">
+                <a:ln>
+                  <a:noFill/>
+                </a:ln>
+                <a:solidFill>
+                  <a:srgbClr val="000000"/>
+                </a:solidFill>
+                <a:effectLst/>
+                <a:latin typeface="Courier New" panose="02070309020205020404" pitchFamily="49" charset="0"/>
+                <a:cs typeface="Courier New" panose="02070309020205020404" pitchFamily="49" charset="0"/>
+              </a:rPr>
+              <a:t>?person ?name ?</a:t>
+            </a:r>
+            <a:r>
+              <a:rPr kumimoji="0" lang="en-US" altLang="en-US" sz="1400" b="0" i="0" u="none" strike="noStrike" cap="none" normalizeH="0" baseline="0" dirty="0" err="1" smtClean="0">
+                <a:ln>
+                  <a:noFill/>
+                </a:ln>
+                <a:solidFill>
+                  <a:srgbClr val="000000"/>
+                </a:solidFill>
+                <a:effectLst/>
+                <a:latin typeface="Courier New" panose="02070309020205020404" pitchFamily="49" charset="0"/>
+                <a:cs typeface="Courier New" panose="02070309020205020404" pitchFamily="49" charset="0"/>
+              </a:rPr>
+              <a:t>birthDate</a:t>
+            </a:r>
+            <a:r>
+              <a:rPr kumimoji="0" lang="en-US" altLang="en-US" sz="1400" b="0" i="0" u="none" strike="noStrike" cap="none" normalizeH="0" baseline="0" dirty="0" smtClean="0">
+                <a:ln>
+                  <a:noFill/>
+                </a:ln>
+                <a:solidFill>
+                  <a:srgbClr val="000000"/>
+                </a:solidFill>
+                <a:effectLst/>
+                <a:latin typeface="Courier New" panose="02070309020205020404" pitchFamily="49" charset="0"/>
+                <a:cs typeface="Courier New" panose="02070309020205020404" pitchFamily="49" charset="0"/>
+              </a:rPr>
+              <a:t> ?</a:t>
+            </a:r>
+            <a:r>
+              <a:rPr kumimoji="0" lang="en-US" altLang="en-US" sz="1400" b="0" i="0" u="none" strike="noStrike" cap="none" normalizeH="0" baseline="0" dirty="0" err="1" smtClean="0">
+                <a:ln>
+                  <a:noFill/>
+                </a:ln>
+                <a:solidFill>
+                  <a:srgbClr val="000000"/>
+                </a:solidFill>
+                <a:effectLst/>
+                <a:latin typeface="Courier New" panose="02070309020205020404" pitchFamily="49" charset="0"/>
+                <a:cs typeface="Courier New" panose="02070309020205020404" pitchFamily="49" charset="0"/>
+              </a:rPr>
+              <a:t>birthPlace</a:t>
+            </a:r>
+            <a:endParaRPr kumimoji="0" lang="en-US" altLang="en-US" sz="1400" b="0" i="0" u="none" strike="noStrike" cap="none" normalizeH="0" baseline="0" dirty="0" smtClean="0">
+              <a:ln>
+                <a:noFill/>
+              </a:ln>
+              <a:solidFill>
+                <a:srgbClr val="000000"/>
+              </a:solidFill>
+              <a:effectLst/>
+              <a:latin typeface="Courier New" panose="02070309020205020404" pitchFamily="49" charset="0"/>
+              <a:cs typeface="Courier New" panose="02070309020205020404" pitchFamily="49" charset="0"/>
+            </a:endParaRPr>
+          </a:p>
+          <a:p>
+            <a:pPr marL="0" marR="0" lvl="0" indent="0" algn="l" defTabSz="914400" rtl="0" eaLnBrk="0" fontAlgn="base" latinLnBrk="0" hangingPunct="0">
+              <a:lnSpc>
+                <a:spcPct val="100000"/>
+              </a:lnSpc>
+              <a:spcBef>
+                <a:spcPct val="0"/>
+              </a:spcBef>
+              <a:spcAft>
+                <a:spcPct val="0"/>
+              </a:spcAft>
+              <a:buClrTx/>
+              <a:buSzTx/>
+              <a:buFontTx/>
+              <a:buNone/>
+              <a:tabLst/>
+            </a:pPr>
+            <a:r>
+              <a:rPr kumimoji="0" lang="en-US" altLang="en-US" sz="1400" b="1" i="0" u="none" strike="noStrike" cap="none" normalizeH="0" baseline="0" dirty="0" smtClean="0">
+                <a:ln>
+                  <a:noFill/>
+                </a:ln>
+                <a:solidFill>
+                  <a:srgbClr val="000080"/>
+                </a:solidFill>
+                <a:effectLst/>
+                <a:latin typeface="Courier New" panose="02070309020205020404" pitchFamily="49" charset="0"/>
+                <a:cs typeface="Courier New" panose="02070309020205020404" pitchFamily="49" charset="0"/>
+              </a:rPr>
+              <a:t>FROM </a:t>
+            </a:r>
+            <a:r>
+              <a:rPr kumimoji="0" lang="en-US" altLang="en-US" sz="1400" b="0" i="0" u="none" strike="noStrike" cap="none" normalizeH="0" baseline="0" dirty="0" smtClean="0">
+                <a:ln>
+                  <a:noFill/>
+                </a:ln>
+                <a:solidFill>
+                  <a:srgbClr val="000000"/>
+                </a:solidFill>
+                <a:effectLst/>
+                <a:latin typeface="Courier New" panose="02070309020205020404" pitchFamily="49" charset="0"/>
+                <a:cs typeface="Courier New" panose="02070309020205020404" pitchFamily="49" charset="0"/>
+              </a:rPr>
+              <a:t>&lt;http://dbpedia.org&gt;</a:t>
+            </a:r>
+          </a:p>
+          <a:p>
+            <a:pPr marL="0" marR="0" lvl="0" indent="0" algn="l" defTabSz="914400" rtl="0" eaLnBrk="0" fontAlgn="base" latinLnBrk="0" hangingPunct="0">
+              <a:lnSpc>
+                <a:spcPct val="100000"/>
+              </a:lnSpc>
+              <a:spcBef>
+                <a:spcPct val="0"/>
+              </a:spcBef>
+              <a:spcAft>
+                <a:spcPct val="0"/>
+              </a:spcAft>
+              <a:buClrTx/>
+              <a:buSzTx/>
+              <a:buFontTx/>
+              <a:buNone/>
+              <a:tabLst/>
+            </a:pPr>
+            <a:r>
+              <a:rPr kumimoji="0" lang="en-US" altLang="en-US" sz="1400" b="1" i="0" u="none" strike="noStrike" cap="none" normalizeH="0" baseline="0" dirty="0" smtClean="0">
+                <a:ln>
+                  <a:noFill/>
+                </a:ln>
+                <a:solidFill>
+                  <a:srgbClr val="000080"/>
+                </a:solidFill>
+                <a:effectLst/>
+                <a:latin typeface="Courier New" panose="02070309020205020404" pitchFamily="49" charset="0"/>
+                <a:cs typeface="Courier New" panose="02070309020205020404" pitchFamily="49" charset="0"/>
+              </a:rPr>
+              <a:t>WHERE </a:t>
+            </a:r>
+            <a:r>
+              <a:rPr kumimoji="0" lang="en-US" altLang="en-US" sz="1400" b="0" i="0" u="none" strike="noStrike" cap="none" normalizeH="0" baseline="0" dirty="0" smtClean="0">
+                <a:ln>
+                  <a:noFill/>
+                </a:ln>
+                <a:solidFill>
+                  <a:srgbClr val="000000"/>
+                </a:solidFill>
+                <a:effectLst/>
+                <a:latin typeface="Courier New" panose="02070309020205020404" pitchFamily="49" charset="0"/>
+                <a:cs typeface="Courier New" panose="02070309020205020404" pitchFamily="49" charset="0"/>
+              </a:rPr>
+              <a:t>{</a:t>
+            </a:r>
+            <a:br>
+              <a:rPr kumimoji="0" lang="en-US" altLang="en-US" sz="1400" b="0" i="0" u="none" strike="noStrike" cap="none" normalizeH="0" baseline="0" dirty="0" smtClean="0">
+                <a:ln>
+                  <a:noFill/>
+                </a:ln>
+                <a:solidFill>
+                  <a:srgbClr val="000000"/>
+                </a:solidFill>
+                <a:effectLst/>
+                <a:latin typeface="Courier New" panose="02070309020205020404" pitchFamily="49" charset="0"/>
+                <a:cs typeface="Courier New" panose="02070309020205020404" pitchFamily="49" charset="0"/>
+              </a:rPr>
+            </a:br>
+            <a:r>
+              <a:rPr kumimoji="0" lang="en-US" altLang="en-US" sz="1400" b="0" i="0" u="none" strike="noStrike" cap="none" normalizeH="0" baseline="0" dirty="0" smtClean="0">
+                <a:ln>
+                  <a:noFill/>
+                </a:ln>
+                <a:solidFill>
+                  <a:srgbClr val="000000"/>
+                </a:solidFill>
+                <a:effectLst/>
+                <a:latin typeface="Courier New" panose="02070309020205020404" pitchFamily="49" charset="0"/>
+                <a:cs typeface="Courier New" panose="02070309020205020404" pitchFamily="49" charset="0"/>
+              </a:rPr>
+              <a:t> {</a:t>
+            </a:r>
+            <a:br>
+              <a:rPr kumimoji="0" lang="en-US" altLang="en-US" sz="1400" b="0" i="0" u="none" strike="noStrike" cap="none" normalizeH="0" baseline="0" dirty="0" smtClean="0">
+                <a:ln>
+                  <a:noFill/>
+                </a:ln>
+                <a:solidFill>
+                  <a:srgbClr val="000000"/>
+                </a:solidFill>
+                <a:effectLst/>
+                <a:latin typeface="Courier New" panose="02070309020205020404" pitchFamily="49" charset="0"/>
+                <a:cs typeface="Courier New" panose="02070309020205020404" pitchFamily="49" charset="0"/>
+              </a:rPr>
+            </a:br>
+            <a:r>
+              <a:rPr kumimoji="0" lang="en-US" altLang="en-US" sz="1400" b="0" i="0" u="none" strike="noStrike" cap="none" normalizeH="0" baseline="0" dirty="0" smtClean="0">
+                <a:ln>
+                  <a:noFill/>
+                </a:ln>
+                <a:solidFill>
+                  <a:srgbClr val="000000"/>
+                </a:solidFill>
+                <a:effectLst/>
+                <a:latin typeface="Courier New" panose="02070309020205020404" pitchFamily="49" charset="0"/>
+                <a:cs typeface="Courier New" panose="02070309020205020404" pitchFamily="49" charset="0"/>
+              </a:rPr>
+              <a:t>  ?person </a:t>
+            </a:r>
+            <a:r>
+              <a:rPr kumimoji="0" lang="en-US" altLang="en-US" sz="1400" b="0" i="0" u="none" strike="noStrike" cap="none" normalizeH="0" baseline="0" dirty="0" err="1" smtClean="0">
+                <a:ln>
+                  <a:noFill/>
+                </a:ln>
+                <a:solidFill>
+                  <a:srgbClr val="000000"/>
+                </a:solidFill>
+                <a:effectLst/>
+                <a:latin typeface="Courier New" panose="02070309020205020404" pitchFamily="49" charset="0"/>
+                <a:cs typeface="Courier New" panose="02070309020205020404" pitchFamily="49" charset="0"/>
+              </a:rPr>
+              <a:t>dbo:birthPlace</a:t>
+            </a:r>
+            <a:r>
+              <a:rPr kumimoji="0" lang="en-US" altLang="en-US" sz="1400" b="0" i="0" u="none" strike="noStrike" cap="none" normalizeH="0" baseline="0" dirty="0" smtClean="0">
+                <a:ln>
+                  <a:noFill/>
+                </a:ln>
+                <a:solidFill>
+                  <a:srgbClr val="000000"/>
+                </a:solidFill>
+                <a:effectLst/>
+                <a:latin typeface="Courier New" panose="02070309020205020404" pitchFamily="49" charset="0"/>
+                <a:cs typeface="Courier New" panose="02070309020205020404" pitchFamily="49" charset="0"/>
+              </a:rPr>
+              <a:t> </a:t>
+            </a:r>
+            <a:r>
+              <a:rPr kumimoji="0" lang="en-US" altLang="en-US" sz="1400" b="0" i="0" u="none" strike="noStrike" cap="none" normalizeH="0" baseline="0" dirty="0" err="1" smtClean="0">
+                <a:ln>
+                  <a:noFill/>
+                </a:ln>
+                <a:solidFill>
+                  <a:srgbClr val="000000"/>
+                </a:solidFill>
+                <a:effectLst/>
+                <a:latin typeface="Courier New" panose="02070309020205020404" pitchFamily="49" charset="0"/>
+                <a:cs typeface="Courier New" panose="02070309020205020404" pitchFamily="49" charset="0"/>
+              </a:rPr>
+              <a:t>dbr:Bern</a:t>
+            </a:r>
+            <a:r>
+              <a:rPr kumimoji="0" lang="en-US" altLang="en-US" sz="1400" b="0" i="0" u="none" strike="noStrike" cap="none" normalizeH="0" baseline="0" dirty="0" smtClean="0">
+                <a:ln>
+                  <a:noFill/>
+                </a:ln>
+                <a:solidFill>
+                  <a:srgbClr val="000000"/>
+                </a:solidFill>
+                <a:effectLst/>
+                <a:latin typeface="Courier New" panose="02070309020205020404" pitchFamily="49" charset="0"/>
+                <a:cs typeface="Courier New" panose="02070309020205020404" pitchFamily="49" charset="0"/>
+              </a:rPr>
+              <a:t> .</a:t>
+            </a:r>
+          </a:p>
+          <a:p>
+            <a:pPr marL="0" marR="0" lvl="0" indent="0" algn="l" defTabSz="914400" rtl="0" eaLnBrk="0" fontAlgn="base" latinLnBrk="0" hangingPunct="0">
+              <a:lnSpc>
+                <a:spcPct val="100000"/>
+              </a:lnSpc>
+              <a:spcBef>
+                <a:spcPct val="0"/>
+              </a:spcBef>
+              <a:spcAft>
+                <a:spcPct val="0"/>
+              </a:spcAft>
+              <a:buClrTx/>
+              <a:buSzTx/>
+              <a:buFontTx/>
+              <a:buNone/>
+              <a:tabLst/>
+            </a:pPr>
+            <a:r>
+              <a:rPr kumimoji="0" lang="en-US" altLang="en-US" sz="1400" b="0" i="0" u="none" strike="noStrike" cap="none" normalizeH="0" baseline="0" dirty="0" smtClean="0">
+                <a:ln>
+                  <a:noFill/>
+                </a:ln>
+                <a:solidFill>
+                  <a:srgbClr val="000000"/>
+                </a:solidFill>
+                <a:effectLst/>
+                <a:latin typeface="Courier New" panose="02070309020205020404" pitchFamily="49" charset="0"/>
+                <a:cs typeface="Courier New" panose="02070309020205020404" pitchFamily="49" charset="0"/>
+              </a:rPr>
+              <a:t>  </a:t>
+            </a:r>
+            <a:r>
+              <a:rPr kumimoji="0" lang="en-US" altLang="en-US" sz="1400" b="1" i="0" u="none" strike="noStrike" cap="none" normalizeH="0" baseline="0" dirty="0" smtClean="0">
+                <a:ln>
+                  <a:noFill/>
+                </a:ln>
+                <a:solidFill>
+                  <a:srgbClr val="000080"/>
+                </a:solidFill>
+                <a:effectLst/>
+                <a:latin typeface="Courier New" panose="02070309020205020404" pitchFamily="49" charset="0"/>
+                <a:cs typeface="Courier New" panose="02070309020205020404" pitchFamily="49" charset="0"/>
+              </a:rPr>
+              <a:t>OPTIONAL </a:t>
+            </a:r>
+            <a:r>
+              <a:rPr kumimoji="0" lang="en-US" altLang="en-US" sz="1400" b="0" i="0" u="none" strike="noStrike" cap="none" normalizeH="0" baseline="0" dirty="0" smtClean="0">
+                <a:ln>
+                  <a:noFill/>
+                </a:ln>
+                <a:solidFill>
+                  <a:srgbClr val="000000"/>
+                </a:solidFill>
+                <a:effectLst/>
+                <a:latin typeface="Courier New" panose="02070309020205020404" pitchFamily="49" charset="0"/>
+                <a:cs typeface="Courier New" panose="02070309020205020404" pitchFamily="49" charset="0"/>
+              </a:rPr>
+              <a:t>{</a:t>
+            </a:r>
+            <a:br>
+              <a:rPr kumimoji="0" lang="en-US" altLang="en-US" sz="1400" b="0" i="0" u="none" strike="noStrike" cap="none" normalizeH="0" baseline="0" dirty="0" smtClean="0">
+                <a:ln>
+                  <a:noFill/>
+                </a:ln>
+                <a:solidFill>
+                  <a:srgbClr val="000000"/>
+                </a:solidFill>
+                <a:effectLst/>
+                <a:latin typeface="Courier New" panose="02070309020205020404" pitchFamily="49" charset="0"/>
+                <a:cs typeface="Courier New" panose="02070309020205020404" pitchFamily="49" charset="0"/>
+              </a:rPr>
+            </a:br>
+            <a:r>
+              <a:rPr kumimoji="0" lang="en-US" altLang="en-US" sz="1400" b="0" i="0" u="none" strike="noStrike" cap="none" normalizeH="0" baseline="0" dirty="0" smtClean="0">
+                <a:ln>
+                  <a:noFill/>
+                </a:ln>
+                <a:solidFill>
+                  <a:srgbClr val="000000"/>
+                </a:solidFill>
+                <a:effectLst/>
+                <a:latin typeface="Courier New" panose="02070309020205020404" pitchFamily="49" charset="0"/>
+                <a:cs typeface="Courier New" panose="02070309020205020404" pitchFamily="49" charset="0"/>
+              </a:rPr>
+              <a:t>   ?person </a:t>
+            </a:r>
+            <a:r>
+              <a:rPr kumimoji="0" lang="en-US" altLang="en-US" sz="1400" b="0" i="0" u="none" strike="noStrike" cap="none" normalizeH="0" baseline="0" dirty="0" err="1" smtClean="0">
+                <a:ln>
+                  <a:noFill/>
+                </a:ln>
+                <a:solidFill>
+                  <a:srgbClr val="000000"/>
+                </a:solidFill>
+                <a:effectLst/>
+                <a:latin typeface="Courier New" panose="02070309020205020404" pitchFamily="49" charset="0"/>
+                <a:cs typeface="Courier New" panose="02070309020205020404" pitchFamily="49" charset="0"/>
+              </a:rPr>
+              <a:t>dbo:birthDate</a:t>
+            </a:r>
+            <a:r>
+              <a:rPr kumimoji="0" lang="en-US" altLang="en-US" sz="1400" b="0" i="0" u="none" strike="noStrike" cap="none" normalizeH="0" baseline="0" dirty="0" smtClean="0">
+                <a:ln>
+                  <a:noFill/>
+                </a:ln>
+                <a:solidFill>
+                  <a:srgbClr val="000000"/>
+                </a:solidFill>
+                <a:effectLst/>
+                <a:latin typeface="Courier New" panose="02070309020205020404" pitchFamily="49" charset="0"/>
+                <a:cs typeface="Courier New" panose="02070309020205020404" pitchFamily="49" charset="0"/>
+              </a:rPr>
+              <a:t> ?</a:t>
+            </a:r>
+            <a:r>
+              <a:rPr kumimoji="0" lang="en-US" altLang="en-US" sz="1400" b="0" i="0" u="none" strike="noStrike" cap="none" normalizeH="0" baseline="0" dirty="0" err="1" smtClean="0">
+                <a:ln>
+                  <a:noFill/>
+                </a:ln>
+                <a:solidFill>
+                  <a:srgbClr val="000000"/>
+                </a:solidFill>
+                <a:effectLst/>
+                <a:latin typeface="Courier New" panose="02070309020205020404" pitchFamily="49" charset="0"/>
+                <a:cs typeface="Courier New" panose="02070309020205020404" pitchFamily="49" charset="0"/>
+              </a:rPr>
+              <a:t>birthDate</a:t>
+            </a:r>
+            <a:r>
+              <a:rPr kumimoji="0" lang="en-US" altLang="en-US" sz="1400" b="0" i="0" u="none" strike="noStrike" cap="none" normalizeH="0" baseline="0" dirty="0" smtClean="0">
+                <a:ln>
+                  <a:noFill/>
+                </a:ln>
+                <a:solidFill>
+                  <a:srgbClr val="000000"/>
+                </a:solidFill>
+                <a:effectLst/>
+                <a:latin typeface="Courier New" panose="02070309020205020404" pitchFamily="49" charset="0"/>
+                <a:cs typeface="Courier New" panose="02070309020205020404" pitchFamily="49" charset="0"/>
+              </a:rPr>
+              <a:t> .</a:t>
+            </a:r>
+          </a:p>
+          <a:p>
+            <a:pPr marL="0" marR="0" lvl="0" indent="0" algn="l" defTabSz="914400" rtl="0" eaLnBrk="0" fontAlgn="base" latinLnBrk="0" hangingPunct="0">
+              <a:lnSpc>
+                <a:spcPct val="100000"/>
+              </a:lnSpc>
+              <a:spcBef>
+                <a:spcPct val="0"/>
+              </a:spcBef>
+              <a:spcAft>
+                <a:spcPct val="0"/>
+              </a:spcAft>
+              <a:buClrTx/>
+              <a:buSzTx/>
+              <a:buFontTx/>
+              <a:buNone/>
+              <a:tabLst/>
+            </a:pPr>
+            <a:r>
+              <a:rPr kumimoji="0" lang="en-US" altLang="en-US" sz="1400" b="0" i="0" u="none" strike="noStrike" cap="none" normalizeH="0" baseline="0" dirty="0" smtClean="0">
+                <a:ln>
+                  <a:noFill/>
+                </a:ln>
+                <a:solidFill>
+                  <a:srgbClr val="000000"/>
+                </a:solidFill>
+                <a:effectLst/>
+                <a:latin typeface="Courier New" panose="02070309020205020404" pitchFamily="49" charset="0"/>
+                <a:cs typeface="Courier New" panose="02070309020205020404" pitchFamily="49" charset="0"/>
+              </a:rPr>
+              <a:t>   </a:t>
+            </a:r>
+            <a:r>
+              <a:rPr kumimoji="0" lang="en-US" altLang="en-US" sz="1400" b="1" i="0" u="none" strike="noStrike" cap="none" normalizeH="0" baseline="0" dirty="0" smtClean="0">
+                <a:ln>
+                  <a:noFill/>
+                </a:ln>
+                <a:solidFill>
+                  <a:srgbClr val="000080"/>
+                </a:solidFill>
+                <a:effectLst/>
+                <a:latin typeface="Courier New" panose="02070309020205020404" pitchFamily="49" charset="0"/>
+                <a:cs typeface="Courier New" panose="02070309020205020404" pitchFamily="49" charset="0"/>
+              </a:rPr>
               <a:t>FILTER</a:t>
             </a:r>
-            <a:endParaRPr lang="en-GB" dirty="0"/>
+            <a:r>
+              <a:rPr kumimoji="0" lang="en-US" altLang="en-US" sz="1400" b="0" i="0" u="none" strike="noStrike" cap="none" normalizeH="0" baseline="0" dirty="0" smtClean="0">
+                <a:ln>
+                  <a:noFill/>
+                </a:ln>
+                <a:solidFill>
+                  <a:srgbClr val="000000"/>
+                </a:solidFill>
+                <a:effectLst/>
+                <a:latin typeface="Courier New" panose="02070309020205020404" pitchFamily="49" charset="0"/>
+                <a:cs typeface="Courier New" panose="02070309020205020404" pitchFamily="49" charset="0"/>
+              </a:rPr>
+              <a:t>(?</a:t>
+            </a:r>
+            <a:r>
+              <a:rPr kumimoji="0" lang="en-US" altLang="en-US" sz="1400" b="0" i="0" u="none" strike="noStrike" cap="none" normalizeH="0" baseline="0" dirty="0" err="1" smtClean="0">
+                <a:ln>
+                  <a:noFill/>
+                </a:ln>
+                <a:solidFill>
+                  <a:srgbClr val="000000"/>
+                </a:solidFill>
+                <a:effectLst/>
+                <a:latin typeface="Courier New" panose="02070309020205020404" pitchFamily="49" charset="0"/>
+                <a:cs typeface="Courier New" panose="02070309020205020404" pitchFamily="49" charset="0"/>
+              </a:rPr>
+              <a:t>birthDate</a:t>
+            </a:r>
+            <a:r>
+              <a:rPr kumimoji="0" lang="en-US" altLang="en-US" sz="1400" b="0" i="0" u="none" strike="noStrike" cap="none" normalizeH="0" baseline="0" dirty="0" smtClean="0">
+                <a:ln>
+                  <a:noFill/>
+                </a:ln>
+                <a:solidFill>
+                  <a:srgbClr val="000000"/>
+                </a:solidFill>
+                <a:effectLst/>
+                <a:latin typeface="Courier New" panose="02070309020205020404" pitchFamily="49" charset="0"/>
+                <a:cs typeface="Courier New" panose="02070309020205020404" pitchFamily="49" charset="0"/>
+              </a:rPr>
+              <a:t> &lt; </a:t>
+            </a:r>
+            <a:r>
+              <a:rPr kumimoji="0" lang="en-US" altLang="en-US" sz="1400" b="1" i="0" u="none" strike="noStrike" cap="none" normalizeH="0" baseline="0" dirty="0" smtClean="0">
+                <a:ln>
+                  <a:noFill/>
+                </a:ln>
+                <a:solidFill>
+                  <a:srgbClr val="008000"/>
+                </a:solidFill>
+                <a:effectLst/>
+                <a:latin typeface="Courier New" panose="02070309020205020404" pitchFamily="49" charset="0"/>
+                <a:cs typeface="Courier New" panose="02070309020205020404" pitchFamily="49" charset="0"/>
+              </a:rPr>
+              <a:t>'2000-01-01'</a:t>
+            </a:r>
+            <a:r>
+              <a:rPr kumimoji="0" lang="en-US" altLang="en-US" sz="1400" b="0" i="0" u="none" strike="noStrike" cap="none" normalizeH="0" baseline="0" dirty="0" smtClean="0">
+                <a:ln>
+                  <a:noFill/>
+                </a:ln>
+                <a:solidFill>
+                  <a:srgbClr val="000000"/>
+                </a:solidFill>
+                <a:effectLst/>
+                <a:latin typeface="Courier New" panose="02070309020205020404" pitchFamily="49" charset="0"/>
+                <a:cs typeface="Courier New" panose="02070309020205020404" pitchFamily="49" charset="0"/>
+              </a:rPr>
+              <a:t>^^</a:t>
+            </a:r>
+            <a:r>
+              <a:rPr kumimoji="0" lang="en-US" altLang="en-US" sz="1400" b="0" i="0" u="none" strike="noStrike" cap="none" normalizeH="0" baseline="0" dirty="0" err="1" smtClean="0">
+                <a:ln>
+                  <a:noFill/>
+                </a:ln>
+                <a:solidFill>
+                  <a:srgbClr val="000000"/>
+                </a:solidFill>
+                <a:effectLst/>
+                <a:latin typeface="Courier New" panose="02070309020205020404" pitchFamily="49" charset="0"/>
+                <a:cs typeface="Courier New" panose="02070309020205020404" pitchFamily="49" charset="0"/>
+              </a:rPr>
+              <a:t>xsd:dateTime</a:t>
+            </a:r>
+            <a:r>
+              <a:rPr kumimoji="0" lang="en-US" altLang="en-US" sz="1400" b="0" i="0" u="none" strike="noStrike" cap="none" normalizeH="0" baseline="0" dirty="0" smtClean="0">
+                <a:ln>
+                  <a:noFill/>
+                </a:ln>
+                <a:solidFill>
+                  <a:srgbClr val="000000"/>
+                </a:solidFill>
+                <a:effectLst/>
+                <a:latin typeface="Courier New" panose="02070309020205020404" pitchFamily="49" charset="0"/>
+                <a:cs typeface="Courier New" panose="02070309020205020404" pitchFamily="49" charset="0"/>
+              </a:rPr>
+              <a:t>)</a:t>
+            </a:r>
+            <a:br>
+              <a:rPr kumimoji="0" lang="en-US" altLang="en-US" sz="1400" b="0" i="0" u="none" strike="noStrike" cap="none" normalizeH="0" baseline="0" dirty="0" smtClean="0">
+                <a:ln>
+                  <a:noFill/>
+                </a:ln>
+                <a:solidFill>
+                  <a:srgbClr val="000000"/>
+                </a:solidFill>
+                <a:effectLst/>
+                <a:latin typeface="Courier New" panose="02070309020205020404" pitchFamily="49" charset="0"/>
+                <a:cs typeface="Courier New" panose="02070309020205020404" pitchFamily="49" charset="0"/>
+              </a:rPr>
+            </a:br>
+            <a:r>
+              <a:rPr kumimoji="0" lang="en-US" altLang="en-US" sz="1400" b="0" i="0" u="none" strike="noStrike" cap="none" normalizeH="0" baseline="0" dirty="0" smtClean="0">
+                <a:ln>
+                  <a:noFill/>
+                </a:ln>
+                <a:solidFill>
+                  <a:srgbClr val="000000"/>
+                </a:solidFill>
+                <a:effectLst/>
+                <a:latin typeface="Courier New" panose="02070309020205020404" pitchFamily="49" charset="0"/>
+                <a:cs typeface="Courier New" panose="02070309020205020404" pitchFamily="49" charset="0"/>
+              </a:rPr>
+              <a:t>  }</a:t>
+            </a:r>
+          </a:p>
+          <a:p>
+            <a:pPr marL="0" marR="0" lvl="0" indent="0" algn="l" defTabSz="914400" rtl="0" eaLnBrk="0" fontAlgn="base" latinLnBrk="0" hangingPunct="0">
+              <a:lnSpc>
+                <a:spcPct val="100000"/>
+              </a:lnSpc>
+              <a:spcBef>
+                <a:spcPct val="0"/>
+              </a:spcBef>
+              <a:spcAft>
+                <a:spcPct val="0"/>
+              </a:spcAft>
+              <a:buClrTx/>
+              <a:buSzTx/>
+              <a:buFontTx/>
+              <a:buNone/>
+              <a:tabLst/>
+            </a:pPr>
+            <a:r>
+              <a:rPr kumimoji="0" lang="en-US" altLang="en-US" sz="1400" b="0" i="0" u="none" strike="noStrike" cap="none" normalizeH="0" baseline="0" dirty="0" smtClean="0">
+                <a:ln>
+                  <a:noFill/>
+                </a:ln>
+                <a:solidFill>
+                  <a:srgbClr val="000000"/>
+                </a:solidFill>
+                <a:effectLst/>
+                <a:latin typeface="Courier New" panose="02070309020205020404" pitchFamily="49" charset="0"/>
+                <a:cs typeface="Courier New" panose="02070309020205020404" pitchFamily="49" charset="0"/>
+              </a:rPr>
+              <a:t> } </a:t>
+            </a:r>
+            <a:r>
+              <a:rPr kumimoji="0" lang="en-US" altLang="en-US" sz="1400" b="1" i="0" u="none" strike="noStrike" cap="none" normalizeH="0" baseline="0" dirty="0" smtClean="0">
+                <a:ln>
+                  <a:noFill/>
+                </a:ln>
+                <a:solidFill>
+                  <a:srgbClr val="000080"/>
+                </a:solidFill>
+                <a:effectLst/>
+                <a:latin typeface="Courier New" panose="02070309020205020404" pitchFamily="49" charset="0"/>
+                <a:cs typeface="Courier New" panose="02070309020205020404" pitchFamily="49" charset="0"/>
+              </a:rPr>
+              <a:t>UNION </a:t>
+            </a:r>
+            <a:r>
+              <a:rPr kumimoji="0" lang="en-US" altLang="en-US" sz="1400" b="0" i="0" u="none" strike="noStrike" cap="none" normalizeH="0" baseline="0" dirty="0" smtClean="0">
+                <a:ln>
+                  <a:noFill/>
+                </a:ln>
+                <a:solidFill>
+                  <a:srgbClr val="000000"/>
+                </a:solidFill>
+                <a:effectLst/>
+                <a:latin typeface="Courier New" panose="02070309020205020404" pitchFamily="49" charset="0"/>
+                <a:cs typeface="Courier New" panose="02070309020205020404" pitchFamily="49" charset="0"/>
+              </a:rPr>
+              <a:t>{</a:t>
+            </a:r>
+            <a:br>
+              <a:rPr kumimoji="0" lang="en-US" altLang="en-US" sz="1400" b="0" i="0" u="none" strike="noStrike" cap="none" normalizeH="0" baseline="0" dirty="0" smtClean="0">
+                <a:ln>
+                  <a:noFill/>
+                </a:ln>
+                <a:solidFill>
+                  <a:srgbClr val="000000"/>
+                </a:solidFill>
+                <a:effectLst/>
+                <a:latin typeface="Courier New" panose="02070309020205020404" pitchFamily="49" charset="0"/>
+                <a:cs typeface="Courier New" panose="02070309020205020404" pitchFamily="49" charset="0"/>
+              </a:rPr>
+            </a:br>
+            <a:r>
+              <a:rPr kumimoji="0" lang="en-US" altLang="en-US" sz="1400" b="0" i="0" u="none" strike="noStrike" cap="none" normalizeH="0" baseline="0" dirty="0" smtClean="0">
+                <a:ln>
+                  <a:noFill/>
+                </a:ln>
+                <a:solidFill>
+                  <a:srgbClr val="000000"/>
+                </a:solidFill>
+                <a:effectLst/>
+                <a:latin typeface="Courier New" panose="02070309020205020404" pitchFamily="49" charset="0"/>
+                <a:cs typeface="Courier New" panose="02070309020205020404" pitchFamily="49" charset="0"/>
+              </a:rPr>
+              <a:t>  ?person </a:t>
+            </a:r>
+            <a:r>
+              <a:rPr kumimoji="0" lang="en-US" altLang="en-US" sz="1400" b="0" i="0" u="none" strike="noStrike" cap="none" normalizeH="0" baseline="0" dirty="0" err="1" smtClean="0">
+                <a:ln>
+                  <a:noFill/>
+                </a:ln>
+                <a:solidFill>
+                  <a:srgbClr val="000000"/>
+                </a:solidFill>
+                <a:effectLst/>
+                <a:latin typeface="Courier New" panose="02070309020205020404" pitchFamily="49" charset="0"/>
+                <a:cs typeface="Courier New" panose="02070309020205020404" pitchFamily="49" charset="0"/>
+              </a:rPr>
+              <a:t>dbo:birthDate</a:t>
+            </a:r>
+            <a:r>
+              <a:rPr kumimoji="0" lang="en-US" altLang="en-US" sz="1400" b="0" i="0" u="none" strike="noStrike" cap="none" normalizeH="0" baseline="0" dirty="0" smtClean="0">
+                <a:ln>
+                  <a:noFill/>
+                </a:ln>
+                <a:solidFill>
+                  <a:srgbClr val="000000"/>
+                </a:solidFill>
+                <a:effectLst/>
+                <a:latin typeface="Courier New" panose="02070309020205020404" pitchFamily="49" charset="0"/>
+                <a:cs typeface="Courier New" panose="02070309020205020404" pitchFamily="49" charset="0"/>
+              </a:rPr>
+              <a:t> ?</a:t>
+            </a:r>
+            <a:r>
+              <a:rPr kumimoji="0" lang="en-US" altLang="en-US" sz="1400" b="0" i="0" u="none" strike="noStrike" cap="none" normalizeH="0" baseline="0" dirty="0" err="1" smtClean="0">
+                <a:ln>
+                  <a:noFill/>
+                </a:ln>
+                <a:solidFill>
+                  <a:srgbClr val="000000"/>
+                </a:solidFill>
+                <a:effectLst/>
+                <a:latin typeface="Courier New" panose="02070309020205020404" pitchFamily="49" charset="0"/>
+                <a:cs typeface="Courier New" panose="02070309020205020404" pitchFamily="49" charset="0"/>
+              </a:rPr>
+              <a:t>birthDate</a:t>
+            </a:r>
+            <a:r>
+              <a:rPr kumimoji="0" lang="en-US" altLang="en-US" sz="1400" b="0" i="0" u="none" strike="noStrike" cap="none" normalizeH="0" baseline="0" dirty="0" smtClean="0">
+                <a:ln>
+                  <a:noFill/>
+                </a:ln>
+                <a:solidFill>
+                  <a:srgbClr val="000000"/>
+                </a:solidFill>
+                <a:effectLst/>
+                <a:latin typeface="Courier New" panose="02070309020205020404" pitchFamily="49" charset="0"/>
+                <a:cs typeface="Courier New" panose="02070309020205020404" pitchFamily="49" charset="0"/>
+              </a:rPr>
+              <a:t> .</a:t>
+            </a:r>
+          </a:p>
+          <a:p>
+            <a:pPr marL="0" marR="0" lvl="0" indent="0" algn="l" defTabSz="914400" rtl="0" eaLnBrk="0" fontAlgn="base" latinLnBrk="0" hangingPunct="0">
+              <a:lnSpc>
+                <a:spcPct val="100000"/>
+              </a:lnSpc>
+              <a:spcBef>
+                <a:spcPct val="0"/>
+              </a:spcBef>
+              <a:spcAft>
+                <a:spcPct val="0"/>
+              </a:spcAft>
+              <a:buClrTx/>
+              <a:buSzTx/>
+              <a:buFontTx/>
+              <a:buNone/>
+              <a:tabLst/>
+            </a:pPr>
+            <a:r>
+              <a:rPr kumimoji="0" lang="en-US" altLang="en-US" sz="1400" b="0" i="0" u="none" strike="noStrike" cap="none" normalizeH="0" baseline="0" dirty="0" smtClean="0">
+                <a:ln>
+                  <a:noFill/>
+                </a:ln>
+                <a:solidFill>
+                  <a:srgbClr val="000000"/>
+                </a:solidFill>
+                <a:effectLst/>
+                <a:latin typeface="Courier New" panose="02070309020205020404" pitchFamily="49" charset="0"/>
+                <a:cs typeface="Courier New" panose="02070309020205020404" pitchFamily="49" charset="0"/>
+              </a:rPr>
+              <a:t>  </a:t>
+            </a:r>
+            <a:r>
+              <a:rPr kumimoji="0" lang="en-US" altLang="en-US" sz="1400" b="1" i="0" u="none" strike="noStrike" cap="none" normalizeH="0" baseline="0" dirty="0" smtClean="0">
+                <a:ln>
+                  <a:noFill/>
+                </a:ln>
+                <a:solidFill>
+                  <a:srgbClr val="000080"/>
+                </a:solidFill>
+                <a:effectLst/>
+                <a:latin typeface="Courier New" panose="02070309020205020404" pitchFamily="49" charset="0"/>
+                <a:cs typeface="Courier New" panose="02070309020205020404" pitchFamily="49" charset="0"/>
+              </a:rPr>
+              <a:t>FILTER</a:t>
+            </a:r>
+            <a:r>
+              <a:rPr kumimoji="0" lang="en-US" altLang="en-US" sz="1400" b="0" i="0" u="none" strike="noStrike" cap="none" normalizeH="0" baseline="0" dirty="0" smtClean="0">
+                <a:ln>
+                  <a:noFill/>
+                </a:ln>
+                <a:solidFill>
+                  <a:srgbClr val="000000"/>
+                </a:solidFill>
+                <a:effectLst/>
+                <a:latin typeface="Courier New" panose="02070309020205020404" pitchFamily="49" charset="0"/>
+                <a:cs typeface="Courier New" panose="02070309020205020404" pitchFamily="49" charset="0"/>
+              </a:rPr>
+              <a:t>(?</a:t>
+            </a:r>
+            <a:r>
+              <a:rPr kumimoji="0" lang="en-US" altLang="en-US" sz="1400" b="0" i="0" u="none" strike="noStrike" cap="none" normalizeH="0" baseline="0" dirty="0" err="1" smtClean="0">
+                <a:ln>
+                  <a:noFill/>
+                </a:ln>
+                <a:solidFill>
+                  <a:srgbClr val="000000"/>
+                </a:solidFill>
+                <a:effectLst/>
+                <a:latin typeface="Courier New" panose="02070309020205020404" pitchFamily="49" charset="0"/>
+                <a:cs typeface="Courier New" panose="02070309020205020404" pitchFamily="49" charset="0"/>
+              </a:rPr>
+              <a:t>birthDate</a:t>
+            </a:r>
+            <a:r>
+              <a:rPr kumimoji="0" lang="en-US" altLang="en-US" sz="1400" b="0" i="0" u="none" strike="noStrike" cap="none" normalizeH="0" baseline="0" dirty="0" smtClean="0">
+                <a:ln>
+                  <a:noFill/>
+                </a:ln>
+                <a:solidFill>
+                  <a:srgbClr val="000000"/>
+                </a:solidFill>
+                <a:effectLst/>
+                <a:latin typeface="Courier New" panose="02070309020205020404" pitchFamily="49" charset="0"/>
+                <a:cs typeface="Courier New" panose="02070309020205020404" pitchFamily="49" charset="0"/>
+              </a:rPr>
+              <a:t> = </a:t>
+            </a:r>
+            <a:r>
+              <a:rPr kumimoji="0" lang="en-US" altLang="en-US" sz="1400" b="1" i="0" u="none" strike="noStrike" cap="none" normalizeH="0" baseline="0" dirty="0" smtClean="0">
+                <a:ln>
+                  <a:noFill/>
+                </a:ln>
+                <a:solidFill>
+                  <a:srgbClr val="008000"/>
+                </a:solidFill>
+                <a:effectLst/>
+                <a:latin typeface="Courier New" panose="02070309020205020404" pitchFamily="49" charset="0"/>
+                <a:cs typeface="Courier New" panose="02070309020205020404" pitchFamily="49" charset="0"/>
+              </a:rPr>
+              <a:t>'1991-11-20'</a:t>
+            </a:r>
+            <a:r>
+              <a:rPr kumimoji="0" lang="en-US" altLang="en-US" sz="1400" b="0" i="0" u="none" strike="noStrike" cap="none" normalizeH="0" baseline="0" dirty="0" smtClean="0">
+                <a:ln>
+                  <a:noFill/>
+                </a:ln>
+                <a:solidFill>
+                  <a:srgbClr val="000000"/>
+                </a:solidFill>
+                <a:effectLst/>
+                <a:latin typeface="Courier New" panose="02070309020205020404" pitchFamily="49" charset="0"/>
+                <a:cs typeface="Courier New" panose="02070309020205020404" pitchFamily="49" charset="0"/>
+              </a:rPr>
+              <a:t>^^</a:t>
+            </a:r>
+            <a:r>
+              <a:rPr kumimoji="0" lang="en-US" altLang="en-US" sz="1400" b="0" i="0" u="none" strike="noStrike" cap="none" normalizeH="0" baseline="0" dirty="0" err="1" smtClean="0">
+                <a:ln>
+                  <a:noFill/>
+                </a:ln>
+                <a:solidFill>
+                  <a:srgbClr val="000000"/>
+                </a:solidFill>
+                <a:effectLst/>
+                <a:latin typeface="Courier New" panose="02070309020205020404" pitchFamily="49" charset="0"/>
+                <a:cs typeface="Courier New" panose="02070309020205020404" pitchFamily="49" charset="0"/>
+              </a:rPr>
+              <a:t>xsd:dateTime</a:t>
+            </a:r>
+            <a:r>
+              <a:rPr kumimoji="0" lang="en-US" altLang="en-US" sz="1400" b="0" i="0" u="none" strike="noStrike" cap="none" normalizeH="0" baseline="0" dirty="0" smtClean="0">
+                <a:ln>
+                  <a:noFill/>
+                </a:ln>
+                <a:solidFill>
+                  <a:srgbClr val="000000"/>
+                </a:solidFill>
+                <a:effectLst/>
+                <a:latin typeface="Courier New" panose="02070309020205020404" pitchFamily="49" charset="0"/>
+                <a:cs typeface="Courier New" panose="02070309020205020404" pitchFamily="49" charset="0"/>
+              </a:rPr>
+              <a:t>)</a:t>
+            </a:r>
+            <a:br>
+              <a:rPr kumimoji="0" lang="en-US" altLang="en-US" sz="1400" b="0" i="0" u="none" strike="noStrike" cap="none" normalizeH="0" baseline="0" dirty="0" smtClean="0">
+                <a:ln>
+                  <a:noFill/>
+                </a:ln>
+                <a:solidFill>
+                  <a:srgbClr val="000000"/>
+                </a:solidFill>
+                <a:effectLst/>
+                <a:latin typeface="Courier New" panose="02070309020205020404" pitchFamily="49" charset="0"/>
+                <a:cs typeface="Courier New" panose="02070309020205020404" pitchFamily="49" charset="0"/>
+              </a:rPr>
+            </a:br>
+            <a:r>
+              <a:rPr kumimoji="0" lang="en-US" altLang="en-US" sz="1400" b="0" i="0" u="none" strike="noStrike" cap="none" normalizeH="0" baseline="0" dirty="0" smtClean="0">
+                <a:ln>
+                  <a:noFill/>
+                </a:ln>
+                <a:solidFill>
+                  <a:srgbClr val="000000"/>
+                </a:solidFill>
+                <a:effectLst/>
+                <a:latin typeface="Courier New" panose="02070309020205020404" pitchFamily="49" charset="0"/>
+                <a:cs typeface="Courier New" panose="02070309020205020404" pitchFamily="49" charset="0"/>
+              </a:rPr>
+              <a:t> }</a:t>
+            </a:r>
+          </a:p>
+          <a:p>
+            <a:pPr marL="0" marR="0" lvl="0" indent="0" algn="l" defTabSz="914400" rtl="0" eaLnBrk="0" fontAlgn="base" latinLnBrk="0" hangingPunct="0">
+              <a:lnSpc>
+                <a:spcPct val="100000"/>
+              </a:lnSpc>
+              <a:spcBef>
+                <a:spcPct val="0"/>
+              </a:spcBef>
+              <a:spcAft>
+                <a:spcPct val="0"/>
+              </a:spcAft>
+              <a:buClrTx/>
+              <a:buSzTx/>
+              <a:buFontTx/>
+              <a:buNone/>
+              <a:tabLst/>
+            </a:pPr>
+            <a:r>
+              <a:rPr kumimoji="0" lang="en-US" altLang="en-US" sz="1400" b="0" i="0" u="none" strike="noStrike" cap="none" normalizeH="0" baseline="0" dirty="0" smtClean="0">
+                <a:ln>
+                  <a:noFill/>
+                </a:ln>
+                <a:solidFill>
+                  <a:srgbClr val="000000"/>
+                </a:solidFill>
+                <a:effectLst/>
+                <a:latin typeface="Courier New" panose="02070309020205020404" pitchFamily="49" charset="0"/>
+                <a:cs typeface="Courier New" panose="02070309020205020404" pitchFamily="49" charset="0"/>
+              </a:rPr>
+              <a:t> </a:t>
+            </a:r>
+            <a:r>
+              <a:rPr kumimoji="0" lang="en-US" altLang="en-US" sz="1400" b="1" i="0" u="none" strike="noStrike" cap="none" normalizeH="0" baseline="0" dirty="0" smtClean="0">
+                <a:ln>
+                  <a:noFill/>
+                </a:ln>
+                <a:solidFill>
+                  <a:srgbClr val="000080"/>
+                </a:solidFill>
+                <a:effectLst/>
+                <a:latin typeface="Courier New" panose="02070309020205020404" pitchFamily="49" charset="0"/>
+                <a:cs typeface="Courier New" panose="02070309020205020404" pitchFamily="49" charset="0"/>
+              </a:rPr>
+              <a:t>OPTIONAL </a:t>
+            </a:r>
+            <a:r>
+              <a:rPr kumimoji="0" lang="en-US" altLang="en-US" sz="1400" b="0" i="0" u="none" strike="noStrike" cap="none" normalizeH="0" baseline="0" dirty="0" smtClean="0">
+                <a:ln>
+                  <a:noFill/>
+                </a:ln>
+                <a:solidFill>
+                  <a:srgbClr val="000000"/>
+                </a:solidFill>
+                <a:effectLst/>
+                <a:latin typeface="Courier New" panose="02070309020205020404" pitchFamily="49" charset="0"/>
+                <a:cs typeface="Courier New" panose="02070309020205020404" pitchFamily="49" charset="0"/>
+              </a:rPr>
+              <a:t>{ ?person </a:t>
+            </a:r>
+            <a:r>
+              <a:rPr kumimoji="0" lang="en-US" altLang="en-US" sz="1400" b="0" i="0" u="none" strike="noStrike" cap="none" normalizeH="0" baseline="0" dirty="0" err="1" smtClean="0">
+                <a:ln>
+                  <a:noFill/>
+                </a:ln>
+                <a:solidFill>
+                  <a:srgbClr val="000000"/>
+                </a:solidFill>
+                <a:effectLst/>
+                <a:latin typeface="Courier New" panose="02070309020205020404" pitchFamily="49" charset="0"/>
+                <a:cs typeface="Courier New" panose="02070309020205020404" pitchFamily="49" charset="0"/>
+              </a:rPr>
+              <a:t>rdfs:label</a:t>
+            </a:r>
+            <a:r>
+              <a:rPr kumimoji="0" lang="en-US" altLang="en-US" sz="1400" b="0" i="0" u="none" strike="noStrike" cap="none" normalizeH="0" baseline="0" dirty="0" smtClean="0">
+                <a:ln>
+                  <a:noFill/>
+                </a:ln>
+                <a:solidFill>
+                  <a:srgbClr val="000000"/>
+                </a:solidFill>
+                <a:effectLst/>
+                <a:latin typeface="Courier New" panose="02070309020205020404" pitchFamily="49" charset="0"/>
+                <a:cs typeface="Courier New" panose="02070309020205020404" pitchFamily="49" charset="0"/>
+              </a:rPr>
+              <a:t> ?name . }</a:t>
+            </a:r>
+            <a:br>
+              <a:rPr kumimoji="0" lang="en-US" altLang="en-US" sz="1400" b="0" i="0" u="none" strike="noStrike" cap="none" normalizeH="0" baseline="0" dirty="0" smtClean="0">
+                <a:ln>
+                  <a:noFill/>
+                </a:ln>
+                <a:solidFill>
+                  <a:srgbClr val="000000"/>
+                </a:solidFill>
+                <a:effectLst/>
+                <a:latin typeface="Courier New" panose="02070309020205020404" pitchFamily="49" charset="0"/>
+                <a:cs typeface="Courier New" panose="02070309020205020404" pitchFamily="49" charset="0"/>
+              </a:rPr>
+            </a:br>
+            <a:r>
+              <a:rPr kumimoji="0" lang="en-US" altLang="en-US" sz="1400" b="0" i="0" u="none" strike="noStrike" cap="none" normalizeH="0" baseline="0" dirty="0" smtClean="0">
+                <a:ln>
+                  <a:noFill/>
+                </a:ln>
+                <a:solidFill>
+                  <a:srgbClr val="000000"/>
+                </a:solidFill>
+                <a:effectLst/>
+                <a:latin typeface="Courier New" panose="02070309020205020404" pitchFamily="49" charset="0"/>
+                <a:cs typeface="Courier New" panose="02070309020205020404" pitchFamily="49" charset="0"/>
+              </a:rPr>
+              <a:t> </a:t>
+            </a:r>
+            <a:r>
+              <a:rPr kumimoji="0" lang="en-US" altLang="en-US" sz="1400" b="1" i="0" u="none" strike="noStrike" cap="none" normalizeH="0" baseline="0" dirty="0" smtClean="0">
+                <a:ln>
+                  <a:noFill/>
+                </a:ln>
+                <a:solidFill>
+                  <a:srgbClr val="000080"/>
+                </a:solidFill>
+                <a:effectLst/>
+                <a:latin typeface="Courier New" panose="02070309020205020404" pitchFamily="49" charset="0"/>
+                <a:cs typeface="Courier New" panose="02070309020205020404" pitchFamily="49" charset="0"/>
+              </a:rPr>
+              <a:t>OPTIONAL </a:t>
+            </a:r>
+            <a:r>
+              <a:rPr kumimoji="0" lang="en-US" altLang="en-US" sz="1400" b="0" i="0" u="none" strike="noStrike" cap="none" normalizeH="0" baseline="0" dirty="0" smtClean="0">
+                <a:ln>
+                  <a:noFill/>
+                </a:ln>
+                <a:solidFill>
+                  <a:srgbClr val="000000"/>
+                </a:solidFill>
+                <a:effectLst/>
+                <a:latin typeface="Courier New" panose="02070309020205020404" pitchFamily="49" charset="0"/>
+                <a:cs typeface="Courier New" panose="02070309020205020404" pitchFamily="49" charset="0"/>
+              </a:rPr>
+              <a:t>{ ?person </a:t>
+            </a:r>
+            <a:r>
+              <a:rPr kumimoji="0" lang="en-US" altLang="en-US" sz="1400" b="0" i="0" u="none" strike="noStrike" cap="none" normalizeH="0" baseline="0" dirty="0" err="1" smtClean="0">
+                <a:ln>
+                  <a:noFill/>
+                </a:ln>
+                <a:solidFill>
+                  <a:srgbClr val="000000"/>
+                </a:solidFill>
+                <a:effectLst/>
+                <a:latin typeface="Courier New" panose="02070309020205020404" pitchFamily="49" charset="0"/>
+                <a:cs typeface="Courier New" panose="02070309020205020404" pitchFamily="49" charset="0"/>
+              </a:rPr>
+              <a:t>foaf:name</a:t>
+            </a:r>
+            <a:r>
+              <a:rPr kumimoji="0" lang="en-US" altLang="en-US" sz="1400" b="0" i="0" u="none" strike="noStrike" cap="none" normalizeH="0" baseline="0" dirty="0" smtClean="0">
+                <a:ln>
+                  <a:noFill/>
+                </a:ln>
+                <a:solidFill>
+                  <a:srgbClr val="000000"/>
+                </a:solidFill>
+                <a:effectLst/>
+                <a:latin typeface="Courier New" panose="02070309020205020404" pitchFamily="49" charset="0"/>
+                <a:cs typeface="Courier New" panose="02070309020205020404" pitchFamily="49" charset="0"/>
+              </a:rPr>
+              <a:t> ?name . }</a:t>
+            </a:r>
+            <a:br>
+              <a:rPr kumimoji="0" lang="en-US" altLang="en-US" sz="1400" b="0" i="0" u="none" strike="noStrike" cap="none" normalizeH="0" baseline="0" dirty="0" smtClean="0">
+                <a:ln>
+                  <a:noFill/>
+                </a:ln>
+                <a:solidFill>
+                  <a:srgbClr val="000000"/>
+                </a:solidFill>
+                <a:effectLst/>
+                <a:latin typeface="Courier New" panose="02070309020205020404" pitchFamily="49" charset="0"/>
+                <a:cs typeface="Courier New" panose="02070309020205020404" pitchFamily="49" charset="0"/>
+              </a:rPr>
+            </a:br>
+            <a:r>
+              <a:rPr kumimoji="0" lang="en-US" altLang="en-US" sz="1400" b="0" i="0" u="none" strike="noStrike" cap="none" normalizeH="0" baseline="0" dirty="0" smtClean="0">
+                <a:ln>
+                  <a:noFill/>
+                </a:ln>
+                <a:solidFill>
+                  <a:srgbClr val="000000"/>
+                </a:solidFill>
+                <a:effectLst/>
+                <a:latin typeface="Courier New" panose="02070309020205020404" pitchFamily="49" charset="0"/>
+                <a:cs typeface="Courier New" panose="02070309020205020404" pitchFamily="49" charset="0"/>
+              </a:rPr>
+              <a:t> </a:t>
+            </a:r>
+            <a:r>
+              <a:rPr kumimoji="0" lang="en-US" altLang="en-US" sz="1400" b="1" i="0" u="none" strike="noStrike" cap="none" normalizeH="0" baseline="0" dirty="0" smtClean="0">
+                <a:ln>
+                  <a:noFill/>
+                </a:ln>
+                <a:solidFill>
+                  <a:srgbClr val="000080"/>
+                </a:solidFill>
+                <a:effectLst/>
+                <a:latin typeface="Courier New" panose="02070309020205020404" pitchFamily="49" charset="0"/>
+                <a:cs typeface="Courier New" panose="02070309020205020404" pitchFamily="49" charset="0"/>
+              </a:rPr>
+              <a:t>OPTIONAL </a:t>
+            </a:r>
+            <a:r>
+              <a:rPr kumimoji="0" lang="en-US" altLang="en-US" sz="1400" b="0" i="0" u="none" strike="noStrike" cap="none" normalizeH="0" baseline="0" dirty="0" smtClean="0">
+                <a:ln>
+                  <a:noFill/>
+                </a:ln>
+                <a:solidFill>
+                  <a:srgbClr val="000000"/>
+                </a:solidFill>
+                <a:effectLst/>
+                <a:latin typeface="Courier New" panose="02070309020205020404" pitchFamily="49" charset="0"/>
+                <a:cs typeface="Courier New" panose="02070309020205020404" pitchFamily="49" charset="0"/>
+              </a:rPr>
+              <a:t>{ ?person </a:t>
+            </a:r>
+            <a:r>
+              <a:rPr kumimoji="0" lang="en-US" altLang="en-US" sz="1400" b="0" i="0" u="none" strike="noStrike" cap="none" normalizeH="0" baseline="0" dirty="0" err="1" smtClean="0">
+                <a:ln>
+                  <a:noFill/>
+                </a:ln>
+                <a:solidFill>
+                  <a:srgbClr val="000000"/>
+                </a:solidFill>
+                <a:effectLst/>
+                <a:latin typeface="Courier New" panose="02070309020205020404" pitchFamily="49" charset="0"/>
+                <a:cs typeface="Courier New" panose="02070309020205020404" pitchFamily="49" charset="0"/>
+              </a:rPr>
+              <a:t>dbp:name</a:t>
+            </a:r>
+            <a:r>
+              <a:rPr kumimoji="0" lang="en-US" altLang="en-US" sz="1400" b="0" i="0" u="none" strike="noStrike" cap="none" normalizeH="0" baseline="0" dirty="0" smtClean="0">
+                <a:ln>
+                  <a:noFill/>
+                </a:ln>
+                <a:solidFill>
+                  <a:srgbClr val="000000"/>
+                </a:solidFill>
+                <a:effectLst/>
+                <a:latin typeface="Courier New" panose="02070309020205020404" pitchFamily="49" charset="0"/>
+                <a:cs typeface="Courier New" panose="02070309020205020404" pitchFamily="49" charset="0"/>
+              </a:rPr>
+              <a:t> ?name . }</a:t>
+            </a:r>
+            <a:br>
+              <a:rPr kumimoji="0" lang="en-US" altLang="en-US" sz="1400" b="0" i="0" u="none" strike="noStrike" cap="none" normalizeH="0" baseline="0" dirty="0" smtClean="0">
+                <a:ln>
+                  <a:noFill/>
+                </a:ln>
+                <a:solidFill>
+                  <a:srgbClr val="000000"/>
+                </a:solidFill>
+                <a:effectLst/>
+                <a:latin typeface="Courier New" panose="02070309020205020404" pitchFamily="49" charset="0"/>
+                <a:cs typeface="Courier New" panose="02070309020205020404" pitchFamily="49" charset="0"/>
+              </a:rPr>
+            </a:br>
+            <a:r>
+              <a:rPr kumimoji="0" lang="en-US" altLang="en-US" sz="1400" b="0" i="0" u="none" strike="noStrike" cap="none" normalizeH="0" baseline="0" dirty="0" smtClean="0">
+                <a:ln>
+                  <a:noFill/>
+                </a:ln>
+                <a:solidFill>
+                  <a:srgbClr val="000000"/>
+                </a:solidFill>
+                <a:effectLst/>
+                <a:latin typeface="Courier New" panose="02070309020205020404" pitchFamily="49" charset="0"/>
+                <a:cs typeface="Courier New" panose="02070309020205020404" pitchFamily="49" charset="0"/>
+              </a:rPr>
+              <a:t> </a:t>
+            </a:r>
+            <a:r>
+              <a:rPr kumimoji="0" lang="en-US" altLang="en-US" sz="1400" b="1" i="0" u="none" strike="noStrike" cap="none" normalizeH="0" baseline="0" dirty="0" smtClean="0">
+                <a:ln>
+                  <a:noFill/>
+                </a:ln>
+                <a:solidFill>
+                  <a:srgbClr val="000080"/>
+                </a:solidFill>
+                <a:effectLst/>
+                <a:latin typeface="Courier New" panose="02070309020205020404" pitchFamily="49" charset="0"/>
+                <a:cs typeface="Courier New" panose="02070309020205020404" pitchFamily="49" charset="0"/>
+              </a:rPr>
+              <a:t>OPTIONAL </a:t>
+            </a:r>
+            <a:r>
+              <a:rPr kumimoji="0" lang="en-US" altLang="en-US" sz="1400" b="0" i="0" u="none" strike="noStrike" cap="none" normalizeH="0" baseline="0" dirty="0" smtClean="0">
+                <a:ln>
+                  <a:noFill/>
+                </a:ln>
+                <a:solidFill>
+                  <a:srgbClr val="000000"/>
+                </a:solidFill>
+                <a:effectLst/>
+                <a:latin typeface="Courier New" panose="02070309020205020404" pitchFamily="49" charset="0"/>
+                <a:cs typeface="Courier New" panose="02070309020205020404" pitchFamily="49" charset="0"/>
+              </a:rPr>
+              <a:t>{ ?person </a:t>
+            </a:r>
+            <a:r>
+              <a:rPr kumimoji="0" lang="en-US" altLang="en-US" sz="1400" b="0" i="0" u="none" strike="noStrike" cap="none" normalizeH="0" baseline="0" dirty="0" err="1" smtClean="0">
+                <a:ln>
+                  <a:noFill/>
+                </a:ln>
+                <a:solidFill>
+                  <a:srgbClr val="000000"/>
+                </a:solidFill>
+                <a:effectLst/>
+                <a:latin typeface="Courier New" panose="02070309020205020404" pitchFamily="49" charset="0"/>
+                <a:cs typeface="Courier New" panose="02070309020205020404" pitchFamily="49" charset="0"/>
+              </a:rPr>
+              <a:t>dbp:birthName</a:t>
+            </a:r>
+            <a:r>
+              <a:rPr kumimoji="0" lang="en-US" altLang="en-US" sz="1400" b="0" i="0" u="none" strike="noStrike" cap="none" normalizeH="0" baseline="0" dirty="0" smtClean="0">
+                <a:ln>
+                  <a:noFill/>
+                </a:ln>
+                <a:solidFill>
+                  <a:srgbClr val="000000"/>
+                </a:solidFill>
+                <a:effectLst/>
+                <a:latin typeface="Courier New" panose="02070309020205020404" pitchFamily="49" charset="0"/>
+                <a:cs typeface="Courier New" panose="02070309020205020404" pitchFamily="49" charset="0"/>
+              </a:rPr>
+              <a:t> ?name . }</a:t>
+            </a:r>
+            <a:br>
+              <a:rPr kumimoji="0" lang="en-US" altLang="en-US" sz="1400" b="0" i="0" u="none" strike="noStrike" cap="none" normalizeH="0" baseline="0" dirty="0" smtClean="0">
+                <a:ln>
+                  <a:noFill/>
+                </a:ln>
+                <a:solidFill>
+                  <a:srgbClr val="000000"/>
+                </a:solidFill>
+                <a:effectLst/>
+                <a:latin typeface="Courier New" panose="02070309020205020404" pitchFamily="49" charset="0"/>
+                <a:cs typeface="Courier New" panose="02070309020205020404" pitchFamily="49" charset="0"/>
+              </a:rPr>
+            </a:br>
+            <a:r>
+              <a:rPr kumimoji="0" lang="en-US" altLang="en-US" sz="1400" b="0" i="0" u="none" strike="noStrike" cap="none" normalizeH="0" baseline="0" dirty="0" smtClean="0">
+                <a:ln>
+                  <a:noFill/>
+                </a:ln>
+                <a:solidFill>
+                  <a:srgbClr val="000000"/>
+                </a:solidFill>
+                <a:effectLst/>
+                <a:latin typeface="Courier New" panose="02070309020205020404" pitchFamily="49" charset="0"/>
+                <a:cs typeface="Courier New" panose="02070309020205020404" pitchFamily="49" charset="0"/>
+              </a:rPr>
+              <a:t> </a:t>
+            </a:r>
+            <a:r>
+              <a:rPr kumimoji="0" lang="en-US" altLang="en-US" sz="1400" b="1" i="0" u="none" strike="noStrike" cap="none" normalizeH="0" baseline="0" dirty="0" smtClean="0">
+                <a:ln>
+                  <a:noFill/>
+                </a:ln>
+                <a:solidFill>
+                  <a:srgbClr val="000080"/>
+                </a:solidFill>
+                <a:effectLst/>
+                <a:latin typeface="Courier New" panose="02070309020205020404" pitchFamily="49" charset="0"/>
+                <a:cs typeface="Courier New" panose="02070309020205020404" pitchFamily="49" charset="0"/>
+              </a:rPr>
+              <a:t>OPTIONAL </a:t>
+            </a:r>
+            <a:r>
+              <a:rPr kumimoji="0" lang="en-US" altLang="en-US" sz="1400" b="0" i="0" u="none" strike="noStrike" cap="none" normalizeH="0" baseline="0" dirty="0" smtClean="0">
+                <a:ln>
+                  <a:noFill/>
+                </a:ln>
+                <a:solidFill>
+                  <a:srgbClr val="000000"/>
+                </a:solidFill>
+                <a:effectLst/>
+                <a:latin typeface="Courier New" panose="02070309020205020404" pitchFamily="49" charset="0"/>
+                <a:cs typeface="Courier New" panose="02070309020205020404" pitchFamily="49" charset="0"/>
+              </a:rPr>
+              <a:t>{ ?person </a:t>
+            </a:r>
+            <a:r>
+              <a:rPr kumimoji="0" lang="en-US" altLang="en-US" sz="1400" b="0" i="0" u="none" strike="noStrike" cap="none" normalizeH="0" baseline="0" dirty="0" err="1" smtClean="0">
+                <a:ln>
+                  <a:noFill/>
+                </a:ln>
+                <a:solidFill>
+                  <a:srgbClr val="000000"/>
+                </a:solidFill>
+                <a:effectLst/>
+                <a:latin typeface="Courier New" panose="02070309020205020404" pitchFamily="49" charset="0"/>
+                <a:cs typeface="Courier New" panose="02070309020205020404" pitchFamily="49" charset="0"/>
+              </a:rPr>
+              <a:t>dbp:alternativeNames</a:t>
+            </a:r>
+            <a:r>
+              <a:rPr kumimoji="0" lang="en-US" altLang="en-US" sz="1400" b="0" i="0" u="none" strike="noStrike" cap="none" normalizeH="0" baseline="0" dirty="0" smtClean="0">
+                <a:ln>
+                  <a:noFill/>
+                </a:ln>
+                <a:solidFill>
+                  <a:srgbClr val="000000"/>
+                </a:solidFill>
+                <a:effectLst/>
+                <a:latin typeface="Courier New" panose="02070309020205020404" pitchFamily="49" charset="0"/>
+                <a:cs typeface="Courier New" panose="02070309020205020404" pitchFamily="49" charset="0"/>
+              </a:rPr>
+              <a:t> ?name . }</a:t>
+            </a:r>
+            <a:br>
+              <a:rPr kumimoji="0" lang="en-US" altLang="en-US" sz="1400" b="0" i="0" u="none" strike="noStrike" cap="none" normalizeH="0" baseline="0" dirty="0" smtClean="0">
+                <a:ln>
+                  <a:noFill/>
+                </a:ln>
+                <a:solidFill>
+                  <a:srgbClr val="000000"/>
+                </a:solidFill>
+                <a:effectLst/>
+                <a:latin typeface="Courier New" panose="02070309020205020404" pitchFamily="49" charset="0"/>
+                <a:cs typeface="Courier New" panose="02070309020205020404" pitchFamily="49" charset="0"/>
+              </a:rPr>
+            </a:br>
+            <a:r>
+              <a:rPr kumimoji="0" lang="en-US" altLang="en-US" sz="1400" b="0" i="0" u="none" strike="noStrike" cap="none" normalizeH="0" baseline="0" dirty="0" smtClean="0">
+                <a:ln>
+                  <a:noFill/>
+                </a:ln>
+                <a:solidFill>
+                  <a:srgbClr val="000000"/>
+                </a:solidFill>
+                <a:effectLst/>
+                <a:latin typeface="Courier New" panose="02070309020205020404" pitchFamily="49" charset="0"/>
+                <a:cs typeface="Courier New" panose="02070309020205020404" pitchFamily="49" charset="0"/>
+              </a:rPr>
+              <a:t> </a:t>
+            </a:r>
+            <a:r>
+              <a:rPr kumimoji="0" lang="en-US" altLang="en-US" sz="1400" b="1" i="0" u="none" strike="noStrike" cap="none" normalizeH="0" baseline="0" dirty="0" smtClean="0">
+                <a:ln>
+                  <a:noFill/>
+                </a:ln>
+                <a:solidFill>
+                  <a:srgbClr val="000080"/>
+                </a:solidFill>
+                <a:effectLst/>
+                <a:latin typeface="Courier New" panose="02070309020205020404" pitchFamily="49" charset="0"/>
+                <a:cs typeface="Courier New" panose="02070309020205020404" pitchFamily="49" charset="0"/>
+              </a:rPr>
+              <a:t>OPTIONAL </a:t>
+            </a:r>
+            <a:r>
+              <a:rPr kumimoji="0" lang="en-US" altLang="en-US" sz="1400" b="0" i="0" u="none" strike="noStrike" cap="none" normalizeH="0" baseline="0" dirty="0" smtClean="0">
+                <a:ln>
+                  <a:noFill/>
+                </a:ln>
+                <a:solidFill>
+                  <a:srgbClr val="000000"/>
+                </a:solidFill>
+                <a:effectLst/>
+                <a:latin typeface="Courier New" panose="02070309020205020404" pitchFamily="49" charset="0"/>
+                <a:cs typeface="Courier New" panose="02070309020205020404" pitchFamily="49" charset="0"/>
+              </a:rPr>
+              <a:t>{ ?person </a:t>
+            </a:r>
+            <a:r>
+              <a:rPr kumimoji="0" lang="en-US" altLang="en-US" sz="1400" b="0" i="0" u="none" strike="noStrike" cap="none" normalizeH="0" baseline="0" dirty="0" err="1" smtClean="0">
+                <a:ln>
+                  <a:noFill/>
+                </a:ln>
+                <a:solidFill>
+                  <a:srgbClr val="000000"/>
+                </a:solidFill>
+                <a:effectLst/>
+                <a:latin typeface="Courier New" panose="02070309020205020404" pitchFamily="49" charset="0"/>
+                <a:cs typeface="Courier New" panose="02070309020205020404" pitchFamily="49" charset="0"/>
+              </a:rPr>
+              <a:t>dbo:birthPlace</a:t>
+            </a:r>
+            <a:r>
+              <a:rPr kumimoji="0" lang="en-US" altLang="en-US" sz="1400" b="0" i="0" u="none" strike="noStrike" cap="none" normalizeH="0" baseline="0" dirty="0" smtClean="0">
+                <a:ln>
+                  <a:noFill/>
+                </a:ln>
+                <a:solidFill>
+                  <a:srgbClr val="000000"/>
+                </a:solidFill>
+                <a:effectLst/>
+                <a:latin typeface="Courier New" panose="02070309020205020404" pitchFamily="49" charset="0"/>
+                <a:cs typeface="Courier New" panose="02070309020205020404" pitchFamily="49" charset="0"/>
+              </a:rPr>
+              <a:t> ?</a:t>
+            </a:r>
+            <a:r>
+              <a:rPr kumimoji="0" lang="en-US" altLang="en-US" sz="1400" b="0" i="0" u="none" strike="noStrike" cap="none" normalizeH="0" baseline="0" dirty="0" err="1" smtClean="0">
+                <a:ln>
+                  <a:noFill/>
+                </a:ln>
+                <a:solidFill>
+                  <a:srgbClr val="000000"/>
+                </a:solidFill>
+                <a:effectLst/>
+                <a:latin typeface="Courier New" panose="02070309020205020404" pitchFamily="49" charset="0"/>
+                <a:cs typeface="Courier New" panose="02070309020205020404" pitchFamily="49" charset="0"/>
+              </a:rPr>
+              <a:t>birthPlace</a:t>
+            </a:r>
+            <a:r>
+              <a:rPr kumimoji="0" lang="en-US" altLang="en-US" sz="1400" b="0" i="0" u="none" strike="noStrike" cap="none" normalizeH="0" baseline="0" dirty="0" smtClean="0">
+                <a:ln>
+                  <a:noFill/>
+                </a:ln>
+                <a:solidFill>
+                  <a:srgbClr val="000000"/>
+                </a:solidFill>
+                <a:effectLst/>
+                <a:latin typeface="Courier New" panose="02070309020205020404" pitchFamily="49" charset="0"/>
+                <a:cs typeface="Courier New" panose="02070309020205020404" pitchFamily="49" charset="0"/>
+              </a:rPr>
+              <a:t> . }</a:t>
+            </a:r>
+            <a:br>
+              <a:rPr kumimoji="0" lang="en-US" altLang="en-US" sz="1400" b="0" i="0" u="none" strike="noStrike" cap="none" normalizeH="0" baseline="0" dirty="0" smtClean="0">
+                <a:ln>
+                  <a:noFill/>
+                </a:ln>
+                <a:solidFill>
+                  <a:srgbClr val="000000"/>
+                </a:solidFill>
+                <a:effectLst/>
+                <a:latin typeface="Courier New" panose="02070309020205020404" pitchFamily="49" charset="0"/>
+                <a:cs typeface="Courier New" panose="02070309020205020404" pitchFamily="49" charset="0"/>
+              </a:rPr>
+            </a:br>
+            <a:r>
+              <a:rPr kumimoji="0" lang="en-US" altLang="en-US" sz="1400" b="0" i="0" u="none" strike="noStrike" cap="none" normalizeH="0" baseline="0" dirty="0" smtClean="0">
+                <a:ln>
+                  <a:noFill/>
+                </a:ln>
+                <a:solidFill>
+                  <a:srgbClr val="000000"/>
+                </a:solidFill>
+                <a:effectLst/>
+                <a:latin typeface="Courier New" panose="02070309020205020404" pitchFamily="49" charset="0"/>
+                <a:cs typeface="Courier New" panose="02070309020205020404" pitchFamily="49" charset="0"/>
+              </a:rPr>
+              <a:t> </a:t>
+            </a:r>
+            <a:r>
+              <a:rPr kumimoji="0" lang="en-US" altLang="en-US" sz="1400" b="1" i="0" u="none" strike="noStrike" cap="none" normalizeH="0" baseline="0" dirty="0" smtClean="0">
+                <a:ln>
+                  <a:noFill/>
+                </a:ln>
+                <a:solidFill>
+                  <a:srgbClr val="000080"/>
+                </a:solidFill>
+                <a:effectLst/>
+                <a:latin typeface="Courier New" panose="02070309020205020404" pitchFamily="49" charset="0"/>
+                <a:cs typeface="Courier New" panose="02070309020205020404" pitchFamily="49" charset="0"/>
+              </a:rPr>
+              <a:t>OPTIONAL </a:t>
+            </a:r>
+            <a:r>
+              <a:rPr kumimoji="0" lang="en-US" altLang="en-US" sz="1400" b="0" i="0" u="none" strike="noStrike" cap="none" normalizeH="0" baseline="0" dirty="0" smtClean="0">
+                <a:ln>
+                  <a:noFill/>
+                </a:ln>
+                <a:solidFill>
+                  <a:srgbClr val="000000"/>
+                </a:solidFill>
+                <a:effectLst/>
+                <a:latin typeface="Courier New" panose="02070309020205020404" pitchFamily="49" charset="0"/>
+                <a:cs typeface="Courier New" panose="02070309020205020404" pitchFamily="49" charset="0"/>
+              </a:rPr>
+              <a:t>{ ?person </a:t>
+            </a:r>
+            <a:r>
+              <a:rPr kumimoji="0" lang="en-US" altLang="en-US" sz="1400" b="0" i="0" u="none" strike="noStrike" cap="none" normalizeH="0" baseline="0" dirty="0" err="1" smtClean="0">
+                <a:ln>
+                  <a:noFill/>
+                </a:ln>
+                <a:solidFill>
+                  <a:srgbClr val="000000"/>
+                </a:solidFill>
+                <a:effectLst/>
+                <a:latin typeface="Courier New" panose="02070309020205020404" pitchFamily="49" charset="0"/>
+                <a:cs typeface="Courier New" panose="02070309020205020404" pitchFamily="49" charset="0"/>
+              </a:rPr>
+              <a:t>dbo:birthDate</a:t>
+            </a:r>
+            <a:r>
+              <a:rPr kumimoji="0" lang="en-US" altLang="en-US" sz="1400" b="0" i="0" u="none" strike="noStrike" cap="none" normalizeH="0" baseline="0" dirty="0" smtClean="0">
+                <a:ln>
+                  <a:noFill/>
+                </a:ln>
+                <a:solidFill>
+                  <a:srgbClr val="000000"/>
+                </a:solidFill>
+                <a:effectLst/>
+                <a:latin typeface="Courier New" panose="02070309020205020404" pitchFamily="49" charset="0"/>
+                <a:cs typeface="Courier New" panose="02070309020205020404" pitchFamily="49" charset="0"/>
+              </a:rPr>
+              <a:t> ?</a:t>
+            </a:r>
+            <a:r>
+              <a:rPr kumimoji="0" lang="en-US" altLang="en-US" sz="1400" b="0" i="0" u="none" strike="noStrike" cap="none" normalizeH="0" baseline="0" dirty="0" err="1" smtClean="0">
+                <a:ln>
+                  <a:noFill/>
+                </a:ln>
+                <a:solidFill>
+                  <a:srgbClr val="000000"/>
+                </a:solidFill>
+                <a:effectLst/>
+                <a:latin typeface="Courier New" panose="02070309020205020404" pitchFamily="49" charset="0"/>
+                <a:cs typeface="Courier New" panose="02070309020205020404" pitchFamily="49" charset="0"/>
+              </a:rPr>
+              <a:t>birthDate</a:t>
+            </a:r>
+            <a:r>
+              <a:rPr kumimoji="0" lang="en-US" altLang="en-US" sz="1400" b="0" i="0" u="none" strike="noStrike" cap="none" normalizeH="0" baseline="0" dirty="0" smtClean="0">
+                <a:ln>
+                  <a:noFill/>
+                </a:ln>
+                <a:solidFill>
+                  <a:srgbClr val="000000"/>
+                </a:solidFill>
+                <a:effectLst/>
+                <a:latin typeface="Courier New" panose="02070309020205020404" pitchFamily="49" charset="0"/>
+                <a:cs typeface="Courier New" panose="02070309020205020404" pitchFamily="49" charset="0"/>
+              </a:rPr>
+              <a:t> . }</a:t>
+            </a:r>
+            <a:br>
+              <a:rPr kumimoji="0" lang="en-US" altLang="en-US" sz="1400" b="0" i="0" u="none" strike="noStrike" cap="none" normalizeH="0" baseline="0" dirty="0" smtClean="0">
+                <a:ln>
+                  <a:noFill/>
+                </a:ln>
+                <a:solidFill>
+                  <a:srgbClr val="000000"/>
+                </a:solidFill>
+                <a:effectLst/>
+                <a:latin typeface="Courier New" panose="02070309020205020404" pitchFamily="49" charset="0"/>
+                <a:cs typeface="Courier New" panose="02070309020205020404" pitchFamily="49" charset="0"/>
+              </a:rPr>
+            </a:br>
+            <a:r>
+              <a:rPr kumimoji="0" lang="en-US" altLang="en-US" sz="1400" b="0" i="0" u="none" strike="noStrike" cap="none" normalizeH="0" baseline="0" dirty="0" smtClean="0">
+                <a:ln>
+                  <a:noFill/>
+                </a:ln>
+                <a:solidFill>
+                  <a:srgbClr val="000000"/>
+                </a:solidFill>
+                <a:effectLst/>
+                <a:latin typeface="Courier New" panose="02070309020205020404" pitchFamily="49" charset="0"/>
+                <a:cs typeface="Courier New" panose="02070309020205020404" pitchFamily="49" charset="0"/>
+              </a:rPr>
+              <a:t>}</a:t>
+            </a:r>
+          </a:p>
+          <a:p>
+            <a:pPr marL="0" marR="0" lvl="0" indent="0" algn="l" defTabSz="914400" rtl="0" eaLnBrk="0" fontAlgn="base" latinLnBrk="0" hangingPunct="0">
+              <a:lnSpc>
+                <a:spcPct val="100000"/>
+              </a:lnSpc>
+              <a:spcBef>
+                <a:spcPct val="0"/>
+              </a:spcBef>
+              <a:spcAft>
+                <a:spcPct val="0"/>
+              </a:spcAft>
+              <a:buClrTx/>
+              <a:buSzTx/>
+              <a:buFontTx/>
+              <a:buNone/>
+              <a:tabLst/>
+            </a:pPr>
+            <a:r>
+              <a:rPr kumimoji="0" lang="en-US" altLang="en-US" sz="1400" b="1" i="0" u="none" strike="noStrike" cap="none" normalizeH="0" baseline="0" dirty="0" smtClean="0">
+                <a:ln>
+                  <a:noFill/>
+                </a:ln>
+                <a:solidFill>
+                  <a:srgbClr val="000080"/>
+                </a:solidFill>
+                <a:effectLst/>
+                <a:latin typeface="Courier New" panose="02070309020205020404" pitchFamily="49" charset="0"/>
+                <a:cs typeface="Courier New" panose="02070309020205020404" pitchFamily="49" charset="0"/>
+              </a:rPr>
+              <a:t>ORDER BY </a:t>
+            </a:r>
+            <a:r>
+              <a:rPr kumimoji="0" lang="en-US" altLang="en-US" sz="1400" b="0" i="0" u="none" strike="noStrike" cap="none" normalizeH="0" baseline="0" dirty="0" smtClean="0">
+                <a:ln>
+                  <a:noFill/>
+                </a:ln>
+                <a:solidFill>
+                  <a:srgbClr val="000000"/>
+                </a:solidFill>
+                <a:effectLst/>
+                <a:latin typeface="Courier New" panose="02070309020205020404" pitchFamily="49" charset="0"/>
+                <a:cs typeface="Courier New" panose="02070309020205020404" pitchFamily="49" charset="0"/>
+              </a:rPr>
+              <a:t>?name</a:t>
+            </a:r>
+          </a:p>
+          <a:p>
+            <a:pPr marL="0" indent="0" defTabSz="914400" eaLnBrk="0" fontAlgn="base" hangingPunct="0">
+              <a:spcBef>
+                <a:spcPct val="0"/>
+              </a:spcBef>
+              <a:spcAft>
+                <a:spcPct val="0"/>
+              </a:spcAft>
+              <a:buClrTx/>
+              <a:buSzTx/>
+              <a:buNone/>
+            </a:pPr>
+            <a:r>
+              <a:rPr lang="en-US" altLang="en-US" sz="1400" b="1" dirty="0" smtClean="0">
+                <a:solidFill>
+                  <a:srgbClr val="000080"/>
+                </a:solidFill>
+                <a:latin typeface="Courier New" panose="02070309020205020404" pitchFamily="49" charset="0"/>
+                <a:cs typeface="Courier New" panose="02070309020205020404" pitchFamily="49" charset="0"/>
+              </a:rPr>
+              <a:t>OFFSET </a:t>
+            </a:r>
+            <a:r>
+              <a:rPr lang="en-US" altLang="en-US" sz="1400" dirty="0" smtClean="0">
+                <a:solidFill>
+                  <a:srgbClr val="000000"/>
+                </a:solidFill>
+                <a:latin typeface="Courier New" panose="02070309020205020404" pitchFamily="49" charset="0"/>
+                <a:cs typeface="Courier New" panose="02070309020205020404" pitchFamily="49" charset="0"/>
+              </a:rPr>
+              <a:t>15 </a:t>
+            </a:r>
+            <a:r>
+              <a:rPr lang="en-US" altLang="en-US" sz="1400" b="1" dirty="0" smtClean="0">
+                <a:solidFill>
+                  <a:srgbClr val="000080"/>
+                </a:solidFill>
+                <a:latin typeface="Courier New" panose="02070309020205020404" pitchFamily="49" charset="0"/>
+                <a:cs typeface="Courier New" panose="02070309020205020404" pitchFamily="49" charset="0"/>
+              </a:rPr>
+              <a:t>LIMIT </a:t>
+            </a:r>
+            <a:r>
+              <a:rPr lang="en-US" altLang="en-US" sz="1400" dirty="0" smtClean="0">
+                <a:solidFill>
+                  <a:srgbClr val="000000"/>
+                </a:solidFill>
+                <a:latin typeface="Courier New" panose="02070309020205020404" pitchFamily="49" charset="0"/>
+                <a:cs typeface="Courier New" panose="02070309020205020404" pitchFamily="49" charset="0"/>
+              </a:rPr>
+              <a:t>5</a:t>
+            </a:r>
+            <a:endParaRPr lang="en-US" altLang="en-US" sz="1400" dirty="0">
+              <a:latin typeface="Arial" panose="020B0604020202020204" pitchFamily="34" charset="0"/>
+            </a:endParaRPr>
           </a:p>
         </p:txBody>
       </p:sp>
     </p:spTree>
     <p:extLst>
       <p:ext uri="{BB962C8B-B14F-4D97-AF65-F5344CB8AC3E}">
-        <p14:creationId xmlns:p14="http://schemas.microsoft.com/office/powerpoint/2010/main" val="2927337766"/>
+        <p14:creationId xmlns:p14="http://schemas.microsoft.com/office/powerpoint/2010/main" val="1220241738"/>
       </p:ext>
     </p:extLst>
   </p:cSld>
   <p:clrMapOvr>
     <a:masterClrMapping/>
   </p:clrMapOvr>
+  <p:timing>
+    <p:tnLst>
+      <p:par>
+        <p:cTn id="1" dur="indefinite" restart="never" nodeType="tmRoot">
+          <p:childTnLst>
+            <p:seq concurrent="1" nextAc="seek">
+              <p:cTn id="2" dur="indefinite" nodeType="mainSeq">
+                <p:childTnLst>
+                  <p:par>
+                    <p:cTn id="3" fill="hold">
+                      <p:stCondLst>
+                        <p:cond delay="indefinite"/>
+                        <p:cond evt="onBegin" delay="0">
+                          <p:tn val="2"/>
+                        </p:cond>
+                      </p:stCondLst>
+                      <p:childTnLst>
+                        <p:par>
+                          <p:cTn id="4" fill="hold">
+                            <p:stCondLst>
+                              <p:cond delay="0"/>
+                            </p:stCondLst>
+                            <p:childTnLst>
+                              <p:par>
+                                <p:cTn id="5" presetID="42" presetClass="entr" presetSubtype="0" fill="hold" grpId="0" nodeType="withEffect">
+                                  <p:stCondLst>
+                                    <p:cond delay="0"/>
+                                  </p:stCondLst>
+                                  <p:childTnLst>
+                                    <p:set>
+                                      <p:cBhvr>
+                                        <p:cTn id="6" dur="1" fill="hold">
+                                          <p:stCondLst>
+                                            <p:cond delay="0"/>
+                                          </p:stCondLst>
+                                        </p:cTn>
+                                        <p:tgtEl>
+                                          <p:spTgt spid="8">
+                                            <p:txEl>
+                                              <p:pRg st="0" end="0"/>
+                                            </p:txEl>
+                                          </p:spTgt>
+                                        </p:tgtEl>
+                                        <p:attrNameLst>
+                                          <p:attrName>style.visibility</p:attrName>
+                                        </p:attrNameLst>
+                                      </p:cBhvr>
+                                      <p:to>
+                                        <p:strVal val="visible"/>
+                                      </p:to>
+                                    </p:set>
+                                    <p:animEffect transition="in" filter="fade">
+                                      <p:cBhvr>
+                                        <p:cTn id="7" dur="1000"/>
+                                        <p:tgtEl>
+                                          <p:spTgt spid="8">
+                                            <p:txEl>
+                                              <p:pRg st="0" end="0"/>
+                                            </p:txEl>
+                                          </p:spTgt>
+                                        </p:tgtEl>
+                                      </p:cBhvr>
+                                    </p:animEffect>
+                                    <p:anim calcmode="lin" valueType="num">
+                                      <p:cBhvr>
+                                        <p:cTn id="8" dur="1000" fill="hold"/>
+                                        <p:tgtEl>
+                                          <p:spTgt spid="8">
+                                            <p:txEl>
+                                              <p:pRg st="0" end="0"/>
+                                            </p:txEl>
+                                          </p:spTgt>
+                                        </p:tgtEl>
+                                        <p:attrNameLst>
+                                          <p:attrName>ppt_x</p:attrName>
+                                        </p:attrNameLst>
+                                      </p:cBhvr>
+                                      <p:tavLst>
+                                        <p:tav tm="0">
+                                          <p:val>
+                                            <p:strVal val="#ppt_x"/>
+                                          </p:val>
+                                        </p:tav>
+                                        <p:tav tm="100000">
+                                          <p:val>
+                                            <p:strVal val="#ppt_x"/>
+                                          </p:val>
+                                        </p:tav>
+                                      </p:tavLst>
+                                    </p:anim>
+                                    <p:anim calcmode="lin" valueType="num">
+                                      <p:cBhvr>
+                                        <p:cTn id="9" dur="1000" fill="hold"/>
+                                        <p:tgtEl>
+                                          <p:spTgt spid="8">
+                                            <p:txEl>
+                                              <p:pRg st="0" end="0"/>
+                                            </p:txEl>
+                                          </p:spTgt>
+                                        </p:tgtEl>
+                                        <p:attrNameLst>
+                                          <p:attrName>ppt_y</p:attrName>
+                                        </p:attrNameLst>
+                                      </p:cBhvr>
+                                      <p:tavLst>
+                                        <p:tav tm="0">
+                                          <p:val>
+                                            <p:strVal val="#ppt_y+.1"/>
+                                          </p:val>
+                                        </p:tav>
+                                        <p:tav tm="100000">
+                                          <p:val>
+                                            <p:strVal val="#ppt_y"/>
+                                          </p:val>
+                                        </p:tav>
+                                      </p:tavLst>
+                                    </p:anim>
+                                  </p:childTnLst>
+                                </p:cTn>
+                              </p:par>
+                            </p:childTnLst>
+                          </p:cTn>
+                        </p:par>
+                      </p:childTnLst>
+                    </p:cTn>
+                  </p:par>
+                  <p:par>
+                    <p:cTn id="10" fill="hold">
+                      <p:stCondLst>
+                        <p:cond delay="indefinite"/>
+                      </p:stCondLst>
+                      <p:childTnLst>
+                        <p:par>
+                          <p:cTn id="11" fill="hold">
+                            <p:stCondLst>
+                              <p:cond delay="0"/>
+                            </p:stCondLst>
+                            <p:childTnLst>
+                              <p:par>
+                                <p:cTn id="12" presetID="42" presetClass="entr" presetSubtype="0" fill="hold" grpId="0" nodeType="clickEffect">
+                                  <p:stCondLst>
+                                    <p:cond delay="0"/>
+                                  </p:stCondLst>
+                                  <p:childTnLst>
+                                    <p:set>
+                                      <p:cBhvr>
+                                        <p:cTn id="13" dur="1" fill="hold">
+                                          <p:stCondLst>
+                                            <p:cond delay="0"/>
+                                          </p:stCondLst>
+                                        </p:cTn>
+                                        <p:tgtEl>
+                                          <p:spTgt spid="8">
+                                            <p:txEl>
+                                              <p:pRg st="2" end="2"/>
+                                            </p:txEl>
+                                          </p:spTgt>
+                                        </p:tgtEl>
+                                        <p:attrNameLst>
+                                          <p:attrName>style.visibility</p:attrName>
+                                        </p:attrNameLst>
+                                      </p:cBhvr>
+                                      <p:to>
+                                        <p:strVal val="visible"/>
+                                      </p:to>
+                                    </p:set>
+                                    <p:animEffect transition="in" filter="fade">
+                                      <p:cBhvr>
+                                        <p:cTn id="14" dur="1000"/>
+                                        <p:tgtEl>
+                                          <p:spTgt spid="8">
+                                            <p:txEl>
+                                              <p:pRg st="2" end="2"/>
+                                            </p:txEl>
+                                          </p:spTgt>
+                                        </p:tgtEl>
+                                      </p:cBhvr>
+                                    </p:animEffect>
+                                    <p:anim calcmode="lin" valueType="num">
+                                      <p:cBhvr>
+                                        <p:cTn id="15" dur="1000" fill="hold"/>
+                                        <p:tgtEl>
+                                          <p:spTgt spid="8">
+                                            <p:txEl>
+                                              <p:pRg st="2" end="2"/>
+                                            </p:txEl>
+                                          </p:spTgt>
+                                        </p:tgtEl>
+                                        <p:attrNameLst>
+                                          <p:attrName>ppt_x</p:attrName>
+                                        </p:attrNameLst>
+                                      </p:cBhvr>
+                                      <p:tavLst>
+                                        <p:tav tm="0">
+                                          <p:val>
+                                            <p:strVal val="#ppt_x"/>
+                                          </p:val>
+                                        </p:tav>
+                                        <p:tav tm="100000">
+                                          <p:val>
+                                            <p:strVal val="#ppt_x"/>
+                                          </p:val>
+                                        </p:tav>
+                                      </p:tavLst>
+                                    </p:anim>
+                                    <p:anim calcmode="lin" valueType="num">
+                                      <p:cBhvr>
+                                        <p:cTn id="16" dur="1000" fill="hold"/>
+                                        <p:tgtEl>
+                                          <p:spTgt spid="8">
+                                            <p:txEl>
+                                              <p:pRg st="2" end="2"/>
+                                            </p:txEl>
+                                          </p:spTgt>
+                                        </p:tgtEl>
+                                        <p:attrNameLst>
+                                          <p:attrName>ppt_y</p:attrName>
+                                        </p:attrNameLst>
+                                      </p:cBhvr>
+                                      <p:tavLst>
+                                        <p:tav tm="0">
+                                          <p:val>
+                                            <p:strVal val="#ppt_y+.1"/>
+                                          </p:val>
+                                        </p:tav>
+                                        <p:tav tm="100000">
+                                          <p:val>
+                                            <p:strVal val="#ppt_y"/>
+                                          </p:val>
+                                        </p:tav>
+                                      </p:tavLst>
+                                    </p:anim>
+                                  </p:childTnLst>
+                                </p:cTn>
+                              </p:par>
+                            </p:childTnLst>
+                          </p:cTn>
+                        </p:par>
+                      </p:childTnLst>
+                    </p:cTn>
+                  </p:par>
+                  <p:par>
+                    <p:cTn id="17" fill="hold">
+                      <p:stCondLst>
+                        <p:cond delay="indefinite"/>
+                      </p:stCondLst>
+                      <p:childTnLst>
+                        <p:par>
+                          <p:cTn id="18" fill="hold">
+                            <p:stCondLst>
+                              <p:cond delay="0"/>
+                            </p:stCondLst>
+                            <p:childTnLst>
+                              <p:par>
+                                <p:cTn id="19" presetID="42" presetClass="entr" presetSubtype="0" fill="hold" grpId="0" nodeType="clickEffect">
+                                  <p:stCondLst>
+                                    <p:cond delay="0"/>
+                                  </p:stCondLst>
+                                  <p:childTnLst>
+                                    <p:set>
+                                      <p:cBhvr>
+                                        <p:cTn id="20" dur="1" fill="hold">
+                                          <p:stCondLst>
+                                            <p:cond delay="0"/>
+                                          </p:stCondLst>
+                                        </p:cTn>
+                                        <p:tgtEl>
+                                          <p:spTgt spid="8">
+                                            <p:txEl>
+                                              <p:pRg st="3" end="3"/>
+                                            </p:txEl>
+                                          </p:spTgt>
+                                        </p:tgtEl>
+                                        <p:attrNameLst>
+                                          <p:attrName>style.visibility</p:attrName>
+                                        </p:attrNameLst>
+                                      </p:cBhvr>
+                                      <p:to>
+                                        <p:strVal val="visible"/>
+                                      </p:to>
+                                    </p:set>
+                                    <p:animEffect transition="in" filter="fade">
+                                      <p:cBhvr>
+                                        <p:cTn id="21" dur="1000"/>
+                                        <p:tgtEl>
+                                          <p:spTgt spid="8">
+                                            <p:txEl>
+                                              <p:pRg st="3" end="3"/>
+                                            </p:txEl>
+                                          </p:spTgt>
+                                        </p:tgtEl>
+                                      </p:cBhvr>
+                                    </p:animEffect>
+                                    <p:anim calcmode="lin" valueType="num">
+                                      <p:cBhvr>
+                                        <p:cTn id="22" dur="1000" fill="hold"/>
+                                        <p:tgtEl>
+                                          <p:spTgt spid="8">
+                                            <p:txEl>
+                                              <p:pRg st="3" end="3"/>
+                                            </p:txEl>
+                                          </p:spTgt>
+                                        </p:tgtEl>
+                                        <p:attrNameLst>
+                                          <p:attrName>ppt_x</p:attrName>
+                                        </p:attrNameLst>
+                                      </p:cBhvr>
+                                      <p:tavLst>
+                                        <p:tav tm="0">
+                                          <p:val>
+                                            <p:strVal val="#ppt_x"/>
+                                          </p:val>
+                                        </p:tav>
+                                        <p:tav tm="100000">
+                                          <p:val>
+                                            <p:strVal val="#ppt_x"/>
+                                          </p:val>
+                                        </p:tav>
+                                      </p:tavLst>
+                                    </p:anim>
+                                    <p:anim calcmode="lin" valueType="num">
+                                      <p:cBhvr>
+                                        <p:cTn id="23" dur="1000" fill="hold"/>
+                                        <p:tgtEl>
+                                          <p:spTgt spid="8">
+                                            <p:txEl>
+                                              <p:pRg st="3" end="3"/>
+                                            </p:txEl>
+                                          </p:spTgt>
+                                        </p:tgtEl>
+                                        <p:attrNameLst>
+                                          <p:attrName>ppt_y</p:attrName>
+                                        </p:attrNameLst>
+                                      </p:cBhvr>
+                                      <p:tavLst>
+                                        <p:tav tm="0">
+                                          <p:val>
+                                            <p:strVal val="#ppt_y+.1"/>
+                                          </p:val>
+                                        </p:tav>
+                                        <p:tav tm="100000">
+                                          <p:val>
+                                            <p:strVal val="#ppt_y"/>
+                                          </p:val>
+                                        </p:tav>
+                                      </p:tavLst>
+                                    </p:anim>
+                                  </p:childTnLst>
+                                </p:cTn>
+                              </p:par>
+                            </p:childTnLst>
+                          </p:cTn>
+                        </p:par>
+                      </p:childTnLst>
+                    </p:cTn>
+                  </p:par>
+                  <p:par>
+                    <p:cTn id="24" fill="hold">
+                      <p:stCondLst>
+                        <p:cond delay="indefinite"/>
+                      </p:stCondLst>
+                      <p:childTnLst>
+                        <p:par>
+                          <p:cTn id="25" fill="hold">
+                            <p:stCondLst>
+                              <p:cond delay="0"/>
+                            </p:stCondLst>
+                            <p:childTnLst>
+                              <p:par>
+                                <p:cTn id="26" presetID="42" presetClass="entr" presetSubtype="0" fill="hold" grpId="0" nodeType="clickEffect">
+                                  <p:stCondLst>
+                                    <p:cond delay="0"/>
+                                  </p:stCondLst>
+                                  <p:childTnLst>
+                                    <p:set>
+                                      <p:cBhvr>
+                                        <p:cTn id="27" dur="1" fill="hold">
+                                          <p:stCondLst>
+                                            <p:cond delay="0"/>
+                                          </p:stCondLst>
+                                        </p:cTn>
+                                        <p:tgtEl>
+                                          <p:spTgt spid="8">
+                                            <p:txEl>
+                                              <p:pRg st="4" end="4"/>
+                                            </p:txEl>
+                                          </p:spTgt>
+                                        </p:tgtEl>
+                                        <p:attrNameLst>
+                                          <p:attrName>style.visibility</p:attrName>
+                                        </p:attrNameLst>
+                                      </p:cBhvr>
+                                      <p:to>
+                                        <p:strVal val="visible"/>
+                                      </p:to>
+                                    </p:set>
+                                    <p:animEffect transition="in" filter="fade">
+                                      <p:cBhvr>
+                                        <p:cTn id="28" dur="1000"/>
+                                        <p:tgtEl>
+                                          <p:spTgt spid="8">
+                                            <p:txEl>
+                                              <p:pRg st="4" end="4"/>
+                                            </p:txEl>
+                                          </p:spTgt>
+                                        </p:tgtEl>
+                                      </p:cBhvr>
+                                    </p:animEffect>
+                                    <p:anim calcmode="lin" valueType="num">
+                                      <p:cBhvr>
+                                        <p:cTn id="29" dur="1000" fill="hold"/>
+                                        <p:tgtEl>
+                                          <p:spTgt spid="8">
+                                            <p:txEl>
+                                              <p:pRg st="4" end="4"/>
+                                            </p:txEl>
+                                          </p:spTgt>
+                                        </p:tgtEl>
+                                        <p:attrNameLst>
+                                          <p:attrName>ppt_x</p:attrName>
+                                        </p:attrNameLst>
+                                      </p:cBhvr>
+                                      <p:tavLst>
+                                        <p:tav tm="0">
+                                          <p:val>
+                                            <p:strVal val="#ppt_x"/>
+                                          </p:val>
+                                        </p:tav>
+                                        <p:tav tm="100000">
+                                          <p:val>
+                                            <p:strVal val="#ppt_x"/>
+                                          </p:val>
+                                        </p:tav>
+                                      </p:tavLst>
+                                    </p:anim>
+                                    <p:anim calcmode="lin" valueType="num">
+                                      <p:cBhvr>
+                                        <p:cTn id="30" dur="1000" fill="hold"/>
+                                        <p:tgtEl>
+                                          <p:spTgt spid="8">
+                                            <p:txEl>
+                                              <p:pRg st="4" end="4"/>
+                                            </p:txEl>
+                                          </p:spTgt>
+                                        </p:tgtEl>
+                                        <p:attrNameLst>
+                                          <p:attrName>ppt_y</p:attrName>
+                                        </p:attrNameLst>
+                                      </p:cBhvr>
+                                      <p:tavLst>
+                                        <p:tav tm="0">
+                                          <p:val>
+                                            <p:strVal val="#ppt_y+.1"/>
+                                          </p:val>
+                                        </p:tav>
+                                        <p:tav tm="100000">
+                                          <p:val>
+                                            <p:strVal val="#ppt_y"/>
+                                          </p:val>
+                                        </p:tav>
+                                      </p:tavLst>
+                                    </p:anim>
+                                  </p:childTnLst>
+                                </p:cTn>
+                              </p:par>
+                            </p:childTnLst>
+                          </p:cTn>
+                        </p:par>
+                      </p:childTnLst>
+                    </p:cTn>
+                  </p:par>
+                  <p:par>
+                    <p:cTn id="31" fill="hold">
+                      <p:stCondLst>
+                        <p:cond delay="indefinite"/>
+                      </p:stCondLst>
+                      <p:childTnLst>
+                        <p:par>
+                          <p:cTn id="32" fill="hold">
+                            <p:stCondLst>
+                              <p:cond delay="0"/>
+                            </p:stCondLst>
+                            <p:childTnLst>
+                              <p:par>
+                                <p:cTn id="33" presetID="42" presetClass="entr" presetSubtype="0" fill="hold" grpId="0" nodeType="clickEffect">
+                                  <p:stCondLst>
+                                    <p:cond delay="0"/>
+                                  </p:stCondLst>
+                                  <p:childTnLst>
+                                    <p:set>
+                                      <p:cBhvr>
+                                        <p:cTn id="34" dur="1" fill="hold">
+                                          <p:stCondLst>
+                                            <p:cond delay="0"/>
+                                          </p:stCondLst>
+                                        </p:cTn>
+                                        <p:tgtEl>
+                                          <p:spTgt spid="8">
+                                            <p:txEl>
+                                              <p:pRg st="5" end="5"/>
+                                            </p:txEl>
+                                          </p:spTgt>
+                                        </p:tgtEl>
+                                        <p:attrNameLst>
+                                          <p:attrName>style.visibility</p:attrName>
+                                        </p:attrNameLst>
+                                      </p:cBhvr>
+                                      <p:to>
+                                        <p:strVal val="visible"/>
+                                      </p:to>
+                                    </p:set>
+                                    <p:animEffect transition="in" filter="fade">
+                                      <p:cBhvr>
+                                        <p:cTn id="35" dur="1000"/>
+                                        <p:tgtEl>
+                                          <p:spTgt spid="8">
+                                            <p:txEl>
+                                              <p:pRg st="5" end="5"/>
+                                            </p:txEl>
+                                          </p:spTgt>
+                                        </p:tgtEl>
+                                      </p:cBhvr>
+                                    </p:animEffect>
+                                    <p:anim calcmode="lin" valueType="num">
+                                      <p:cBhvr>
+                                        <p:cTn id="36" dur="1000" fill="hold"/>
+                                        <p:tgtEl>
+                                          <p:spTgt spid="8">
+                                            <p:txEl>
+                                              <p:pRg st="5" end="5"/>
+                                            </p:txEl>
+                                          </p:spTgt>
+                                        </p:tgtEl>
+                                        <p:attrNameLst>
+                                          <p:attrName>ppt_x</p:attrName>
+                                        </p:attrNameLst>
+                                      </p:cBhvr>
+                                      <p:tavLst>
+                                        <p:tav tm="0">
+                                          <p:val>
+                                            <p:strVal val="#ppt_x"/>
+                                          </p:val>
+                                        </p:tav>
+                                        <p:tav tm="100000">
+                                          <p:val>
+                                            <p:strVal val="#ppt_x"/>
+                                          </p:val>
+                                        </p:tav>
+                                      </p:tavLst>
+                                    </p:anim>
+                                    <p:anim calcmode="lin" valueType="num">
+                                      <p:cBhvr>
+                                        <p:cTn id="37" dur="1000" fill="hold"/>
+                                        <p:tgtEl>
+                                          <p:spTgt spid="8">
+                                            <p:txEl>
+                                              <p:pRg st="5" end="5"/>
+                                            </p:txEl>
+                                          </p:spTgt>
+                                        </p:tgtEl>
+                                        <p:attrNameLst>
+                                          <p:attrName>ppt_y</p:attrName>
+                                        </p:attrNameLst>
+                                      </p:cBhvr>
+                                      <p:tavLst>
+                                        <p:tav tm="0">
+                                          <p:val>
+                                            <p:strVal val="#ppt_y+.1"/>
+                                          </p:val>
+                                        </p:tav>
+                                        <p:tav tm="100000">
+                                          <p:val>
+                                            <p:strVal val="#ppt_y"/>
+                                          </p:val>
+                                        </p:tav>
+                                      </p:tavLst>
+                                    </p:anim>
+                                  </p:childTnLst>
+                                </p:cTn>
+                              </p:par>
+                            </p:childTnLst>
+                          </p:cTn>
+                        </p:par>
+                      </p:childTnLst>
+                    </p:cTn>
+                  </p:par>
+                  <p:par>
+                    <p:cTn id="38" fill="hold">
+                      <p:stCondLst>
+                        <p:cond delay="indefinite"/>
+                      </p:stCondLst>
+                      <p:childTnLst>
+                        <p:par>
+                          <p:cTn id="39" fill="hold">
+                            <p:stCondLst>
+                              <p:cond delay="0"/>
+                            </p:stCondLst>
+                            <p:childTnLst>
+                              <p:par>
+                                <p:cTn id="40" presetID="42" presetClass="entr" presetSubtype="0" fill="hold" grpId="0" nodeType="clickEffect">
+                                  <p:stCondLst>
+                                    <p:cond delay="0"/>
+                                  </p:stCondLst>
+                                  <p:childTnLst>
+                                    <p:set>
+                                      <p:cBhvr>
+                                        <p:cTn id="41" dur="1" fill="hold">
+                                          <p:stCondLst>
+                                            <p:cond delay="0"/>
+                                          </p:stCondLst>
+                                        </p:cTn>
+                                        <p:tgtEl>
+                                          <p:spTgt spid="8">
+                                            <p:txEl>
+                                              <p:pRg st="6" end="6"/>
+                                            </p:txEl>
+                                          </p:spTgt>
+                                        </p:tgtEl>
+                                        <p:attrNameLst>
+                                          <p:attrName>style.visibility</p:attrName>
+                                        </p:attrNameLst>
+                                      </p:cBhvr>
+                                      <p:to>
+                                        <p:strVal val="visible"/>
+                                      </p:to>
+                                    </p:set>
+                                    <p:animEffect transition="in" filter="fade">
+                                      <p:cBhvr>
+                                        <p:cTn id="42" dur="1000"/>
+                                        <p:tgtEl>
+                                          <p:spTgt spid="8">
+                                            <p:txEl>
+                                              <p:pRg st="6" end="6"/>
+                                            </p:txEl>
+                                          </p:spTgt>
+                                        </p:tgtEl>
+                                      </p:cBhvr>
+                                    </p:animEffect>
+                                    <p:anim calcmode="lin" valueType="num">
+                                      <p:cBhvr>
+                                        <p:cTn id="43" dur="1000" fill="hold"/>
+                                        <p:tgtEl>
+                                          <p:spTgt spid="8">
+                                            <p:txEl>
+                                              <p:pRg st="6" end="6"/>
+                                            </p:txEl>
+                                          </p:spTgt>
+                                        </p:tgtEl>
+                                        <p:attrNameLst>
+                                          <p:attrName>ppt_x</p:attrName>
+                                        </p:attrNameLst>
+                                      </p:cBhvr>
+                                      <p:tavLst>
+                                        <p:tav tm="0">
+                                          <p:val>
+                                            <p:strVal val="#ppt_x"/>
+                                          </p:val>
+                                        </p:tav>
+                                        <p:tav tm="100000">
+                                          <p:val>
+                                            <p:strVal val="#ppt_x"/>
+                                          </p:val>
+                                        </p:tav>
+                                      </p:tavLst>
+                                    </p:anim>
+                                    <p:anim calcmode="lin" valueType="num">
+                                      <p:cBhvr>
+                                        <p:cTn id="44" dur="1000" fill="hold"/>
+                                        <p:tgtEl>
+                                          <p:spTgt spid="8">
+                                            <p:txEl>
+                                              <p:pRg st="6" end="6"/>
+                                            </p:txEl>
+                                          </p:spTgt>
+                                        </p:tgtEl>
+                                        <p:attrNameLst>
+                                          <p:attrName>ppt_y</p:attrName>
+                                        </p:attrNameLst>
+                                      </p:cBhvr>
+                                      <p:tavLst>
+                                        <p:tav tm="0">
+                                          <p:val>
+                                            <p:strVal val="#ppt_y+.1"/>
+                                          </p:val>
+                                        </p:tav>
+                                        <p:tav tm="100000">
+                                          <p:val>
+                                            <p:strVal val="#ppt_y"/>
+                                          </p:val>
+                                        </p:tav>
+                                      </p:tavLst>
+                                    </p:anim>
+                                  </p:childTnLst>
+                                </p:cTn>
+                              </p:par>
+                            </p:childTnLst>
+                          </p:cTn>
+                        </p:par>
+                      </p:childTnLst>
+                    </p:cTn>
+                  </p:par>
+                  <p:par>
+                    <p:cTn id="45" fill="hold">
+                      <p:stCondLst>
+                        <p:cond delay="indefinite"/>
+                      </p:stCondLst>
+                      <p:childTnLst>
+                        <p:par>
+                          <p:cTn id="46" fill="hold">
+                            <p:stCondLst>
+                              <p:cond delay="0"/>
+                            </p:stCondLst>
+                            <p:childTnLst>
+                              <p:par>
+                                <p:cTn id="47" presetID="42" presetClass="entr" presetSubtype="0" fill="hold" grpId="0" nodeType="clickEffect">
+                                  <p:stCondLst>
+                                    <p:cond delay="0"/>
+                                  </p:stCondLst>
+                                  <p:childTnLst>
+                                    <p:set>
+                                      <p:cBhvr>
+                                        <p:cTn id="48" dur="1" fill="hold">
+                                          <p:stCondLst>
+                                            <p:cond delay="0"/>
+                                          </p:stCondLst>
+                                        </p:cTn>
+                                        <p:tgtEl>
+                                          <p:spTgt spid="8">
+                                            <p:txEl>
+                                              <p:pRg st="7" end="7"/>
+                                            </p:txEl>
+                                          </p:spTgt>
+                                        </p:tgtEl>
+                                        <p:attrNameLst>
+                                          <p:attrName>style.visibility</p:attrName>
+                                        </p:attrNameLst>
+                                      </p:cBhvr>
+                                      <p:to>
+                                        <p:strVal val="visible"/>
+                                      </p:to>
+                                    </p:set>
+                                    <p:animEffect transition="in" filter="fade">
+                                      <p:cBhvr>
+                                        <p:cTn id="49" dur="1000"/>
+                                        <p:tgtEl>
+                                          <p:spTgt spid="8">
+                                            <p:txEl>
+                                              <p:pRg st="7" end="7"/>
+                                            </p:txEl>
+                                          </p:spTgt>
+                                        </p:tgtEl>
+                                      </p:cBhvr>
+                                    </p:animEffect>
+                                    <p:anim calcmode="lin" valueType="num">
+                                      <p:cBhvr>
+                                        <p:cTn id="50" dur="1000" fill="hold"/>
+                                        <p:tgtEl>
+                                          <p:spTgt spid="8">
+                                            <p:txEl>
+                                              <p:pRg st="7" end="7"/>
+                                            </p:txEl>
+                                          </p:spTgt>
+                                        </p:tgtEl>
+                                        <p:attrNameLst>
+                                          <p:attrName>ppt_x</p:attrName>
+                                        </p:attrNameLst>
+                                      </p:cBhvr>
+                                      <p:tavLst>
+                                        <p:tav tm="0">
+                                          <p:val>
+                                            <p:strVal val="#ppt_x"/>
+                                          </p:val>
+                                        </p:tav>
+                                        <p:tav tm="100000">
+                                          <p:val>
+                                            <p:strVal val="#ppt_x"/>
+                                          </p:val>
+                                        </p:tav>
+                                      </p:tavLst>
+                                    </p:anim>
+                                    <p:anim calcmode="lin" valueType="num">
+                                      <p:cBhvr>
+                                        <p:cTn id="51" dur="1000" fill="hold"/>
+                                        <p:tgtEl>
+                                          <p:spTgt spid="8">
+                                            <p:txEl>
+                                              <p:pRg st="7" end="7"/>
+                                            </p:txEl>
+                                          </p:spTgt>
+                                        </p:tgtEl>
+                                        <p:attrNameLst>
+                                          <p:attrName>ppt_y</p:attrName>
+                                        </p:attrNameLst>
+                                      </p:cBhvr>
+                                      <p:tavLst>
+                                        <p:tav tm="0">
+                                          <p:val>
+                                            <p:strVal val="#ppt_y+.1"/>
+                                          </p:val>
+                                        </p:tav>
+                                        <p:tav tm="100000">
+                                          <p:val>
+                                            <p:strVal val="#ppt_y"/>
+                                          </p:val>
+                                        </p:tav>
+                                      </p:tavLst>
+                                    </p:anim>
+                                  </p:childTnLst>
+                                </p:cTn>
+                              </p:par>
+                            </p:childTnLst>
+                          </p:cTn>
+                        </p:par>
+                      </p:childTnLst>
+                    </p:cTn>
+                  </p:par>
+                  <p:par>
+                    <p:cTn id="52" fill="hold">
+                      <p:stCondLst>
+                        <p:cond delay="indefinite"/>
+                      </p:stCondLst>
+                      <p:childTnLst>
+                        <p:par>
+                          <p:cTn id="53" fill="hold">
+                            <p:stCondLst>
+                              <p:cond delay="0"/>
+                            </p:stCondLst>
+                            <p:childTnLst>
+                              <p:par>
+                                <p:cTn id="54" presetID="42" presetClass="entr" presetSubtype="0" fill="hold" grpId="0" nodeType="clickEffect">
+                                  <p:stCondLst>
+                                    <p:cond delay="0"/>
+                                  </p:stCondLst>
+                                  <p:childTnLst>
+                                    <p:set>
+                                      <p:cBhvr>
+                                        <p:cTn id="55" dur="1" fill="hold">
+                                          <p:stCondLst>
+                                            <p:cond delay="0"/>
+                                          </p:stCondLst>
+                                        </p:cTn>
+                                        <p:tgtEl>
+                                          <p:spTgt spid="8">
+                                            <p:txEl>
+                                              <p:pRg st="8" end="8"/>
+                                            </p:txEl>
+                                          </p:spTgt>
+                                        </p:tgtEl>
+                                        <p:attrNameLst>
+                                          <p:attrName>style.visibility</p:attrName>
+                                        </p:attrNameLst>
+                                      </p:cBhvr>
+                                      <p:to>
+                                        <p:strVal val="visible"/>
+                                      </p:to>
+                                    </p:set>
+                                    <p:animEffect transition="in" filter="fade">
+                                      <p:cBhvr>
+                                        <p:cTn id="56" dur="1000"/>
+                                        <p:tgtEl>
+                                          <p:spTgt spid="8">
+                                            <p:txEl>
+                                              <p:pRg st="8" end="8"/>
+                                            </p:txEl>
+                                          </p:spTgt>
+                                        </p:tgtEl>
+                                      </p:cBhvr>
+                                    </p:animEffect>
+                                    <p:anim calcmode="lin" valueType="num">
+                                      <p:cBhvr>
+                                        <p:cTn id="57" dur="1000" fill="hold"/>
+                                        <p:tgtEl>
+                                          <p:spTgt spid="8">
+                                            <p:txEl>
+                                              <p:pRg st="8" end="8"/>
+                                            </p:txEl>
+                                          </p:spTgt>
+                                        </p:tgtEl>
+                                        <p:attrNameLst>
+                                          <p:attrName>ppt_x</p:attrName>
+                                        </p:attrNameLst>
+                                      </p:cBhvr>
+                                      <p:tavLst>
+                                        <p:tav tm="0">
+                                          <p:val>
+                                            <p:strVal val="#ppt_x"/>
+                                          </p:val>
+                                        </p:tav>
+                                        <p:tav tm="100000">
+                                          <p:val>
+                                            <p:strVal val="#ppt_x"/>
+                                          </p:val>
+                                        </p:tav>
+                                      </p:tavLst>
+                                    </p:anim>
+                                    <p:anim calcmode="lin" valueType="num">
+                                      <p:cBhvr>
+                                        <p:cTn id="58" dur="1000" fill="hold"/>
+                                        <p:tgtEl>
+                                          <p:spTgt spid="8">
+                                            <p:txEl>
+                                              <p:pRg st="8" end="8"/>
+                                            </p:txEl>
+                                          </p:spTgt>
+                                        </p:tgtEl>
+                                        <p:attrNameLst>
+                                          <p:attrName>ppt_y</p:attrName>
+                                        </p:attrNameLst>
+                                      </p:cBhvr>
+                                      <p:tavLst>
+                                        <p:tav tm="0">
+                                          <p:val>
+                                            <p:strVal val="#ppt_y+.1"/>
+                                          </p:val>
+                                        </p:tav>
+                                        <p:tav tm="100000">
+                                          <p:val>
+                                            <p:strVal val="#ppt_y"/>
+                                          </p:val>
+                                        </p:tav>
+                                      </p:tavLst>
+                                    </p:anim>
+                                  </p:childTnLst>
+                                </p:cTn>
+                              </p:par>
+                            </p:childTnLst>
+                          </p:cTn>
+                        </p:par>
+                      </p:childTnLst>
+                    </p:cTn>
+                  </p:par>
+                  <p:par>
+                    <p:cTn id="59" fill="hold">
+                      <p:stCondLst>
+                        <p:cond delay="indefinite"/>
+                      </p:stCondLst>
+                      <p:childTnLst>
+                        <p:par>
+                          <p:cTn id="60" fill="hold">
+                            <p:stCondLst>
+                              <p:cond delay="0"/>
+                            </p:stCondLst>
+                            <p:childTnLst>
+                              <p:par>
+                                <p:cTn id="61" presetID="42" presetClass="entr" presetSubtype="0" fill="hold" grpId="0" nodeType="clickEffect">
+                                  <p:stCondLst>
+                                    <p:cond delay="0"/>
+                                  </p:stCondLst>
+                                  <p:childTnLst>
+                                    <p:set>
+                                      <p:cBhvr>
+                                        <p:cTn id="62" dur="1" fill="hold">
+                                          <p:stCondLst>
+                                            <p:cond delay="0"/>
+                                          </p:stCondLst>
+                                        </p:cTn>
+                                        <p:tgtEl>
+                                          <p:spTgt spid="8">
+                                            <p:txEl>
+                                              <p:pRg st="9" end="9"/>
+                                            </p:txEl>
+                                          </p:spTgt>
+                                        </p:tgtEl>
+                                        <p:attrNameLst>
+                                          <p:attrName>style.visibility</p:attrName>
+                                        </p:attrNameLst>
+                                      </p:cBhvr>
+                                      <p:to>
+                                        <p:strVal val="visible"/>
+                                      </p:to>
+                                    </p:set>
+                                    <p:animEffect transition="in" filter="fade">
+                                      <p:cBhvr>
+                                        <p:cTn id="63" dur="1000"/>
+                                        <p:tgtEl>
+                                          <p:spTgt spid="8">
+                                            <p:txEl>
+                                              <p:pRg st="9" end="9"/>
+                                            </p:txEl>
+                                          </p:spTgt>
+                                        </p:tgtEl>
+                                      </p:cBhvr>
+                                    </p:animEffect>
+                                    <p:anim calcmode="lin" valueType="num">
+                                      <p:cBhvr>
+                                        <p:cTn id="64" dur="1000" fill="hold"/>
+                                        <p:tgtEl>
+                                          <p:spTgt spid="8">
+                                            <p:txEl>
+                                              <p:pRg st="9" end="9"/>
+                                            </p:txEl>
+                                          </p:spTgt>
+                                        </p:tgtEl>
+                                        <p:attrNameLst>
+                                          <p:attrName>ppt_x</p:attrName>
+                                        </p:attrNameLst>
+                                      </p:cBhvr>
+                                      <p:tavLst>
+                                        <p:tav tm="0">
+                                          <p:val>
+                                            <p:strVal val="#ppt_x"/>
+                                          </p:val>
+                                        </p:tav>
+                                        <p:tav tm="100000">
+                                          <p:val>
+                                            <p:strVal val="#ppt_x"/>
+                                          </p:val>
+                                        </p:tav>
+                                      </p:tavLst>
+                                    </p:anim>
+                                    <p:anim calcmode="lin" valueType="num">
+                                      <p:cBhvr>
+                                        <p:cTn id="65" dur="1000" fill="hold"/>
+                                        <p:tgtEl>
+                                          <p:spTgt spid="8">
+                                            <p:txEl>
+                                              <p:pRg st="9" end="9"/>
+                                            </p:txEl>
+                                          </p:spTgt>
+                                        </p:tgtEl>
+                                        <p:attrNameLst>
+                                          <p:attrName>ppt_y</p:attrName>
+                                        </p:attrNameLst>
+                                      </p:cBhvr>
+                                      <p:tavLst>
+                                        <p:tav tm="0">
+                                          <p:val>
+                                            <p:strVal val="#ppt_y+.1"/>
+                                          </p:val>
+                                        </p:tav>
+                                        <p:tav tm="100000">
+                                          <p:val>
+                                            <p:strVal val="#ppt_y"/>
+                                          </p:val>
+                                        </p:tav>
+                                      </p:tavLst>
+                                    </p:anim>
+                                  </p:childTnLst>
+                                </p:cTn>
+                              </p:par>
+                            </p:childTnLst>
+                          </p:cTn>
+                        </p:par>
+                      </p:childTnLst>
+                    </p:cTn>
+                  </p:par>
+                  <p:par>
+                    <p:cTn id="66" fill="hold">
+                      <p:stCondLst>
+                        <p:cond delay="indefinite"/>
+                      </p:stCondLst>
+                      <p:childTnLst>
+                        <p:par>
+                          <p:cTn id="67" fill="hold">
+                            <p:stCondLst>
+                              <p:cond delay="0"/>
+                            </p:stCondLst>
+                            <p:childTnLst>
+                              <p:par>
+                                <p:cTn id="68" presetID="42" presetClass="entr" presetSubtype="0" fill="hold" grpId="0" nodeType="clickEffect">
+                                  <p:stCondLst>
+                                    <p:cond delay="0"/>
+                                  </p:stCondLst>
+                                  <p:childTnLst>
+                                    <p:set>
+                                      <p:cBhvr>
+                                        <p:cTn id="69" dur="1" fill="hold">
+                                          <p:stCondLst>
+                                            <p:cond delay="0"/>
+                                          </p:stCondLst>
+                                        </p:cTn>
+                                        <p:tgtEl>
+                                          <p:spTgt spid="8">
+                                            <p:txEl>
+                                              <p:pRg st="10" end="10"/>
+                                            </p:txEl>
+                                          </p:spTgt>
+                                        </p:tgtEl>
+                                        <p:attrNameLst>
+                                          <p:attrName>style.visibility</p:attrName>
+                                        </p:attrNameLst>
+                                      </p:cBhvr>
+                                      <p:to>
+                                        <p:strVal val="visible"/>
+                                      </p:to>
+                                    </p:set>
+                                    <p:animEffect transition="in" filter="fade">
+                                      <p:cBhvr>
+                                        <p:cTn id="70" dur="1000"/>
+                                        <p:tgtEl>
+                                          <p:spTgt spid="8">
+                                            <p:txEl>
+                                              <p:pRg st="10" end="10"/>
+                                            </p:txEl>
+                                          </p:spTgt>
+                                        </p:tgtEl>
+                                      </p:cBhvr>
+                                    </p:animEffect>
+                                    <p:anim calcmode="lin" valueType="num">
+                                      <p:cBhvr>
+                                        <p:cTn id="71" dur="1000" fill="hold"/>
+                                        <p:tgtEl>
+                                          <p:spTgt spid="8">
+                                            <p:txEl>
+                                              <p:pRg st="10" end="10"/>
+                                            </p:txEl>
+                                          </p:spTgt>
+                                        </p:tgtEl>
+                                        <p:attrNameLst>
+                                          <p:attrName>ppt_x</p:attrName>
+                                        </p:attrNameLst>
+                                      </p:cBhvr>
+                                      <p:tavLst>
+                                        <p:tav tm="0">
+                                          <p:val>
+                                            <p:strVal val="#ppt_x"/>
+                                          </p:val>
+                                        </p:tav>
+                                        <p:tav tm="100000">
+                                          <p:val>
+                                            <p:strVal val="#ppt_x"/>
+                                          </p:val>
+                                        </p:tav>
+                                      </p:tavLst>
+                                    </p:anim>
+                                    <p:anim calcmode="lin" valueType="num">
+                                      <p:cBhvr>
+                                        <p:cTn id="72" dur="1000" fill="hold"/>
+                                        <p:tgtEl>
+                                          <p:spTgt spid="8">
+                                            <p:txEl>
+                                              <p:pRg st="10" end="10"/>
+                                            </p:txEl>
+                                          </p:spTgt>
+                                        </p:tgtEl>
+                                        <p:attrNameLst>
+                                          <p:attrName>ppt_y</p:attrName>
+                                        </p:attrNameLst>
+                                      </p:cBhvr>
+                                      <p:tavLst>
+                                        <p:tav tm="0">
+                                          <p:val>
+                                            <p:strVal val="#ppt_y+.1"/>
+                                          </p:val>
+                                        </p:tav>
+                                        <p:tav tm="100000">
+                                          <p:val>
+                                            <p:strVal val="#ppt_y"/>
+                                          </p:val>
+                                        </p:tav>
+                                      </p:tavLst>
+                                    </p:anim>
+                                  </p:childTnLst>
+                                </p:cTn>
+                              </p:par>
+                            </p:childTnLst>
+                          </p:cTn>
+                        </p:par>
+                      </p:childTnLst>
+                    </p:cTn>
+                  </p:par>
+                  <p:par>
+                    <p:cTn id="73" fill="hold">
+                      <p:stCondLst>
+                        <p:cond delay="indefinite"/>
+                      </p:stCondLst>
+                      <p:childTnLst>
+                        <p:par>
+                          <p:cTn id="74" fill="hold">
+                            <p:stCondLst>
+                              <p:cond delay="0"/>
+                            </p:stCondLst>
+                            <p:childTnLst>
+                              <p:par>
+                                <p:cTn id="75" presetID="42" presetClass="entr" presetSubtype="0" fill="hold" grpId="0" nodeType="clickEffect">
+                                  <p:stCondLst>
+                                    <p:cond delay="0"/>
+                                  </p:stCondLst>
+                                  <p:childTnLst>
+                                    <p:set>
+                                      <p:cBhvr>
+                                        <p:cTn id="76" dur="1" fill="hold">
+                                          <p:stCondLst>
+                                            <p:cond delay="0"/>
+                                          </p:stCondLst>
+                                        </p:cTn>
+                                        <p:tgtEl>
+                                          <p:spTgt spid="8">
+                                            <p:txEl>
+                                              <p:pRg st="11" end="11"/>
+                                            </p:txEl>
+                                          </p:spTgt>
+                                        </p:tgtEl>
+                                        <p:attrNameLst>
+                                          <p:attrName>style.visibility</p:attrName>
+                                        </p:attrNameLst>
+                                      </p:cBhvr>
+                                      <p:to>
+                                        <p:strVal val="visible"/>
+                                      </p:to>
+                                    </p:set>
+                                    <p:animEffect transition="in" filter="fade">
+                                      <p:cBhvr>
+                                        <p:cTn id="77" dur="1000"/>
+                                        <p:tgtEl>
+                                          <p:spTgt spid="8">
+                                            <p:txEl>
+                                              <p:pRg st="11" end="11"/>
+                                            </p:txEl>
+                                          </p:spTgt>
+                                        </p:tgtEl>
+                                      </p:cBhvr>
+                                    </p:animEffect>
+                                    <p:anim calcmode="lin" valueType="num">
+                                      <p:cBhvr>
+                                        <p:cTn id="78" dur="1000" fill="hold"/>
+                                        <p:tgtEl>
+                                          <p:spTgt spid="8">
+                                            <p:txEl>
+                                              <p:pRg st="11" end="11"/>
+                                            </p:txEl>
+                                          </p:spTgt>
+                                        </p:tgtEl>
+                                        <p:attrNameLst>
+                                          <p:attrName>ppt_x</p:attrName>
+                                        </p:attrNameLst>
+                                      </p:cBhvr>
+                                      <p:tavLst>
+                                        <p:tav tm="0">
+                                          <p:val>
+                                            <p:strVal val="#ppt_x"/>
+                                          </p:val>
+                                        </p:tav>
+                                        <p:tav tm="100000">
+                                          <p:val>
+                                            <p:strVal val="#ppt_x"/>
+                                          </p:val>
+                                        </p:tav>
+                                      </p:tavLst>
+                                    </p:anim>
+                                    <p:anim calcmode="lin" valueType="num">
+                                      <p:cBhvr>
+                                        <p:cTn id="79" dur="1000" fill="hold"/>
+                                        <p:tgtEl>
+                                          <p:spTgt spid="8">
+                                            <p:txEl>
+                                              <p:pRg st="11" end="11"/>
+                                            </p:txEl>
+                                          </p:spTgt>
+                                        </p:tgtEl>
+                                        <p:attrNameLst>
+                                          <p:attrName>ppt_y</p:attrName>
+                                        </p:attrNameLst>
+                                      </p:cBhvr>
+                                      <p:tavLst>
+                                        <p:tav tm="0">
+                                          <p:val>
+                                            <p:strVal val="#ppt_y+.1"/>
+                                          </p:val>
+                                        </p:tav>
+                                        <p:tav tm="100000">
+                                          <p:val>
+                                            <p:strVal val="#ppt_y"/>
+                                          </p:val>
+                                        </p:tav>
+                                      </p:tavLst>
+                                    </p:anim>
+                                  </p:childTnLst>
+                                </p:cTn>
+                              </p:par>
+                            </p:childTnLst>
+                          </p:cTn>
+                        </p:par>
+                      </p:childTnLst>
+                    </p:cTn>
+                  </p:par>
+                </p:childTnLst>
+              </p:cTn>
+              <p:prevCondLst>
+                <p:cond evt="onPrev" delay="0">
+                  <p:tgtEl>
+                    <p:sldTgt/>
+                  </p:tgtEl>
+                </p:cond>
+              </p:prevCondLst>
+              <p:nextCondLst>
+                <p:cond evt="onNext" delay="0">
+                  <p:tgtEl>
+                    <p:sldTgt/>
+                  </p:tgtEl>
+                </p:cond>
+              </p:nextCondLst>
+            </p:seq>
+          </p:childTnLst>
+        </p:cTn>
+      </p:par>
+    </p:tnLst>
+    <p:bldLst>
+      <p:bldP spid="8" grpId="0" uiExpand="1" build="p"/>
+    </p:bldLst>
+  </p:timing>
 </p:sld>
 </file>
 
@@ -6495,6 +10018,45 @@
           <a:bodyPr/>
           <a:lstStyle/>
           <a:p>
+            <a:r>
+              <a:rPr lang="en-GB" dirty="0" smtClean="0"/>
+              <a:t>Part 1</a:t>
+            </a:r>
+          </a:p>
+          <a:p>
+            <a:pPr lvl="1"/>
+            <a:r>
+              <a:rPr lang="en-GB" dirty="0" smtClean="0"/>
+              <a:t>Q1: Who was born in Bern before 2000-01-01 (with name and DOB)?</a:t>
+            </a:r>
+          </a:p>
+          <a:p>
+            <a:pPr lvl="1"/>
+            <a:r>
+              <a:rPr lang="en-GB" dirty="0" smtClean="0"/>
+              <a:t>Q2: What are </a:t>
+            </a:r>
+            <a:r>
+              <a:rPr lang="en-GB" dirty="0" err="1" smtClean="0"/>
+              <a:t>Junkerngasse’s</a:t>
+            </a:r>
+            <a:r>
+              <a:rPr lang="en-GB" dirty="0" smtClean="0"/>
+              <a:t> previous names, when was it built, how long is it and what is its postal code?</a:t>
+            </a:r>
+          </a:p>
+          <a:p>
+            <a:r>
+              <a:rPr lang="en-GB" dirty="0" smtClean="0"/>
+              <a:t>Part 2</a:t>
+            </a:r>
+          </a:p>
+          <a:p>
+            <a:pPr lvl="1"/>
+            <a:r>
+              <a:rPr lang="en-GB" dirty="0" smtClean="0"/>
+              <a:t>Q3: Who was both born in Bern and died there as well?</a:t>
+            </a:r>
             <a:endParaRPr lang="en-GB" dirty="0"/>
           </a:p>
         </p:txBody>
@@ -6509,10 +10071,5043 @@
   <p:clrMapOvr>
     <a:masterClrMapping/>
   </p:clrMapOvr>
+  <p:timing>
+    <p:tnLst>
+      <p:par>
+        <p:cTn id="1" dur="indefinite" restart="never" nodeType="tmRoot"/>
+      </p:par>
+    </p:tnLst>
+  </p:timing>
 </p:sld>
 </file>
 
 <file path=ppt/slides/slide5.xml><?xml version="1.0" encoding="utf-8"?>
+<p:sld xmlns:a="http://schemas.openxmlformats.org/drawingml/2006/main" xmlns:r="http://schemas.openxmlformats.org/officeDocument/2006/relationships" xmlns:p="http://schemas.openxmlformats.org/presentationml/2006/main">
+  <p:cSld>
+    <p:spTree>
+      <p:nvGrpSpPr>
+        <p:cNvPr id="1" name=""/>
+        <p:cNvGrpSpPr/>
+        <p:nvPr/>
+      </p:nvGrpSpPr>
+      <p:grpSpPr>
+        <a:xfrm>
+          <a:off x="0" y="0"/>
+          <a:ext cx="0" cy="0"/>
+          <a:chOff x="0" y="0"/>
+          <a:chExt cx="0" cy="0"/>
+        </a:xfrm>
+      </p:grpSpPr>
+      <p:sp>
+        <p:nvSpPr>
+          <p:cNvPr id="5" name="Title 4"/>
+          <p:cNvSpPr>
+            <a:spLocks noGrp="1"/>
+          </p:cNvSpPr>
+          <p:nvPr>
+            <p:ph type="title"/>
+          </p:nvPr>
+        </p:nvSpPr>
+        <p:spPr/>
+        <p:txBody>
+          <a:bodyPr>
+            <a:normAutofit/>
+          </a:bodyPr>
+          <a:lstStyle/>
+          <a:p>
+            <a:r>
+              <a:rPr lang="en-GB" sz="3200" dirty="0"/>
+              <a:t>Q1: Who was born in Bern before 2000-01-01 (with name and DOB</a:t>
+            </a:r>
+            <a:r>
+              <a:rPr lang="en-GB" sz="3200" dirty="0" smtClean="0"/>
+              <a:t>)?</a:t>
+            </a:r>
+            <a:endParaRPr lang="en-GB" sz="3200" dirty="0"/>
+          </a:p>
+        </p:txBody>
+      </p:sp>
+      <p:sp>
+        <p:nvSpPr>
+          <p:cNvPr id="4" name="Rectangle 1"/>
+          <p:cNvSpPr>
+            <a:spLocks noGrp="1" noChangeArrowheads="1"/>
+          </p:cNvSpPr>
+          <p:nvPr>
+            <p:ph sz="half" idx="1"/>
+          </p:nvPr>
+        </p:nvSpPr>
+        <p:spPr bwMode="auto">
+          <a:xfrm>
+            <a:off x="1484312" y="2890271"/>
+            <a:ext cx="5339923" cy="2677656"/>
+          </a:xfrm>
+          <a:prstGeom prst="rect">
+            <a:avLst/>
+          </a:prstGeom>
+          <a:noFill/>
+          <a:ln>
+            <a:noFill/>
+          </a:ln>
+          <a:effectLst/>
+        </p:spPr>
+        <p:txBody>
+          <a:bodyPr vert="horz" wrap="none" lIns="91440" tIns="45720" rIns="91440" bIns="45720" numCol="1" anchor="ctr" anchorCtr="0" compatLnSpc="1">
+            <a:prstTxWarp prst="textNoShape">
+              <a:avLst/>
+            </a:prstTxWarp>
+            <a:spAutoFit/>
+          </a:bodyPr>
+          <a:lstStyle/>
+          <a:p>
+            <a:pPr marL="0" marR="0" lvl="0" indent="0" algn="l" defTabSz="914400" rtl="0" eaLnBrk="0" fontAlgn="base" latinLnBrk="0" hangingPunct="0">
+              <a:lnSpc>
+                <a:spcPct val="100000"/>
+              </a:lnSpc>
+              <a:spcBef>
+                <a:spcPct val="0"/>
+              </a:spcBef>
+              <a:spcAft>
+                <a:spcPct val="0"/>
+              </a:spcAft>
+              <a:buClrTx/>
+              <a:buSzTx/>
+              <a:buFontTx/>
+              <a:buNone/>
+              <a:tabLst/>
+            </a:pPr>
+            <a:r>
+              <a:rPr kumimoji="0" lang="en-US" altLang="en-US" sz="1400" b="1" i="0" u="none" strike="noStrike" cap="none" normalizeH="0" baseline="0" dirty="0" smtClean="0">
+                <a:ln>
+                  <a:noFill/>
+                </a:ln>
+                <a:solidFill>
+                  <a:srgbClr val="000080"/>
+                </a:solidFill>
+                <a:effectLst/>
+                <a:latin typeface="Courier New" panose="02070309020205020404" pitchFamily="49" charset="0"/>
+                <a:cs typeface="Courier New" panose="02070309020205020404" pitchFamily="49" charset="0"/>
+              </a:rPr>
+              <a:t>PREFIX </a:t>
+            </a:r>
+            <a:r>
+              <a:rPr kumimoji="0" lang="en-US" altLang="en-US" sz="1400" b="0" i="0" u="none" strike="noStrike" cap="none" normalizeH="0" baseline="0" dirty="0" err="1" smtClean="0">
+                <a:ln>
+                  <a:noFill/>
+                </a:ln>
+                <a:solidFill>
+                  <a:srgbClr val="000000"/>
+                </a:solidFill>
+                <a:effectLst/>
+                <a:latin typeface="Courier New" panose="02070309020205020404" pitchFamily="49" charset="0"/>
+                <a:cs typeface="Courier New" panose="02070309020205020404" pitchFamily="49" charset="0"/>
+              </a:rPr>
+              <a:t>xsd</a:t>
+            </a:r>
+            <a:r>
+              <a:rPr kumimoji="0" lang="en-US" altLang="en-US" sz="1400" b="0" i="0" u="none" strike="noStrike" cap="none" normalizeH="0" baseline="0" dirty="0" smtClean="0">
+                <a:ln>
+                  <a:noFill/>
+                </a:ln>
+                <a:solidFill>
+                  <a:srgbClr val="000000"/>
+                </a:solidFill>
+                <a:effectLst/>
+                <a:latin typeface="Courier New" panose="02070309020205020404" pitchFamily="49" charset="0"/>
+                <a:cs typeface="Courier New" panose="02070309020205020404" pitchFamily="49" charset="0"/>
+              </a:rPr>
+              <a:t>: &lt;http://www.w3.org/2001/XMLSchema#&gt;</a:t>
+            </a:r>
+            <a:br>
+              <a:rPr kumimoji="0" lang="en-US" altLang="en-US" sz="1400" b="0" i="0" u="none" strike="noStrike" cap="none" normalizeH="0" baseline="0" dirty="0" smtClean="0">
+                <a:ln>
+                  <a:noFill/>
+                </a:ln>
+                <a:solidFill>
+                  <a:srgbClr val="000000"/>
+                </a:solidFill>
+                <a:effectLst/>
+                <a:latin typeface="Courier New" panose="02070309020205020404" pitchFamily="49" charset="0"/>
+                <a:cs typeface="Courier New" panose="02070309020205020404" pitchFamily="49" charset="0"/>
+              </a:rPr>
+            </a:br>
+            <a:r>
+              <a:rPr kumimoji="0" lang="en-US" altLang="en-US" sz="1400" b="1" i="0" u="none" strike="noStrike" cap="none" normalizeH="0" baseline="0" dirty="0" smtClean="0">
+                <a:ln>
+                  <a:noFill/>
+                </a:ln>
+                <a:solidFill>
+                  <a:srgbClr val="000080"/>
+                </a:solidFill>
+                <a:effectLst/>
+                <a:latin typeface="Courier New" panose="02070309020205020404" pitchFamily="49" charset="0"/>
+                <a:cs typeface="Courier New" panose="02070309020205020404" pitchFamily="49" charset="0"/>
+              </a:rPr>
+              <a:t>PREFIX </a:t>
+            </a:r>
+            <a:r>
+              <a:rPr kumimoji="0" lang="en-US" altLang="en-US" sz="1400" b="0" i="0" u="none" strike="noStrike" cap="none" normalizeH="0" baseline="0" dirty="0" err="1" smtClean="0">
+                <a:ln>
+                  <a:noFill/>
+                </a:ln>
+                <a:solidFill>
+                  <a:srgbClr val="000000"/>
+                </a:solidFill>
+                <a:effectLst/>
+                <a:latin typeface="Courier New" panose="02070309020205020404" pitchFamily="49" charset="0"/>
+                <a:cs typeface="Courier New" panose="02070309020205020404" pitchFamily="49" charset="0"/>
+              </a:rPr>
+              <a:t>dbr</a:t>
+            </a:r>
+            <a:r>
+              <a:rPr kumimoji="0" lang="en-US" altLang="en-US" sz="1400" b="0" i="0" u="none" strike="noStrike" cap="none" normalizeH="0" baseline="0" dirty="0" smtClean="0">
+                <a:ln>
+                  <a:noFill/>
+                </a:ln>
+                <a:solidFill>
+                  <a:srgbClr val="000000"/>
+                </a:solidFill>
+                <a:effectLst/>
+                <a:latin typeface="Courier New" panose="02070309020205020404" pitchFamily="49" charset="0"/>
+                <a:cs typeface="Courier New" panose="02070309020205020404" pitchFamily="49" charset="0"/>
+              </a:rPr>
+              <a:t>: &lt;http://dbpedia.org/resource/&gt;</a:t>
+            </a:r>
+            <a:br>
+              <a:rPr kumimoji="0" lang="en-US" altLang="en-US" sz="1400" b="0" i="0" u="none" strike="noStrike" cap="none" normalizeH="0" baseline="0" dirty="0" smtClean="0">
+                <a:ln>
+                  <a:noFill/>
+                </a:ln>
+                <a:solidFill>
+                  <a:srgbClr val="000000"/>
+                </a:solidFill>
+                <a:effectLst/>
+                <a:latin typeface="Courier New" panose="02070309020205020404" pitchFamily="49" charset="0"/>
+                <a:cs typeface="Courier New" panose="02070309020205020404" pitchFamily="49" charset="0"/>
+              </a:rPr>
+            </a:br>
+            <a:r>
+              <a:rPr kumimoji="0" lang="en-US" altLang="en-US" sz="1400" b="1" i="0" u="none" strike="noStrike" cap="none" normalizeH="0" baseline="0" dirty="0" smtClean="0">
+                <a:ln>
+                  <a:noFill/>
+                </a:ln>
+                <a:solidFill>
+                  <a:srgbClr val="000080"/>
+                </a:solidFill>
+                <a:effectLst/>
+                <a:latin typeface="Courier New" panose="02070309020205020404" pitchFamily="49" charset="0"/>
+                <a:cs typeface="Courier New" panose="02070309020205020404" pitchFamily="49" charset="0"/>
+              </a:rPr>
+              <a:t>PREFIX </a:t>
+            </a:r>
+            <a:r>
+              <a:rPr kumimoji="0" lang="en-US" altLang="en-US" sz="1400" b="0" i="0" u="none" strike="noStrike" cap="none" normalizeH="0" baseline="0" dirty="0" err="1" smtClean="0">
+                <a:ln>
+                  <a:noFill/>
+                </a:ln>
+                <a:solidFill>
+                  <a:srgbClr val="000000"/>
+                </a:solidFill>
+                <a:effectLst/>
+                <a:latin typeface="Courier New" panose="02070309020205020404" pitchFamily="49" charset="0"/>
+                <a:cs typeface="Courier New" panose="02070309020205020404" pitchFamily="49" charset="0"/>
+              </a:rPr>
+              <a:t>dbo</a:t>
+            </a:r>
+            <a:r>
+              <a:rPr kumimoji="0" lang="en-US" altLang="en-US" sz="1400" b="0" i="0" u="none" strike="noStrike" cap="none" normalizeH="0" baseline="0" dirty="0" smtClean="0">
+                <a:ln>
+                  <a:noFill/>
+                </a:ln>
+                <a:solidFill>
+                  <a:srgbClr val="000000"/>
+                </a:solidFill>
+                <a:effectLst/>
+                <a:latin typeface="Courier New" panose="02070309020205020404" pitchFamily="49" charset="0"/>
+                <a:cs typeface="Courier New" panose="02070309020205020404" pitchFamily="49" charset="0"/>
+              </a:rPr>
+              <a:t>: &lt;http://dbpedia.org/ontology/&gt;</a:t>
+            </a:r>
+            <a:br>
+              <a:rPr kumimoji="0" lang="en-US" altLang="en-US" sz="1400" b="0" i="0" u="none" strike="noStrike" cap="none" normalizeH="0" baseline="0" dirty="0" smtClean="0">
+                <a:ln>
+                  <a:noFill/>
+                </a:ln>
+                <a:solidFill>
+                  <a:srgbClr val="000000"/>
+                </a:solidFill>
+                <a:effectLst/>
+                <a:latin typeface="Courier New" panose="02070309020205020404" pitchFamily="49" charset="0"/>
+                <a:cs typeface="Courier New" panose="02070309020205020404" pitchFamily="49" charset="0"/>
+              </a:rPr>
+            </a:br>
+            <a:r>
+              <a:rPr kumimoji="0" lang="en-US" altLang="en-US" sz="1400" b="1" i="0" u="none" strike="noStrike" cap="none" normalizeH="0" baseline="0" dirty="0" smtClean="0">
+                <a:ln>
+                  <a:noFill/>
+                </a:ln>
+                <a:solidFill>
+                  <a:srgbClr val="000080"/>
+                </a:solidFill>
+                <a:effectLst/>
+                <a:latin typeface="Courier New" panose="02070309020205020404" pitchFamily="49" charset="0"/>
+                <a:cs typeface="Courier New" panose="02070309020205020404" pitchFamily="49" charset="0"/>
+              </a:rPr>
+              <a:t>PREFIX </a:t>
+            </a:r>
+            <a:r>
+              <a:rPr kumimoji="0" lang="en-US" altLang="en-US" sz="1400" b="0" i="0" u="none" strike="noStrike" cap="none" normalizeH="0" baseline="0" dirty="0" err="1" smtClean="0">
+                <a:ln>
+                  <a:noFill/>
+                </a:ln>
+                <a:solidFill>
+                  <a:srgbClr val="000000"/>
+                </a:solidFill>
+                <a:effectLst/>
+                <a:latin typeface="Courier New" panose="02070309020205020404" pitchFamily="49" charset="0"/>
+                <a:cs typeface="Courier New" panose="02070309020205020404" pitchFamily="49" charset="0"/>
+              </a:rPr>
+              <a:t>dbp</a:t>
+            </a:r>
+            <a:r>
+              <a:rPr kumimoji="0" lang="en-US" altLang="en-US" sz="1400" b="0" i="0" u="none" strike="noStrike" cap="none" normalizeH="0" baseline="0" dirty="0" smtClean="0">
+                <a:ln>
+                  <a:noFill/>
+                </a:ln>
+                <a:solidFill>
+                  <a:srgbClr val="000000"/>
+                </a:solidFill>
+                <a:effectLst/>
+                <a:latin typeface="Courier New" panose="02070309020205020404" pitchFamily="49" charset="0"/>
+                <a:cs typeface="Courier New" panose="02070309020205020404" pitchFamily="49" charset="0"/>
+              </a:rPr>
+              <a:t>: &lt;http://dbpedia.org/property/&gt;</a:t>
+            </a:r>
+            <a:br>
+              <a:rPr kumimoji="0" lang="en-US" altLang="en-US" sz="1400" b="0" i="0" u="none" strike="noStrike" cap="none" normalizeH="0" baseline="0" dirty="0" smtClean="0">
+                <a:ln>
+                  <a:noFill/>
+                </a:ln>
+                <a:solidFill>
+                  <a:srgbClr val="000000"/>
+                </a:solidFill>
+                <a:effectLst/>
+                <a:latin typeface="Courier New" panose="02070309020205020404" pitchFamily="49" charset="0"/>
+                <a:cs typeface="Courier New" panose="02070309020205020404" pitchFamily="49" charset="0"/>
+              </a:rPr>
+            </a:br>
+            <a:r>
+              <a:rPr kumimoji="0" lang="en-US" altLang="en-US" sz="1400" b="0" i="0" u="none" strike="noStrike" cap="none" normalizeH="0" baseline="0" dirty="0" smtClean="0">
+                <a:ln>
+                  <a:noFill/>
+                </a:ln>
+                <a:solidFill>
+                  <a:srgbClr val="000000"/>
+                </a:solidFill>
+                <a:effectLst/>
+                <a:latin typeface="Courier New" panose="02070309020205020404" pitchFamily="49" charset="0"/>
+                <a:cs typeface="Courier New" panose="02070309020205020404" pitchFamily="49" charset="0"/>
+              </a:rPr>
+              <a:t/>
+            </a:r>
+            <a:br>
+              <a:rPr kumimoji="0" lang="en-US" altLang="en-US" sz="1400" b="0" i="0" u="none" strike="noStrike" cap="none" normalizeH="0" baseline="0" dirty="0" smtClean="0">
+                <a:ln>
+                  <a:noFill/>
+                </a:ln>
+                <a:solidFill>
+                  <a:srgbClr val="000000"/>
+                </a:solidFill>
+                <a:effectLst/>
+                <a:latin typeface="Courier New" panose="02070309020205020404" pitchFamily="49" charset="0"/>
+                <a:cs typeface="Courier New" panose="02070309020205020404" pitchFamily="49" charset="0"/>
+              </a:rPr>
+            </a:br>
+            <a:r>
+              <a:rPr kumimoji="0" lang="en-US" altLang="en-US" sz="1400" b="1" i="0" u="none" strike="noStrike" cap="none" normalizeH="0" baseline="0" dirty="0" smtClean="0">
+                <a:ln>
+                  <a:noFill/>
+                </a:ln>
+                <a:solidFill>
+                  <a:srgbClr val="000080"/>
+                </a:solidFill>
+                <a:effectLst/>
+                <a:latin typeface="Courier New" panose="02070309020205020404" pitchFamily="49" charset="0"/>
+                <a:cs typeface="Courier New" panose="02070309020205020404" pitchFamily="49" charset="0"/>
+              </a:rPr>
+              <a:t>SELECT </a:t>
+            </a:r>
+            <a:r>
+              <a:rPr kumimoji="0" lang="en-US" altLang="en-US" sz="1400" b="0" i="0" u="none" strike="noStrike" cap="none" normalizeH="0" baseline="0" dirty="0" smtClean="0">
+                <a:ln>
+                  <a:noFill/>
+                </a:ln>
+                <a:solidFill>
+                  <a:srgbClr val="000000"/>
+                </a:solidFill>
+                <a:effectLst/>
+                <a:latin typeface="Courier New" panose="02070309020205020404" pitchFamily="49" charset="0"/>
+                <a:cs typeface="Courier New" panose="02070309020205020404" pitchFamily="49" charset="0"/>
+              </a:rPr>
+              <a:t>?name ?</a:t>
+            </a:r>
+            <a:r>
+              <a:rPr kumimoji="0" lang="en-US" altLang="en-US" sz="1400" b="0" i="0" u="none" strike="noStrike" cap="none" normalizeH="0" baseline="0" dirty="0" err="1" smtClean="0">
+                <a:ln>
+                  <a:noFill/>
+                </a:ln>
+                <a:solidFill>
+                  <a:srgbClr val="000000"/>
+                </a:solidFill>
+                <a:effectLst/>
+                <a:latin typeface="Courier New" panose="02070309020205020404" pitchFamily="49" charset="0"/>
+                <a:cs typeface="Courier New" panose="02070309020205020404" pitchFamily="49" charset="0"/>
+              </a:rPr>
+              <a:t>birthDate</a:t>
+            </a:r>
+            <a:r>
+              <a:rPr kumimoji="0" lang="en-US" altLang="en-US" sz="1400" b="0" i="0" u="none" strike="noStrike" cap="none" normalizeH="0" baseline="0" dirty="0" smtClean="0">
+                <a:ln>
+                  <a:noFill/>
+                </a:ln>
+                <a:solidFill>
+                  <a:srgbClr val="000000"/>
+                </a:solidFill>
+                <a:effectLst/>
+                <a:latin typeface="Courier New" panose="02070309020205020404" pitchFamily="49" charset="0"/>
+                <a:cs typeface="Courier New" panose="02070309020205020404" pitchFamily="49" charset="0"/>
+              </a:rPr>
+              <a:t/>
+            </a:r>
+            <a:br>
+              <a:rPr kumimoji="0" lang="en-US" altLang="en-US" sz="1400" b="0" i="0" u="none" strike="noStrike" cap="none" normalizeH="0" baseline="0" dirty="0" smtClean="0">
+                <a:ln>
+                  <a:noFill/>
+                </a:ln>
+                <a:solidFill>
+                  <a:srgbClr val="000000"/>
+                </a:solidFill>
+                <a:effectLst/>
+                <a:latin typeface="Courier New" panose="02070309020205020404" pitchFamily="49" charset="0"/>
+                <a:cs typeface="Courier New" panose="02070309020205020404" pitchFamily="49" charset="0"/>
+              </a:rPr>
+            </a:br>
+            <a:r>
+              <a:rPr kumimoji="0" lang="en-US" altLang="en-US" sz="1400" b="1" i="0" u="none" strike="noStrike" cap="none" normalizeH="0" baseline="0" dirty="0" smtClean="0">
+                <a:ln>
+                  <a:noFill/>
+                </a:ln>
+                <a:solidFill>
+                  <a:srgbClr val="000080"/>
+                </a:solidFill>
+                <a:effectLst/>
+                <a:latin typeface="Courier New" panose="02070309020205020404" pitchFamily="49" charset="0"/>
+                <a:cs typeface="Courier New" panose="02070309020205020404" pitchFamily="49" charset="0"/>
+              </a:rPr>
+              <a:t>WHERE </a:t>
+            </a:r>
+            <a:r>
+              <a:rPr kumimoji="0" lang="en-US" altLang="en-US" sz="1400" b="0" i="0" u="none" strike="noStrike" cap="none" normalizeH="0" baseline="0" dirty="0" smtClean="0">
+                <a:ln>
+                  <a:noFill/>
+                </a:ln>
+                <a:solidFill>
+                  <a:srgbClr val="000000"/>
+                </a:solidFill>
+                <a:effectLst/>
+                <a:latin typeface="Courier New" panose="02070309020205020404" pitchFamily="49" charset="0"/>
+                <a:cs typeface="Courier New" panose="02070309020205020404" pitchFamily="49" charset="0"/>
+              </a:rPr>
+              <a:t>{</a:t>
+            </a:r>
+            <a:br>
+              <a:rPr kumimoji="0" lang="en-US" altLang="en-US" sz="1400" b="0" i="0" u="none" strike="noStrike" cap="none" normalizeH="0" baseline="0" dirty="0" smtClean="0">
+                <a:ln>
+                  <a:noFill/>
+                </a:ln>
+                <a:solidFill>
+                  <a:srgbClr val="000000"/>
+                </a:solidFill>
+                <a:effectLst/>
+                <a:latin typeface="Courier New" panose="02070309020205020404" pitchFamily="49" charset="0"/>
+                <a:cs typeface="Courier New" panose="02070309020205020404" pitchFamily="49" charset="0"/>
+              </a:rPr>
+            </a:br>
+            <a:r>
+              <a:rPr kumimoji="0" lang="en-US" altLang="en-US" sz="1400" b="0" i="0" u="none" strike="noStrike" cap="none" normalizeH="0" baseline="0" dirty="0" smtClean="0">
+                <a:ln>
+                  <a:noFill/>
+                </a:ln>
+                <a:solidFill>
+                  <a:srgbClr val="000000"/>
+                </a:solidFill>
+                <a:effectLst/>
+                <a:latin typeface="Courier New" panose="02070309020205020404" pitchFamily="49" charset="0"/>
+                <a:cs typeface="Courier New" panose="02070309020205020404" pitchFamily="49" charset="0"/>
+              </a:rPr>
+              <a:t> [] </a:t>
+            </a:r>
+            <a:r>
+              <a:rPr kumimoji="0" lang="en-US" altLang="en-US" sz="1400" b="0" i="0" u="none" strike="noStrike" cap="none" normalizeH="0" baseline="0" dirty="0" err="1" smtClean="0">
+                <a:ln>
+                  <a:noFill/>
+                </a:ln>
+                <a:solidFill>
+                  <a:srgbClr val="000000"/>
+                </a:solidFill>
+                <a:effectLst/>
+                <a:latin typeface="Courier New" panose="02070309020205020404" pitchFamily="49" charset="0"/>
+                <a:cs typeface="Courier New" panose="02070309020205020404" pitchFamily="49" charset="0"/>
+              </a:rPr>
+              <a:t>dbo:birthPlace</a:t>
+            </a:r>
+            <a:r>
+              <a:rPr kumimoji="0" lang="en-US" altLang="en-US" sz="1400" b="0" i="0" u="none" strike="noStrike" cap="none" normalizeH="0" baseline="0" dirty="0" smtClean="0">
+                <a:ln>
+                  <a:noFill/>
+                </a:ln>
+                <a:solidFill>
+                  <a:srgbClr val="000000"/>
+                </a:solidFill>
+                <a:effectLst/>
+                <a:latin typeface="Courier New" panose="02070309020205020404" pitchFamily="49" charset="0"/>
+                <a:cs typeface="Courier New" panose="02070309020205020404" pitchFamily="49" charset="0"/>
+              </a:rPr>
+              <a:t> </a:t>
+            </a:r>
+            <a:r>
+              <a:rPr kumimoji="0" lang="en-US" altLang="en-US" sz="1400" b="0" i="0" u="none" strike="noStrike" cap="none" normalizeH="0" baseline="0" dirty="0" err="1" smtClean="0">
+                <a:ln>
+                  <a:noFill/>
+                </a:ln>
+                <a:solidFill>
+                  <a:srgbClr val="000000"/>
+                </a:solidFill>
+                <a:effectLst/>
+                <a:latin typeface="Courier New" panose="02070309020205020404" pitchFamily="49" charset="0"/>
+                <a:cs typeface="Courier New" panose="02070309020205020404" pitchFamily="49" charset="0"/>
+              </a:rPr>
+              <a:t>dbr:Bern</a:t>
+            </a:r>
+            <a:r>
+              <a:rPr kumimoji="0" lang="en-US" altLang="en-US" sz="1400" b="0" i="0" u="none" strike="noStrike" cap="none" normalizeH="0" baseline="0" dirty="0" smtClean="0">
+                <a:ln>
+                  <a:noFill/>
+                </a:ln>
+                <a:solidFill>
+                  <a:srgbClr val="000000"/>
+                </a:solidFill>
+                <a:effectLst/>
+                <a:latin typeface="Courier New" panose="02070309020205020404" pitchFamily="49" charset="0"/>
+                <a:cs typeface="Courier New" panose="02070309020205020404" pitchFamily="49" charset="0"/>
+              </a:rPr>
+              <a:t> ;</a:t>
+            </a:r>
+            <a:br>
+              <a:rPr kumimoji="0" lang="en-US" altLang="en-US" sz="1400" b="0" i="0" u="none" strike="noStrike" cap="none" normalizeH="0" baseline="0" dirty="0" smtClean="0">
+                <a:ln>
+                  <a:noFill/>
+                </a:ln>
+                <a:solidFill>
+                  <a:srgbClr val="000000"/>
+                </a:solidFill>
+                <a:effectLst/>
+                <a:latin typeface="Courier New" panose="02070309020205020404" pitchFamily="49" charset="0"/>
+                <a:cs typeface="Courier New" panose="02070309020205020404" pitchFamily="49" charset="0"/>
+              </a:rPr>
+            </a:br>
+            <a:r>
+              <a:rPr kumimoji="0" lang="en-US" altLang="en-US" sz="1400" b="0" i="0" u="none" strike="noStrike" cap="none" normalizeH="0" baseline="0" dirty="0" smtClean="0">
+                <a:ln>
+                  <a:noFill/>
+                </a:ln>
+                <a:solidFill>
+                  <a:srgbClr val="000000"/>
+                </a:solidFill>
+                <a:effectLst/>
+                <a:latin typeface="Courier New" panose="02070309020205020404" pitchFamily="49" charset="0"/>
+                <a:cs typeface="Courier New" panose="02070309020205020404" pitchFamily="49" charset="0"/>
+              </a:rPr>
+              <a:t>  </a:t>
+            </a:r>
+            <a:r>
+              <a:rPr kumimoji="0" lang="en-US" altLang="en-US" sz="1400" b="0" i="0" u="none" strike="noStrike" cap="none" normalizeH="0" baseline="0" dirty="0" err="1" smtClean="0">
+                <a:ln>
+                  <a:noFill/>
+                </a:ln>
+                <a:solidFill>
+                  <a:srgbClr val="000000"/>
+                </a:solidFill>
+                <a:effectLst/>
+                <a:latin typeface="Courier New" panose="02070309020205020404" pitchFamily="49" charset="0"/>
+                <a:cs typeface="Courier New" panose="02070309020205020404" pitchFamily="49" charset="0"/>
+              </a:rPr>
+              <a:t>dbp:name</a:t>
+            </a:r>
+            <a:r>
+              <a:rPr kumimoji="0" lang="en-US" altLang="en-US" sz="1400" b="0" i="0" u="none" strike="noStrike" cap="none" normalizeH="0" baseline="0" dirty="0" smtClean="0">
+                <a:ln>
+                  <a:noFill/>
+                </a:ln>
+                <a:solidFill>
+                  <a:srgbClr val="000000"/>
+                </a:solidFill>
+                <a:effectLst/>
+                <a:latin typeface="Courier New" panose="02070309020205020404" pitchFamily="49" charset="0"/>
+                <a:cs typeface="Courier New" panose="02070309020205020404" pitchFamily="49" charset="0"/>
+              </a:rPr>
+              <a:t> ?name ;</a:t>
+            </a:r>
+            <a:br>
+              <a:rPr kumimoji="0" lang="en-US" altLang="en-US" sz="1400" b="0" i="0" u="none" strike="noStrike" cap="none" normalizeH="0" baseline="0" dirty="0" smtClean="0">
+                <a:ln>
+                  <a:noFill/>
+                </a:ln>
+                <a:solidFill>
+                  <a:srgbClr val="000000"/>
+                </a:solidFill>
+                <a:effectLst/>
+                <a:latin typeface="Courier New" panose="02070309020205020404" pitchFamily="49" charset="0"/>
+                <a:cs typeface="Courier New" panose="02070309020205020404" pitchFamily="49" charset="0"/>
+              </a:rPr>
+            </a:br>
+            <a:r>
+              <a:rPr kumimoji="0" lang="en-US" altLang="en-US" sz="1400" b="0" i="0" u="none" strike="noStrike" cap="none" normalizeH="0" baseline="0" dirty="0" smtClean="0">
+                <a:ln>
+                  <a:noFill/>
+                </a:ln>
+                <a:solidFill>
+                  <a:srgbClr val="000000"/>
+                </a:solidFill>
+                <a:effectLst/>
+                <a:latin typeface="Courier New" panose="02070309020205020404" pitchFamily="49" charset="0"/>
+                <a:cs typeface="Courier New" panose="02070309020205020404" pitchFamily="49" charset="0"/>
+              </a:rPr>
+              <a:t>  </a:t>
+            </a:r>
+            <a:r>
+              <a:rPr kumimoji="0" lang="en-US" altLang="en-US" sz="1400" b="0" i="0" u="none" strike="noStrike" cap="none" normalizeH="0" baseline="0" dirty="0" err="1" smtClean="0">
+                <a:ln>
+                  <a:noFill/>
+                </a:ln>
+                <a:solidFill>
+                  <a:srgbClr val="000000"/>
+                </a:solidFill>
+                <a:effectLst/>
+                <a:latin typeface="Courier New" panose="02070309020205020404" pitchFamily="49" charset="0"/>
+                <a:cs typeface="Courier New" panose="02070309020205020404" pitchFamily="49" charset="0"/>
+              </a:rPr>
+              <a:t>dbo:birthDate</a:t>
+            </a:r>
+            <a:r>
+              <a:rPr kumimoji="0" lang="en-US" altLang="en-US" sz="1400" b="0" i="0" u="none" strike="noStrike" cap="none" normalizeH="0" baseline="0" dirty="0" smtClean="0">
+                <a:ln>
+                  <a:noFill/>
+                </a:ln>
+                <a:solidFill>
+                  <a:srgbClr val="000000"/>
+                </a:solidFill>
+                <a:effectLst/>
+                <a:latin typeface="Courier New" panose="02070309020205020404" pitchFamily="49" charset="0"/>
+                <a:cs typeface="Courier New" panose="02070309020205020404" pitchFamily="49" charset="0"/>
+              </a:rPr>
+              <a:t> ?</a:t>
+            </a:r>
+            <a:r>
+              <a:rPr kumimoji="0" lang="en-US" altLang="en-US" sz="1400" b="0" i="0" u="none" strike="noStrike" cap="none" normalizeH="0" baseline="0" dirty="0" err="1" smtClean="0">
+                <a:ln>
+                  <a:noFill/>
+                </a:ln>
+                <a:solidFill>
+                  <a:srgbClr val="000000"/>
+                </a:solidFill>
+                <a:effectLst/>
+                <a:latin typeface="Courier New" panose="02070309020205020404" pitchFamily="49" charset="0"/>
+                <a:cs typeface="Courier New" panose="02070309020205020404" pitchFamily="49" charset="0"/>
+              </a:rPr>
+              <a:t>birthDate</a:t>
+            </a:r>
+            <a:r>
+              <a:rPr kumimoji="0" lang="en-US" altLang="en-US" sz="1400" b="0" i="0" u="none" strike="noStrike" cap="none" normalizeH="0" baseline="0" dirty="0" smtClean="0">
+                <a:ln>
+                  <a:noFill/>
+                </a:ln>
+                <a:solidFill>
+                  <a:srgbClr val="000000"/>
+                </a:solidFill>
+                <a:effectLst/>
+                <a:latin typeface="Courier New" panose="02070309020205020404" pitchFamily="49" charset="0"/>
+                <a:cs typeface="Courier New" panose="02070309020205020404" pitchFamily="49" charset="0"/>
+              </a:rPr>
+              <a:t> .</a:t>
+            </a:r>
+            <a:br>
+              <a:rPr kumimoji="0" lang="en-US" altLang="en-US" sz="1400" b="0" i="0" u="none" strike="noStrike" cap="none" normalizeH="0" baseline="0" dirty="0" smtClean="0">
+                <a:ln>
+                  <a:noFill/>
+                </a:ln>
+                <a:solidFill>
+                  <a:srgbClr val="000000"/>
+                </a:solidFill>
+                <a:effectLst/>
+                <a:latin typeface="Courier New" panose="02070309020205020404" pitchFamily="49" charset="0"/>
+                <a:cs typeface="Courier New" panose="02070309020205020404" pitchFamily="49" charset="0"/>
+              </a:rPr>
+            </a:br>
+            <a:r>
+              <a:rPr kumimoji="0" lang="en-US" altLang="en-US" sz="1400" b="0" i="0" u="none" strike="noStrike" cap="none" normalizeH="0" baseline="0" dirty="0" smtClean="0">
+                <a:ln>
+                  <a:noFill/>
+                </a:ln>
+                <a:solidFill>
+                  <a:srgbClr val="000000"/>
+                </a:solidFill>
+                <a:effectLst/>
+                <a:latin typeface="Courier New" panose="02070309020205020404" pitchFamily="49" charset="0"/>
+                <a:cs typeface="Courier New" panose="02070309020205020404" pitchFamily="49" charset="0"/>
+              </a:rPr>
+              <a:t> </a:t>
+            </a:r>
+            <a:r>
+              <a:rPr kumimoji="0" lang="en-US" altLang="en-US" sz="1400" b="1" i="0" u="none" strike="noStrike" cap="none" normalizeH="0" baseline="0" dirty="0" smtClean="0">
+                <a:ln>
+                  <a:noFill/>
+                </a:ln>
+                <a:solidFill>
+                  <a:srgbClr val="000080"/>
+                </a:solidFill>
+                <a:effectLst/>
+                <a:latin typeface="Courier New" panose="02070309020205020404" pitchFamily="49" charset="0"/>
+                <a:cs typeface="Courier New" panose="02070309020205020404" pitchFamily="49" charset="0"/>
+              </a:rPr>
+              <a:t>FILTER</a:t>
+            </a:r>
+            <a:r>
+              <a:rPr kumimoji="0" lang="en-US" altLang="en-US" sz="1400" b="0" i="0" u="none" strike="noStrike" cap="none" normalizeH="0" baseline="0" dirty="0" smtClean="0">
+                <a:ln>
+                  <a:noFill/>
+                </a:ln>
+                <a:solidFill>
+                  <a:srgbClr val="000000"/>
+                </a:solidFill>
+                <a:effectLst/>
+                <a:latin typeface="Courier New" panose="02070309020205020404" pitchFamily="49" charset="0"/>
+                <a:cs typeface="Courier New" panose="02070309020205020404" pitchFamily="49" charset="0"/>
+              </a:rPr>
+              <a:t>(?</a:t>
+            </a:r>
+            <a:r>
+              <a:rPr kumimoji="0" lang="en-US" altLang="en-US" sz="1400" b="0" i="0" u="none" strike="noStrike" cap="none" normalizeH="0" baseline="0" dirty="0" err="1" smtClean="0">
+                <a:ln>
+                  <a:noFill/>
+                </a:ln>
+                <a:solidFill>
+                  <a:srgbClr val="000000"/>
+                </a:solidFill>
+                <a:effectLst/>
+                <a:latin typeface="Courier New" panose="02070309020205020404" pitchFamily="49" charset="0"/>
+                <a:cs typeface="Courier New" panose="02070309020205020404" pitchFamily="49" charset="0"/>
+              </a:rPr>
+              <a:t>birthDate</a:t>
+            </a:r>
+            <a:r>
+              <a:rPr kumimoji="0" lang="en-US" altLang="en-US" sz="1400" b="0" i="0" u="none" strike="noStrike" cap="none" normalizeH="0" baseline="0" dirty="0" smtClean="0">
+                <a:ln>
+                  <a:noFill/>
+                </a:ln>
+                <a:solidFill>
+                  <a:srgbClr val="000000"/>
+                </a:solidFill>
+                <a:effectLst/>
+                <a:latin typeface="Courier New" panose="02070309020205020404" pitchFamily="49" charset="0"/>
+                <a:cs typeface="Courier New" panose="02070309020205020404" pitchFamily="49" charset="0"/>
+              </a:rPr>
+              <a:t> &lt; </a:t>
+            </a:r>
+            <a:r>
+              <a:rPr kumimoji="0" lang="en-US" altLang="en-US" sz="1400" b="1" i="0" u="none" strike="noStrike" cap="none" normalizeH="0" baseline="0" dirty="0" smtClean="0">
+                <a:ln>
+                  <a:noFill/>
+                </a:ln>
+                <a:solidFill>
+                  <a:srgbClr val="008000"/>
+                </a:solidFill>
+                <a:effectLst/>
+                <a:latin typeface="Courier New" panose="02070309020205020404" pitchFamily="49" charset="0"/>
+                <a:cs typeface="Courier New" panose="02070309020205020404" pitchFamily="49" charset="0"/>
+              </a:rPr>
+              <a:t>'2000-01-01'</a:t>
+            </a:r>
+            <a:r>
+              <a:rPr kumimoji="0" lang="en-US" altLang="en-US" sz="1400" b="0" i="0" u="none" strike="noStrike" cap="none" normalizeH="0" baseline="0" dirty="0" smtClean="0">
+                <a:ln>
+                  <a:noFill/>
+                </a:ln>
+                <a:solidFill>
+                  <a:srgbClr val="000000"/>
+                </a:solidFill>
+                <a:effectLst/>
+                <a:latin typeface="Courier New" panose="02070309020205020404" pitchFamily="49" charset="0"/>
+                <a:cs typeface="Courier New" panose="02070309020205020404" pitchFamily="49" charset="0"/>
+              </a:rPr>
+              <a:t>^^</a:t>
+            </a:r>
+            <a:r>
+              <a:rPr kumimoji="0" lang="en-US" altLang="en-US" sz="1400" b="0" i="0" u="none" strike="noStrike" cap="none" normalizeH="0" baseline="0" dirty="0" err="1" smtClean="0">
+                <a:ln>
+                  <a:noFill/>
+                </a:ln>
+                <a:solidFill>
+                  <a:srgbClr val="000000"/>
+                </a:solidFill>
+                <a:effectLst/>
+                <a:latin typeface="Courier New" panose="02070309020205020404" pitchFamily="49" charset="0"/>
+                <a:cs typeface="Courier New" panose="02070309020205020404" pitchFamily="49" charset="0"/>
+              </a:rPr>
+              <a:t>xsd:dateTime</a:t>
+            </a:r>
+            <a:r>
+              <a:rPr kumimoji="0" lang="en-US" altLang="en-US" sz="1400" b="0" i="0" u="none" strike="noStrike" cap="none" normalizeH="0" baseline="0" dirty="0" smtClean="0">
+                <a:ln>
+                  <a:noFill/>
+                </a:ln>
+                <a:solidFill>
+                  <a:srgbClr val="000000"/>
+                </a:solidFill>
+                <a:effectLst/>
+                <a:latin typeface="Courier New" panose="02070309020205020404" pitchFamily="49" charset="0"/>
+                <a:cs typeface="Courier New" panose="02070309020205020404" pitchFamily="49" charset="0"/>
+              </a:rPr>
+              <a:t>)</a:t>
+            </a:r>
+            <a:br>
+              <a:rPr kumimoji="0" lang="en-US" altLang="en-US" sz="1400" b="0" i="0" u="none" strike="noStrike" cap="none" normalizeH="0" baseline="0" dirty="0" smtClean="0">
+                <a:ln>
+                  <a:noFill/>
+                </a:ln>
+                <a:solidFill>
+                  <a:srgbClr val="000000"/>
+                </a:solidFill>
+                <a:effectLst/>
+                <a:latin typeface="Courier New" panose="02070309020205020404" pitchFamily="49" charset="0"/>
+                <a:cs typeface="Courier New" panose="02070309020205020404" pitchFamily="49" charset="0"/>
+              </a:rPr>
+            </a:br>
+            <a:r>
+              <a:rPr kumimoji="0" lang="en-US" altLang="en-US" sz="1400" b="0" i="0" u="none" strike="noStrike" cap="none" normalizeH="0" baseline="0" dirty="0" smtClean="0">
+                <a:ln>
+                  <a:noFill/>
+                </a:ln>
+                <a:solidFill>
+                  <a:srgbClr val="000000"/>
+                </a:solidFill>
+                <a:effectLst/>
+                <a:latin typeface="Courier New" panose="02070309020205020404" pitchFamily="49" charset="0"/>
+                <a:cs typeface="Courier New" panose="02070309020205020404" pitchFamily="49" charset="0"/>
+              </a:rPr>
+              <a:t>}</a:t>
+            </a:r>
+            <a:endParaRPr kumimoji="0" lang="en-US" altLang="en-US" sz="1400" b="0" i="0" u="none" strike="noStrike" cap="none" normalizeH="0" baseline="0" dirty="0" smtClean="0">
+              <a:ln>
+                <a:noFill/>
+              </a:ln>
+              <a:solidFill>
+                <a:schemeClr val="tx1"/>
+              </a:solidFill>
+              <a:effectLst/>
+              <a:latin typeface="Arial" panose="020B0604020202020204" pitchFamily="34" charset="0"/>
+            </a:endParaRPr>
+          </a:p>
+        </p:txBody>
+      </p:sp>
+      <p:sp>
+        <p:nvSpPr>
+          <p:cNvPr id="7" name="Rectangle 2"/>
+          <p:cNvSpPr>
+            <a:spLocks noGrp="1" noChangeArrowheads="1"/>
+          </p:cNvSpPr>
+          <p:nvPr>
+            <p:ph sz="half" idx="2"/>
+          </p:nvPr>
+        </p:nvSpPr>
+        <p:spPr bwMode="auto">
+          <a:xfrm>
+            <a:off x="6894513" y="3282687"/>
+            <a:ext cx="4871847" cy="1892826"/>
+          </a:xfrm>
+          <a:prstGeom prst="rect">
+            <a:avLst/>
+          </a:prstGeom>
+          <a:noFill/>
+          <a:ln>
+            <a:noFill/>
+          </a:ln>
+          <a:effectLst/>
+        </p:spPr>
+        <p:txBody>
+          <a:bodyPr vert="horz" wrap="none" lIns="91440" tIns="45720" rIns="91440" bIns="45720" numCol="1" anchor="ctr" anchorCtr="0" compatLnSpc="1">
+            <a:prstTxWarp prst="textNoShape">
+              <a:avLst/>
+            </a:prstTxWarp>
+            <a:spAutoFit/>
+          </a:bodyPr>
+          <a:lstStyle/>
+          <a:p>
+            <a:pPr marL="0" marR="0" lvl="0" indent="0" algn="l" defTabSz="914400" rtl="0" eaLnBrk="0" fontAlgn="base" latinLnBrk="0" hangingPunct="0">
+              <a:lnSpc>
+                <a:spcPct val="100000"/>
+              </a:lnSpc>
+              <a:spcBef>
+                <a:spcPct val="0"/>
+              </a:spcBef>
+              <a:spcAft>
+                <a:spcPct val="0"/>
+              </a:spcAft>
+              <a:buClrTx/>
+              <a:buSzTx/>
+              <a:buFontTx/>
+              <a:buNone/>
+              <a:tabLst/>
+            </a:pPr>
+            <a:r>
+              <a:rPr kumimoji="0" lang="en-US" altLang="en-US" sz="900" b="0" i="0" u="none" strike="noStrike" cap="none" normalizeH="0" baseline="0" dirty="0" smtClean="0">
+                <a:ln>
+                  <a:noFill/>
+                </a:ln>
+                <a:solidFill>
+                  <a:srgbClr val="000000"/>
+                </a:solidFill>
+                <a:effectLst/>
+                <a:latin typeface="Courier New" panose="02070309020205020404" pitchFamily="49" charset="0"/>
+                <a:cs typeface="Courier New" panose="02070309020205020404" pitchFamily="49" charset="0"/>
+              </a:rPr>
+              <a:t>--------------------------------------------------------------------</a:t>
+            </a:r>
+            <a:br>
+              <a:rPr kumimoji="0" lang="en-US" altLang="en-US" sz="900" b="0" i="0" u="none" strike="noStrike" cap="none" normalizeH="0" baseline="0" dirty="0" smtClean="0">
+                <a:ln>
+                  <a:noFill/>
+                </a:ln>
+                <a:solidFill>
+                  <a:srgbClr val="000000"/>
+                </a:solidFill>
+                <a:effectLst/>
+                <a:latin typeface="Courier New" panose="02070309020205020404" pitchFamily="49" charset="0"/>
+                <a:cs typeface="Courier New" panose="02070309020205020404" pitchFamily="49" charset="0"/>
+              </a:rPr>
+            </a:br>
+            <a:r>
+              <a:rPr kumimoji="0" lang="en-US" altLang="en-US" sz="900" b="0" i="0" u="none" strike="noStrike" cap="none" normalizeH="0" baseline="0" dirty="0" smtClean="0">
+                <a:ln>
+                  <a:noFill/>
+                </a:ln>
+                <a:solidFill>
+                  <a:srgbClr val="000000"/>
+                </a:solidFill>
+                <a:effectLst/>
+                <a:latin typeface="Courier New" panose="02070309020205020404" pitchFamily="49" charset="0"/>
+                <a:cs typeface="Courier New" panose="02070309020205020404" pitchFamily="49" charset="0"/>
+              </a:rPr>
+              <a:t>| name                                    | </a:t>
+            </a:r>
+            <a:r>
+              <a:rPr kumimoji="0" lang="en-US" altLang="en-US" sz="900" b="0" i="0" u="none" strike="noStrike" cap="none" normalizeH="0" baseline="0" dirty="0" err="1" smtClean="0">
+                <a:ln>
+                  <a:noFill/>
+                </a:ln>
+                <a:solidFill>
+                  <a:srgbClr val="000000"/>
+                </a:solidFill>
+                <a:effectLst/>
+                <a:latin typeface="Courier New" panose="02070309020205020404" pitchFamily="49" charset="0"/>
+                <a:cs typeface="Courier New" panose="02070309020205020404" pitchFamily="49" charset="0"/>
+              </a:rPr>
+              <a:t>birthDate</a:t>
+            </a:r>
+            <a:r>
+              <a:rPr kumimoji="0" lang="en-US" altLang="en-US" sz="900" b="0" i="0" u="none" strike="noStrike" cap="none" normalizeH="0" baseline="0" dirty="0" smtClean="0">
+                <a:ln>
+                  <a:noFill/>
+                </a:ln>
+                <a:solidFill>
+                  <a:srgbClr val="000000"/>
+                </a:solidFill>
+                <a:effectLst/>
+                <a:latin typeface="Courier New" panose="02070309020205020404" pitchFamily="49" charset="0"/>
+                <a:cs typeface="Courier New" panose="02070309020205020404" pitchFamily="49" charset="0"/>
+              </a:rPr>
+              <a:t>              |</a:t>
+            </a:r>
+            <a:br>
+              <a:rPr kumimoji="0" lang="en-US" altLang="en-US" sz="900" b="0" i="0" u="none" strike="noStrike" cap="none" normalizeH="0" baseline="0" dirty="0" smtClean="0">
+                <a:ln>
+                  <a:noFill/>
+                </a:ln>
+                <a:solidFill>
+                  <a:srgbClr val="000000"/>
+                </a:solidFill>
+                <a:effectLst/>
+                <a:latin typeface="Courier New" panose="02070309020205020404" pitchFamily="49" charset="0"/>
+                <a:cs typeface="Courier New" panose="02070309020205020404" pitchFamily="49" charset="0"/>
+              </a:rPr>
+            </a:br>
+            <a:r>
+              <a:rPr kumimoji="0" lang="en-US" altLang="en-US" sz="900" b="0" i="0" u="none" strike="noStrike" cap="none" normalizeH="0" baseline="0" dirty="0" smtClean="0">
+                <a:ln>
+                  <a:noFill/>
+                </a:ln>
+                <a:solidFill>
+                  <a:srgbClr val="000000"/>
+                </a:solidFill>
+                <a:effectLst/>
+                <a:latin typeface="Courier New" panose="02070309020205020404" pitchFamily="49" charset="0"/>
+                <a:cs typeface="Courier New" panose="02070309020205020404" pitchFamily="49" charset="0"/>
+              </a:rPr>
+              <a:t>====================================================================</a:t>
+            </a:r>
+            <a:br>
+              <a:rPr kumimoji="0" lang="en-US" altLang="en-US" sz="900" b="0" i="0" u="none" strike="noStrike" cap="none" normalizeH="0" baseline="0" dirty="0" smtClean="0">
+                <a:ln>
+                  <a:noFill/>
+                </a:ln>
+                <a:solidFill>
+                  <a:srgbClr val="000000"/>
+                </a:solidFill>
+                <a:effectLst/>
+                <a:latin typeface="Courier New" panose="02070309020205020404" pitchFamily="49" charset="0"/>
+                <a:cs typeface="Courier New" panose="02070309020205020404" pitchFamily="49" charset="0"/>
+              </a:rPr>
+            </a:br>
+            <a:r>
+              <a:rPr kumimoji="0" lang="en-US" altLang="en-US" sz="900" b="0" i="0" u="none" strike="noStrike" cap="none" normalizeH="0" baseline="0" dirty="0" smtClean="0">
+                <a:ln>
+                  <a:noFill/>
+                </a:ln>
+                <a:solidFill>
+                  <a:srgbClr val="000000"/>
+                </a:solidFill>
+                <a:effectLst/>
+                <a:latin typeface="Courier New" panose="02070309020205020404" pitchFamily="49" charset="0"/>
+                <a:cs typeface="Courier New" panose="02070309020205020404" pitchFamily="49" charset="0"/>
+              </a:rPr>
+              <a:t>| "</a:t>
+            </a:r>
+            <a:r>
+              <a:rPr kumimoji="0" lang="en-US" altLang="en-US" sz="900" b="0" i="0" u="none" strike="noStrike" cap="none" normalizeH="0" baseline="0" dirty="0" err="1" smtClean="0">
+                <a:ln>
+                  <a:noFill/>
+                </a:ln>
+                <a:solidFill>
+                  <a:srgbClr val="000000"/>
+                </a:solidFill>
+                <a:effectLst/>
+                <a:latin typeface="Courier New" panose="02070309020205020404" pitchFamily="49" charset="0"/>
+                <a:cs typeface="Courier New" panose="02070309020205020404" pitchFamily="49" charset="0"/>
+              </a:rPr>
+              <a:t>Kerim</a:t>
+            </a:r>
+            <a:r>
+              <a:rPr kumimoji="0" lang="en-US" altLang="en-US" sz="900" b="0" i="0" u="none" strike="noStrike" cap="none" normalizeH="0" baseline="0" dirty="0" smtClean="0">
+                <a:ln>
+                  <a:noFill/>
+                </a:ln>
+                <a:solidFill>
+                  <a:srgbClr val="000000"/>
+                </a:solidFill>
+                <a:effectLst/>
+                <a:latin typeface="Courier New" panose="02070309020205020404" pitchFamily="49" charset="0"/>
+                <a:cs typeface="Courier New" panose="02070309020205020404" pitchFamily="49" charset="0"/>
+              </a:rPr>
+              <a:t> Seiler"@</a:t>
+            </a:r>
+            <a:r>
+              <a:rPr kumimoji="0" lang="en-US" altLang="en-US" sz="900" b="0" i="0" u="none" strike="noStrike" cap="none" normalizeH="0" baseline="0" dirty="0" err="1" smtClean="0">
+                <a:ln>
+                  <a:noFill/>
+                </a:ln>
+                <a:solidFill>
+                  <a:srgbClr val="000000"/>
+                </a:solidFill>
+                <a:effectLst/>
+                <a:latin typeface="Courier New" panose="02070309020205020404" pitchFamily="49" charset="0"/>
+                <a:cs typeface="Courier New" panose="02070309020205020404" pitchFamily="49" charset="0"/>
+              </a:rPr>
+              <a:t>en</a:t>
+            </a:r>
+            <a:r>
+              <a:rPr kumimoji="0" lang="en-US" altLang="en-US" sz="900" b="0" i="0" u="none" strike="noStrike" cap="none" normalizeH="0" baseline="0" dirty="0" smtClean="0">
+                <a:ln>
+                  <a:noFill/>
+                </a:ln>
+                <a:solidFill>
+                  <a:srgbClr val="000000"/>
+                </a:solidFill>
+                <a:effectLst/>
+                <a:latin typeface="Courier New" panose="02070309020205020404" pitchFamily="49" charset="0"/>
+                <a:cs typeface="Courier New" panose="02070309020205020404" pitchFamily="49" charset="0"/>
+              </a:rPr>
+              <a:t>                       | "1974-11-14"^^</a:t>
+            </a:r>
+            <a:r>
+              <a:rPr kumimoji="0" lang="en-US" altLang="en-US" sz="900" b="0" i="0" u="none" strike="noStrike" cap="none" normalizeH="0" baseline="0" dirty="0" err="1" smtClean="0">
+                <a:ln>
+                  <a:noFill/>
+                </a:ln>
+                <a:solidFill>
+                  <a:srgbClr val="000000"/>
+                </a:solidFill>
+                <a:effectLst/>
+                <a:latin typeface="Courier New" panose="02070309020205020404" pitchFamily="49" charset="0"/>
+                <a:cs typeface="Courier New" panose="02070309020205020404" pitchFamily="49" charset="0"/>
+              </a:rPr>
+              <a:t>xsd:date</a:t>
+            </a:r>
+            <a:r>
+              <a:rPr kumimoji="0" lang="en-US" altLang="en-US" sz="900" b="0" i="0" u="none" strike="noStrike" cap="none" normalizeH="0" baseline="0" dirty="0" smtClean="0">
+                <a:ln>
+                  <a:noFill/>
+                </a:ln>
+                <a:solidFill>
+                  <a:srgbClr val="000000"/>
+                </a:solidFill>
+                <a:effectLst/>
+                <a:latin typeface="Courier New" panose="02070309020205020404" pitchFamily="49" charset="0"/>
+                <a:cs typeface="Courier New" panose="02070309020205020404" pitchFamily="49" charset="0"/>
+              </a:rPr>
+              <a:t> |</a:t>
+            </a:r>
+            <a:br>
+              <a:rPr kumimoji="0" lang="en-US" altLang="en-US" sz="900" b="0" i="0" u="none" strike="noStrike" cap="none" normalizeH="0" baseline="0" dirty="0" smtClean="0">
+                <a:ln>
+                  <a:noFill/>
+                </a:ln>
+                <a:solidFill>
+                  <a:srgbClr val="000000"/>
+                </a:solidFill>
+                <a:effectLst/>
+                <a:latin typeface="Courier New" panose="02070309020205020404" pitchFamily="49" charset="0"/>
+                <a:cs typeface="Courier New" panose="02070309020205020404" pitchFamily="49" charset="0"/>
+              </a:rPr>
+            </a:br>
+            <a:r>
+              <a:rPr kumimoji="0" lang="en-US" altLang="en-US" sz="900" b="0" i="0" u="none" strike="noStrike" cap="none" normalizeH="0" baseline="0" dirty="0" smtClean="0">
+                <a:ln>
+                  <a:noFill/>
+                </a:ln>
+                <a:solidFill>
+                  <a:srgbClr val="000000"/>
+                </a:solidFill>
+                <a:effectLst/>
+                <a:latin typeface="Courier New" panose="02070309020205020404" pitchFamily="49" charset="0"/>
+                <a:cs typeface="Courier New" panose="02070309020205020404" pitchFamily="49" charset="0"/>
+              </a:rPr>
+              <a:t>| "Olivier </a:t>
+            </a:r>
+            <a:r>
+              <a:rPr kumimoji="0" lang="en-US" altLang="en-US" sz="900" b="0" i="0" u="none" strike="noStrike" cap="none" normalizeH="0" baseline="0" dirty="0" err="1" smtClean="0">
+                <a:ln>
+                  <a:noFill/>
+                </a:ln>
+                <a:solidFill>
+                  <a:srgbClr val="000000"/>
+                </a:solidFill>
+                <a:effectLst/>
+                <a:latin typeface="Courier New" panose="02070309020205020404" pitchFamily="49" charset="0"/>
+                <a:cs typeface="Courier New" panose="02070309020205020404" pitchFamily="49" charset="0"/>
+              </a:rPr>
+              <a:t>Ladislas</a:t>
+            </a:r>
+            <a:r>
+              <a:rPr kumimoji="0" lang="en-US" altLang="en-US" sz="900" b="0" i="0" u="none" strike="noStrike" cap="none" normalizeH="0" baseline="0" dirty="0" smtClean="0">
+                <a:ln>
+                  <a:noFill/>
+                </a:ln>
+                <a:solidFill>
+                  <a:srgbClr val="000000"/>
+                </a:solidFill>
+                <a:effectLst/>
+                <a:latin typeface="Courier New" panose="02070309020205020404" pitchFamily="49" charset="0"/>
+                <a:cs typeface="Courier New" panose="02070309020205020404" pitchFamily="49" charset="0"/>
+              </a:rPr>
+              <a:t> de </a:t>
+            </a:r>
+            <a:r>
+              <a:rPr kumimoji="0" lang="en-US" altLang="en-US" sz="900" b="0" i="0" u="none" strike="noStrike" cap="none" normalizeH="0" baseline="0" dirty="0" err="1" smtClean="0">
+                <a:ln>
+                  <a:noFill/>
+                </a:ln>
+                <a:solidFill>
+                  <a:srgbClr val="000000"/>
+                </a:solidFill>
+                <a:effectLst/>
+                <a:latin typeface="Courier New" panose="02070309020205020404" pitchFamily="49" charset="0"/>
+                <a:cs typeface="Courier New" panose="02070309020205020404" pitchFamily="49" charset="0"/>
+              </a:rPr>
+              <a:t>Weck</a:t>
+            </a:r>
+            <a:r>
+              <a:rPr kumimoji="0" lang="en-US" altLang="en-US" sz="900" b="0" i="0" u="none" strike="noStrike" cap="none" normalizeH="0" baseline="0" dirty="0" smtClean="0">
+                <a:ln>
+                  <a:noFill/>
+                </a:ln>
+                <a:solidFill>
+                  <a:srgbClr val="000000"/>
+                </a:solidFill>
+                <a:effectLst/>
+                <a:latin typeface="Courier New" panose="02070309020205020404" pitchFamily="49" charset="0"/>
+                <a:cs typeface="Courier New" panose="02070309020205020404" pitchFamily="49" charset="0"/>
+              </a:rPr>
+              <a:t>"@</a:t>
+            </a:r>
+            <a:r>
+              <a:rPr kumimoji="0" lang="en-US" altLang="en-US" sz="900" b="0" i="0" u="none" strike="noStrike" cap="none" normalizeH="0" baseline="0" dirty="0" err="1" smtClean="0">
+                <a:ln>
+                  <a:noFill/>
+                </a:ln>
+                <a:solidFill>
+                  <a:srgbClr val="000000"/>
+                </a:solidFill>
+                <a:effectLst/>
+                <a:latin typeface="Courier New" panose="02070309020205020404" pitchFamily="49" charset="0"/>
+                <a:cs typeface="Courier New" panose="02070309020205020404" pitchFamily="49" charset="0"/>
+              </a:rPr>
+              <a:t>en</a:t>
+            </a:r>
+            <a:r>
+              <a:rPr kumimoji="0" lang="en-US" altLang="en-US" sz="900" b="0" i="0" u="none" strike="noStrike" cap="none" normalizeH="0" baseline="0" dirty="0" smtClean="0">
+                <a:ln>
+                  <a:noFill/>
+                </a:ln>
+                <a:solidFill>
+                  <a:srgbClr val="000000"/>
+                </a:solidFill>
+                <a:effectLst/>
+                <a:latin typeface="Courier New" panose="02070309020205020404" pitchFamily="49" charset="0"/>
+                <a:cs typeface="Courier New" panose="02070309020205020404" pitchFamily="49" charset="0"/>
+              </a:rPr>
+              <a:t>           | "1968-10-19"^^</a:t>
+            </a:r>
+            <a:r>
+              <a:rPr kumimoji="0" lang="en-US" altLang="en-US" sz="900" b="0" i="0" u="none" strike="noStrike" cap="none" normalizeH="0" baseline="0" dirty="0" err="1" smtClean="0">
+                <a:ln>
+                  <a:noFill/>
+                </a:ln>
+                <a:solidFill>
+                  <a:srgbClr val="000000"/>
+                </a:solidFill>
+                <a:effectLst/>
+                <a:latin typeface="Courier New" panose="02070309020205020404" pitchFamily="49" charset="0"/>
+                <a:cs typeface="Courier New" panose="02070309020205020404" pitchFamily="49" charset="0"/>
+              </a:rPr>
+              <a:t>xsd:date</a:t>
+            </a:r>
+            <a:r>
+              <a:rPr kumimoji="0" lang="en-US" altLang="en-US" sz="900" b="0" i="0" u="none" strike="noStrike" cap="none" normalizeH="0" baseline="0" dirty="0" smtClean="0">
+                <a:ln>
+                  <a:noFill/>
+                </a:ln>
+                <a:solidFill>
+                  <a:srgbClr val="000000"/>
+                </a:solidFill>
+                <a:effectLst/>
+                <a:latin typeface="Courier New" panose="02070309020205020404" pitchFamily="49" charset="0"/>
+                <a:cs typeface="Courier New" panose="02070309020205020404" pitchFamily="49" charset="0"/>
+              </a:rPr>
+              <a:t> |</a:t>
+            </a:r>
+            <a:br>
+              <a:rPr kumimoji="0" lang="en-US" altLang="en-US" sz="900" b="0" i="0" u="none" strike="noStrike" cap="none" normalizeH="0" baseline="0" dirty="0" smtClean="0">
+                <a:ln>
+                  <a:noFill/>
+                </a:ln>
+                <a:solidFill>
+                  <a:srgbClr val="000000"/>
+                </a:solidFill>
+                <a:effectLst/>
+                <a:latin typeface="Courier New" panose="02070309020205020404" pitchFamily="49" charset="0"/>
+                <a:cs typeface="Courier New" panose="02070309020205020404" pitchFamily="49" charset="0"/>
+              </a:rPr>
+            </a:br>
+            <a:r>
+              <a:rPr kumimoji="0" lang="en-US" altLang="en-US" sz="900" b="0" i="0" u="none" strike="noStrike" cap="none" normalizeH="0" baseline="0" dirty="0" smtClean="0">
+                <a:ln>
+                  <a:noFill/>
+                </a:ln>
+                <a:solidFill>
+                  <a:srgbClr val="000000"/>
+                </a:solidFill>
+                <a:effectLst/>
+                <a:latin typeface="Courier New" panose="02070309020205020404" pitchFamily="49" charset="0"/>
+                <a:cs typeface="Courier New" panose="02070309020205020404" pitchFamily="49" charset="0"/>
+              </a:rPr>
+              <a:t>| "de </a:t>
+            </a:r>
+            <a:r>
+              <a:rPr kumimoji="0" lang="en-US" altLang="en-US" sz="900" b="0" i="0" u="none" strike="noStrike" cap="none" normalizeH="0" baseline="0" dirty="0" err="1" smtClean="0">
+                <a:ln>
+                  <a:noFill/>
+                </a:ln>
+                <a:solidFill>
+                  <a:srgbClr val="000000"/>
+                </a:solidFill>
+                <a:effectLst/>
+                <a:latin typeface="Courier New" panose="02070309020205020404" pitchFamily="49" charset="0"/>
+                <a:cs typeface="Courier New" panose="02070309020205020404" pitchFamily="49" charset="0"/>
+              </a:rPr>
+              <a:t>Weck</a:t>
+            </a:r>
+            <a:r>
+              <a:rPr kumimoji="0" lang="en-US" altLang="en-US" sz="900" b="0" i="0" u="none" strike="noStrike" cap="none" normalizeH="0" baseline="0" dirty="0" smtClean="0">
+                <a:ln>
+                  <a:noFill/>
+                </a:ln>
+                <a:solidFill>
+                  <a:srgbClr val="000000"/>
+                </a:solidFill>
+                <a:effectLst/>
+                <a:latin typeface="Courier New" panose="02070309020205020404" pitchFamily="49" charset="0"/>
+                <a:cs typeface="Courier New" panose="02070309020205020404" pitchFamily="49" charset="0"/>
+              </a:rPr>
+              <a:t>, Olivier"@</a:t>
+            </a:r>
+            <a:r>
+              <a:rPr kumimoji="0" lang="en-US" altLang="en-US" sz="900" b="0" i="0" u="none" strike="noStrike" cap="none" normalizeH="0" baseline="0" dirty="0" err="1" smtClean="0">
+                <a:ln>
+                  <a:noFill/>
+                </a:ln>
+                <a:solidFill>
+                  <a:srgbClr val="000000"/>
+                </a:solidFill>
+                <a:effectLst/>
+                <a:latin typeface="Courier New" panose="02070309020205020404" pitchFamily="49" charset="0"/>
+                <a:cs typeface="Courier New" panose="02070309020205020404" pitchFamily="49" charset="0"/>
+              </a:rPr>
+              <a:t>en</a:t>
+            </a:r>
+            <a:r>
+              <a:rPr kumimoji="0" lang="en-US" altLang="en-US" sz="900" b="0" i="0" u="none" strike="noStrike" cap="none" normalizeH="0" baseline="0" dirty="0" smtClean="0">
+                <a:ln>
+                  <a:noFill/>
+                </a:ln>
+                <a:solidFill>
+                  <a:srgbClr val="000000"/>
+                </a:solidFill>
+                <a:effectLst/>
+                <a:latin typeface="Courier New" panose="02070309020205020404" pitchFamily="49" charset="0"/>
+                <a:cs typeface="Courier New" panose="02070309020205020404" pitchFamily="49" charset="0"/>
+              </a:rPr>
+              <a:t>                   | "1968-10-19"^^</a:t>
+            </a:r>
+            <a:r>
+              <a:rPr kumimoji="0" lang="en-US" altLang="en-US" sz="900" b="0" i="0" u="none" strike="noStrike" cap="none" normalizeH="0" baseline="0" dirty="0" err="1" smtClean="0">
+                <a:ln>
+                  <a:noFill/>
+                </a:ln>
+                <a:solidFill>
+                  <a:srgbClr val="000000"/>
+                </a:solidFill>
+                <a:effectLst/>
+                <a:latin typeface="Courier New" panose="02070309020205020404" pitchFamily="49" charset="0"/>
+                <a:cs typeface="Courier New" panose="02070309020205020404" pitchFamily="49" charset="0"/>
+              </a:rPr>
+              <a:t>xsd:date</a:t>
+            </a:r>
+            <a:r>
+              <a:rPr kumimoji="0" lang="en-US" altLang="en-US" sz="900" b="0" i="0" u="none" strike="noStrike" cap="none" normalizeH="0" baseline="0" dirty="0" smtClean="0">
+                <a:ln>
+                  <a:noFill/>
+                </a:ln>
+                <a:solidFill>
+                  <a:srgbClr val="000000"/>
+                </a:solidFill>
+                <a:effectLst/>
+                <a:latin typeface="Courier New" panose="02070309020205020404" pitchFamily="49" charset="0"/>
+                <a:cs typeface="Courier New" panose="02070309020205020404" pitchFamily="49" charset="0"/>
+              </a:rPr>
+              <a:t> |</a:t>
+            </a:r>
+            <a:br>
+              <a:rPr kumimoji="0" lang="en-US" altLang="en-US" sz="900" b="0" i="0" u="none" strike="noStrike" cap="none" normalizeH="0" baseline="0" dirty="0" smtClean="0">
+                <a:ln>
+                  <a:noFill/>
+                </a:ln>
+                <a:solidFill>
+                  <a:srgbClr val="000000"/>
+                </a:solidFill>
+                <a:effectLst/>
+                <a:latin typeface="Courier New" panose="02070309020205020404" pitchFamily="49" charset="0"/>
+                <a:cs typeface="Courier New" panose="02070309020205020404" pitchFamily="49" charset="0"/>
+              </a:rPr>
+            </a:br>
+            <a:r>
+              <a:rPr kumimoji="0" lang="en-US" altLang="en-US" sz="900" b="0" i="0" u="none" strike="noStrike" cap="none" normalizeH="0" baseline="0" dirty="0" smtClean="0">
+                <a:ln>
+                  <a:noFill/>
+                </a:ln>
+                <a:solidFill>
+                  <a:srgbClr val="000000"/>
+                </a:solidFill>
+                <a:effectLst/>
+                <a:latin typeface="Courier New" panose="02070309020205020404" pitchFamily="49" charset="0"/>
+                <a:cs typeface="Courier New" panose="02070309020205020404" pitchFamily="49" charset="0"/>
+              </a:rPr>
+              <a:t>| "</a:t>
+            </a:r>
+            <a:r>
+              <a:rPr kumimoji="0" lang="en-US" altLang="en-US" sz="900" b="0" i="0" u="none" strike="noStrike" cap="none" normalizeH="0" baseline="0" dirty="0" err="1" smtClean="0">
+                <a:ln>
+                  <a:noFill/>
+                </a:ln>
+                <a:solidFill>
+                  <a:srgbClr val="000000"/>
+                </a:solidFill>
+                <a:effectLst/>
+                <a:latin typeface="Courier New" panose="02070309020205020404" pitchFamily="49" charset="0"/>
+                <a:cs typeface="Courier New" panose="02070309020205020404" pitchFamily="49" charset="0"/>
+              </a:rPr>
+              <a:t>Reinhard</a:t>
+            </a:r>
+            <a:r>
+              <a:rPr kumimoji="0" lang="en-US" altLang="en-US" sz="900" b="0" i="0" u="none" strike="noStrike" cap="none" normalizeH="0" baseline="0" dirty="0" smtClean="0">
+                <a:ln>
+                  <a:noFill/>
+                </a:ln>
+                <a:solidFill>
+                  <a:srgbClr val="000000"/>
+                </a:solidFill>
+                <a:effectLst/>
+                <a:latin typeface="Courier New" panose="02070309020205020404" pitchFamily="49" charset="0"/>
+                <a:cs typeface="Courier New" panose="02070309020205020404" pitchFamily="49" charset="0"/>
+              </a:rPr>
+              <a:t> </a:t>
+            </a:r>
+            <a:r>
+              <a:rPr kumimoji="0" lang="en-US" altLang="en-US" sz="900" b="0" i="0" u="none" strike="noStrike" cap="none" normalizeH="0" baseline="0" dirty="0" err="1" smtClean="0">
+                <a:ln>
+                  <a:noFill/>
+                </a:ln>
+                <a:solidFill>
+                  <a:srgbClr val="000000"/>
+                </a:solidFill>
+                <a:effectLst/>
+                <a:latin typeface="Courier New" panose="02070309020205020404" pitchFamily="49" charset="0"/>
+                <a:cs typeface="Courier New" panose="02070309020205020404" pitchFamily="49" charset="0"/>
+              </a:rPr>
+              <a:t>Gammenthaler</a:t>
+            </a:r>
+            <a:r>
+              <a:rPr kumimoji="0" lang="en-US" altLang="en-US" sz="900" b="0" i="0" u="none" strike="noStrike" cap="none" normalizeH="0" baseline="0" dirty="0" smtClean="0">
+                <a:ln>
+                  <a:noFill/>
+                </a:ln>
+                <a:solidFill>
+                  <a:srgbClr val="000000"/>
+                </a:solidFill>
+                <a:effectLst/>
+                <a:latin typeface="Courier New" panose="02070309020205020404" pitchFamily="49" charset="0"/>
+                <a:cs typeface="Courier New" panose="02070309020205020404" pitchFamily="49" charset="0"/>
+              </a:rPr>
+              <a:t>"@</a:t>
+            </a:r>
+            <a:r>
+              <a:rPr kumimoji="0" lang="en-US" altLang="en-US" sz="900" b="0" i="0" u="none" strike="noStrike" cap="none" normalizeH="0" baseline="0" dirty="0" err="1" smtClean="0">
+                <a:ln>
+                  <a:noFill/>
+                </a:ln>
+                <a:solidFill>
+                  <a:srgbClr val="000000"/>
+                </a:solidFill>
+                <a:effectLst/>
+                <a:latin typeface="Courier New" panose="02070309020205020404" pitchFamily="49" charset="0"/>
+                <a:cs typeface="Courier New" panose="02070309020205020404" pitchFamily="49" charset="0"/>
+              </a:rPr>
+              <a:t>en</a:t>
+            </a:r>
+            <a:r>
+              <a:rPr kumimoji="0" lang="en-US" altLang="en-US" sz="900" b="0" i="0" u="none" strike="noStrike" cap="none" normalizeH="0" baseline="0" dirty="0" smtClean="0">
+                <a:ln>
+                  <a:noFill/>
+                </a:ln>
+                <a:solidFill>
+                  <a:srgbClr val="000000"/>
+                </a:solidFill>
+                <a:effectLst/>
+                <a:latin typeface="Courier New" panose="02070309020205020404" pitchFamily="49" charset="0"/>
+                <a:cs typeface="Courier New" panose="02070309020205020404" pitchFamily="49" charset="0"/>
+              </a:rPr>
+              <a:t>              | "1953-05-09"^^</a:t>
+            </a:r>
+            <a:r>
+              <a:rPr kumimoji="0" lang="en-US" altLang="en-US" sz="900" b="0" i="0" u="none" strike="noStrike" cap="none" normalizeH="0" baseline="0" dirty="0" err="1" smtClean="0">
+                <a:ln>
+                  <a:noFill/>
+                </a:ln>
+                <a:solidFill>
+                  <a:srgbClr val="000000"/>
+                </a:solidFill>
+                <a:effectLst/>
+                <a:latin typeface="Courier New" panose="02070309020205020404" pitchFamily="49" charset="0"/>
+                <a:cs typeface="Courier New" panose="02070309020205020404" pitchFamily="49" charset="0"/>
+              </a:rPr>
+              <a:t>xsd:date</a:t>
+            </a:r>
+            <a:r>
+              <a:rPr kumimoji="0" lang="en-US" altLang="en-US" sz="900" b="0" i="0" u="none" strike="noStrike" cap="none" normalizeH="0" baseline="0" dirty="0" smtClean="0">
+                <a:ln>
+                  <a:noFill/>
+                </a:ln>
+                <a:solidFill>
+                  <a:srgbClr val="000000"/>
+                </a:solidFill>
+                <a:effectLst/>
+                <a:latin typeface="Courier New" panose="02070309020205020404" pitchFamily="49" charset="0"/>
+                <a:cs typeface="Courier New" panose="02070309020205020404" pitchFamily="49" charset="0"/>
+              </a:rPr>
+              <a:t> |</a:t>
+            </a:r>
+            <a:br>
+              <a:rPr kumimoji="0" lang="en-US" altLang="en-US" sz="900" b="0" i="0" u="none" strike="noStrike" cap="none" normalizeH="0" baseline="0" dirty="0" smtClean="0">
+                <a:ln>
+                  <a:noFill/>
+                </a:ln>
+                <a:solidFill>
+                  <a:srgbClr val="000000"/>
+                </a:solidFill>
+                <a:effectLst/>
+                <a:latin typeface="Courier New" panose="02070309020205020404" pitchFamily="49" charset="0"/>
+                <a:cs typeface="Courier New" panose="02070309020205020404" pitchFamily="49" charset="0"/>
+              </a:rPr>
+            </a:br>
+            <a:r>
+              <a:rPr kumimoji="0" lang="en-US" altLang="en-US" sz="900" b="0" i="0" u="none" strike="noStrike" cap="none" normalizeH="0" baseline="0" dirty="0" smtClean="0">
+                <a:ln>
+                  <a:noFill/>
+                </a:ln>
+                <a:solidFill>
+                  <a:srgbClr val="000000"/>
+                </a:solidFill>
+                <a:effectLst/>
+                <a:latin typeface="Courier New" panose="02070309020205020404" pitchFamily="49" charset="0"/>
+                <a:cs typeface="Courier New" panose="02070309020205020404" pitchFamily="49" charset="0"/>
+              </a:rPr>
+              <a:t>| "</a:t>
+            </a:r>
+            <a:r>
+              <a:rPr kumimoji="0" lang="en-US" altLang="en-US" sz="900" b="0" i="0" u="none" strike="noStrike" cap="none" normalizeH="0" baseline="0" dirty="0" err="1" smtClean="0">
+                <a:ln>
+                  <a:noFill/>
+                </a:ln>
+                <a:solidFill>
+                  <a:srgbClr val="000000"/>
+                </a:solidFill>
+                <a:effectLst/>
+                <a:latin typeface="Courier New" panose="02070309020205020404" pitchFamily="49" charset="0"/>
+                <a:cs typeface="Courier New" panose="02070309020205020404" pitchFamily="49" charset="0"/>
+              </a:rPr>
+              <a:t>Gammenthaler</a:t>
+            </a:r>
+            <a:r>
+              <a:rPr kumimoji="0" lang="en-US" altLang="en-US" sz="900" b="0" i="0" u="none" strike="noStrike" cap="none" normalizeH="0" baseline="0" dirty="0" smtClean="0">
+                <a:ln>
+                  <a:noFill/>
+                </a:ln>
+                <a:solidFill>
+                  <a:srgbClr val="000000"/>
+                </a:solidFill>
+                <a:effectLst/>
+                <a:latin typeface="Courier New" panose="02070309020205020404" pitchFamily="49" charset="0"/>
+                <a:cs typeface="Courier New" panose="02070309020205020404" pitchFamily="49" charset="0"/>
+              </a:rPr>
+              <a:t>, </a:t>
+            </a:r>
+            <a:r>
+              <a:rPr kumimoji="0" lang="en-US" altLang="en-US" sz="900" b="0" i="0" u="none" strike="noStrike" cap="none" normalizeH="0" baseline="0" dirty="0" err="1" smtClean="0">
+                <a:ln>
+                  <a:noFill/>
+                </a:ln>
+                <a:solidFill>
+                  <a:srgbClr val="000000"/>
+                </a:solidFill>
+                <a:effectLst/>
+                <a:latin typeface="Courier New" panose="02070309020205020404" pitchFamily="49" charset="0"/>
+                <a:cs typeface="Courier New" panose="02070309020205020404" pitchFamily="49" charset="0"/>
+              </a:rPr>
+              <a:t>Reinhard</a:t>
+            </a:r>
+            <a:r>
+              <a:rPr kumimoji="0" lang="en-US" altLang="en-US" sz="900" b="0" i="0" u="none" strike="noStrike" cap="none" normalizeH="0" baseline="0" dirty="0" smtClean="0">
+                <a:ln>
+                  <a:noFill/>
+                </a:ln>
+                <a:solidFill>
+                  <a:srgbClr val="000000"/>
+                </a:solidFill>
+                <a:effectLst/>
+                <a:latin typeface="Courier New" panose="02070309020205020404" pitchFamily="49" charset="0"/>
+                <a:cs typeface="Courier New" panose="02070309020205020404" pitchFamily="49" charset="0"/>
+              </a:rPr>
+              <a:t>"@</a:t>
+            </a:r>
+            <a:r>
+              <a:rPr kumimoji="0" lang="en-US" altLang="en-US" sz="900" b="0" i="0" u="none" strike="noStrike" cap="none" normalizeH="0" baseline="0" dirty="0" err="1" smtClean="0">
+                <a:ln>
+                  <a:noFill/>
+                </a:ln>
+                <a:solidFill>
+                  <a:srgbClr val="000000"/>
+                </a:solidFill>
+                <a:effectLst/>
+                <a:latin typeface="Courier New" panose="02070309020205020404" pitchFamily="49" charset="0"/>
+                <a:cs typeface="Courier New" panose="02070309020205020404" pitchFamily="49" charset="0"/>
+              </a:rPr>
+              <a:t>en</a:t>
+            </a:r>
+            <a:r>
+              <a:rPr kumimoji="0" lang="en-US" altLang="en-US" sz="900" b="0" i="0" u="none" strike="noStrike" cap="none" normalizeH="0" baseline="0" dirty="0" smtClean="0">
+                <a:ln>
+                  <a:noFill/>
+                </a:ln>
+                <a:solidFill>
+                  <a:srgbClr val="000000"/>
+                </a:solidFill>
+                <a:effectLst/>
+                <a:latin typeface="Courier New" panose="02070309020205020404" pitchFamily="49" charset="0"/>
+                <a:cs typeface="Courier New" panose="02070309020205020404" pitchFamily="49" charset="0"/>
+              </a:rPr>
+              <a:t>             | "1953-05-09"^^</a:t>
+            </a:r>
+            <a:r>
+              <a:rPr kumimoji="0" lang="en-US" altLang="en-US" sz="900" b="0" i="0" u="none" strike="noStrike" cap="none" normalizeH="0" baseline="0" dirty="0" err="1" smtClean="0">
+                <a:ln>
+                  <a:noFill/>
+                </a:ln>
+                <a:solidFill>
+                  <a:srgbClr val="000000"/>
+                </a:solidFill>
+                <a:effectLst/>
+                <a:latin typeface="Courier New" panose="02070309020205020404" pitchFamily="49" charset="0"/>
+                <a:cs typeface="Courier New" panose="02070309020205020404" pitchFamily="49" charset="0"/>
+              </a:rPr>
+              <a:t>xsd:date</a:t>
+            </a:r>
+            <a:r>
+              <a:rPr kumimoji="0" lang="en-US" altLang="en-US" sz="900" b="0" i="0" u="none" strike="noStrike" cap="none" normalizeH="0" baseline="0" dirty="0" smtClean="0">
+                <a:ln>
+                  <a:noFill/>
+                </a:ln>
+                <a:solidFill>
+                  <a:srgbClr val="000000"/>
+                </a:solidFill>
+                <a:effectLst/>
+                <a:latin typeface="Courier New" panose="02070309020205020404" pitchFamily="49" charset="0"/>
+                <a:cs typeface="Courier New" panose="02070309020205020404" pitchFamily="49" charset="0"/>
+              </a:rPr>
+              <a:t> |</a:t>
+            </a:r>
+            <a:br>
+              <a:rPr kumimoji="0" lang="en-US" altLang="en-US" sz="900" b="0" i="0" u="none" strike="noStrike" cap="none" normalizeH="0" baseline="0" dirty="0" smtClean="0">
+                <a:ln>
+                  <a:noFill/>
+                </a:ln>
+                <a:solidFill>
+                  <a:srgbClr val="000000"/>
+                </a:solidFill>
+                <a:effectLst/>
+                <a:latin typeface="Courier New" panose="02070309020205020404" pitchFamily="49" charset="0"/>
+                <a:cs typeface="Courier New" panose="02070309020205020404" pitchFamily="49" charset="0"/>
+              </a:rPr>
+            </a:br>
+            <a:r>
+              <a:rPr kumimoji="0" lang="en-US" altLang="en-US" sz="900" b="0" i="0" u="none" strike="noStrike" cap="none" normalizeH="0" baseline="0" dirty="0" smtClean="0">
+                <a:ln>
+                  <a:noFill/>
+                </a:ln>
+                <a:solidFill>
+                  <a:srgbClr val="000000"/>
+                </a:solidFill>
+                <a:effectLst/>
+                <a:latin typeface="Courier New" panose="02070309020205020404" pitchFamily="49" charset="0"/>
+                <a:cs typeface="Courier New" panose="02070309020205020404" pitchFamily="49" charset="0"/>
+              </a:rPr>
+              <a:t>| "Michael von </a:t>
+            </a:r>
+            <a:r>
+              <a:rPr kumimoji="0" lang="en-US" altLang="en-US" sz="900" b="0" i="0" u="none" strike="noStrike" cap="none" normalizeH="0" baseline="0" dirty="0" err="1" smtClean="0">
+                <a:ln>
+                  <a:noFill/>
+                </a:ln>
+                <a:solidFill>
+                  <a:srgbClr val="000000"/>
+                </a:solidFill>
+                <a:effectLst/>
+                <a:latin typeface="Courier New" panose="02070309020205020404" pitchFamily="49" charset="0"/>
+                <a:cs typeface="Courier New" panose="02070309020205020404" pitchFamily="49" charset="0"/>
+              </a:rPr>
+              <a:t>Graffenried</a:t>
+            </a:r>
+            <a:r>
+              <a:rPr kumimoji="0" lang="en-US" altLang="en-US" sz="900" b="0" i="0" u="none" strike="noStrike" cap="none" normalizeH="0" baseline="0" dirty="0" smtClean="0">
+                <a:ln>
+                  <a:noFill/>
+                </a:ln>
+                <a:solidFill>
+                  <a:srgbClr val="000000"/>
+                </a:solidFill>
+                <a:effectLst/>
+                <a:latin typeface="Courier New" panose="02070309020205020404" pitchFamily="49" charset="0"/>
+                <a:cs typeface="Courier New" panose="02070309020205020404" pitchFamily="49" charset="0"/>
+              </a:rPr>
+              <a:t>"@</a:t>
+            </a:r>
+            <a:r>
+              <a:rPr kumimoji="0" lang="en-US" altLang="en-US" sz="900" b="0" i="0" u="none" strike="noStrike" cap="none" normalizeH="0" baseline="0" dirty="0" err="1" smtClean="0">
+                <a:ln>
+                  <a:noFill/>
+                </a:ln>
+                <a:solidFill>
+                  <a:srgbClr val="000000"/>
+                </a:solidFill>
+                <a:effectLst/>
+                <a:latin typeface="Courier New" panose="02070309020205020404" pitchFamily="49" charset="0"/>
+                <a:cs typeface="Courier New" panose="02070309020205020404" pitchFamily="49" charset="0"/>
+              </a:rPr>
+              <a:t>en</a:t>
+            </a:r>
+            <a:r>
+              <a:rPr kumimoji="0" lang="en-US" altLang="en-US" sz="900" b="0" i="0" u="none" strike="noStrike" cap="none" normalizeH="0" baseline="0" dirty="0" smtClean="0">
+                <a:ln>
+                  <a:noFill/>
+                </a:ln>
+                <a:solidFill>
+                  <a:srgbClr val="000000"/>
+                </a:solidFill>
+                <a:effectLst/>
+                <a:latin typeface="Courier New" panose="02070309020205020404" pitchFamily="49" charset="0"/>
+                <a:cs typeface="Courier New" panose="02070309020205020404" pitchFamily="49" charset="0"/>
+              </a:rPr>
+              <a:t>            | "1957-05-07"^^</a:t>
+            </a:r>
+            <a:r>
+              <a:rPr kumimoji="0" lang="en-US" altLang="en-US" sz="900" b="0" i="0" u="none" strike="noStrike" cap="none" normalizeH="0" baseline="0" dirty="0" err="1" smtClean="0">
+                <a:ln>
+                  <a:noFill/>
+                </a:ln>
+                <a:solidFill>
+                  <a:srgbClr val="000000"/>
+                </a:solidFill>
+                <a:effectLst/>
+                <a:latin typeface="Courier New" panose="02070309020205020404" pitchFamily="49" charset="0"/>
+                <a:cs typeface="Courier New" panose="02070309020205020404" pitchFamily="49" charset="0"/>
+              </a:rPr>
+              <a:t>xsd:date</a:t>
+            </a:r>
+            <a:r>
+              <a:rPr kumimoji="0" lang="en-US" altLang="en-US" sz="900" b="0" i="0" u="none" strike="noStrike" cap="none" normalizeH="0" baseline="0" dirty="0" smtClean="0">
+                <a:ln>
+                  <a:noFill/>
+                </a:ln>
+                <a:solidFill>
+                  <a:srgbClr val="000000"/>
+                </a:solidFill>
+                <a:effectLst/>
+                <a:latin typeface="Courier New" panose="02070309020205020404" pitchFamily="49" charset="0"/>
+                <a:cs typeface="Courier New" panose="02070309020205020404" pitchFamily="49" charset="0"/>
+              </a:rPr>
+              <a:t> |</a:t>
+            </a:r>
+            <a:br>
+              <a:rPr kumimoji="0" lang="en-US" altLang="en-US" sz="900" b="0" i="0" u="none" strike="noStrike" cap="none" normalizeH="0" baseline="0" dirty="0" smtClean="0">
+                <a:ln>
+                  <a:noFill/>
+                </a:ln>
+                <a:solidFill>
+                  <a:srgbClr val="000000"/>
+                </a:solidFill>
+                <a:effectLst/>
+                <a:latin typeface="Courier New" panose="02070309020205020404" pitchFamily="49" charset="0"/>
+                <a:cs typeface="Courier New" panose="02070309020205020404" pitchFamily="49" charset="0"/>
+              </a:rPr>
+            </a:br>
+            <a:r>
+              <a:rPr kumimoji="0" lang="en-US" altLang="en-US" sz="900" b="0" i="0" u="none" strike="noStrike" cap="none" normalizeH="0" baseline="0" dirty="0" smtClean="0">
+                <a:ln>
+                  <a:noFill/>
+                </a:ln>
+                <a:solidFill>
+                  <a:srgbClr val="000000"/>
+                </a:solidFill>
+                <a:effectLst/>
+                <a:latin typeface="Courier New" panose="02070309020205020404" pitchFamily="49" charset="0"/>
+                <a:cs typeface="Courier New" panose="02070309020205020404" pitchFamily="49" charset="0"/>
+              </a:rPr>
+              <a:t>| "Robert </a:t>
+            </a:r>
+            <a:r>
+              <a:rPr kumimoji="0" lang="en-US" altLang="en-US" sz="900" b="0" i="0" u="none" strike="noStrike" cap="none" normalizeH="0" baseline="0" dirty="0" err="1" smtClean="0">
+                <a:ln>
+                  <a:noFill/>
+                </a:ln>
+                <a:solidFill>
+                  <a:srgbClr val="000000"/>
+                </a:solidFill>
+                <a:effectLst/>
+                <a:latin typeface="Courier New" panose="02070309020205020404" pitchFamily="49" charset="0"/>
+                <a:cs typeface="Courier New" panose="02070309020205020404" pitchFamily="49" charset="0"/>
+              </a:rPr>
+              <a:t>Scheuermeier</a:t>
+            </a:r>
+            <a:r>
+              <a:rPr kumimoji="0" lang="en-US" altLang="en-US" sz="900" b="0" i="0" u="none" strike="noStrike" cap="none" normalizeH="0" baseline="0" dirty="0" smtClean="0">
+                <a:ln>
+                  <a:noFill/>
+                </a:ln>
+                <a:solidFill>
+                  <a:srgbClr val="000000"/>
+                </a:solidFill>
+                <a:effectLst/>
+                <a:latin typeface="Courier New" panose="02070309020205020404" pitchFamily="49" charset="0"/>
+                <a:cs typeface="Courier New" panose="02070309020205020404" pitchFamily="49" charset="0"/>
+              </a:rPr>
+              <a:t>"@</a:t>
+            </a:r>
+            <a:r>
+              <a:rPr kumimoji="0" lang="en-US" altLang="en-US" sz="900" b="0" i="0" u="none" strike="noStrike" cap="none" normalizeH="0" baseline="0" dirty="0" err="1" smtClean="0">
+                <a:ln>
+                  <a:noFill/>
+                </a:ln>
+                <a:solidFill>
+                  <a:srgbClr val="000000"/>
+                </a:solidFill>
+                <a:effectLst/>
+                <a:latin typeface="Courier New" panose="02070309020205020404" pitchFamily="49" charset="0"/>
+                <a:cs typeface="Courier New" panose="02070309020205020404" pitchFamily="49" charset="0"/>
+              </a:rPr>
+              <a:t>en</a:t>
+            </a:r>
+            <a:r>
+              <a:rPr kumimoji="0" lang="en-US" altLang="en-US" sz="900" b="0" i="0" u="none" strike="noStrike" cap="none" normalizeH="0" baseline="0" dirty="0" smtClean="0">
+                <a:ln>
+                  <a:noFill/>
+                </a:ln>
+                <a:solidFill>
+                  <a:srgbClr val="000000"/>
+                </a:solidFill>
+                <a:effectLst/>
+                <a:latin typeface="Courier New" panose="02070309020205020404" pitchFamily="49" charset="0"/>
+                <a:cs typeface="Courier New" panose="02070309020205020404" pitchFamily="49" charset="0"/>
+              </a:rPr>
+              <a:t>                | "1927-07-31"^^</a:t>
+            </a:r>
+            <a:r>
+              <a:rPr kumimoji="0" lang="en-US" altLang="en-US" sz="900" b="0" i="0" u="none" strike="noStrike" cap="none" normalizeH="0" baseline="0" dirty="0" err="1" smtClean="0">
+                <a:ln>
+                  <a:noFill/>
+                </a:ln>
+                <a:solidFill>
+                  <a:srgbClr val="000000"/>
+                </a:solidFill>
+                <a:effectLst/>
+                <a:latin typeface="Courier New" panose="02070309020205020404" pitchFamily="49" charset="0"/>
+                <a:cs typeface="Courier New" panose="02070309020205020404" pitchFamily="49" charset="0"/>
+              </a:rPr>
+              <a:t>xsd:date</a:t>
+            </a:r>
+            <a:r>
+              <a:rPr kumimoji="0" lang="en-US" altLang="en-US" sz="900" b="0" i="0" u="none" strike="noStrike" cap="none" normalizeH="0" baseline="0" dirty="0" smtClean="0">
+                <a:ln>
+                  <a:noFill/>
+                </a:ln>
+                <a:solidFill>
+                  <a:srgbClr val="000000"/>
+                </a:solidFill>
+                <a:effectLst/>
+                <a:latin typeface="Courier New" panose="02070309020205020404" pitchFamily="49" charset="0"/>
+                <a:cs typeface="Courier New" panose="02070309020205020404" pitchFamily="49" charset="0"/>
+              </a:rPr>
+              <a:t> |</a:t>
+            </a:r>
+            <a:br>
+              <a:rPr kumimoji="0" lang="en-US" altLang="en-US" sz="900" b="0" i="0" u="none" strike="noStrike" cap="none" normalizeH="0" baseline="0" dirty="0" smtClean="0">
+                <a:ln>
+                  <a:noFill/>
+                </a:ln>
+                <a:solidFill>
+                  <a:srgbClr val="000000"/>
+                </a:solidFill>
+                <a:effectLst/>
+                <a:latin typeface="Courier New" panose="02070309020205020404" pitchFamily="49" charset="0"/>
+                <a:cs typeface="Courier New" panose="02070309020205020404" pitchFamily="49" charset="0"/>
+              </a:rPr>
+            </a:br>
+            <a:r>
+              <a:rPr kumimoji="0" lang="en-US" altLang="en-US" sz="900" b="0" i="0" u="none" strike="noStrike" cap="none" normalizeH="0" baseline="0" dirty="0" smtClean="0">
+                <a:ln>
+                  <a:noFill/>
+                </a:ln>
+                <a:solidFill>
+                  <a:srgbClr val="000000"/>
+                </a:solidFill>
+                <a:effectLst/>
+                <a:latin typeface="Courier New" panose="02070309020205020404" pitchFamily="49" charset="0"/>
+                <a:cs typeface="Courier New" panose="02070309020205020404" pitchFamily="49" charset="0"/>
+              </a:rPr>
+              <a:t>| "Stephan </a:t>
+            </a:r>
+            <a:r>
+              <a:rPr kumimoji="0" lang="en-US" altLang="en-US" sz="900" b="0" i="0" u="none" strike="noStrike" cap="none" normalizeH="0" baseline="0" dirty="0" err="1" smtClean="0">
+                <a:ln>
+                  <a:noFill/>
+                </a:ln>
+                <a:solidFill>
+                  <a:srgbClr val="000000"/>
+                </a:solidFill>
+                <a:effectLst/>
+                <a:latin typeface="Courier New" panose="02070309020205020404" pitchFamily="49" charset="0"/>
+                <a:cs typeface="Courier New" panose="02070309020205020404" pitchFamily="49" charset="0"/>
+              </a:rPr>
+              <a:t>Klossner</a:t>
+            </a:r>
+            <a:r>
+              <a:rPr kumimoji="0" lang="en-US" altLang="en-US" sz="900" b="0" i="0" u="none" strike="noStrike" cap="none" normalizeH="0" baseline="0" dirty="0" smtClean="0">
+                <a:ln>
+                  <a:noFill/>
+                </a:ln>
+                <a:solidFill>
+                  <a:srgbClr val="000000"/>
+                </a:solidFill>
+                <a:effectLst/>
+                <a:latin typeface="Courier New" panose="02070309020205020404" pitchFamily="49" charset="0"/>
+                <a:cs typeface="Courier New" panose="02070309020205020404" pitchFamily="49" charset="0"/>
+              </a:rPr>
+              <a:t>"@</a:t>
+            </a:r>
+            <a:r>
+              <a:rPr kumimoji="0" lang="en-US" altLang="en-US" sz="900" b="0" i="0" u="none" strike="noStrike" cap="none" normalizeH="0" baseline="0" dirty="0" err="1" smtClean="0">
+                <a:ln>
+                  <a:noFill/>
+                </a:ln>
+                <a:solidFill>
+                  <a:srgbClr val="000000"/>
+                </a:solidFill>
+                <a:effectLst/>
+                <a:latin typeface="Courier New" panose="02070309020205020404" pitchFamily="49" charset="0"/>
+                <a:cs typeface="Courier New" panose="02070309020205020404" pitchFamily="49" charset="0"/>
+              </a:rPr>
+              <a:t>en</a:t>
+            </a:r>
+            <a:r>
+              <a:rPr kumimoji="0" lang="en-US" altLang="en-US" sz="900" b="0" i="0" u="none" strike="noStrike" cap="none" normalizeH="0" baseline="0" dirty="0" smtClean="0">
+                <a:ln>
+                  <a:noFill/>
+                </a:ln>
+                <a:solidFill>
+                  <a:srgbClr val="000000"/>
+                </a:solidFill>
+                <a:effectLst/>
+                <a:latin typeface="Courier New" panose="02070309020205020404" pitchFamily="49" charset="0"/>
+                <a:cs typeface="Courier New" panose="02070309020205020404" pitchFamily="49" charset="0"/>
+              </a:rPr>
+              <a:t>                   | "1981-05-30"^^</a:t>
+            </a:r>
+            <a:r>
+              <a:rPr kumimoji="0" lang="en-US" altLang="en-US" sz="900" b="0" i="0" u="none" strike="noStrike" cap="none" normalizeH="0" baseline="0" dirty="0" err="1" smtClean="0">
+                <a:ln>
+                  <a:noFill/>
+                </a:ln>
+                <a:solidFill>
+                  <a:srgbClr val="000000"/>
+                </a:solidFill>
+                <a:effectLst/>
+                <a:latin typeface="Courier New" panose="02070309020205020404" pitchFamily="49" charset="0"/>
+                <a:cs typeface="Courier New" panose="02070309020205020404" pitchFamily="49" charset="0"/>
+              </a:rPr>
+              <a:t>xsd:date</a:t>
+            </a:r>
+            <a:r>
+              <a:rPr kumimoji="0" lang="en-US" altLang="en-US" sz="900" b="0" i="0" u="none" strike="noStrike" cap="none" normalizeH="0" baseline="0" dirty="0" smtClean="0">
+                <a:ln>
+                  <a:noFill/>
+                </a:ln>
+                <a:solidFill>
+                  <a:srgbClr val="000000"/>
+                </a:solidFill>
+                <a:effectLst/>
+                <a:latin typeface="Courier New" panose="02070309020205020404" pitchFamily="49" charset="0"/>
+                <a:cs typeface="Courier New" panose="02070309020205020404" pitchFamily="49" charset="0"/>
+              </a:rPr>
+              <a:t> |</a:t>
+            </a:r>
+          </a:p>
+          <a:p>
+            <a:pPr marL="0" marR="0" lvl="0" indent="0" algn="l" defTabSz="914400" rtl="0" eaLnBrk="0" fontAlgn="base" latinLnBrk="0" hangingPunct="0">
+              <a:lnSpc>
+                <a:spcPct val="100000"/>
+              </a:lnSpc>
+              <a:spcBef>
+                <a:spcPct val="0"/>
+              </a:spcBef>
+              <a:spcAft>
+                <a:spcPct val="0"/>
+              </a:spcAft>
+              <a:buClrTx/>
+              <a:buSzTx/>
+              <a:buFontTx/>
+              <a:buNone/>
+              <a:tabLst/>
+            </a:pPr>
+            <a:r>
+              <a:rPr lang="en-US" altLang="en-US" sz="900" dirty="0" smtClean="0">
+                <a:solidFill>
+                  <a:srgbClr val="000000"/>
+                </a:solidFill>
+                <a:latin typeface="Courier New" panose="02070309020205020404" pitchFamily="49" charset="0"/>
+                <a:cs typeface="Courier New" panose="02070309020205020404" pitchFamily="49" charset="0"/>
+              </a:rPr>
+              <a:t>| ...                                     | ...                    |</a:t>
+            </a:r>
+          </a:p>
+          <a:p>
+            <a:pPr marL="0" lvl="0" indent="0" defTabSz="914400" eaLnBrk="0" fontAlgn="base" hangingPunct="0">
+              <a:spcBef>
+                <a:spcPct val="0"/>
+              </a:spcBef>
+              <a:spcAft>
+                <a:spcPct val="0"/>
+              </a:spcAft>
+              <a:buClrTx/>
+              <a:buSzTx/>
+              <a:buNone/>
+            </a:pPr>
+            <a:r>
+              <a:rPr lang="en-US" altLang="en-US" sz="900" dirty="0">
+                <a:solidFill>
+                  <a:srgbClr val="000000"/>
+                </a:solidFill>
+                <a:latin typeface="Courier New" panose="02070309020205020404" pitchFamily="49" charset="0"/>
+                <a:cs typeface="Courier New" panose="02070309020205020404" pitchFamily="49" charset="0"/>
+              </a:rPr>
+              <a:t>--------------------------------------------------------------------</a:t>
+            </a:r>
+            <a:endParaRPr kumimoji="0" lang="en-US" altLang="en-US" sz="900" b="0" i="0" u="none" strike="noStrike" cap="none" normalizeH="0" baseline="0" dirty="0" smtClean="0">
+              <a:ln>
+                <a:noFill/>
+              </a:ln>
+              <a:solidFill>
+                <a:schemeClr val="tx1"/>
+              </a:solidFill>
+              <a:effectLst/>
+              <a:latin typeface="Arial" panose="020B0604020202020204" pitchFamily="34" charset="0"/>
+            </a:endParaRPr>
+          </a:p>
+        </p:txBody>
+      </p:sp>
+    </p:spTree>
+    <p:extLst>
+      <p:ext uri="{BB962C8B-B14F-4D97-AF65-F5344CB8AC3E}">
+        <p14:creationId xmlns:p14="http://schemas.microsoft.com/office/powerpoint/2010/main" val="3875739035"/>
+      </p:ext>
+    </p:extLst>
+  </p:cSld>
+  <p:clrMapOvr>
+    <a:masterClrMapping/>
+  </p:clrMapOvr>
+  <p:timing>
+    <p:tnLst>
+      <p:par>
+        <p:cTn id="1" dur="indefinite" restart="never" nodeType="tmRoot"/>
+      </p:par>
+    </p:tnLst>
+  </p:timing>
+</p:sld>
+</file>
+
+<file path=ppt/slides/slide6.xml><?xml version="1.0" encoding="utf-8"?>
+<p:sld xmlns:a="http://schemas.openxmlformats.org/drawingml/2006/main" xmlns:r="http://schemas.openxmlformats.org/officeDocument/2006/relationships" xmlns:p="http://schemas.openxmlformats.org/presentationml/2006/main">
+  <p:cSld>
+    <p:spTree>
+      <p:nvGrpSpPr>
+        <p:cNvPr id="1" name=""/>
+        <p:cNvGrpSpPr/>
+        <p:nvPr/>
+      </p:nvGrpSpPr>
+      <p:grpSpPr>
+        <a:xfrm>
+          <a:off x="0" y="0"/>
+          <a:ext cx="0" cy="0"/>
+          <a:chOff x="0" y="0"/>
+          <a:chExt cx="0" cy="0"/>
+        </a:xfrm>
+      </p:grpSpPr>
+      <p:sp>
+        <p:nvSpPr>
+          <p:cNvPr id="5" name="Title 4"/>
+          <p:cNvSpPr>
+            <a:spLocks noGrp="1"/>
+          </p:cNvSpPr>
+          <p:nvPr>
+            <p:ph type="title"/>
+          </p:nvPr>
+        </p:nvSpPr>
+        <p:spPr/>
+        <p:txBody>
+          <a:bodyPr>
+            <a:normAutofit/>
+          </a:bodyPr>
+          <a:lstStyle/>
+          <a:p>
+            <a:r>
+              <a:rPr lang="en-GB" sz="3200" dirty="0"/>
+              <a:t>Q2: What are </a:t>
+            </a:r>
+            <a:r>
+              <a:rPr lang="en-GB" sz="3200" dirty="0" err="1"/>
+              <a:t>Junkerngasse’s</a:t>
+            </a:r>
+            <a:r>
+              <a:rPr lang="en-GB" sz="3200" dirty="0"/>
+              <a:t> previous names, when was it built, how long is it and what is its postal code?</a:t>
+            </a:r>
+          </a:p>
+        </p:txBody>
+      </p:sp>
+      <p:sp>
+        <p:nvSpPr>
+          <p:cNvPr id="3" name="Content Placeholder 2"/>
+          <p:cNvSpPr>
+            <a:spLocks noGrp="1" noChangeArrowheads="1"/>
+          </p:cNvSpPr>
+          <p:nvPr>
+            <p:ph sz="half" idx="1"/>
+          </p:nvPr>
+        </p:nvSpPr>
+        <p:spPr bwMode="auto">
+          <a:xfrm>
+            <a:off x="1484312" y="2782550"/>
+            <a:ext cx="5214439" cy="2893100"/>
+          </a:xfrm>
+          <a:prstGeom prst="rect">
+            <a:avLst/>
+          </a:prstGeom>
+          <a:noFill/>
+          <a:ln>
+            <a:noFill/>
+          </a:ln>
+          <a:effectLst/>
+        </p:spPr>
+        <p:txBody>
+          <a:bodyPr vert="horz" wrap="square" lIns="91440" tIns="45720" rIns="91440" bIns="45720" numCol="1" anchor="ctr" anchorCtr="0" compatLnSpc="1">
+            <a:prstTxWarp prst="textNoShape">
+              <a:avLst/>
+            </a:prstTxWarp>
+            <a:spAutoFit/>
+          </a:bodyPr>
+          <a:lstStyle/>
+          <a:p>
+            <a:pPr marL="0" marR="0" lvl="0" indent="0" algn="l" defTabSz="914400" rtl="0" eaLnBrk="0" fontAlgn="base" latinLnBrk="0" hangingPunct="0">
+              <a:lnSpc>
+                <a:spcPct val="100000"/>
+              </a:lnSpc>
+              <a:spcBef>
+                <a:spcPct val="0"/>
+              </a:spcBef>
+              <a:spcAft>
+                <a:spcPct val="0"/>
+              </a:spcAft>
+              <a:buClrTx/>
+              <a:buSzTx/>
+              <a:buFontTx/>
+              <a:buNone/>
+              <a:tabLst/>
+            </a:pPr>
+            <a:r>
+              <a:rPr kumimoji="0" lang="en-US" altLang="en-US" sz="1400" b="1" i="0" u="none" strike="noStrike" cap="none" normalizeH="0" baseline="0" dirty="0" smtClean="0">
+                <a:ln>
+                  <a:noFill/>
+                </a:ln>
+                <a:solidFill>
+                  <a:srgbClr val="000080"/>
+                </a:solidFill>
+                <a:effectLst/>
+                <a:latin typeface="Courier New" panose="02070309020205020404" pitchFamily="49" charset="0"/>
+                <a:cs typeface="Courier New" panose="02070309020205020404" pitchFamily="49" charset="0"/>
+              </a:rPr>
+              <a:t>PREFIX </a:t>
+            </a:r>
+            <a:r>
+              <a:rPr kumimoji="0" lang="en-US" altLang="en-US" sz="1400" b="0" i="0" u="none" strike="noStrike" cap="none" normalizeH="0" baseline="0" dirty="0" err="1" smtClean="0">
+                <a:ln>
+                  <a:noFill/>
+                </a:ln>
+                <a:solidFill>
+                  <a:srgbClr val="000000"/>
+                </a:solidFill>
+                <a:effectLst/>
+                <a:latin typeface="Courier New" panose="02070309020205020404" pitchFamily="49" charset="0"/>
+                <a:cs typeface="Courier New" panose="02070309020205020404" pitchFamily="49" charset="0"/>
+              </a:rPr>
+              <a:t>dbr</a:t>
+            </a:r>
+            <a:r>
+              <a:rPr kumimoji="0" lang="en-US" altLang="en-US" sz="1400" b="0" i="0" u="none" strike="noStrike" cap="none" normalizeH="0" baseline="0" dirty="0" smtClean="0">
+                <a:ln>
+                  <a:noFill/>
+                </a:ln>
+                <a:solidFill>
+                  <a:srgbClr val="000000"/>
+                </a:solidFill>
+                <a:effectLst/>
+                <a:latin typeface="Courier New" panose="02070309020205020404" pitchFamily="49" charset="0"/>
+                <a:cs typeface="Courier New" panose="02070309020205020404" pitchFamily="49" charset="0"/>
+              </a:rPr>
+              <a:t>: &lt;http://dbpedia.org/resource/&gt;</a:t>
+            </a:r>
+            <a:br>
+              <a:rPr kumimoji="0" lang="en-US" altLang="en-US" sz="1400" b="0" i="0" u="none" strike="noStrike" cap="none" normalizeH="0" baseline="0" dirty="0" smtClean="0">
+                <a:ln>
+                  <a:noFill/>
+                </a:ln>
+                <a:solidFill>
+                  <a:srgbClr val="000000"/>
+                </a:solidFill>
+                <a:effectLst/>
+                <a:latin typeface="Courier New" panose="02070309020205020404" pitchFamily="49" charset="0"/>
+                <a:cs typeface="Courier New" panose="02070309020205020404" pitchFamily="49" charset="0"/>
+              </a:rPr>
+            </a:br>
+            <a:r>
+              <a:rPr kumimoji="0" lang="en-US" altLang="en-US" sz="1400" b="1" i="0" u="none" strike="noStrike" cap="none" normalizeH="0" baseline="0" dirty="0" smtClean="0">
+                <a:ln>
+                  <a:noFill/>
+                </a:ln>
+                <a:solidFill>
+                  <a:srgbClr val="000080"/>
+                </a:solidFill>
+                <a:effectLst/>
+                <a:latin typeface="Courier New" panose="02070309020205020404" pitchFamily="49" charset="0"/>
+                <a:cs typeface="Courier New" panose="02070309020205020404" pitchFamily="49" charset="0"/>
+              </a:rPr>
+              <a:t>PREFIX </a:t>
+            </a:r>
+            <a:r>
+              <a:rPr kumimoji="0" lang="en-US" altLang="en-US" sz="1400" b="0" i="0" u="none" strike="noStrike" cap="none" normalizeH="0" baseline="0" dirty="0" err="1" smtClean="0">
+                <a:ln>
+                  <a:noFill/>
+                </a:ln>
+                <a:solidFill>
+                  <a:srgbClr val="000000"/>
+                </a:solidFill>
+                <a:effectLst/>
+                <a:latin typeface="Courier New" panose="02070309020205020404" pitchFamily="49" charset="0"/>
+                <a:cs typeface="Courier New" panose="02070309020205020404" pitchFamily="49" charset="0"/>
+              </a:rPr>
+              <a:t>dbo</a:t>
+            </a:r>
+            <a:r>
+              <a:rPr kumimoji="0" lang="en-US" altLang="en-US" sz="1400" b="0" i="0" u="none" strike="noStrike" cap="none" normalizeH="0" baseline="0" dirty="0" smtClean="0">
+                <a:ln>
+                  <a:noFill/>
+                </a:ln>
+                <a:solidFill>
+                  <a:srgbClr val="000000"/>
+                </a:solidFill>
+                <a:effectLst/>
+                <a:latin typeface="Courier New" panose="02070309020205020404" pitchFamily="49" charset="0"/>
+                <a:cs typeface="Courier New" panose="02070309020205020404" pitchFamily="49" charset="0"/>
+              </a:rPr>
+              <a:t>: &lt;http://dbpedia.org/ontology/&gt;</a:t>
+            </a:r>
+            <a:br>
+              <a:rPr kumimoji="0" lang="en-US" altLang="en-US" sz="1400" b="0" i="0" u="none" strike="noStrike" cap="none" normalizeH="0" baseline="0" dirty="0" smtClean="0">
+                <a:ln>
+                  <a:noFill/>
+                </a:ln>
+                <a:solidFill>
+                  <a:srgbClr val="000000"/>
+                </a:solidFill>
+                <a:effectLst/>
+                <a:latin typeface="Courier New" panose="02070309020205020404" pitchFamily="49" charset="0"/>
+                <a:cs typeface="Courier New" panose="02070309020205020404" pitchFamily="49" charset="0"/>
+              </a:rPr>
+            </a:br>
+            <a:r>
+              <a:rPr kumimoji="0" lang="en-US" altLang="en-US" sz="1400" b="1" i="0" u="none" strike="noStrike" cap="none" normalizeH="0" baseline="0" dirty="0" smtClean="0">
+                <a:ln>
+                  <a:noFill/>
+                </a:ln>
+                <a:solidFill>
+                  <a:srgbClr val="000080"/>
+                </a:solidFill>
+                <a:effectLst/>
+                <a:latin typeface="Courier New" panose="02070309020205020404" pitchFamily="49" charset="0"/>
+                <a:cs typeface="Courier New" panose="02070309020205020404" pitchFamily="49" charset="0"/>
+              </a:rPr>
+              <a:t>PREFIX </a:t>
+            </a:r>
+            <a:r>
+              <a:rPr kumimoji="0" lang="en-US" altLang="en-US" sz="1400" b="0" i="0" u="none" strike="noStrike" cap="none" normalizeH="0" baseline="0" dirty="0" err="1" smtClean="0">
+                <a:ln>
+                  <a:noFill/>
+                </a:ln>
+                <a:solidFill>
+                  <a:srgbClr val="000000"/>
+                </a:solidFill>
+                <a:effectLst/>
+                <a:latin typeface="Courier New" panose="02070309020205020404" pitchFamily="49" charset="0"/>
+                <a:cs typeface="Courier New" panose="02070309020205020404" pitchFamily="49" charset="0"/>
+              </a:rPr>
+              <a:t>dbp</a:t>
+            </a:r>
+            <a:r>
+              <a:rPr kumimoji="0" lang="en-US" altLang="en-US" sz="1400" b="0" i="0" u="none" strike="noStrike" cap="none" normalizeH="0" baseline="0" dirty="0" smtClean="0">
+                <a:ln>
+                  <a:noFill/>
+                </a:ln>
+                <a:solidFill>
+                  <a:srgbClr val="000000"/>
+                </a:solidFill>
+                <a:effectLst/>
+                <a:latin typeface="Courier New" panose="02070309020205020404" pitchFamily="49" charset="0"/>
+                <a:cs typeface="Courier New" panose="02070309020205020404" pitchFamily="49" charset="0"/>
+              </a:rPr>
+              <a:t>: &lt;http://dbpedia.org/property/&gt;</a:t>
+            </a:r>
+            <a:br>
+              <a:rPr kumimoji="0" lang="en-US" altLang="en-US" sz="1400" b="0" i="0" u="none" strike="noStrike" cap="none" normalizeH="0" baseline="0" dirty="0" smtClean="0">
+                <a:ln>
+                  <a:noFill/>
+                </a:ln>
+                <a:solidFill>
+                  <a:srgbClr val="000000"/>
+                </a:solidFill>
+                <a:effectLst/>
+                <a:latin typeface="Courier New" panose="02070309020205020404" pitchFamily="49" charset="0"/>
+                <a:cs typeface="Courier New" panose="02070309020205020404" pitchFamily="49" charset="0"/>
+              </a:rPr>
+            </a:br>
+            <a:r>
+              <a:rPr kumimoji="0" lang="en-US" altLang="en-US" sz="1400" b="0" i="0" u="none" strike="noStrike" cap="none" normalizeH="0" baseline="0" dirty="0" smtClean="0">
+                <a:ln>
+                  <a:noFill/>
+                </a:ln>
+                <a:solidFill>
+                  <a:srgbClr val="000000"/>
+                </a:solidFill>
+                <a:effectLst/>
+                <a:latin typeface="Courier New" panose="02070309020205020404" pitchFamily="49" charset="0"/>
+                <a:cs typeface="Courier New" panose="02070309020205020404" pitchFamily="49" charset="0"/>
+              </a:rPr>
+              <a:t/>
+            </a:r>
+            <a:br>
+              <a:rPr kumimoji="0" lang="en-US" altLang="en-US" sz="1400" b="0" i="0" u="none" strike="noStrike" cap="none" normalizeH="0" baseline="0" dirty="0" smtClean="0">
+                <a:ln>
+                  <a:noFill/>
+                </a:ln>
+                <a:solidFill>
+                  <a:srgbClr val="000000"/>
+                </a:solidFill>
+                <a:effectLst/>
+                <a:latin typeface="Courier New" panose="02070309020205020404" pitchFamily="49" charset="0"/>
+                <a:cs typeface="Courier New" panose="02070309020205020404" pitchFamily="49" charset="0"/>
+              </a:rPr>
+            </a:br>
+            <a:r>
+              <a:rPr kumimoji="0" lang="en-US" altLang="en-US" sz="1400" b="1" i="0" u="none" strike="noStrike" cap="none" normalizeH="0" baseline="0" dirty="0" smtClean="0">
+                <a:ln>
+                  <a:noFill/>
+                </a:ln>
+                <a:solidFill>
+                  <a:srgbClr val="000080"/>
+                </a:solidFill>
+                <a:effectLst/>
+                <a:latin typeface="Courier New" panose="02070309020205020404" pitchFamily="49" charset="0"/>
+                <a:cs typeface="Courier New" panose="02070309020205020404" pitchFamily="49" charset="0"/>
+              </a:rPr>
+              <a:t>SELECT </a:t>
+            </a:r>
+            <a:r>
+              <a:rPr kumimoji="0" lang="en-US" altLang="en-US" sz="1400" b="0" i="0" u="none" strike="noStrike" cap="none" normalizeH="0" baseline="0" dirty="0" smtClean="0">
+                <a:ln>
+                  <a:noFill/>
+                </a:ln>
+                <a:solidFill>
+                  <a:srgbClr val="000000"/>
+                </a:solidFill>
+                <a:effectLst/>
+                <a:latin typeface="Courier New" panose="02070309020205020404" pitchFamily="49" charset="0"/>
+                <a:cs typeface="Courier New" panose="02070309020205020404" pitchFamily="49" charset="0"/>
+              </a:rPr>
+              <a:t>?</a:t>
+            </a:r>
+            <a:r>
+              <a:rPr kumimoji="0" lang="en-US" altLang="en-US" sz="1400" b="0" i="0" u="none" strike="noStrike" cap="none" normalizeH="0" baseline="0" dirty="0" err="1" smtClean="0">
+                <a:ln>
+                  <a:noFill/>
+                </a:ln>
+                <a:solidFill>
+                  <a:srgbClr val="000000"/>
+                </a:solidFill>
+                <a:effectLst/>
+                <a:latin typeface="Courier New" panose="02070309020205020404" pitchFamily="49" charset="0"/>
+                <a:cs typeface="Courier New" panose="02070309020205020404" pitchFamily="49" charset="0"/>
+              </a:rPr>
+              <a:t>formerName</a:t>
+            </a:r>
+            <a:r>
+              <a:rPr kumimoji="0" lang="en-US" altLang="en-US" sz="1400" b="0" i="0" u="none" strike="noStrike" cap="none" normalizeH="0" baseline="0" dirty="0" smtClean="0">
+                <a:ln>
+                  <a:noFill/>
+                </a:ln>
+                <a:solidFill>
+                  <a:srgbClr val="000000"/>
+                </a:solidFill>
+                <a:effectLst/>
+                <a:latin typeface="Courier New" panose="02070309020205020404" pitchFamily="49" charset="0"/>
+                <a:cs typeface="Courier New" panose="02070309020205020404" pitchFamily="49" charset="0"/>
+              </a:rPr>
+              <a:t> ?</a:t>
+            </a:r>
+            <a:r>
+              <a:rPr kumimoji="0" lang="en-US" altLang="en-US" sz="1400" b="0" i="0" u="none" strike="noStrike" cap="none" normalizeH="0" baseline="0" dirty="0" err="1" smtClean="0">
+                <a:ln>
+                  <a:noFill/>
+                </a:ln>
+                <a:solidFill>
+                  <a:srgbClr val="000000"/>
+                </a:solidFill>
+                <a:effectLst/>
+                <a:latin typeface="Courier New" panose="02070309020205020404" pitchFamily="49" charset="0"/>
+                <a:cs typeface="Courier New" panose="02070309020205020404" pitchFamily="49" charset="0"/>
+              </a:rPr>
+              <a:t>buildingStartDate</a:t>
+            </a:r>
+            <a:r>
+              <a:rPr kumimoji="0" lang="en-US" altLang="en-US" sz="1400" b="0" i="0" u="none" strike="noStrike" cap="none" normalizeH="0" baseline="0" dirty="0" smtClean="0">
+                <a:ln>
+                  <a:noFill/>
+                </a:ln>
+                <a:solidFill>
+                  <a:srgbClr val="000000"/>
+                </a:solidFill>
+                <a:effectLst/>
+                <a:latin typeface="Courier New" panose="02070309020205020404" pitchFamily="49" charset="0"/>
+                <a:cs typeface="Courier New" panose="02070309020205020404" pitchFamily="49" charset="0"/>
+              </a:rPr>
+              <a:t> ?</a:t>
+            </a:r>
+            <a:r>
+              <a:rPr kumimoji="0" lang="en-US" altLang="en-US" sz="1400" b="0" i="0" u="none" strike="noStrike" cap="none" normalizeH="0" baseline="0" dirty="0" err="1" smtClean="0">
+                <a:ln>
+                  <a:noFill/>
+                </a:ln>
+                <a:solidFill>
+                  <a:srgbClr val="000000"/>
+                </a:solidFill>
+                <a:effectLst/>
+                <a:latin typeface="Courier New" panose="02070309020205020404" pitchFamily="49" charset="0"/>
+                <a:cs typeface="Courier New" panose="02070309020205020404" pitchFamily="49" charset="0"/>
+              </a:rPr>
+              <a:t>lengthM</a:t>
+            </a:r>
+            <a:r>
+              <a:rPr kumimoji="0" lang="en-US" altLang="en-US" sz="1400" b="0" i="0" u="none" strike="noStrike" cap="none" normalizeH="0" baseline="0" dirty="0" smtClean="0">
+                <a:ln>
+                  <a:noFill/>
+                </a:ln>
+                <a:solidFill>
+                  <a:srgbClr val="000000"/>
+                </a:solidFill>
+                <a:effectLst/>
+                <a:latin typeface="Courier New" panose="02070309020205020404" pitchFamily="49" charset="0"/>
+                <a:cs typeface="Courier New" panose="02070309020205020404" pitchFamily="49" charset="0"/>
+              </a:rPr>
+              <a:t> ?</a:t>
+            </a:r>
+            <a:r>
+              <a:rPr kumimoji="0" lang="en-US" altLang="en-US" sz="1400" b="0" i="0" u="none" strike="noStrike" cap="none" normalizeH="0" baseline="0" dirty="0" err="1" smtClean="0">
+                <a:ln>
+                  <a:noFill/>
+                </a:ln>
+                <a:solidFill>
+                  <a:srgbClr val="000000"/>
+                </a:solidFill>
+                <a:effectLst/>
+                <a:latin typeface="Courier New" panose="02070309020205020404" pitchFamily="49" charset="0"/>
+                <a:cs typeface="Courier New" panose="02070309020205020404" pitchFamily="49" charset="0"/>
+              </a:rPr>
+              <a:t>lengthM</a:t>
+            </a:r>
+            <a:r>
+              <a:rPr kumimoji="0" lang="en-US" altLang="en-US" sz="1400" b="0" i="0" u="none" strike="noStrike" cap="none" normalizeH="0" baseline="0" dirty="0" smtClean="0">
+                <a:ln>
+                  <a:noFill/>
+                </a:ln>
+                <a:solidFill>
+                  <a:srgbClr val="000000"/>
+                </a:solidFill>
+                <a:effectLst/>
+                <a:latin typeface="Courier New" panose="02070309020205020404" pitchFamily="49" charset="0"/>
+                <a:cs typeface="Courier New" panose="02070309020205020404" pitchFamily="49" charset="0"/>
+              </a:rPr>
+              <a:t> ?</a:t>
+            </a:r>
+            <a:r>
+              <a:rPr kumimoji="0" lang="en-US" altLang="en-US" sz="1400" b="0" i="0" u="none" strike="noStrike" cap="none" normalizeH="0" baseline="0" dirty="0" err="1" smtClean="0">
+                <a:ln>
+                  <a:noFill/>
+                </a:ln>
+                <a:solidFill>
+                  <a:srgbClr val="000000"/>
+                </a:solidFill>
+                <a:effectLst/>
+                <a:latin typeface="Courier New" panose="02070309020205020404" pitchFamily="49" charset="0"/>
+                <a:cs typeface="Courier New" panose="02070309020205020404" pitchFamily="49" charset="0"/>
+              </a:rPr>
+              <a:t>postalCode</a:t>
+            </a:r>
+            <a:r>
+              <a:rPr kumimoji="0" lang="en-US" altLang="en-US" sz="1400" b="0" i="0" u="none" strike="noStrike" cap="none" normalizeH="0" baseline="0" dirty="0" smtClean="0">
+                <a:ln>
+                  <a:noFill/>
+                </a:ln>
+                <a:solidFill>
+                  <a:srgbClr val="000000"/>
+                </a:solidFill>
+                <a:effectLst/>
+                <a:latin typeface="Courier New" panose="02070309020205020404" pitchFamily="49" charset="0"/>
+                <a:cs typeface="Courier New" panose="02070309020205020404" pitchFamily="49" charset="0"/>
+              </a:rPr>
+              <a:t/>
+            </a:r>
+            <a:br>
+              <a:rPr kumimoji="0" lang="en-US" altLang="en-US" sz="1400" b="0" i="0" u="none" strike="noStrike" cap="none" normalizeH="0" baseline="0" dirty="0" smtClean="0">
+                <a:ln>
+                  <a:noFill/>
+                </a:ln>
+                <a:solidFill>
+                  <a:srgbClr val="000000"/>
+                </a:solidFill>
+                <a:effectLst/>
+                <a:latin typeface="Courier New" panose="02070309020205020404" pitchFamily="49" charset="0"/>
+                <a:cs typeface="Courier New" panose="02070309020205020404" pitchFamily="49" charset="0"/>
+              </a:rPr>
+            </a:br>
+            <a:r>
+              <a:rPr kumimoji="0" lang="en-US" altLang="en-US" sz="1400" b="1" i="0" u="none" strike="noStrike" cap="none" normalizeH="0" baseline="0" dirty="0" smtClean="0">
+                <a:ln>
+                  <a:noFill/>
+                </a:ln>
+                <a:solidFill>
+                  <a:srgbClr val="000080"/>
+                </a:solidFill>
+                <a:effectLst/>
+                <a:latin typeface="Courier New" panose="02070309020205020404" pitchFamily="49" charset="0"/>
+                <a:cs typeface="Courier New" panose="02070309020205020404" pitchFamily="49" charset="0"/>
+              </a:rPr>
+              <a:t>WHERE </a:t>
+            </a:r>
+            <a:r>
+              <a:rPr kumimoji="0" lang="en-US" altLang="en-US" sz="1400" b="0" i="0" u="none" strike="noStrike" cap="none" normalizeH="0" baseline="0" dirty="0" smtClean="0">
+                <a:ln>
+                  <a:noFill/>
+                </a:ln>
+                <a:solidFill>
+                  <a:srgbClr val="000000"/>
+                </a:solidFill>
+                <a:effectLst/>
+                <a:latin typeface="Courier New" panose="02070309020205020404" pitchFamily="49" charset="0"/>
+                <a:cs typeface="Courier New" panose="02070309020205020404" pitchFamily="49" charset="0"/>
+              </a:rPr>
+              <a:t>{</a:t>
+            </a:r>
+            <a:br>
+              <a:rPr kumimoji="0" lang="en-US" altLang="en-US" sz="1400" b="0" i="0" u="none" strike="noStrike" cap="none" normalizeH="0" baseline="0" dirty="0" smtClean="0">
+                <a:ln>
+                  <a:noFill/>
+                </a:ln>
+                <a:solidFill>
+                  <a:srgbClr val="000000"/>
+                </a:solidFill>
+                <a:effectLst/>
+                <a:latin typeface="Courier New" panose="02070309020205020404" pitchFamily="49" charset="0"/>
+                <a:cs typeface="Courier New" panose="02070309020205020404" pitchFamily="49" charset="0"/>
+              </a:rPr>
+            </a:br>
+            <a:r>
+              <a:rPr kumimoji="0" lang="en-US" altLang="en-US" sz="1400" b="0" i="0" u="none" strike="noStrike" cap="none" normalizeH="0" baseline="0" dirty="0" smtClean="0">
+                <a:ln>
+                  <a:noFill/>
+                </a:ln>
+                <a:solidFill>
+                  <a:srgbClr val="000000"/>
+                </a:solidFill>
+                <a:effectLst/>
+                <a:latin typeface="Courier New" panose="02070309020205020404" pitchFamily="49" charset="0"/>
+                <a:cs typeface="Courier New" panose="02070309020205020404" pitchFamily="49" charset="0"/>
+              </a:rPr>
+              <a:t> </a:t>
+            </a:r>
+            <a:r>
+              <a:rPr kumimoji="0" lang="en-US" altLang="en-US" sz="1400" b="0" i="0" u="none" strike="noStrike" cap="none" normalizeH="0" baseline="0" dirty="0" err="1" smtClean="0">
+                <a:ln>
+                  <a:noFill/>
+                </a:ln>
+                <a:solidFill>
+                  <a:srgbClr val="000000"/>
+                </a:solidFill>
+                <a:effectLst/>
+                <a:latin typeface="Courier New" panose="02070309020205020404" pitchFamily="49" charset="0"/>
+                <a:cs typeface="Courier New" panose="02070309020205020404" pitchFamily="49" charset="0"/>
+              </a:rPr>
+              <a:t>dbr:Junkerngasse</a:t>
+            </a:r>
+            <a:r>
+              <a:rPr kumimoji="0" lang="en-US" altLang="en-US" sz="1400" b="0" i="0" u="none" strike="noStrike" cap="none" normalizeH="0" baseline="0" dirty="0" smtClean="0">
+                <a:ln>
+                  <a:noFill/>
+                </a:ln>
+                <a:solidFill>
+                  <a:srgbClr val="000000"/>
+                </a:solidFill>
+                <a:effectLst/>
+                <a:latin typeface="Courier New" panose="02070309020205020404" pitchFamily="49" charset="0"/>
+                <a:cs typeface="Courier New" panose="02070309020205020404" pitchFamily="49" charset="0"/>
+              </a:rPr>
+              <a:t> </a:t>
+            </a:r>
+            <a:r>
+              <a:rPr kumimoji="0" lang="en-US" altLang="en-US" sz="1400" b="0" i="0" u="none" strike="noStrike" cap="none" normalizeH="0" baseline="0" dirty="0" err="1" smtClean="0">
+                <a:ln>
+                  <a:noFill/>
+                </a:ln>
+                <a:solidFill>
+                  <a:srgbClr val="000000"/>
+                </a:solidFill>
+                <a:effectLst/>
+                <a:latin typeface="Courier New" panose="02070309020205020404" pitchFamily="49" charset="0"/>
+                <a:cs typeface="Courier New" panose="02070309020205020404" pitchFamily="49" charset="0"/>
+              </a:rPr>
+              <a:t>dbo:formerName</a:t>
+            </a:r>
+            <a:r>
+              <a:rPr kumimoji="0" lang="en-US" altLang="en-US" sz="1400" b="0" i="0" u="none" strike="noStrike" cap="none" normalizeH="0" baseline="0" dirty="0" smtClean="0">
+                <a:ln>
+                  <a:noFill/>
+                </a:ln>
+                <a:solidFill>
+                  <a:srgbClr val="000000"/>
+                </a:solidFill>
+                <a:effectLst/>
+                <a:latin typeface="Courier New" panose="02070309020205020404" pitchFamily="49" charset="0"/>
+                <a:cs typeface="Courier New" panose="02070309020205020404" pitchFamily="49" charset="0"/>
+              </a:rPr>
+              <a:t> ?</a:t>
+            </a:r>
+            <a:r>
+              <a:rPr kumimoji="0" lang="en-US" altLang="en-US" sz="1400" b="0" i="0" u="none" strike="noStrike" cap="none" normalizeH="0" baseline="0" dirty="0" err="1" smtClean="0">
+                <a:ln>
+                  <a:noFill/>
+                </a:ln>
+                <a:solidFill>
+                  <a:srgbClr val="000000"/>
+                </a:solidFill>
+                <a:effectLst/>
+                <a:latin typeface="Courier New" panose="02070309020205020404" pitchFamily="49" charset="0"/>
+                <a:cs typeface="Courier New" panose="02070309020205020404" pitchFamily="49" charset="0"/>
+              </a:rPr>
+              <a:t>formerName</a:t>
+            </a:r>
+            <a:r>
+              <a:rPr kumimoji="0" lang="en-US" altLang="en-US" sz="1400" b="0" i="0" u="none" strike="noStrike" cap="none" normalizeH="0" baseline="0" dirty="0" smtClean="0">
+                <a:ln>
+                  <a:noFill/>
+                </a:ln>
+                <a:solidFill>
+                  <a:srgbClr val="000000"/>
+                </a:solidFill>
+                <a:effectLst/>
+                <a:latin typeface="Courier New" panose="02070309020205020404" pitchFamily="49" charset="0"/>
+                <a:cs typeface="Courier New" panose="02070309020205020404" pitchFamily="49" charset="0"/>
+              </a:rPr>
+              <a:t> ;</a:t>
+            </a:r>
+            <a:br>
+              <a:rPr kumimoji="0" lang="en-US" altLang="en-US" sz="1400" b="0" i="0" u="none" strike="noStrike" cap="none" normalizeH="0" baseline="0" dirty="0" smtClean="0">
+                <a:ln>
+                  <a:noFill/>
+                </a:ln>
+                <a:solidFill>
+                  <a:srgbClr val="000000"/>
+                </a:solidFill>
+                <a:effectLst/>
+                <a:latin typeface="Courier New" panose="02070309020205020404" pitchFamily="49" charset="0"/>
+                <a:cs typeface="Courier New" panose="02070309020205020404" pitchFamily="49" charset="0"/>
+              </a:rPr>
+            </a:br>
+            <a:r>
+              <a:rPr kumimoji="0" lang="en-US" altLang="en-US" sz="1400" b="0" i="0" u="none" strike="noStrike" cap="none" normalizeH="0" baseline="0" dirty="0" smtClean="0">
+                <a:ln>
+                  <a:noFill/>
+                </a:ln>
+                <a:solidFill>
+                  <a:srgbClr val="000000"/>
+                </a:solidFill>
+                <a:effectLst/>
+                <a:latin typeface="Courier New" panose="02070309020205020404" pitchFamily="49" charset="0"/>
+                <a:cs typeface="Courier New" panose="02070309020205020404" pitchFamily="49" charset="0"/>
+              </a:rPr>
+              <a:t>  </a:t>
+            </a:r>
+            <a:r>
+              <a:rPr kumimoji="0" lang="en-US" altLang="en-US" sz="1400" b="0" i="0" u="none" strike="noStrike" cap="none" normalizeH="0" baseline="0" dirty="0" err="1" smtClean="0">
+                <a:ln>
+                  <a:noFill/>
+                </a:ln>
+                <a:solidFill>
+                  <a:srgbClr val="000000"/>
+                </a:solidFill>
+                <a:effectLst/>
+                <a:latin typeface="Courier New" panose="02070309020205020404" pitchFamily="49" charset="0"/>
+                <a:cs typeface="Courier New" panose="02070309020205020404" pitchFamily="49" charset="0"/>
+              </a:rPr>
+              <a:t>dbo:buildingStartDate</a:t>
+            </a:r>
+            <a:r>
+              <a:rPr kumimoji="0" lang="en-US" altLang="en-US" sz="1400" b="0" i="0" u="none" strike="noStrike" cap="none" normalizeH="0" baseline="0" dirty="0" smtClean="0">
+                <a:ln>
+                  <a:noFill/>
+                </a:ln>
+                <a:solidFill>
+                  <a:srgbClr val="000000"/>
+                </a:solidFill>
+                <a:effectLst/>
+                <a:latin typeface="Courier New" panose="02070309020205020404" pitchFamily="49" charset="0"/>
+                <a:cs typeface="Courier New" panose="02070309020205020404" pitchFamily="49" charset="0"/>
+              </a:rPr>
+              <a:t> ?</a:t>
+            </a:r>
+            <a:r>
+              <a:rPr kumimoji="0" lang="en-US" altLang="en-US" sz="1400" b="0" i="0" u="none" strike="noStrike" cap="none" normalizeH="0" baseline="0" dirty="0" err="1" smtClean="0">
+                <a:ln>
+                  <a:noFill/>
+                </a:ln>
+                <a:solidFill>
+                  <a:srgbClr val="000000"/>
+                </a:solidFill>
+                <a:effectLst/>
+                <a:latin typeface="Courier New" panose="02070309020205020404" pitchFamily="49" charset="0"/>
+                <a:cs typeface="Courier New" panose="02070309020205020404" pitchFamily="49" charset="0"/>
+              </a:rPr>
+              <a:t>buildingStartDate</a:t>
+            </a:r>
+            <a:r>
+              <a:rPr kumimoji="0" lang="en-US" altLang="en-US" sz="1400" b="0" i="0" u="none" strike="noStrike" cap="none" normalizeH="0" baseline="0" dirty="0" smtClean="0">
+                <a:ln>
+                  <a:noFill/>
+                </a:ln>
+                <a:solidFill>
+                  <a:srgbClr val="000000"/>
+                </a:solidFill>
+                <a:effectLst/>
+                <a:latin typeface="Courier New" panose="02070309020205020404" pitchFamily="49" charset="0"/>
+                <a:cs typeface="Courier New" panose="02070309020205020404" pitchFamily="49" charset="0"/>
+              </a:rPr>
+              <a:t> ;</a:t>
+            </a:r>
+            <a:br>
+              <a:rPr kumimoji="0" lang="en-US" altLang="en-US" sz="1400" b="0" i="0" u="none" strike="noStrike" cap="none" normalizeH="0" baseline="0" dirty="0" smtClean="0">
+                <a:ln>
+                  <a:noFill/>
+                </a:ln>
+                <a:solidFill>
+                  <a:srgbClr val="000000"/>
+                </a:solidFill>
+                <a:effectLst/>
+                <a:latin typeface="Courier New" panose="02070309020205020404" pitchFamily="49" charset="0"/>
+                <a:cs typeface="Courier New" panose="02070309020205020404" pitchFamily="49" charset="0"/>
+              </a:rPr>
+            </a:br>
+            <a:r>
+              <a:rPr kumimoji="0" lang="en-US" altLang="en-US" sz="1400" b="0" i="0" u="none" strike="noStrike" cap="none" normalizeH="0" baseline="0" dirty="0" smtClean="0">
+                <a:ln>
+                  <a:noFill/>
+                </a:ln>
+                <a:solidFill>
+                  <a:srgbClr val="000000"/>
+                </a:solidFill>
+                <a:effectLst/>
+                <a:latin typeface="Courier New" panose="02070309020205020404" pitchFamily="49" charset="0"/>
+                <a:cs typeface="Courier New" panose="02070309020205020404" pitchFamily="49" charset="0"/>
+              </a:rPr>
+              <a:t>  </a:t>
+            </a:r>
+            <a:r>
+              <a:rPr kumimoji="0" lang="en-US" altLang="en-US" sz="1400" b="0" i="0" u="none" strike="noStrike" cap="none" normalizeH="0" baseline="0" dirty="0" err="1" smtClean="0">
+                <a:ln>
+                  <a:noFill/>
+                </a:ln>
+                <a:solidFill>
+                  <a:srgbClr val="000000"/>
+                </a:solidFill>
+                <a:effectLst/>
+                <a:latin typeface="Courier New" panose="02070309020205020404" pitchFamily="49" charset="0"/>
+                <a:cs typeface="Courier New" panose="02070309020205020404" pitchFamily="49" charset="0"/>
+              </a:rPr>
+              <a:t>dbp:lengthM</a:t>
+            </a:r>
+            <a:r>
+              <a:rPr kumimoji="0" lang="en-US" altLang="en-US" sz="1400" b="0" i="0" u="none" strike="noStrike" cap="none" normalizeH="0" baseline="0" dirty="0" smtClean="0">
+                <a:ln>
+                  <a:noFill/>
+                </a:ln>
+                <a:solidFill>
+                  <a:srgbClr val="000000"/>
+                </a:solidFill>
+                <a:effectLst/>
+                <a:latin typeface="Courier New" panose="02070309020205020404" pitchFamily="49" charset="0"/>
+                <a:cs typeface="Courier New" panose="02070309020205020404" pitchFamily="49" charset="0"/>
+              </a:rPr>
+              <a:t> ?</a:t>
+            </a:r>
+            <a:r>
+              <a:rPr kumimoji="0" lang="en-US" altLang="en-US" sz="1400" b="0" i="0" u="none" strike="noStrike" cap="none" normalizeH="0" baseline="0" dirty="0" err="1" smtClean="0">
+                <a:ln>
+                  <a:noFill/>
+                </a:ln>
+                <a:solidFill>
+                  <a:srgbClr val="000000"/>
+                </a:solidFill>
+                <a:effectLst/>
+                <a:latin typeface="Courier New" panose="02070309020205020404" pitchFamily="49" charset="0"/>
+                <a:cs typeface="Courier New" panose="02070309020205020404" pitchFamily="49" charset="0"/>
+              </a:rPr>
+              <a:t>lengthM</a:t>
+            </a:r>
+            <a:r>
+              <a:rPr kumimoji="0" lang="en-US" altLang="en-US" sz="1400" b="0" i="0" u="none" strike="noStrike" cap="none" normalizeH="0" baseline="0" dirty="0" smtClean="0">
+                <a:ln>
+                  <a:noFill/>
+                </a:ln>
+                <a:solidFill>
+                  <a:srgbClr val="000000"/>
+                </a:solidFill>
+                <a:effectLst/>
+                <a:latin typeface="Courier New" panose="02070309020205020404" pitchFamily="49" charset="0"/>
+                <a:cs typeface="Courier New" panose="02070309020205020404" pitchFamily="49" charset="0"/>
+              </a:rPr>
+              <a:t> ;</a:t>
+            </a:r>
+            <a:br>
+              <a:rPr kumimoji="0" lang="en-US" altLang="en-US" sz="1400" b="0" i="0" u="none" strike="noStrike" cap="none" normalizeH="0" baseline="0" dirty="0" smtClean="0">
+                <a:ln>
+                  <a:noFill/>
+                </a:ln>
+                <a:solidFill>
+                  <a:srgbClr val="000000"/>
+                </a:solidFill>
+                <a:effectLst/>
+                <a:latin typeface="Courier New" panose="02070309020205020404" pitchFamily="49" charset="0"/>
+                <a:cs typeface="Courier New" panose="02070309020205020404" pitchFamily="49" charset="0"/>
+              </a:rPr>
+            </a:br>
+            <a:r>
+              <a:rPr kumimoji="0" lang="en-US" altLang="en-US" sz="1400" b="0" i="0" u="none" strike="noStrike" cap="none" normalizeH="0" baseline="0" dirty="0" smtClean="0">
+                <a:ln>
+                  <a:noFill/>
+                </a:ln>
+                <a:solidFill>
+                  <a:srgbClr val="000000"/>
+                </a:solidFill>
+                <a:effectLst/>
+                <a:latin typeface="Courier New" panose="02070309020205020404" pitchFamily="49" charset="0"/>
+                <a:cs typeface="Courier New" panose="02070309020205020404" pitchFamily="49" charset="0"/>
+              </a:rPr>
+              <a:t>  </a:t>
+            </a:r>
+            <a:r>
+              <a:rPr kumimoji="0" lang="en-US" altLang="en-US" sz="1400" b="0" i="0" u="none" strike="noStrike" cap="none" normalizeH="0" baseline="0" dirty="0" err="1" smtClean="0">
+                <a:ln>
+                  <a:noFill/>
+                </a:ln>
+                <a:solidFill>
+                  <a:srgbClr val="000000"/>
+                </a:solidFill>
+                <a:effectLst/>
+                <a:latin typeface="Courier New" panose="02070309020205020404" pitchFamily="49" charset="0"/>
+                <a:cs typeface="Courier New" panose="02070309020205020404" pitchFamily="49" charset="0"/>
+              </a:rPr>
+              <a:t>dbo:postalCode</a:t>
+            </a:r>
+            <a:r>
+              <a:rPr kumimoji="0" lang="en-US" altLang="en-US" sz="1400" b="0" i="0" u="none" strike="noStrike" cap="none" normalizeH="0" baseline="0" dirty="0" smtClean="0">
+                <a:ln>
+                  <a:noFill/>
+                </a:ln>
+                <a:solidFill>
+                  <a:srgbClr val="000000"/>
+                </a:solidFill>
+                <a:effectLst/>
+                <a:latin typeface="Courier New" panose="02070309020205020404" pitchFamily="49" charset="0"/>
+                <a:cs typeface="Courier New" panose="02070309020205020404" pitchFamily="49" charset="0"/>
+              </a:rPr>
+              <a:t> ?</a:t>
+            </a:r>
+            <a:r>
+              <a:rPr kumimoji="0" lang="en-US" altLang="en-US" sz="1400" b="0" i="0" u="none" strike="noStrike" cap="none" normalizeH="0" baseline="0" dirty="0" err="1" smtClean="0">
+                <a:ln>
+                  <a:noFill/>
+                </a:ln>
+                <a:solidFill>
+                  <a:srgbClr val="000000"/>
+                </a:solidFill>
+                <a:effectLst/>
+                <a:latin typeface="Courier New" panose="02070309020205020404" pitchFamily="49" charset="0"/>
+                <a:cs typeface="Courier New" panose="02070309020205020404" pitchFamily="49" charset="0"/>
+              </a:rPr>
+              <a:t>postalCode</a:t>
+            </a:r>
+            <a:r>
+              <a:rPr kumimoji="0" lang="en-US" altLang="en-US" sz="1400" b="0" i="0" u="none" strike="noStrike" cap="none" normalizeH="0" baseline="0" dirty="0" smtClean="0">
+                <a:ln>
+                  <a:noFill/>
+                </a:ln>
+                <a:solidFill>
+                  <a:srgbClr val="000000"/>
+                </a:solidFill>
+                <a:effectLst/>
+                <a:latin typeface="Courier New" panose="02070309020205020404" pitchFamily="49" charset="0"/>
+                <a:cs typeface="Courier New" panose="02070309020205020404" pitchFamily="49" charset="0"/>
+              </a:rPr>
+              <a:t> .</a:t>
+            </a:r>
+            <a:br>
+              <a:rPr kumimoji="0" lang="en-US" altLang="en-US" sz="1400" b="0" i="0" u="none" strike="noStrike" cap="none" normalizeH="0" baseline="0" dirty="0" smtClean="0">
+                <a:ln>
+                  <a:noFill/>
+                </a:ln>
+                <a:solidFill>
+                  <a:srgbClr val="000000"/>
+                </a:solidFill>
+                <a:effectLst/>
+                <a:latin typeface="Courier New" panose="02070309020205020404" pitchFamily="49" charset="0"/>
+                <a:cs typeface="Courier New" panose="02070309020205020404" pitchFamily="49" charset="0"/>
+              </a:rPr>
+            </a:br>
+            <a:r>
+              <a:rPr kumimoji="0" lang="en-US" altLang="en-US" sz="1400" b="0" i="0" u="none" strike="noStrike" cap="none" normalizeH="0" baseline="0" dirty="0" smtClean="0">
+                <a:ln>
+                  <a:noFill/>
+                </a:ln>
+                <a:solidFill>
+                  <a:srgbClr val="000000"/>
+                </a:solidFill>
+                <a:effectLst/>
+                <a:latin typeface="Courier New" panose="02070309020205020404" pitchFamily="49" charset="0"/>
+                <a:cs typeface="Courier New" panose="02070309020205020404" pitchFamily="49" charset="0"/>
+              </a:rPr>
+              <a:t>}</a:t>
+            </a:r>
+            <a:br>
+              <a:rPr kumimoji="0" lang="en-US" altLang="en-US" sz="1400" b="0" i="0" u="none" strike="noStrike" cap="none" normalizeH="0" baseline="0" dirty="0" smtClean="0">
+                <a:ln>
+                  <a:noFill/>
+                </a:ln>
+                <a:solidFill>
+                  <a:srgbClr val="000000"/>
+                </a:solidFill>
+                <a:effectLst/>
+                <a:latin typeface="Courier New" panose="02070309020205020404" pitchFamily="49" charset="0"/>
+                <a:cs typeface="Courier New" panose="02070309020205020404" pitchFamily="49" charset="0"/>
+              </a:rPr>
+            </a:br>
+            <a:endParaRPr kumimoji="0" lang="en-US" altLang="en-US" sz="1400" b="0" i="0" u="none" strike="noStrike" cap="none" normalizeH="0" baseline="0" dirty="0" smtClean="0">
+              <a:ln>
+                <a:noFill/>
+              </a:ln>
+              <a:solidFill>
+                <a:schemeClr val="tx1"/>
+              </a:solidFill>
+              <a:effectLst/>
+              <a:latin typeface="Arial" panose="020B0604020202020204" pitchFamily="34" charset="0"/>
+            </a:endParaRPr>
+          </a:p>
+        </p:txBody>
+      </p:sp>
+      <p:sp>
+        <p:nvSpPr>
+          <p:cNvPr id="9" name="Rectangle 5"/>
+          <p:cNvSpPr>
+            <a:spLocks noGrp="1" noChangeArrowheads="1"/>
+          </p:cNvSpPr>
+          <p:nvPr>
+            <p:ph sz="half" idx="2"/>
+          </p:nvPr>
+        </p:nvSpPr>
+        <p:spPr bwMode="auto">
+          <a:xfrm>
+            <a:off x="6894513" y="3767435"/>
+            <a:ext cx="4608511" cy="923330"/>
+          </a:xfrm>
+          <a:prstGeom prst="rect">
+            <a:avLst/>
+          </a:prstGeom>
+          <a:noFill/>
+          <a:ln>
+            <a:noFill/>
+          </a:ln>
+          <a:effectLst/>
+        </p:spPr>
+        <p:txBody>
+          <a:bodyPr vert="horz" wrap="square" lIns="91440" tIns="45720" rIns="91440" bIns="45720" numCol="1" anchor="ctr" anchorCtr="0" compatLnSpc="1">
+            <a:prstTxWarp prst="textNoShape">
+              <a:avLst/>
+            </a:prstTxWarp>
+            <a:spAutoFit/>
+          </a:bodyPr>
+          <a:lstStyle/>
+          <a:p>
+            <a:pPr marL="0" marR="0" lvl="0" indent="0" algn="l" defTabSz="914400" rtl="0" eaLnBrk="0" fontAlgn="base" latinLnBrk="0" hangingPunct="0">
+              <a:lnSpc>
+                <a:spcPct val="100000"/>
+              </a:lnSpc>
+              <a:spcBef>
+                <a:spcPct val="0"/>
+              </a:spcBef>
+              <a:spcAft>
+                <a:spcPct val="0"/>
+              </a:spcAft>
+              <a:buClrTx/>
+              <a:buSzTx/>
+              <a:buFontTx/>
+              <a:buNone/>
+              <a:tabLst/>
+            </a:pPr>
+            <a:r>
+              <a:rPr kumimoji="0" lang="en-US" altLang="en-US" sz="900" b="0" i="0" u="none" strike="noStrike" cap="none" normalizeH="0" baseline="0" dirty="0" smtClean="0">
+                <a:ln>
+                  <a:noFill/>
+                </a:ln>
+                <a:solidFill>
+                  <a:srgbClr val="000000"/>
+                </a:solidFill>
+                <a:effectLst/>
+                <a:latin typeface="Courier New" panose="02070309020205020404" pitchFamily="49" charset="0"/>
+                <a:cs typeface="Courier New" panose="02070309020205020404" pitchFamily="49" charset="0"/>
+              </a:rPr>
+              <a:t>--------------------------------------------------------------</a:t>
+            </a:r>
+            <a:br>
+              <a:rPr kumimoji="0" lang="en-US" altLang="en-US" sz="900" b="0" i="0" u="none" strike="noStrike" cap="none" normalizeH="0" baseline="0" dirty="0" smtClean="0">
+                <a:ln>
+                  <a:noFill/>
+                </a:ln>
+                <a:solidFill>
+                  <a:srgbClr val="000000"/>
+                </a:solidFill>
+                <a:effectLst/>
+                <a:latin typeface="Courier New" panose="02070309020205020404" pitchFamily="49" charset="0"/>
+                <a:cs typeface="Courier New" panose="02070309020205020404" pitchFamily="49" charset="0"/>
+              </a:rPr>
+            </a:br>
+            <a:r>
+              <a:rPr kumimoji="0" lang="en-US" altLang="en-US" sz="900" b="0" i="0" u="none" strike="noStrike" cap="none" normalizeH="0" baseline="0" dirty="0" smtClean="0">
+                <a:ln>
+                  <a:noFill/>
+                </a:ln>
+                <a:solidFill>
+                  <a:srgbClr val="000000"/>
+                </a:solidFill>
+                <a:effectLst/>
+                <a:latin typeface="Courier New" panose="02070309020205020404" pitchFamily="49" charset="0"/>
+                <a:cs typeface="Courier New" panose="02070309020205020404" pitchFamily="49" charset="0"/>
+              </a:rPr>
+              <a:t>| </a:t>
+            </a:r>
+            <a:r>
+              <a:rPr kumimoji="0" lang="en-US" altLang="en-US" sz="900" b="0" i="0" u="none" strike="noStrike" cap="none" normalizeH="0" baseline="0" dirty="0" err="1" smtClean="0">
+                <a:ln>
+                  <a:noFill/>
+                </a:ln>
+                <a:solidFill>
+                  <a:srgbClr val="000000"/>
+                </a:solidFill>
+                <a:effectLst/>
+                <a:latin typeface="Courier New" panose="02070309020205020404" pitchFamily="49" charset="0"/>
+                <a:cs typeface="Courier New" panose="02070309020205020404" pitchFamily="49" charset="0"/>
+              </a:rPr>
+              <a:t>formerName</a:t>
+            </a:r>
+            <a:r>
+              <a:rPr kumimoji="0" lang="en-US" altLang="en-US" sz="900" b="0" i="0" u="none" strike="noStrike" cap="none" normalizeH="0" baseline="0" dirty="0" smtClean="0">
+                <a:ln>
+                  <a:noFill/>
+                </a:ln>
+                <a:solidFill>
+                  <a:srgbClr val="000000"/>
+                </a:solidFill>
+                <a:effectLst/>
+                <a:latin typeface="Courier New" panose="02070309020205020404" pitchFamily="49" charset="0"/>
+                <a:cs typeface="Courier New" panose="02070309020205020404" pitchFamily="49" charset="0"/>
+              </a:rPr>
+              <a:t>      | </a:t>
+            </a:r>
+            <a:r>
+              <a:rPr kumimoji="0" lang="en-US" altLang="en-US" sz="900" b="0" i="0" u="none" strike="noStrike" cap="none" normalizeH="0" baseline="0" dirty="0" err="1" smtClean="0">
+                <a:ln>
+                  <a:noFill/>
+                </a:ln>
+                <a:solidFill>
+                  <a:srgbClr val="000000"/>
+                </a:solidFill>
+                <a:effectLst/>
+                <a:latin typeface="Courier New" panose="02070309020205020404" pitchFamily="49" charset="0"/>
+                <a:cs typeface="Courier New" panose="02070309020205020404" pitchFamily="49" charset="0"/>
+              </a:rPr>
+              <a:t>buildingStartDate</a:t>
+            </a:r>
+            <a:r>
+              <a:rPr kumimoji="0" lang="en-US" altLang="en-US" sz="900" b="0" i="0" u="none" strike="noStrike" cap="none" normalizeH="0" baseline="0" dirty="0" smtClean="0">
+                <a:ln>
+                  <a:noFill/>
+                </a:ln>
+                <a:solidFill>
+                  <a:srgbClr val="000000"/>
+                </a:solidFill>
+                <a:effectLst/>
+                <a:latin typeface="Courier New" panose="02070309020205020404" pitchFamily="49" charset="0"/>
+                <a:cs typeface="Courier New" panose="02070309020205020404" pitchFamily="49" charset="0"/>
+              </a:rPr>
+              <a:t> | </a:t>
+            </a:r>
+            <a:r>
+              <a:rPr kumimoji="0" lang="en-US" altLang="en-US" sz="900" b="0" i="0" u="none" strike="noStrike" cap="none" normalizeH="0" baseline="0" dirty="0" err="1" smtClean="0">
+                <a:ln>
+                  <a:noFill/>
+                </a:ln>
+                <a:solidFill>
+                  <a:srgbClr val="000000"/>
+                </a:solidFill>
+                <a:effectLst/>
+                <a:latin typeface="Courier New" panose="02070309020205020404" pitchFamily="49" charset="0"/>
+                <a:cs typeface="Courier New" panose="02070309020205020404" pitchFamily="49" charset="0"/>
+              </a:rPr>
+              <a:t>lengthM</a:t>
+            </a:r>
+            <a:r>
+              <a:rPr kumimoji="0" lang="en-US" altLang="en-US" sz="900" b="0" i="0" u="none" strike="noStrike" cap="none" normalizeH="0" baseline="0" dirty="0" smtClean="0">
+                <a:ln>
+                  <a:noFill/>
+                </a:ln>
+                <a:solidFill>
+                  <a:srgbClr val="000000"/>
+                </a:solidFill>
+                <a:effectLst/>
+                <a:latin typeface="Courier New" panose="02070309020205020404" pitchFamily="49" charset="0"/>
+                <a:cs typeface="Courier New" panose="02070309020205020404" pitchFamily="49" charset="0"/>
+              </a:rPr>
+              <a:t> | </a:t>
+            </a:r>
+            <a:r>
+              <a:rPr kumimoji="0" lang="en-US" altLang="en-US" sz="900" b="0" i="0" u="none" strike="noStrike" cap="none" normalizeH="0" baseline="0" dirty="0" err="1" smtClean="0">
+                <a:ln>
+                  <a:noFill/>
+                </a:ln>
+                <a:solidFill>
+                  <a:srgbClr val="000000"/>
+                </a:solidFill>
+                <a:effectLst/>
+                <a:latin typeface="Courier New" panose="02070309020205020404" pitchFamily="49" charset="0"/>
+                <a:cs typeface="Courier New" panose="02070309020205020404" pitchFamily="49" charset="0"/>
+              </a:rPr>
+              <a:t>postalCode</a:t>
+            </a:r>
+            <a:r>
+              <a:rPr kumimoji="0" lang="en-US" altLang="en-US" sz="900" b="0" i="0" u="none" strike="noStrike" cap="none" normalizeH="0" baseline="0" dirty="0" smtClean="0">
+                <a:ln>
+                  <a:noFill/>
+                </a:ln>
+                <a:solidFill>
+                  <a:srgbClr val="000000"/>
+                </a:solidFill>
+                <a:effectLst/>
+                <a:latin typeface="Courier New" panose="02070309020205020404" pitchFamily="49" charset="0"/>
+                <a:cs typeface="Courier New" panose="02070309020205020404" pitchFamily="49" charset="0"/>
+              </a:rPr>
+              <a:t> |</a:t>
+            </a:r>
+            <a:br>
+              <a:rPr kumimoji="0" lang="en-US" altLang="en-US" sz="900" b="0" i="0" u="none" strike="noStrike" cap="none" normalizeH="0" baseline="0" dirty="0" smtClean="0">
+                <a:ln>
+                  <a:noFill/>
+                </a:ln>
+                <a:solidFill>
+                  <a:srgbClr val="000000"/>
+                </a:solidFill>
+                <a:effectLst/>
+                <a:latin typeface="Courier New" panose="02070309020205020404" pitchFamily="49" charset="0"/>
+                <a:cs typeface="Courier New" panose="02070309020205020404" pitchFamily="49" charset="0"/>
+              </a:rPr>
+            </a:br>
+            <a:r>
+              <a:rPr kumimoji="0" lang="en-US" altLang="en-US" sz="900" b="0" i="0" u="none" strike="noStrike" cap="none" normalizeH="0" baseline="0" dirty="0" smtClean="0">
+                <a:ln>
+                  <a:noFill/>
+                </a:ln>
+                <a:solidFill>
+                  <a:srgbClr val="000000"/>
+                </a:solidFill>
+                <a:effectLst/>
+                <a:latin typeface="Courier New" panose="02070309020205020404" pitchFamily="49" charset="0"/>
+                <a:cs typeface="Courier New" panose="02070309020205020404" pitchFamily="49" charset="0"/>
+              </a:rPr>
+              <a:t>==============================================================</a:t>
+            </a:r>
+            <a:br>
+              <a:rPr kumimoji="0" lang="en-US" altLang="en-US" sz="900" b="0" i="0" u="none" strike="noStrike" cap="none" normalizeH="0" baseline="0" dirty="0" smtClean="0">
+                <a:ln>
+                  <a:noFill/>
+                </a:ln>
+                <a:solidFill>
+                  <a:srgbClr val="000000"/>
+                </a:solidFill>
+                <a:effectLst/>
+                <a:latin typeface="Courier New" panose="02070309020205020404" pitchFamily="49" charset="0"/>
+                <a:cs typeface="Courier New" panose="02070309020205020404" pitchFamily="49" charset="0"/>
+              </a:rPr>
+            </a:br>
+            <a:r>
+              <a:rPr kumimoji="0" lang="en-US" altLang="en-US" sz="900" b="0" i="0" u="none" strike="noStrike" cap="none" normalizeH="0" baseline="0" dirty="0" smtClean="0">
+                <a:ln>
+                  <a:noFill/>
+                </a:ln>
+                <a:solidFill>
+                  <a:srgbClr val="000000"/>
+                </a:solidFill>
+                <a:effectLst/>
+                <a:latin typeface="Courier New" panose="02070309020205020404" pitchFamily="49" charset="0"/>
+                <a:cs typeface="Courier New" panose="02070309020205020404" pitchFamily="49" charset="0"/>
+              </a:rPr>
+              <a:t>| "</a:t>
+            </a:r>
+            <a:r>
+              <a:rPr kumimoji="0" lang="en-US" altLang="en-US" sz="900" b="0" i="0" u="none" strike="noStrike" cap="none" normalizeH="0" baseline="0" dirty="0" err="1" smtClean="0">
+                <a:ln>
+                  <a:noFill/>
+                </a:ln>
+                <a:solidFill>
+                  <a:srgbClr val="000000"/>
+                </a:solidFill>
+                <a:effectLst/>
+                <a:latin typeface="Courier New" panose="02070309020205020404" pitchFamily="49" charset="0"/>
+                <a:cs typeface="Courier New" panose="02070309020205020404" pitchFamily="49" charset="0"/>
+              </a:rPr>
+              <a:t>Edle</a:t>
+            </a:r>
+            <a:r>
+              <a:rPr kumimoji="0" lang="en-US" altLang="en-US" sz="900" b="0" i="0" u="none" strike="noStrike" cap="none" normalizeH="0" baseline="0" dirty="0" smtClean="0">
+                <a:ln>
+                  <a:noFill/>
+                </a:ln>
+                <a:solidFill>
+                  <a:srgbClr val="000000"/>
+                </a:solidFill>
+                <a:effectLst/>
+                <a:latin typeface="Courier New" panose="02070309020205020404" pitchFamily="49" charset="0"/>
+                <a:cs typeface="Courier New" panose="02070309020205020404" pitchFamily="49" charset="0"/>
+              </a:rPr>
+              <a:t> </a:t>
+            </a:r>
+            <a:r>
+              <a:rPr kumimoji="0" lang="en-US" altLang="en-US" sz="900" b="0" i="0" u="none" strike="noStrike" cap="none" normalizeH="0" baseline="0" dirty="0" err="1" smtClean="0">
+                <a:ln>
+                  <a:noFill/>
+                </a:ln>
+                <a:solidFill>
+                  <a:srgbClr val="000000"/>
+                </a:solidFill>
+                <a:effectLst/>
+                <a:latin typeface="Courier New" panose="02070309020205020404" pitchFamily="49" charset="0"/>
+                <a:cs typeface="Courier New" panose="02070309020205020404" pitchFamily="49" charset="0"/>
+              </a:rPr>
+              <a:t>Gasse</a:t>
+            </a:r>
+            <a:r>
+              <a:rPr kumimoji="0" lang="en-US" altLang="en-US" sz="900" b="0" i="0" u="none" strike="noStrike" cap="none" normalizeH="0" baseline="0" dirty="0" smtClean="0">
+                <a:ln>
+                  <a:noFill/>
+                </a:ln>
+                <a:solidFill>
+                  <a:srgbClr val="000000"/>
+                </a:solidFill>
+                <a:effectLst/>
+                <a:latin typeface="Courier New" panose="02070309020205020404" pitchFamily="49" charset="0"/>
+                <a:cs typeface="Courier New" panose="02070309020205020404" pitchFamily="49" charset="0"/>
+              </a:rPr>
+              <a:t>"@</a:t>
+            </a:r>
+            <a:r>
+              <a:rPr kumimoji="0" lang="en-US" altLang="en-US" sz="900" b="0" i="0" u="none" strike="noStrike" cap="none" normalizeH="0" baseline="0" dirty="0" err="1" smtClean="0">
+                <a:ln>
+                  <a:noFill/>
+                </a:ln>
+                <a:solidFill>
+                  <a:srgbClr val="000000"/>
+                </a:solidFill>
+                <a:effectLst/>
+                <a:latin typeface="Courier New" panose="02070309020205020404" pitchFamily="49" charset="0"/>
+                <a:cs typeface="Courier New" panose="02070309020205020404" pitchFamily="49" charset="0"/>
+              </a:rPr>
+              <a:t>en</a:t>
+            </a:r>
+            <a:r>
+              <a:rPr kumimoji="0" lang="en-US" altLang="en-US" sz="900" b="0" i="0" u="none" strike="noStrike" cap="none" normalizeH="0" baseline="0" dirty="0" smtClean="0">
+                <a:ln>
+                  <a:noFill/>
+                </a:ln>
+                <a:solidFill>
+                  <a:srgbClr val="000000"/>
+                </a:solidFill>
+                <a:effectLst/>
+                <a:latin typeface="Courier New" panose="02070309020205020404" pitchFamily="49" charset="0"/>
+                <a:cs typeface="Courier New" panose="02070309020205020404" pitchFamily="49" charset="0"/>
+              </a:rPr>
+              <a:t> | "1191"            | 300     | "3011"     |</a:t>
+            </a:r>
+            <a:br>
+              <a:rPr kumimoji="0" lang="en-US" altLang="en-US" sz="900" b="0" i="0" u="none" strike="noStrike" cap="none" normalizeH="0" baseline="0" dirty="0" smtClean="0">
+                <a:ln>
+                  <a:noFill/>
+                </a:ln>
+                <a:solidFill>
+                  <a:srgbClr val="000000"/>
+                </a:solidFill>
+                <a:effectLst/>
+                <a:latin typeface="Courier New" panose="02070309020205020404" pitchFamily="49" charset="0"/>
+                <a:cs typeface="Courier New" panose="02070309020205020404" pitchFamily="49" charset="0"/>
+              </a:rPr>
+            </a:br>
+            <a:r>
+              <a:rPr kumimoji="0" lang="en-US" altLang="en-US" sz="900" b="0" i="0" u="none" strike="noStrike" cap="none" normalizeH="0" baseline="0" dirty="0" smtClean="0">
+                <a:ln>
+                  <a:noFill/>
+                </a:ln>
+                <a:solidFill>
+                  <a:srgbClr val="000000"/>
+                </a:solidFill>
+                <a:effectLst/>
+                <a:latin typeface="Courier New" panose="02070309020205020404" pitchFamily="49" charset="0"/>
+                <a:cs typeface="Courier New" panose="02070309020205020404" pitchFamily="49" charset="0"/>
+              </a:rPr>
+              <a:t>| "</a:t>
+            </a:r>
+            <a:r>
+              <a:rPr kumimoji="0" lang="en-US" altLang="en-US" sz="900" b="0" i="0" u="none" strike="noStrike" cap="none" normalizeH="0" baseline="0" dirty="0" err="1" smtClean="0">
+                <a:ln>
+                  <a:noFill/>
+                </a:ln>
+                <a:solidFill>
+                  <a:srgbClr val="000000"/>
+                </a:solidFill>
+                <a:effectLst/>
+                <a:latin typeface="Courier New" panose="02070309020205020404" pitchFamily="49" charset="0"/>
+                <a:cs typeface="Courier New" panose="02070309020205020404" pitchFamily="49" charset="0"/>
+              </a:rPr>
+              <a:t>Kilchgasse</a:t>
+            </a:r>
+            <a:r>
+              <a:rPr kumimoji="0" lang="en-US" altLang="en-US" sz="900" b="0" i="0" u="none" strike="noStrike" cap="none" normalizeH="0" baseline="0" dirty="0" smtClean="0">
+                <a:ln>
+                  <a:noFill/>
+                </a:ln>
+                <a:solidFill>
+                  <a:srgbClr val="000000"/>
+                </a:solidFill>
+                <a:effectLst/>
+                <a:latin typeface="Courier New" panose="02070309020205020404" pitchFamily="49" charset="0"/>
+                <a:cs typeface="Courier New" panose="02070309020205020404" pitchFamily="49" charset="0"/>
+              </a:rPr>
+              <a:t>"@</a:t>
+            </a:r>
+            <a:r>
+              <a:rPr kumimoji="0" lang="en-US" altLang="en-US" sz="900" b="0" i="0" u="none" strike="noStrike" cap="none" normalizeH="0" baseline="0" dirty="0" err="1" smtClean="0">
+                <a:ln>
+                  <a:noFill/>
+                </a:ln>
+                <a:solidFill>
+                  <a:srgbClr val="000000"/>
+                </a:solidFill>
+                <a:effectLst/>
+                <a:latin typeface="Courier New" panose="02070309020205020404" pitchFamily="49" charset="0"/>
+                <a:cs typeface="Courier New" panose="02070309020205020404" pitchFamily="49" charset="0"/>
+              </a:rPr>
+              <a:t>en</a:t>
+            </a:r>
+            <a:r>
+              <a:rPr kumimoji="0" lang="en-US" altLang="en-US" sz="900" b="0" i="0" u="none" strike="noStrike" cap="none" normalizeH="0" baseline="0" dirty="0" smtClean="0">
+                <a:ln>
+                  <a:noFill/>
+                </a:ln>
+                <a:solidFill>
+                  <a:srgbClr val="000000"/>
+                </a:solidFill>
+                <a:effectLst/>
+                <a:latin typeface="Courier New" panose="02070309020205020404" pitchFamily="49" charset="0"/>
+                <a:cs typeface="Courier New" panose="02070309020205020404" pitchFamily="49" charset="0"/>
+              </a:rPr>
+              <a:t> | "1191"            | 300     | "3011"     |</a:t>
+            </a:r>
+            <a:br>
+              <a:rPr kumimoji="0" lang="en-US" altLang="en-US" sz="900" b="0" i="0" u="none" strike="noStrike" cap="none" normalizeH="0" baseline="0" dirty="0" smtClean="0">
+                <a:ln>
+                  <a:noFill/>
+                </a:ln>
+                <a:solidFill>
+                  <a:srgbClr val="000000"/>
+                </a:solidFill>
+                <a:effectLst/>
+                <a:latin typeface="Courier New" panose="02070309020205020404" pitchFamily="49" charset="0"/>
+                <a:cs typeface="Courier New" panose="02070309020205020404" pitchFamily="49" charset="0"/>
+              </a:rPr>
+            </a:br>
+            <a:r>
+              <a:rPr kumimoji="0" lang="en-US" altLang="en-US" sz="900" b="0" i="0" u="none" strike="noStrike" cap="none" normalizeH="0" baseline="0" dirty="0" smtClean="0">
+                <a:ln>
+                  <a:noFill/>
+                </a:ln>
+                <a:solidFill>
+                  <a:srgbClr val="000000"/>
+                </a:solidFill>
+                <a:effectLst/>
+                <a:latin typeface="Courier New" panose="02070309020205020404" pitchFamily="49" charset="0"/>
+                <a:cs typeface="Courier New" panose="02070309020205020404" pitchFamily="49" charset="0"/>
+              </a:rPr>
+              <a:t>--------------------------------------------------------------</a:t>
+            </a:r>
+            <a:endParaRPr kumimoji="0" lang="en-US" altLang="en-US" sz="1800" b="0" i="0" u="none" strike="noStrike" cap="none" normalizeH="0" baseline="0" dirty="0" smtClean="0">
+              <a:ln>
+                <a:noFill/>
+              </a:ln>
+              <a:solidFill>
+                <a:schemeClr val="tx1"/>
+              </a:solidFill>
+              <a:effectLst/>
+              <a:latin typeface="Arial" panose="020B0604020202020204" pitchFamily="34" charset="0"/>
+            </a:endParaRPr>
+          </a:p>
+        </p:txBody>
+      </p:sp>
+    </p:spTree>
+    <p:extLst>
+      <p:ext uri="{BB962C8B-B14F-4D97-AF65-F5344CB8AC3E}">
+        <p14:creationId xmlns:p14="http://schemas.microsoft.com/office/powerpoint/2010/main" val="125066422"/>
+      </p:ext>
+    </p:extLst>
+  </p:cSld>
+  <p:clrMapOvr>
+    <a:masterClrMapping/>
+  </p:clrMapOvr>
+  <p:timing>
+    <p:tnLst>
+      <p:par>
+        <p:cTn id="1" dur="indefinite" restart="never" nodeType="tmRoot"/>
+      </p:par>
+    </p:tnLst>
+  </p:timing>
+</p:sld>
+</file>
+
+<file path=ppt/slides/slide7.xml><?xml version="1.0" encoding="utf-8"?>
+<p:sld xmlns:a="http://schemas.openxmlformats.org/drawingml/2006/main" xmlns:r="http://schemas.openxmlformats.org/officeDocument/2006/relationships" xmlns:p="http://schemas.openxmlformats.org/presentationml/2006/main">
+  <p:cSld>
+    <p:spTree>
+      <p:nvGrpSpPr>
+        <p:cNvPr id="1" name=""/>
+        <p:cNvGrpSpPr/>
+        <p:nvPr/>
+      </p:nvGrpSpPr>
+      <p:grpSpPr>
+        <a:xfrm>
+          <a:off x="0" y="0"/>
+          <a:ext cx="0" cy="0"/>
+          <a:chOff x="0" y="0"/>
+          <a:chExt cx="0" cy="0"/>
+        </a:xfrm>
+      </p:grpSpPr>
+      <p:sp>
+        <p:nvSpPr>
+          <p:cNvPr id="5" name="Title 4"/>
+          <p:cNvSpPr>
+            <a:spLocks noGrp="1"/>
+          </p:cNvSpPr>
+          <p:nvPr>
+            <p:ph type="title"/>
+          </p:nvPr>
+        </p:nvSpPr>
+        <p:spPr/>
+        <p:txBody>
+          <a:bodyPr>
+            <a:normAutofit/>
+          </a:bodyPr>
+          <a:lstStyle/>
+          <a:p>
+            <a:r>
+              <a:rPr lang="en-GB" sz="3200" dirty="0"/>
+              <a:t>Q3: Who was both born in Bern and died there as well?</a:t>
+            </a:r>
+          </a:p>
+        </p:txBody>
+      </p:sp>
+      <p:sp>
+        <p:nvSpPr>
+          <p:cNvPr id="2" name="Content Placeholder 1"/>
+          <p:cNvSpPr>
+            <a:spLocks noGrp="1" noChangeArrowheads="1"/>
+          </p:cNvSpPr>
+          <p:nvPr>
+            <p:ph sz="half" idx="1"/>
+          </p:nvPr>
+        </p:nvSpPr>
+        <p:spPr bwMode="auto">
+          <a:xfrm>
+            <a:off x="1484312" y="3105717"/>
+            <a:ext cx="5316537" cy="2246769"/>
+          </a:xfrm>
+          <a:prstGeom prst="rect">
+            <a:avLst/>
+          </a:prstGeom>
+          <a:noFill/>
+          <a:ln>
+            <a:noFill/>
+          </a:ln>
+          <a:effectLst/>
+        </p:spPr>
+        <p:txBody>
+          <a:bodyPr vert="horz" wrap="square" lIns="91440" tIns="45720" rIns="91440" bIns="45720" numCol="1" anchor="ctr" anchorCtr="0" compatLnSpc="1">
+            <a:prstTxWarp prst="textNoShape">
+              <a:avLst/>
+            </a:prstTxWarp>
+            <a:spAutoFit/>
+          </a:bodyPr>
+          <a:lstStyle/>
+          <a:p>
+            <a:pPr marL="0" marR="0" lvl="0" indent="0" algn="l" defTabSz="914400" rtl="0" eaLnBrk="0" fontAlgn="base" latinLnBrk="0" hangingPunct="0">
+              <a:lnSpc>
+                <a:spcPct val="100000"/>
+              </a:lnSpc>
+              <a:spcBef>
+                <a:spcPct val="0"/>
+              </a:spcBef>
+              <a:spcAft>
+                <a:spcPct val="0"/>
+              </a:spcAft>
+              <a:buClrTx/>
+              <a:buSzTx/>
+              <a:buFontTx/>
+              <a:buNone/>
+              <a:tabLst/>
+            </a:pPr>
+            <a:r>
+              <a:rPr kumimoji="0" lang="en-US" altLang="en-US" sz="1400" b="1" i="0" u="none" strike="noStrike" cap="none" normalizeH="0" baseline="0" dirty="0" smtClean="0">
+                <a:ln>
+                  <a:noFill/>
+                </a:ln>
+                <a:solidFill>
+                  <a:srgbClr val="000080"/>
+                </a:solidFill>
+                <a:effectLst/>
+                <a:latin typeface="Courier New" panose="02070309020205020404" pitchFamily="49" charset="0"/>
+                <a:cs typeface="Courier New" panose="02070309020205020404" pitchFamily="49" charset="0"/>
+              </a:rPr>
+              <a:t>PREFIX </a:t>
+            </a:r>
+            <a:r>
+              <a:rPr kumimoji="0" lang="en-US" altLang="en-US" sz="1400" b="0" i="0" u="none" strike="noStrike" cap="none" normalizeH="0" baseline="0" dirty="0" err="1" smtClean="0">
+                <a:ln>
+                  <a:noFill/>
+                </a:ln>
+                <a:solidFill>
+                  <a:srgbClr val="000000"/>
+                </a:solidFill>
+                <a:effectLst/>
+                <a:latin typeface="Courier New" panose="02070309020205020404" pitchFamily="49" charset="0"/>
+                <a:cs typeface="Courier New" panose="02070309020205020404" pitchFamily="49" charset="0"/>
+              </a:rPr>
+              <a:t>dbr</a:t>
+            </a:r>
+            <a:r>
+              <a:rPr kumimoji="0" lang="en-US" altLang="en-US" sz="1400" b="0" i="0" u="none" strike="noStrike" cap="none" normalizeH="0" baseline="0" dirty="0" smtClean="0">
+                <a:ln>
+                  <a:noFill/>
+                </a:ln>
+                <a:solidFill>
+                  <a:srgbClr val="000000"/>
+                </a:solidFill>
+                <a:effectLst/>
+                <a:latin typeface="Courier New" panose="02070309020205020404" pitchFamily="49" charset="0"/>
+                <a:cs typeface="Courier New" panose="02070309020205020404" pitchFamily="49" charset="0"/>
+              </a:rPr>
+              <a:t>: &lt;http://dbpedia.org/resource/&gt;</a:t>
+            </a:r>
+            <a:br>
+              <a:rPr kumimoji="0" lang="en-US" altLang="en-US" sz="1400" b="0" i="0" u="none" strike="noStrike" cap="none" normalizeH="0" baseline="0" dirty="0" smtClean="0">
+                <a:ln>
+                  <a:noFill/>
+                </a:ln>
+                <a:solidFill>
+                  <a:srgbClr val="000000"/>
+                </a:solidFill>
+                <a:effectLst/>
+                <a:latin typeface="Courier New" panose="02070309020205020404" pitchFamily="49" charset="0"/>
+                <a:cs typeface="Courier New" panose="02070309020205020404" pitchFamily="49" charset="0"/>
+              </a:rPr>
+            </a:br>
+            <a:r>
+              <a:rPr kumimoji="0" lang="en-US" altLang="en-US" sz="1400" b="1" i="0" u="none" strike="noStrike" cap="none" normalizeH="0" baseline="0" dirty="0" smtClean="0">
+                <a:ln>
+                  <a:noFill/>
+                </a:ln>
+                <a:solidFill>
+                  <a:srgbClr val="000080"/>
+                </a:solidFill>
+                <a:effectLst/>
+                <a:latin typeface="Courier New" panose="02070309020205020404" pitchFamily="49" charset="0"/>
+                <a:cs typeface="Courier New" panose="02070309020205020404" pitchFamily="49" charset="0"/>
+              </a:rPr>
+              <a:t>PREFIX </a:t>
+            </a:r>
+            <a:r>
+              <a:rPr kumimoji="0" lang="en-US" altLang="en-US" sz="1400" b="0" i="0" u="none" strike="noStrike" cap="none" normalizeH="0" baseline="0" dirty="0" err="1" smtClean="0">
+                <a:ln>
+                  <a:noFill/>
+                </a:ln>
+                <a:solidFill>
+                  <a:srgbClr val="000000"/>
+                </a:solidFill>
+                <a:effectLst/>
+                <a:latin typeface="Courier New" panose="02070309020205020404" pitchFamily="49" charset="0"/>
+                <a:cs typeface="Courier New" panose="02070309020205020404" pitchFamily="49" charset="0"/>
+              </a:rPr>
+              <a:t>dbo</a:t>
+            </a:r>
+            <a:r>
+              <a:rPr kumimoji="0" lang="en-US" altLang="en-US" sz="1400" b="0" i="0" u="none" strike="noStrike" cap="none" normalizeH="0" baseline="0" dirty="0" smtClean="0">
+                <a:ln>
+                  <a:noFill/>
+                </a:ln>
+                <a:solidFill>
+                  <a:srgbClr val="000000"/>
+                </a:solidFill>
+                <a:effectLst/>
+                <a:latin typeface="Courier New" panose="02070309020205020404" pitchFamily="49" charset="0"/>
+                <a:cs typeface="Courier New" panose="02070309020205020404" pitchFamily="49" charset="0"/>
+              </a:rPr>
+              <a:t>: &lt;http://dbpedia.org/ontology/&gt;</a:t>
+            </a:r>
+            <a:br>
+              <a:rPr kumimoji="0" lang="en-US" altLang="en-US" sz="1400" b="0" i="0" u="none" strike="noStrike" cap="none" normalizeH="0" baseline="0" dirty="0" smtClean="0">
+                <a:ln>
+                  <a:noFill/>
+                </a:ln>
+                <a:solidFill>
+                  <a:srgbClr val="000000"/>
+                </a:solidFill>
+                <a:effectLst/>
+                <a:latin typeface="Courier New" panose="02070309020205020404" pitchFamily="49" charset="0"/>
+                <a:cs typeface="Courier New" panose="02070309020205020404" pitchFamily="49" charset="0"/>
+              </a:rPr>
+            </a:br>
+            <a:r>
+              <a:rPr kumimoji="0" lang="en-US" altLang="en-US" sz="1400" b="1" i="0" u="none" strike="noStrike" cap="none" normalizeH="0" baseline="0" dirty="0" smtClean="0">
+                <a:ln>
+                  <a:noFill/>
+                </a:ln>
+                <a:solidFill>
+                  <a:srgbClr val="000080"/>
+                </a:solidFill>
+                <a:effectLst/>
+                <a:latin typeface="Courier New" panose="02070309020205020404" pitchFamily="49" charset="0"/>
+                <a:cs typeface="Courier New" panose="02070309020205020404" pitchFamily="49" charset="0"/>
+              </a:rPr>
+              <a:t>PREFIX </a:t>
+            </a:r>
+            <a:r>
+              <a:rPr kumimoji="0" lang="en-US" altLang="en-US" sz="1400" b="0" i="0" u="none" strike="noStrike" cap="none" normalizeH="0" baseline="0" dirty="0" err="1" smtClean="0">
+                <a:ln>
+                  <a:noFill/>
+                </a:ln>
+                <a:solidFill>
+                  <a:srgbClr val="000000"/>
+                </a:solidFill>
+                <a:effectLst/>
+                <a:latin typeface="Courier New" panose="02070309020205020404" pitchFamily="49" charset="0"/>
+                <a:cs typeface="Courier New" panose="02070309020205020404" pitchFamily="49" charset="0"/>
+              </a:rPr>
+              <a:t>dbp</a:t>
+            </a:r>
+            <a:r>
+              <a:rPr kumimoji="0" lang="en-US" altLang="en-US" sz="1400" b="0" i="0" u="none" strike="noStrike" cap="none" normalizeH="0" baseline="0" dirty="0" smtClean="0">
+                <a:ln>
+                  <a:noFill/>
+                </a:ln>
+                <a:solidFill>
+                  <a:srgbClr val="000000"/>
+                </a:solidFill>
+                <a:effectLst/>
+                <a:latin typeface="Courier New" panose="02070309020205020404" pitchFamily="49" charset="0"/>
+                <a:cs typeface="Courier New" panose="02070309020205020404" pitchFamily="49" charset="0"/>
+              </a:rPr>
+              <a:t>: &lt;http://dbpedia.org/property/&gt;</a:t>
+            </a:r>
+            <a:br>
+              <a:rPr kumimoji="0" lang="en-US" altLang="en-US" sz="1400" b="0" i="0" u="none" strike="noStrike" cap="none" normalizeH="0" baseline="0" dirty="0" smtClean="0">
+                <a:ln>
+                  <a:noFill/>
+                </a:ln>
+                <a:solidFill>
+                  <a:srgbClr val="000000"/>
+                </a:solidFill>
+                <a:effectLst/>
+                <a:latin typeface="Courier New" panose="02070309020205020404" pitchFamily="49" charset="0"/>
+                <a:cs typeface="Courier New" panose="02070309020205020404" pitchFamily="49" charset="0"/>
+              </a:rPr>
+            </a:br>
+            <a:r>
+              <a:rPr kumimoji="0" lang="en-US" altLang="en-US" sz="1400" b="0" i="0" u="none" strike="noStrike" cap="none" normalizeH="0" baseline="0" dirty="0" smtClean="0">
+                <a:ln>
+                  <a:noFill/>
+                </a:ln>
+                <a:solidFill>
+                  <a:srgbClr val="000000"/>
+                </a:solidFill>
+                <a:effectLst/>
+                <a:latin typeface="Courier New" panose="02070309020205020404" pitchFamily="49" charset="0"/>
+                <a:cs typeface="Courier New" panose="02070309020205020404" pitchFamily="49" charset="0"/>
+              </a:rPr>
+              <a:t/>
+            </a:r>
+            <a:br>
+              <a:rPr kumimoji="0" lang="en-US" altLang="en-US" sz="1400" b="0" i="0" u="none" strike="noStrike" cap="none" normalizeH="0" baseline="0" dirty="0" smtClean="0">
+                <a:ln>
+                  <a:noFill/>
+                </a:ln>
+                <a:solidFill>
+                  <a:srgbClr val="000000"/>
+                </a:solidFill>
+                <a:effectLst/>
+                <a:latin typeface="Courier New" panose="02070309020205020404" pitchFamily="49" charset="0"/>
+                <a:cs typeface="Courier New" panose="02070309020205020404" pitchFamily="49" charset="0"/>
+              </a:rPr>
+            </a:br>
+            <a:r>
+              <a:rPr kumimoji="0" lang="en-US" altLang="en-US" sz="1400" b="1" i="0" u="none" strike="noStrike" cap="none" normalizeH="0" baseline="0" dirty="0" smtClean="0">
+                <a:ln>
+                  <a:noFill/>
+                </a:ln>
+                <a:solidFill>
+                  <a:srgbClr val="000080"/>
+                </a:solidFill>
+                <a:effectLst/>
+                <a:latin typeface="Courier New" panose="02070309020205020404" pitchFamily="49" charset="0"/>
+                <a:cs typeface="Courier New" panose="02070309020205020404" pitchFamily="49" charset="0"/>
+              </a:rPr>
+              <a:t>SELECT </a:t>
+            </a:r>
+            <a:r>
+              <a:rPr kumimoji="0" lang="en-US" altLang="en-US" sz="1400" b="0" i="0" u="none" strike="noStrike" cap="none" normalizeH="0" baseline="0" dirty="0" smtClean="0">
+                <a:ln>
+                  <a:noFill/>
+                </a:ln>
+                <a:solidFill>
+                  <a:srgbClr val="000000"/>
+                </a:solidFill>
+                <a:effectLst/>
+                <a:latin typeface="Courier New" panose="02070309020205020404" pitchFamily="49" charset="0"/>
+                <a:cs typeface="Courier New" panose="02070309020205020404" pitchFamily="49" charset="0"/>
+              </a:rPr>
+              <a:t>?name</a:t>
+            </a:r>
+            <a:br>
+              <a:rPr kumimoji="0" lang="en-US" altLang="en-US" sz="1400" b="0" i="0" u="none" strike="noStrike" cap="none" normalizeH="0" baseline="0" dirty="0" smtClean="0">
+                <a:ln>
+                  <a:noFill/>
+                </a:ln>
+                <a:solidFill>
+                  <a:srgbClr val="000000"/>
+                </a:solidFill>
+                <a:effectLst/>
+                <a:latin typeface="Courier New" panose="02070309020205020404" pitchFamily="49" charset="0"/>
+                <a:cs typeface="Courier New" panose="02070309020205020404" pitchFamily="49" charset="0"/>
+              </a:rPr>
+            </a:br>
+            <a:r>
+              <a:rPr kumimoji="0" lang="en-US" altLang="en-US" sz="1400" b="1" i="0" u="none" strike="noStrike" cap="none" normalizeH="0" baseline="0" dirty="0" smtClean="0">
+                <a:ln>
+                  <a:noFill/>
+                </a:ln>
+                <a:solidFill>
+                  <a:srgbClr val="000080"/>
+                </a:solidFill>
+                <a:effectLst/>
+                <a:latin typeface="Courier New" panose="02070309020205020404" pitchFamily="49" charset="0"/>
+                <a:cs typeface="Courier New" panose="02070309020205020404" pitchFamily="49" charset="0"/>
+              </a:rPr>
+              <a:t>WHERE </a:t>
+            </a:r>
+            <a:r>
+              <a:rPr kumimoji="0" lang="en-US" altLang="en-US" sz="1400" b="0" i="0" u="none" strike="noStrike" cap="none" normalizeH="0" baseline="0" dirty="0" smtClean="0">
+                <a:ln>
+                  <a:noFill/>
+                </a:ln>
+                <a:solidFill>
+                  <a:srgbClr val="000000"/>
+                </a:solidFill>
+                <a:effectLst/>
+                <a:latin typeface="Courier New" panose="02070309020205020404" pitchFamily="49" charset="0"/>
+                <a:cs typeface="Courier New" panose="02070309020205020404" pitchFamily="49" charset="0"/>
+              </a:rPr>
+              <a:t>{</a:t>
+            </a:r>
+            <a:br>
+              <a:rPr kumimoji="0" lang="en-US" altLang="en-US" sz="1400" b="0" i="0" u="none" strike="noStrike" cap="none" normalizeH="0" baseline="0" dirty="0" smtClean="0">
+                <a:ln>
+                  <a:noFill/>
+                </a:ln>
+                <a:solidFill>
+                  <a:srgbClr val="000000"/>
+                </a:solidFill>
+                <a:effectLst/>
+                <a:latin typeface="Courier New" panose="02070309020205020404" pitchFamily="49" charset="0"/>
+                <a:cs typeface="Courier New" panose="02070309020205020404" pitchFamily="49" charset="0"/>
+              </a:rPr>
+            </a:br>
+            <a:r>
+              <a:rPr kumimoji="0" lang="en-US" altLang="en-US" sz="1400" b="0" i="0" u="none" strike="noStrike" cap="none" normalizeH="0" baseline="0" dirty="0" smtClean="0">
+                <a:ln>
+                  <a:noFill/>
+                </a:ln>
+                <a:solidFill>
+                  <a:srgbClr val="000000"/>
+                </a:solidFill>
+                <a:effectLst/>
+                <a:latin typeface="Courier New" panose="02070309020205020404" pitchFamily="49" charset="0"/>
+                <a:cs typeface="Courier New" panose="02070309020205020404" pitchFamily="49" charset="0"/>
+              </a:rPr>
+              <a:t> [] </a:t>
+            </a:r>
+            <a:r>
+              <a:rPr kumimoji="0" lang="en-US" altLang="en-US" sz="1400" b="0" i="0" u="none" strike="noStrike" cap="none" normalizeH="0" baseline="0" dirty="0" err="1" smtClean="0">
+                <a:ln>
+                  <a:noFill/>
+                </a:ln>
+                <a:solidFill>
+                  <a:srgbClr val="000000"/>
+                </a:solidFill>
+                <a:effectLst/>
+                <a:latin typeface="Courier New" panose="02070309020205020404" pitchFamily="49" charset="0"/>
+                <a:cs typeface="Courier New" panose="02070309020205020404" pitchFamily="49" charset="0"/>
+              </a:rPr>
+              <a:t>dbo:birthPlace</a:t>
+            </a:r>
+            <a:r>
+              <a:rPr kumimoji="0" lang="en-US" altLang="en-US" sz="1400" b="0" i="0" u="none" strike="noStrike" cap="none" normalizeH="0" baseline="0" dirty="0" smtClean="0">
+                <a:ln>
+                  <a:noFill/>
+                </a:ln>
+                <a:solidFill>
+                  <a:srgbClr val="000000"/>
+                </a:solidFill>
+                <a:effectLst/>
+                <a:latin typeface="Courier New" panose="02070309020205020404" pitchFamily="49" charset="0"/>
+                <a:cs typeface="Courier New" panose="02070309020205020404" pitchFamily="49" charset="0"/>
+              </a:rPr>
+              <a:t> </a:t>
+            </a:r>
+            <a:r>
+              <a:rPr kumimoji="0" lang="en-US" altLang="en-US" sz="1400" b="0" i="0" u="none" strike="noStrike" cap="none" normalizeH="0" baseline="0" dirty="0" err="1" smtClean="0">
+                <a:ln>
+                  <a:noFill/>
+                </a:ln>
+                <a:solidFill>
+                  <a:srgbClr val="000000"/>
+                </a:solidFill>
+                <a:effectLst/>
+                <a:latin typeface="Courier New" panose="02070309020205020404" pitchFamily="49" charset="0"/>
+                <a:cs typeface="Courier New" panose="02070309020205020404" pitchFamily="49" charset="0"/>
+              </a:rPr>
+              <a:t>dbr:Bern</a:t>
+            </a:r>
+            <a:r>
+              <a:rPr kumimoji="0" lang="en-US" altLang="en-US" sz="1400" b="0" i="0" u="none" strike="noStrike" cap="none" normalizeH="0" baseline="0" dirty="0" smtClean="0">
+                <a:ln>
+                  <a:noFill/>
+                </a:ln>
+                <a:solidFill>
+                  <a:srgbClr val="000000"/>
+                </a:solidFill>
+                <a:effectLst/>
+                <a:latin typeface="Courier New" panose="02070309020205020404" pitchFamily="49" charset="0"/>
+                <a:cs typeface="Courier New" panose="02070309020205020404" pitchFamily="49" charset="0"/>
+              </a:rPr>
+              <a:t> ;</a:t>
+            </a:r>
+            <a:br>
+              <a:rPr kumimoji="0" lang="en-US" altLang="en-US" sz="1400" b="0" i="0" u="none" strike="noStrike" cap="none" normalizeH="0" baseline="0" dirty="0" smtClean="0">
+                <a:ln>
+                  <a:noFill/>
+                </a:ln>
+                <a:solidFill>
+                  <a:srgbClr val="000000"/>
+                </a:solidFill>
+                <a:effectLst/>
+                <a:latin typeface="Courier New" panose="02070309020205020404" pitchFamily="49" charset="0"/>
+                <a:cs typeface="Courier New" panose="02070309020205020404" pitchFamily="49" charset="0"/>
+              </a:rPr>
+            </a:br>
+            <a:r>
+              <a:rPr kumimoji="0" lang="en-US" altLang="en-US" sz="1400" b="0" i="0" u="none" strike="noStrike" cap="none" normalizeH="0" baseline="0" dirty="0" smtClean="0">
+                <a:ln>
+                  <a:noFill/>
+                </a:ln>
+                <a:solidFill>
+                  <a:srgbClr val="000000"/>
+                </a:solidFill>
+                <a:effectLst/>
+                <a:latin typeface="Courier New" panose="02070309020205020404" pitchFamily="49" charset="0"/>
+                <a:cs typeface="Courier New" panose="02070309020205020404" pitchFamily="49" charset="0"/>
+              </a:rPr>
+              <a:t>  </a:t>
+            </a:r>
+            <a:r>
+              <a:rPr kumimoji="0" lang="en-US" altLang="en-US" sz="1400" b="0" i="0" u="none" strike="noStrike" cap="none" normalizeH="0" baseline="0" dirty="0" err="1" smtClean="0">
+                <a:ln>
+                  <a:noFill/>
+                </a:ln>
+                <a:solidFill>
+                  <a:srgbClr val="000000"/>
+                </a:solidFill>
+                <a:effectLst/>
+                <a:latin typeface="Courier New" panose="02070309020205020404" pitchFamily="49" charset="0"/>
+                <a:cs typeface="Courier New" panose="02070309020205020404" pitchFamily="49" charset="0"/>
+              </a:rPr>
+              <a:t>dbo:deathPlace</a:t>
+            </a:r>
+            <a:r>
+              <a:rPr kumimoji="0" lang="en-US" altLang="en-US" sz="1400" b="0" i="0" u="none" strike="noStrike" cap="none" normalizeH="0" baseline="0" dirty="0" smtClean="0">
+                <a:ln>
+                  <a:noFill/>
+                </a:ln>
+                <a:solidFill>
+                  <a:srgbClr val="000000"/>
+                </a:solidFill>
+                <a:effectLst/>
+                <a:latin typeface="Courier New" panose="02070309020205020404" pitchFamily="49" charset="0"/>
+                <a:cs typeface="Courier New" panose="02070309020205020404" pitchFamily="49" charset="0"/>
+              </a:rPr>
+              <a:t> </a:t>
+            </a:r>
+            <a:r>
+              <a:rPr kumimoji="0" lang="en-US" altLang="en-US" sz="1400" b="0" i="0" u="none" strike="noStrike" cap="none" normalizeH="0" baseline="0" dirty="0" err="1" smtClean="0">
+                <a:ln>
+                  <a:noFill/>
+                </a:ln>
+                <a:solidFill>
+                  <a:srgbClr val="000000"/>
+                </a:solidFill>
+                <a:effectLst/>
+                <a:latin typeface="Courier New" panose="02070309020205020404" pitchFamily="49" charset="0"/>
+                <a:cs typeface="Courier New" panose="02070309020205020404" pitchFamily="49" charset="0"/>
+              </a:rPr>
+              <a:t>dbr:Bern</a:t>
+            </a:r>
+            <a:r>
+              <a:rPr kumimoji="0" lang="en-US" altLang="en-US" sz="1400" b="0" i="0" u="none" strike="noStrike" cap="none" normalizeH="0" baseline="0" dirty="0" smtClean="0">
+                <a:ln>
+                  <a:noFill/>
+                </a:ln>
+                <a:solidFill>
+                  <a:srgbClr val="000000"/>
+                </a:solidFill>
+                <a:effectLst/>
+                <a:latin typeface="Courier New" panose="02070309020205020404" pitchFamily="49" charset="0"/>
+                <a:cs typeface="Courier New" panose="02070309020205020404" pitchFamily="49" charset="0"/>
+              </a:rPr>
+              <a:t> ;</a:t>
+            </a:r>
+            <a:br>
+              <a:rPr kumimoji="0" lang="en-US" altLang="en-US" sz="1400" b="0" i="0" u="none" strike="noStrike" cap="none" normalizeH="0" baseline="0" dirty="0" smtClean="0">
+                <a:ln>
+                  <a:noFill/>
+                </a:ln>
+                <a:solidFill>
+                  <a:srgbClr val="000000"/>
+                </a:solidFill>
+                <a:effectLst/>
+                <a:latin typeface="Courier New" panose="02070309020205020404" pitchFamily="49" charset="0"/>
+                <a:cs typeface="Courier New" panose="02070309020205020404" pitchFamily="49" charset="0"/>
+              </a:rPr>
+            </a:br>
+            <a:r>
+              <a:rPr kumimoji="0" lang="en-US" altLang="en-US" sz="1400" b="0" i="0" u="none" strike="noStrike" cap="none" normalizeH="0" baseline="0" dirty="0" smtClean="0">
+                <a:ln>
+                  <a:noFill/>
+                </a:ln>
+                <a:solidFill>
+                  <a:srgbClr val="000000"/>
+                </a:solidFill>
+                <a:effectLst/>
+                <a:latin typeface="Courier New" panose="02070309020205020404" pitchFamily="49" charset="0"/>
+                <a:cs typeface="Courier New" panose="02070309020205020404" pitchFamily="49" charset="0"/>
+              </a:rPr>
+              <a:t>  </a:t>
+            </a:r>
+            <a:r>
+              <a:rPr kumimoji="0" lang="en-US" altLang="en-US" sz="1400" b="0" i="0" u="none" strike="noStrike" cap="none" normalizeH="0" baseline="0" dirty="0" err="1" smtClean="0">
+                <a:ln>
+                  <a:noFill/>
+                </a:ln>
+                <a:solidFill>
+                  <a:srgbClr val="000000"/>
+                </a:solidFill>
+                <a:effectLst/>
+                <a:latin typeface="Courier New" panose="02070309020205020404" pitchFamily="49" charset="0"/>
+                <a:cs typeface="Courier New" panose="02070309020205020404" pitchFamily="49" charset="0"/>
+              </a:rPr>
+              <a:t>dbp:name</a:t>
+            </a:r>
+            <a:r>
+              <a:rPr kumimoji="0" lang="en-US" altLang="en-US" sz="1400" b="0" i="0" u="none" strike="noStrike" cap="none" normalizeH="0" baseline="0" dirty="0" smtClean="0">
+                <a:ln>
+                  <a:noFill/>
+                </a:ln>
+                <a:solidFill>
+                  <a:srgbClr val="000000"/>
+                </a:solidFill>
+                <a:effectLst/>
+                <a:latin typeface="Courier New" panose="02070309020205020404" pitchFamily="49" charset="0"/>
+                <a:cs typeface="Courier New" panose="02070309020205020404" pitchFamily="49" charset="0"/>
+              </a:rPr>
+              <a:t> ?name .</a:t>
+            </a:r>
+            <a:br>
+              <a:rPr kumimoji="0" lang="en-US" altLang="en-US" sz="1400" b="0" i="0" u="none" strike="noStrike" cap="none" normalizeH="0" baseline="0" dirty="0" smtClean="0">
+                <a:ln>
+                  <a:noFill/>
+                </a:ln>
+                <a:solidFill>
+                  <a:srgbClr val="000000"/>
+                </a:solidFill>
+                <a:effectLst/>
+                <a:latin typeface="Courier New" panose="02070309020205020404" pitchFamily="49" charset="0"/>
+                <a:cs typeface="Courier New" panose="02070309020205020404" pitchFamily="49" charset="0"/>
+              </a:rPr>
+            </a:br>
+            <a:r>
+              <a:rPr kumimoji="0" lang="en-US" altLang="en-US" sz="1400" b="0" i="0" u="none" strike="noStrike" cap="none" normalizeH="0" baseline="0" dirty="0" smtClean="0">
+                <a:ln>
+                  <a:noFill/>
+                </a:ln>
+                <a:solidFill>
+                  <a:srgbClr val="000000"/>
+                </a:solidFill>
+                <a:effectLst/>
+                <a:latin typeface="Courier New" panose="02070309020205020404" pitchFamily="49" charset="0"/>
+                <a:cs typeface="Courier New" panose="02070309020205020404" pitchFamily="49" charset="0"/>
+              </a:rPr>
+              <a:t>}</a:t>
+            </a:r>
+            <a:endParaRPr kumimoji="0" lang="en-US" altLang="en-US" sz="1400" b="0" i="0" u="none" strike="noStrike" cap="none" normalizeH="0" baseline="0" dirty="0" smtClean="0">
+              <a:ln>
+                <a:noFill/>
+              </a:ln>
+              <a:solidFill>
+                <a:schemeClr val="tx1"/>
+              </a:solidFill>
+              <a:effectLst/>
+              <a:latin typeface="Arial" panose="020B0604020202020204" pitchFamily="34" charset="0"/>
+            </a:endParaRPr>
+          </a:p>
+        </p:txBody>
+      </p:sp>
+      <p:sp>
+        <p:nvSpPr>
+          <p:cNvPr id="6" name="Rectangle 3"/>
+          <p:cNvSpPr>
+            <a:spLocks noGrp="1" noChangeArrowheads="1"/>
+          </p:cNvSpPr>
+          <p:nvPr>
+            <p:ph sz="half" idx="2"/>
+          </p:nvPr>
+        </p:nvSpPr>
+        <p:spPr bwMode="auto">
+          <a:xfrm>
+            <a:off x="6894513" y="3144188"/>
+            <a:ext cx="2639146" cy="2169825"/>
+          </a:xfrm>
+          <a:prstGeom prst="rect">
+            <a:avLst/>
+          </a:prstGeom>
+          <a:noFill/>
+          <a:ln>
+            <a:noFill/>
+          </a:ln>
+          <a:effectLst/>
+        </p:spPr>
+        <p:txBody>
+          <a:bodyPr vert="horz" wrap="square" lIns="91440" tIns="45720" rIns="91440" bIns="45720" numCol="1" anchor="ctr" anchorCtr="0" compatLnSpc="1">
+            <a:prstTxWarp prst="textNoShape">
+              <a:avLst/>
+            </a:prstTxWarp>
+            <a:spAutoFit/>
+          </a:bodyPr>
+          <a:lstStyle/>
+          <a:p>
+            <a:pPr marL="0" lvl="0" indent="0" defTabSz="914400" eaLnBrk="0" fontAlgn="base" hangingPunct="0">
+              <a:spcBef>
+                <a:spcPct val="0"/>
+              </a:spcBef>
+              <a:spcAft>
+                <a:spcPct val="0"/>
+              </a:spcAft>
+              <a:buClrTx/>
+              <a:buSzTx/>
+              <a:buNone/>
+            </a:pPr>
+            <a:r>
+              <a:rPr kumimoji="0" lang="en-US" altLang="en-US" sz="900" b="0" i="0" u="none" strike="noStrike" cap="none" normalizeH="0" baseline="0" dirty="0" smtClean="0">
+                <a:ln>
+                  <a:noFill/>
+                </a:ln>
+                <a:solidFill>
+                  <a:srgbClr val="000000"/>
+                </a:solidFill>
+                <a:effectLst/>
+                <a:latin typeface="Courier New" panose="02070309020205020404" pitchFamily="49" charset="0"/>
+                <a:cs typeface="Courier New" panose="02070309020205020404" pitchFamily="49" charset="0"/>
+              </a:rPr>
+              <a:t>--------------------------------</a:t>
+            </a:r>
+            <a:br>
+              <a:rPr kumimoji="0" lang="en-US" altLang="en-US" sz="900" b="0" i="0" u="none" strike="noStrike" cap="none" normalizeH="0" baseline="0" dirty="0" smtClean="0">
+                <a:ln>
+                  <a:noFill/>
+                </a:ln>
+                <a:solidFill>
+                  <a:srgbClr val="000000"/>
+                </a:solidFill>
+                <a:effectLst/>
+                <a:latin typeface="Courier New" panose="02070309020205020404" pitchFamily="49" charset="0"/>
+                <a:cs typeface="Courier New" panose="02070309020205020404" pitchFamily="49" charset="0"/>
+              </a:rPr>
+            </a:br>
+            <a:r>
+              <a:rPr kumimoji="0" lang="en-US" altLang="en-US" sz="900" b="0" i="0" u="none" strike="noStrike" cap="none" normalizeH="0" baseline="0" dirty="0" smtClean="0">
+                <a:ln>
+                  <a:noFill/>
+                </a:ln>
+                <a:solidFill>
+                  <a:srgbClr val="000000"/>
+                </a:solidFill>
+                <a:effectLst/>
+                <a:latin typeface="Courier New" panose="02070309020205020404" pitchFamily="49" charset="0"/>
+                <a:cs typeface="Courier New" panose="02070309020205020404" pitchFamily="49" charset="0"/>
+              </a:rPr>
+              <a:t>| name                         |</a:t>
+            </a:r>
+            <a:br>
+              <a:rPr kumimoji="0" lang="en-US" altLang="en-US" sz="900" b="0" i="0" u="none" strike="noStrike" cap="none" normalizeH="0" baseline="0" dirty="0" smtClean="0">
+                <a:ln>
+                  <a:noFill/>
+                </a:ln>
+                <a:solidFill>
+                  <a:srgbClr val="000000"/>
+                </a:solidFill>
+                <a:effectLst/>
+                <a:latin typeface="Courier New" panose="02070309020205020404" pitchFamily="49" charset="0"/>
+                <a:cs typeface="Courier New" panose="02070309020205020404" pitchFamily="49" charset="0"/>
+              </a:rPr>
+            </a:br>
+            <a:r>
+              <a:rPr kumimoji="0" lang="en-US" altLang="en-US" sz="900" b="0" i="0" u="none" strike="noStrike" cap="none" normalizeH="0" baseline="0" dirty="0" smtClean="0">
+                <a:ln>
+                  <a:noFill/>
+                </a:ln>
+                <a:solidFill>
+                  <a:srgbClr val="000000"/>
+                </a:solidFill>
+                <a:effectLst/>
+                <a:latin typeface="Courier New" panose="02070309020205020404" pitchFamily="49" charset="0"/>
+                <a:cs typeface="Courier New" panose="02070309020205020404" pitchFamily="49" charset="0"/>
+              </a:rPr>
+              <a:t>================================</a:t>
+            </a:r>
+            <a:br>
+              <a:rPr kumimoji="0" lang="en-US" altLang="en-US" sz="900" b="0" i="0" u="none" strike="noStrike" cap="none" normalizeH="0" baseline="0" dirty="0" smtClean="0">
+                <a:ln>
+                  <a:noFill/>
+                </a:ln>
+                <a:solidFill>
+                  <a:srgbClr val="000000"/>
+                </a:solidFill>
+                <a:effectLst/>
+                <a:latin typeface="Courier New" panose="02070309020205020404" pitchFamily="49" charset="0"/>
+                <a:cs typeface="Courier New" panose="02070309020205020404" pitchFamily="49" charset="0"/>
+              </a:rPr>
+            </a:br>
+            <a:r>
+              <a:rPr kumimoji="0" lang="en-US" altLang="en-US" sz="900" b="0" i="0" u="none" strike="noStrike" cap="none" normalizeH="0" baseline="0" dirty="0" smtClean="0">
+                <a:ln>
+                  <a:noFill/>
+                </a:ln>
+                <a:solidFill>
+                  <a:srgbClr val="000000"/>
+                </a:solidFill>
+                <a:effectLst/>
+                <a:latin typeface="Courier New" panose="02070309020205020404" pitchFamily="49" charset="0"/>
+                <a:cs typeface="Courier New" panose="02070309020205020404" pitchFamily="49" charset="0"/>
+              </a:rPr>
+              <a:t>| "</a:t>
+            </a:r>
+            <a:r>
+              <a:rPr kumimoji="0" lang="en-US" altLang="en-US" sz="900" b="0" i="0" u="none" strike="noStrike" cap="none" normalizeH="0" baseline="0" dirty="0" err="1" smtClean="0">
+                <a:ln>
+                  <a:noFill/>
+                </a:ln>
+                <a:solidFill>
+                  <a:srgbClr val="000000"/>
+                </a:solidFill>
+                <a:effectLst/>
+                <a:latin typeface="Courier New" panose="02070309020205020404" pitchFamily="49" charset="0"/>
+                <a:cs typeface="Courier New" panose="02070309020205020404" pitchFamily="49" charset="0"/>
+              </a:rPr>
+              <a:t>Lindt</a:t>
+            </a:r>
+            <a:r>
+              <a:rPr kumimoji="0" lang="en-US" altLang="en-US" sz="900" b="0" i="0" u="none" strike="noStrike" cap="none" normalizeH="0" baseline="0" dirty="0" smtClean="0">
+                <a:ln>
+                  <a:noFill/>
+                </a:ln>
+                <a:solidFill>
+                  <a:srgbClr val="000000"/>
+                </a:solidFill>
+                <a:effectLst/>
+                <a:latin typeface="Courier New" panose="02070309020205020404" pitchFamily="49" charset="0"/>
+                <a:cs typeface="Courier New" panose="02070309020205020404" pitchFamily="49" charset="0"/>
+              </a:rPr>
+              <a:t>, </a:t>
+            </a:r>
+            <a:r>
+              <a:rPr kumimoji="0" lang="en-US" altLang="en-US" sz="900" b="0" i="0" u="none" strike="noStrike" cap="none" normalizeH="0" baseline="0" dirty="0" err="1" smtClean="0">
+                <a:ln>
+                  <a:noFill/>
+                </a:ln>
+                <a:solidFill>
+                  <a:srgbClr val="000000"/>
+                </a:solidFill>
+                <a:effectLst/>
+                <a:latin typeface="Courier New" panose="02070309020205020404" pitchFamily="49" charset="0"/>
+                <a:cs typeface="Courier New" panose="02070309020205020404" pitchFamily="49" charset="0"/>
+              </a:rPr>
+              <a:t>Rodolphe</a:t>
+            </a:r>
+            <a:r>
+              <a:rPr kumimoji="0" lang="en-US" altLang="en-US" sz="900" b="0" i="0" u="none" strike="noStrike" cap="none" normalizeH="0" baseline="0" dirty="0" smtClean="0">
+                <a:ln>
+                  <a:noFill/>
+                </a:ln>
+                <a:solidFill>
+                  <a:srgbClr val="000000"/>
+                </a:solidFill>
+                <a:effectLst/>
+                <a:latin typeface="Courier New" panose="02070309020205020404" pitchFamily="49" charset="0"/>
+                <a:cs typeface="Courier New" panose="02070309020205020404" pitchFamily="49" charset="0"/>
+              </a:rPr>
+              <a:t>"@</a:t>
+            </a:r>
+            <a:r>
+              <a:rPr kumimoji="0" lang="en-US" altLang="en-US" sz="900" b="0" i="0" u="none" strike="noStrike" cap="none" normalizeH="0" baseline="0" dirty="0" err="1" smtClean="0">
+                <a:ln>
+                  <a:noFill/>
+                </a:ln>
+                <a:solidFill>
+                  <a:srgbClr val="000000"/>
+                </a:solidFill>
+                <a:effectLst/>
+                <a:latin typeface="Courier New" panose="02070309020205020404" pitchFamily="49" charset="0"/>
+                <a:cs typeface="Courier New" panose="02070309020205020404" pitchFamily="49" charset="0"/>
+              </a:rPr>
+              <a:t>en</a:t>
+            </a:r>
+            <a:r>
+              <a:rPr kumimoji="0" lang="en-US" altLang="en-US" sz="900" b="0" i="0" u="none" strike="noStrike" cap="none" normalizeH="0" baseline="0" dirty="0" smtClean="0">
+                <a:ln>
+                  <a:noFill/>
+                </a:ln>
+                <a:solidFill>
+                  <a:srgbClr val="000000"/>
+                </a:solidFill>
+                <a:effectLst/>
+                <a:latin typeface="Courier New" panose="02070309020205020404" pitchFamily="49" charset="0"/>
+                <a:cs typeface="Courier New" panose="02070309020205020404" pitchFamily="49" charset="0"/>
+              </a:rPr>
+              <a:t>         |</a:t>
+            </a:r>
+            <a:br>
+              <a:rPr kumimoji="0" lang="en-US" altLang="en-US" sz="900" b="0" i="0" u="none" strike="noStrike" cap="none" normalizeH="0" baseline="0" dirty="0" smtClean="0">
+                <a:ln>
+                  <a:noFill/>
+                </a:ln>
+                <a:solidFill>
+                  <a:srgbClr val="000000"/>
+                </a:solidFill>
+                <a:effectLst/>
+                <a:latin typeface="Courier New" panose="02070309020205020404" pitchFamily="49" charset="0"/>
+                <a:cs typeface="Courier New" panose="02070309020205020404" pitchFamily="49" charset="0"/>
+              </a:rPr>
+            </a:br>
+            <a:r>
+              <a:rPr kumimoji="0" lang="en-US" altLang="en-US" sz="900" b="0" i="0" u="none" strike="noStrike" cap="none" normalizeH="0" baseline="0" dirty="0" smtClean="0">
+                <a:ln>
+                  <a:noFill/>
+                </a:ln>
+                <a:solidFill>
+                  <a:srgbClr val="000000"/>
+                </a:solidFill>
+                <a:effectLst/>
+                <a:latin typeface="Courier New" panose="02070309020205020404" pitchFamily="49" charset="0"/>
+                <a:cs typeface="Courier New" panose="02070309020205020404" pitchFamily="49" charset="0"/>
+              </a:rPr>
+              <a:t>| "Sigmund </a:t>
+            </a:r>
+            <a:r>
+              <a:rPr kumimoji="0" lang="en-US" altLang="en-US" sz="900" b="0" i="0" u="none" strike="noStrike" cap="none" normalizeH="0" baseline="0" dirty="0" err="1" smtClean="0">
+                <a:ln>
+                  <a:noFill/>
+                </a:ln>
+                <a:solidFill>
+                  <a:srgbClr val="000000"/>
+                </a:solidFill>
+                <a:effectLst/>
+                <a:latin typeface="Courier New" panose="02070309020205020404" pitchFamily="49" charset="0"/>
+                <a:cs typeface="Courier New" panose="02070309020205020404" pitchFamily="49" charset="0"/>
+              </a:rPr>
+              <a:t>Freudenberger</a:t>
+            </a:r>
+            <a:r>
+              <a:rPr kumimoji="0" lang="en-US" altLang="en-US" sz="900" b="0" i="0" u="none" strike="noStrike" cap="none" normalizeH="0" baseline="0" dirty="0" smtClean="0">
+                <a:ln>
+                  <a:noFill/>
+                </a:ln>
+                <a:solidFill>
+                  <a:srgbClr val="000000"/>
+                </a:solidFill>
+                <a:effectLst/>
+                <a:latin typeface="Courier New" panose="02070309020205020404" pitchFamily="49" charset="0"/>
+                <a:cs typeface="Courier New" panose="02070309020205020404" pitchFamily="49" charset="0"/>
+              </a:rPr>
+              <a:t>"@</a:t>
+            </a:r>
+            <a:r>
+              <a:rPr kumimoji="0" lang="en-US" altLang="en-US" sz="900" b="0" i="0" u="none" strike="noStrike" cap="none" normalizeH="0" baseline="0" dirty="0" err="1" smtClean="0">
+                <a:ln>
+                  <a:noFill/>
+                </a:ln>
+                <a:solidFill>
+                  <a:srgbClr val="000000"/>
+                </a:solidFill>
+                <a:effectLst/>
+                <a:latin typeface="Courier New" panose="02070309020205020404" pitchFamily="49" charset="0"/>
+                <a:cs typeface="Courier New" panose="02070309020205020404" pitchFamily="49" charset="0"/>
+              </a:rPr>
+              <a:t>en</a:t>
+            </a:r>
+            <a:r>
+              <a:rPr kumimoji="0" lang="en-US" altLang="en-US" sz="900" b="0" i="0" u="none" strike="noStrike" cap="none" normalizeH="0" baseline="0" dirty="0" smtClean="0">
+                <a:ln>
+                  <a:noFill/>
+                </a:ln>
+                <a:solidFill>
+                  <a:srgbClr val="000000"/>
+                </a:solidFill>
+                <a:effectLst/>
+                <a:latin typeface="Courier New" panose="02070309020205020404" pitchFamily="49" charset="0"/>
+                <a:cs typeface="Courier New" panose="02070309020205020404" pitchFamily="49" charset="0"/>
+              </a:rPr>
+              <a:t>   |</a:t>
+            </a:r>
+            <a:br>
+              <a:rPr kumimoji="0" lang="en-US" altLang="en-US" sz="900" b="0" i="0" u="none" strike="noStrike" cap="none" normalizeH="0" baseline="0" dirty="0" smtClean="0">
+                <a:ln>
+                  <a:noFill/>
+                </a:ln>
+                <a:solidFill>
+                  <a:srgbClr val="000000"/>
+                </a:solidFill>
+                <a:effectLst/>
+                <a:latin typeface="Courier New" panose="02070309020205020404" pitchFamily="49" charset="0"/>
+                <a:cs typeface="Courier New" panose="02070309020205020404" pitchFamily="49" charset="0"/>
+              </a:rPr>
+            </a:br>
+            <a:r>
+              <a:rPr kumimoji="0" lang="en-US" altLang="en-US" sz="900" b="0" i="0" u="none" strike="noStrike" cap="none" normalizeH="0" baseline="0" dirty="0" smtClean="0">
+                <a:ln>
+                  <a:noFill/>
+                </a:ln>
+                <a:solidFill>
+                  <a:srgbClr val="000000"/>
+                </a:solidFill>
+                <a:effectLst/>
+                <a:latin typeface="Courier New" panose="02070309020205020404" pitchFamily="49" charset="0"/>
+                <a:cs typeface="Courier New" panose="02070309020205020404" pitchFamily="49" charset="0"/>
+              </a:rPr>
+              <a:t>| "</a:t>
+            </a:r>
+            <a:r>
+              <a:rPr kumimoji="0" lang="en-US" altLang="en-US" sz="900" b="0" i="0" u="none" strike="noStrike" cap="none" normalizeH="0" baseline="0" dirty="0" err="1" smtClean="0">
+                <a:ln>
+                  <a:noFill/>
+                </a:ln>
+                <a:solidFill>
+                  <a:srgbClr val="000000"/>
+                </a:solidFill>
+                <a:effectLst/>
+                <a:latin typeface="Courier New" panose="02070309020205020404" pitchFamily="49" charset="0"/>
+                <a:cs typeface="Courier New" panose="02070309020205020404" pitchFamily="49" charset="0"/>
+              </a:rPr>
+              <a:t>Freudenberger</a:t>
+            </a:r>
+            <a:r>
+              <a:rPr kumimoji="0" lang="en-US" altLang="en-US" sz="900" b="0" i="0" u="none" strike="noStrike" cap="none" normalizeH="0" baseline="0" dirty="0" smtClean="0">
+                <a:ln>
+                  <a:noFill/>
+                </a:ln>
+                <a:solidFill>
+                  <a:srgbClr val="000000"/>
+                </a:solidFill>
+                <a:effectLst/>
+                <a:latin typeface="Courier New" panose="02070309020205020404" pitchFamily="49" charset="0"/>
+                <a:cs typeface="Courier New" panose="02070309020205020404" pitchFamily="49" charset="0"/>
+              </a:rPr>
+              <a:t>, Sigmund"@</a:t>
+            </a:r>
+            <a:r>
+              <a:rPr kumimoji="0" lang="en-US" altLang="en-US" sz="900" b="0" i="0" u="none" strike="noStrike" cap="none" normalizeH="0" baseline="0" dirty="0" err="1" smtClean="0">
+                <a:ln>
+                  <a:noFill/>
+                </a:ln>
+                <a:solidFill>
+                  <a:srgbClr val="000000"/>
+                </a:solidFill>
+                <a:effectLst/>
+                <a:latin typeface="Courier New" panose="02070309020205020404" pitchFamily="49" charset="0"/>
+                <a:cs typeface="Courier New" panose="02070309020205020404" pitchFamily="49" charset="0"/>
+              </a:rPr>
+              <a:t>en</a:t>
+            </a:r>
+            <a:r>
+              <a:rPr kumimoji="0" lang="en-US" altLang="en-US" sz="900" b="0" i="0" u="none" strike="noStrike" cap="none" normalizeH="0" baseline="0" dirty="0" smtClean="0">
+                <a:ln>
+                  <a:noFill/>
+                </a:ln>
+                <a:solidFill>
+                  <a:srgbClr val="000000"/>
+                </a:solidFill>
+                <a:effectLst/>
+                <a:latin typeface="Courier New" panose="02070309020205020404" pitchFamily="49" charset="0"/>
+                <a:cs typeface="Courier New" panose="02070309020205020404" pitchFamily="49" charset="0"/>
+              </a:rPr>
+              <a:t>  |</a:t>
+            </a:r>
+            <a:br>
+              <a:rPr kumimoji="0" lang="en-US" altLang="en-US" sz="900" b="0" i="0" u="none" strike="noStrike" cap="none" normalizeH="0" baseline="0" dirty="0" smtClean="0">
+                <a:ln>
+                  <a:noFill/>
+                </a:ln>
+                <a:solidFill>
+                  <a:srgbClr val="000000"/>
+                </a:solidFill>
+                <a:effectLst/>
+                <a:latin typeface="Courier New" panose="02070309020205020404" pitchFamily="49" charset="0"/>
+                <a:cs typeface="Courier New" panose="02070309020205020404" pitchFamily="49" charset="0"/>
+              </a:rPr>
+            </a:br>
+            <a:r>
+              <a:rPr kumimoji="0" lang="en-US" altLang="en-US" sz="900" b="0" i="0" u="none" strike="noStrike" cap="none" normalizeH="0" baseline="0" dirty="0" smtClean="0">
+                <a:ln>
+                  <a:noFill/>
+                </a:ln>
+                <a:solidFill>
+                  <a:srgbClr val="000000"/>
+                </a:solidFill>
+                <a:effectLst/>
+                <a:latin typeface="Courier New" panose="02070309020205020404" pitchFamily="49" charset="0"/>
+                <a:cs typeface="Courier New" panose="02070309020205020404" pitchFamily="49" charset="0"/>
+              </a:rPr>
+              <a:t>| "Eduard Fischer"@</a:t>
+            </a:r>
+            <a:r>
+              <a:rPr kumimoji="0" lang="en-US" altLang="en-US" sz="900" b="0" i="0" u="none" strike="noStrike" cap="none" normalizeH="0" baseline="0" dirty="0" err="1" smtClean="0">
+                <a:ln>
+                  <a:noFill/>
+                </a:ln>
+                <a:solidFill>
+                  <a:srgbClr val="000000"/>
+                </a:solidFill>
+                <a:effectLst/>
+                <a:latin typeface="Courier New" panose="02070309020205020404" pitchFamily="49" charset="0"/>
+                <a:cs typeface="Courier New" panose="02070309020205020404" pitchFamily="49" charset="0"/>
+              </a:rPr>
+              <a:t>en</a:t>
+            </a:r>
+            <a:r>
+              <a:rPr kumimoji="0" lang="en-US" altLang="en-US" sz="900" b="0" i="0" u="none" strike="noStrike" cap="none" normalizeH="0" baseline="0" dirty="0" smtClean="0">
+                <a:ln>
+                  <a:noFill/>
+                </a:ln>
+                <a:solidFill>
+                  <a:srgbClr val="000000"/>
+                </a:solidFill>
+                <a:effectLst/>
+                <a:latin typeface="Courier New" panose="02070309020205020404" pitchFamily="49" charset="0"/>
+                <a:cs typeface="Courier New" panose="02070309020205020404" pitchFamily="49" charset="0"/>
+              </a:rPr>
+              <a:t>          |</a:t>
+            </a:r>
+            <a:br>
+              <a:rPr kumimoji="0" lang="en-US" altLang="en-US" sz="900" b="0" i="0" u="none" strike="noStrike" cap="none" normalizeH="0" baseline="0" dirty="0" smtClean="0">
+                <a:ln>
+                  <a:noFill/>
+                </a:ln>
+                <a:solidFill>
+                  <a:srgbClr val="000000"/>
+                </a:solidFill>
+                <a:effectLst/>
+                <a:latin typeface="Courier New" panose="02070309020205020404" pitchFamily="49" charset="0"/>
+                <a:cs typeface="Courier New" panose="02070309020205020404" pitchFamily="49" charset="0"/>
+              </a:rPr>
+            </a:br>
+            <a:r>
+              <a:rPr kumimoji="0" lang="en-US" altLang="en-US" sz="900" b="0" i="0" u="none" strike="noStrike" cap="none" normalizeH="0" baseline="0" dirty="0" smtClean="0">
+                <a:ln>
+                  <a:noFill/>
+                </a:ln>
+                <a:solidFill>
+                  <a:srgbClr val="000000"/>
+                </a:solidFill>
+                <a:effectLst/>
+                <a:latin typeface="Courier New" panose="02070309020205020404" pitchFamily="49" charset="0"/>
+                <a:cs typeface="Courier New" panose="02070309020205020404" pitchFamily="49" charset="0"/>
+              </a:rPr>
+              <a:t>| "Fischer, Eduard"@</a:t>
+            </a:r>
+            <a:r>
+              <a:rPr kumimoji="0" lang="en-US" altLang="en-US" sz="900" b="0" i="0" u="none" strike="noStrike" cap="none" normalizeH="0" baseline="0" dirty="0" err="1" smtClean="0">
+                <a:ln>
+                  <a:noFill/>
+                </a:ln>
+                <a:solidFill>
+                  <a:srgbClr val="000000"/>
+                </a:solidFill>
+                <a:effectLst/>
+                <a:latin typeface="Courier New" panose="02070309020205020404" pitchFamily="49" charset="0"/>
+                <a:cs typeface="Courier New" panose="02070309020205020404" pitchFamily="49" charset="0"/>
+              </a:rPr>
+              <a:t>en</a:t>
+            </a:r>
+            <a:r>
+              <a:rPr kumimoji="0" lang="en-US" altLang="en-US" sz="900" b="0" i="0" u="none" strike="noStrike" cap="none" normalizeH="0" baseline="0" dirty="0" smtClean="0">
+                <a:ln>
+                  <a:noFill/>
+                </a:ln>
+                <a:solidFill>
+                  <a:srgbClr val="000000"/>
+                </a:solidFill>
+                <a:effectLst/>
+                <a:latin typeface="Courier New" panose="02070309020205020404" pitchFamily="49" charset="0"/>
+                <a:cs typeface="Courier New" panose="02070309020205020404" pitchFamily="49" charset="0"/>
+              </a:rPr>
+              <a:t>         |</a:t>
+            </a:r>
+            <a:br>
+              <a:rPr kumimoji="0" lang="en-US" altLang="en-US" sz="900" b="0" i="0" u="none" strike="noStrike" cap="none" normalizeH="0" baseline="0" dirty="0" smtClean="0">
+                <a:ln>
+                  <a:noFill/>
+                </a:ln>
+                <a:solidFill>
+                  <a:srgbClr val="000000"/>
+                </a:solidFill>
+                <a:effectLst/>
+                <a:latin typeface="Courier New" panose="02070309020205020404" pitchFamily="49" charset="0"/>
+                <a:cs typeface="Courier New" panose="02070309020205020404" pitchFamily="49" charset="0"/>
+              </a:rPr>
+            </a:br>
+            <a:r>
+              <a:rPr kumimoji="0" lang="en-US" altLang="en-US" sz="900" b="0" i="0" u="none" strike="noStrike" cap="none" normalizeH="0" baseline="0" dirty="0" smtClean="0">
+                <a:ln>
+                  <a:noFill/>
+                </a:ln>
+                <a:solidFill>
+                  <a:srgbClr val="000000"/>
+                </a:solidFill>
+                <a:effectLst/>
+                <a:latin typeface="Courier New" panose="02070309020205020404" pitchFamily="49" charset="0"/>
+                <a:cs typeface="Courier New" panose="02070309020205020404" pitchFamily="49" charset="0"/>
+              </a:rPr>
+              <a:t>| "</a:t>
+            </a:r>
+            <a:r>
+              <a:rPr kumimoji="0" lang="en-US" altLang="en-US" sz="900" b="0" i="0" u="none" strike="noStrike" cap="none" normalizeH="0" baseline="0" dirty="0" err="1" smtClean="0">
+                <a:ln>
+                  <a:noFill/>
+                </a:ln>
+                <a:solidFill>
+                  <a:srgbClr val="000000"/>
+                </a:solidFill>
+                <a:effectLst/>
+                <a:latin typeface="Courier New" panose="02070309020205020404" pitchFamily="49" charset="0"/>
+                <a:cs typeface="Courier New" panose="02070309020205020404" pitchFamily="49" charset="0"/>
+              </a:rPr>
+              <a:t>Burkhard</a:t>
+            </a:r>
+            <a:r>
+              <a:rPr kumimoji="0" lang="en-US" altLang="en-US" sz="900" b="0" i="0" u="none" strike="noStrike" cap="none" normalizeH="0" baseline="0" dirty="0" smtClean="0">
+                <a:ln>
+                  <a:noFill/>
+                </a:ln>
+                <a:solidFill>
+                  <a:srgbClr val="000000"/>
+                </a:solidFill>
+                <a:effectLst/>
+                <a:latin typeface="Courier New" panose="02070309020205020404" pitchFamily="49" charset="0"/>
+                <a:cs typeface="Courier New" panose="02070309020205020404" pitchFamily="49" charset="0"/>
+              </a:rPr>
+              <a:t>, Balthasar"@</a:t>
+            </a:r>
+            <a:r>
+              <a:rPr kumimoji="0" lang="en-US" altLang="en-US" sz="900" b="0" i="0" u="none" strike="noStrike" cap="none" normalizeH="0" baseline="0" dirty="0" err="1" smtClean="0">
+                <a:ln>
+                  <a:noFill/>
+                </a:ln>
+                <a:solidFill>
+                  <a:srgbClr val="000000"/>
+                </a:solidFill>
+                <a:effectLst/>
+                <a:latin typeface="Courier New" panose="02070309020205020404" pitchFamily="49" charset="0"/>
+                <a:cs typeface="Courier New" panose="02070309020205020404" pitchFamily="49" charset="0"/>
+              </a:rPr>
+              <a:t>en</a:t>
+            </a:r>
+            <a:r>
+              <a:rPr kumimoji="0" lang="en-US" altLang="en-US" sz="900" b="0" i="0" u="none" strike="noStrike" cap="none" normalizeH="0" baseline="0" dirty="0" smtClean="0">
+                <a:ln>
+                  <a:noFill/>
+                </a:ln>
+                <a:solidFill>
+                  <a:srgbClr val="000000"/>
+                </a:solidFill>
+                <a:effectLst/>
+                <a:latin typeface="Courier New" panose="02070309020205020404" pitchFamily="49" charset="0"/>
+                <a:cs typeface="Courier New" panose="02070309020205020404" pitchFamily="49" charset="0"/>
+              </a:rPr>
+              <a:t>     |</a:t>
+            </a:r>
+            <a:br>
+              <a:rPr kumimoji="0" lang="en-US" altLang="en-US" sz="900" b="0" i="0" u="none" strike="noStrike" cap="none" normalizeH="0" baseline="0" dirty="0" smtClean="0">
+                <a:ln>
+                  <a:noFill/>
+                </a:ln>
+                <a:solidFill>
+                  <a:srgbClr val="000000"/>
+                </a:solidFill>
+                <a:effectLst/>
+                <a:latin typeface="Courier New" panose="02070309020205020404" pitchFamily="49" charset="0"/>
+                <a:cs typeface="Courier New" panose="02070309020205020404" pitchFamily="49" charset="0"/>
+              </a:rPr>
+            </a:br>
+            <a:r>
+              <a:rPr kumimoji="0" lang="en-US" altLang="en-US" sz="900" b="0" i="0" u="none" strike="noStrike" cap="none" normalizeH="0" baseline="0" dirty="0" smtClean="0">
+                <a:ln>
+                  <a:noFill/>
+                </a:ln>
+                <a:solidFill>
+                  <a:srgbClr val="000000"/>
+                </a:solidFill>
+                <a:effectLst/>
+                <a:latin typeface="Courier New" panose="02070309020205020404" pitchFamily="49" charset="0"/>
+                <a:cs typeface="Courier New" panose="02070309020205020404" pitchFamily="49" charset="0"/>
+              </a:rPr>
+              <a:t>| "</a:t>
+            </a:r>
+            <a:r>
+              <a:rPr kumimoji="0" lang="en-US" altLang="en-US" sz="900" b="0" i="0" u="none" strike="noStrike" cap="none" normalizeH="0" baseline="0" dirty="0" err="1" smtClean="0">
+                <a:ln>
+                  <a:noFill/>
+                </a:ln>
+                <a:solidFill>
+                  <a:srgbClr val="000000"/>
+                </a:solidFill>
+                <a:effectLst/>
+                <a:latin typeface="Courier New" panose="02070309020205020404" pitchFamily="49" charset="0"/>
+                <a:cs typeface="Courier New" panose="02070309020205020404" pitchFamily="49" charset="0"/>
+              </a:rPr>
+              <a:t>Kurz</a:t>
+            </a:r>
+            <a:r>
+              <a:rPr kumimoji="0" lang="en-US" altLang="en-US" sz="900" b="0" i="0" u="none" strike="noStrike" cap="none" normalizeH="0" baseline="0" dirty="0" smtClean="0">
+                <a:ln>
+                  <a:noFill/>
+                </a:ln>
+                <a:solidFill>
+                  <a:srgbClr val="000000"/>
+                </a:solidFill>
+                <a:effectLst/>
+                <a:latin typeface="Courier New" panose="02070309020205020404" pitchFamily="49" charset="0"/>
+                <a:cs typeface="Courier New" panose="02070309020205020404" pitchFamily="49" charset="0"/>
+              </a:rPr>
+              <a:t>, Rudolf Friedrich"@</a:t>
+            </a:r>
+            <a:r>
+              <a:rPr kumimoji="0" lang="en-US" altLang="en-US" sz="900" b="0" i="0" u="none" strike="noStrike" cap="none" normalizeH="0" baseline="0" dirty="0" err="1" smtClean="0">
+                <a:ln>
+                  <a:noFill/>
+                </a:ln>
+                <a:solidFill>
+                  <a:srgbClr val="000000"/>
+                </a:solidFill>
+                <a:effectLst/>
+                <a:latin typeface="Courier New" panose="02070309020205020404" pitchFamily="49" charset="0"/>
+                <a:cs typeface="Courier New" panose="02070309020205020404" pitchFamily="49" charset="0"/>
+              </a:rPr>
+              <a:t>en</a:t>
+            </a:r>
+            <a:r>
+              <a:rPr kumimoji="0" lang="en-US" altLang="en-US" sz="900" b="0" i="0" u="none" strike="noStrike" cap="none" normalizeH="0" baseline="0" dirty="0" smtClean="0">
+                <a:ln>
+                  <a:noFill/>
+                </a:ln>
+                <a:solidFill>
+                  <a:srgbClr val="000000"/>
+                </a:solidFill>
+                <a:effectLst/>
+                <a:latin typeface="Courier New" panose="02070309020205020404" pitchFamily="49" charset="0"/>
+                <a:cs typeface="Courier New" panose="02070309020205020404" pitchFamily="49" charset="0"/>
+              </a:rPr>
+              <a:t>  |</a:t>
+            </a:r>
+            <a:br>
+              <a:rPr kumimoji="0" lang="en-US" altLang="en-US" sz="900" b="0" i="0" u="none" strike="noStrike" cap="none" normalizeH="0" baseline="0" dirty="0" smtClean="0">
+                <a:ln>
+                  <a:noFill/>
+                </a:ln>
+                <a:solidFill>
+                  <a:srgbClr val="000000"/>
+                </a:solidFill>
+                <a:effectLst/>
+                <a:latin typeface="Courier New" panose="02070309020205020404" pitchFamily="49" charset="0"/>
+                <a:cs typeface="Courier New" panose="02070309020205020404" pitchFamily="49" charset="0"/>
+              </a:rPr>
+            </a:br>
+            <a:r>
+              <a:rPr kumimoji="0" lang="en-US" altLang="en-US" sz="900" b="0" i="0" u="none" strike="noStrike" cap="none" normalizeH="0" baseline="0" dirty="0" smtClean="0">
+                <a:ln>
+                  <a:noFill/>
+                </a:ln>
+                <a:solidFill>
+                  <a:srgbClr val="000000"/>
+                </a:solidFill>
+                <a:effectLst/>
+                <a:latin typeface="Courier New" panose="02070309020205020404" pitchFamily="49" charset="0"/>
+                <a:cs typeface="Courier New" panose="02070309020205020404" pitchFamily="49" charset="0"/>
+              </a:rPr>
+              <a:t>| "Rudolph </a:t>
+            </a:r>
+            <a:r>
+              <a:rPr kumimoji="0" lang="en-US" altLang="en-US" sz="900" b="0" i="0" u="none" strike="noStrike" cap="none" normalizeH="0" baseline="0" dirty="0" err="1" smtClean="0">
+                <a:ln>
+                  <a:noFill/>
+                </a:ln>
+                <a:solidFill>
+                  <a:srgbClr val="000000"/>
+                </a:solidFill>
+                <a:effectLst/>
+                <a:latin typeface="Courier New" panose="02070309020205020404" pitchFamily="49" charset="0"/>
+                <a:cs typeface="Courier New" panose="02070309020205020404" pitchFamily="49" charset="0"/>
+              </a:rPr>
+              <a:t>Friederich</a:t>
+            </a:r>
+            <a:r>
+              <a:rPr kumimoji="0" lang="en-US" altLang="en-US" sz="900" b="0" i="0" u="none" strike="noStrike" cap="none" normalizeH="0" baseline="0" dirty="0" smtClean="0">
+                <a:ln>
+                  <a:noFill/>
+                </a:ln>
+                <a:solidFill>
+                  <a:srgbClr val="000000"/>
+                </a:solidFill>
+                <a:effectLst/>
+                <a:latin typeface="Courier New" panose="02070309020205020404" pitchFamily="49" charset="0"/>
+                <a:cs typeface="Courier New" panose="02070309020205020404" pitchFamily="49" charset="0"/>
+              </a:rPr>
+              <a:t> </a:t>
+            </a:r>
+            <a:r>
+              <a:rPr kumimoji="0" lang="en-US" altLang="en-US" sz="900" b="0" i="0" u="none" strike="noStrike" cap="none" normalizeH="0" baseline="0" dirty="0" err="1" smtClean="0">
+                <a:ln>
+                  <a:noFill/>
+                </a:ln>
+                <a:solidFill>
+                  <a:srgbClr val="000000"/>
+                </a:solidFill>
+                <a:effectLst/>
+                <a:latin typeface="Courier New" panose="02070309020205020404" pitchFamily="49" charset="0"/>
+                <a:cs typeface="Courier New" panose="02070309020205020404" pitchFamily="49" charset="0"/>
+              </a:rPr>
+              <a:t>Kurz</a:t>
+            </a:r>
+            <a:r>
+              <a:rPr kumimoji="0" lang="en-US" altLang="en-US" sz="900" b="0" i="0" u="none" strike="noStrike" cap="none" normalizeH="0" baseline="0" dirty="0" smtClean="0">
+                <a:ln>
+                  <a:noFill/>
+                </a:ln>
+                <a:solidFill>
+                  <a:srgbClr val="000000"/>
+                </a:solidFill>
+                <a:effectLst/>
+                <a:latin typeface="Courier New" panose="02070309020205020404" pitchFamily="49" charset="0"/>
+                <a:cs typeface="Courier New" panose="02070309020205020404" pitchFamily="49" charset="0"/>
+              </a:rPr>
+              <a:t>"@</a:t>
+            </a:r>
+            <a:r>
+              <a:rPr kumimoji="0" lang="en-US" altLang="en-US" sz="900" b="0" i="0" u="none" strike="noStrike" cap="none" normalizeH="0" baseline="0" dirty="0" err="1" smtClean="0">
+                <a:ln>
+                  <a:noFill/>
+                </a:ln>
+                <a:solidFill>
+                  <a:srgbClr val="000000"/>
+                </a:solidFill>
+                <a:effectLst/>
+                <a:latin typeface="Courier New" panose="02070309020205020404" pitchFamily="49" charset="0"/>
+                <a:cs typeface="Courier New" panose="02070309020205020404" pitchFamily="49" charset="0"/>
+              </a:rPr>
+              <a:t>en</a:t>
+            </a:r>
+            <a:r>
+              <a:rPr kumimoji="0" lang="en-US" altLang="en-US" sz="900" b="0" i="0" u="none" strike="noStrike" cap="none" normalizeH="0" baseline="0" dirty="0" smtClean="0">
+                <a:ln>
+                  <a:noFill/>
+                </a:ln>
+                <a:solidFill>
+                  <a:srgbClr val="000000"/>
+                </a:solidFill>
+                <a:effectLst/>
+                <a:latin typeface="Courier New" panose="02070309020205020404" pitchFamily="49" charset="0"/>
+                <a:cs typeface="Courier New" panose="02070309020205020404" pitchFamily="49" charset="0"/>
+              </a:rPr>
+              <a:t> |</a:t>
+            </a:r>
+            <a:br>
+              <a:rPr kumimoji="0" lang="en-US" altLang="en-US" sz="900" b="0" i="0" u="none" strike="noStrike" cap="none" normalizeH="0" baseline="0" dirty="0" smtClean="0">
+                <a:ln>
+                  <a:noFill/>
+                </a:ln>
+                <a:solidFill>
+                  <a:srgbClr val="000000"/>
+                </a:solidFill>
+                <a:effectLst/>
+                <a:latin typeface="Courier New" panose="02070309020205020404" pitchFamily="49" charset="0"/>
+                <a:cs typeface="Courier New" panose="02070309020205020404" pitchFamily="49" charset="0"/>
+              </a:rPr>
+            </a:br>
+            <a:r>
+              <a:rPr kumimoji="0" lang="en-US" altLang="en-US" sz="900" b="0" i="0" u="none" strike="noStrike" cap="none" normalizeH="0" baseline="0" dirty="0" smtClean="0">
+                <a:ln>
+                  <a:noFill/>
+                </a:ln>
+                <a:solidFill>
+                  <a:srgbClr val="000000"/>
+                </a:solidFill>
+                <a:effectLst/>
+                <a:latin typeface="Courier New" panose="02070309020205020404" pitchFamily="49" charset="0"/>
+                <a:cs typeface="Courier New" panose="02070309020205020404" pitchFamily="49" charset="0"/>
+              </a:rPr>
+              <a:t>| "Johann Rudolf Wyss"@</a:t>
+            </a:r>
+            <a:r>
+              <a:rPr kumimoji="0" lang="en-US" altLang="en-US" sz="900" b="0" i="0" u="none" strike="noStrike" cap="none" normalizeH="0" baseline="0" dirty="0" err="1" smtClean="0">
+                <a:ln>
+                  <a:noFill/>
+                </a:ln>
+                <a:solidFill>
+                  <a:srgbClr val="000000"/>
+                </a:solidFill>
+                <a:effectLst/>
+                <a:latin typeface="Courier New" panose="02070309020205020404" pitchFamily="49" charset="0"/>
+                <a:cs typeface="Courier New" panose="02070309020205020404" pitchFamily="49" charset="0"/>
+              </a:rPr>
+              <a:t>en</a:t>
+            </a:r>
+            <a:r>
+              <a:rPr kumimoji="0" lang="en-US" altLang="en-US" sz="900" b="0" i="0" u="none" strike="noStrike" cap="none" normalizeH="0" baseline="0" dirty="0" smtClean="0">
+                <a:ln>
+                  <a:noFill/>
+                </a:ln>
+                <a:solidFill>
+                  <a:srgbClr val="000000"/>
+                </a:solidFill>
+                <a:effectLst/>
+                <a:latin typeface="Courier New" panose="02070309020205020404" pitchFamily="49" charset="0"/>
+                <a:cs typeface="Courier New" panose="02070309020205020404" pitchFamily="49" charset="0"/>
+              </a:rPr>
+              <a:t>      |</a:t>
+            </a:r>
+            <a:br>
+              <a:rPr kumimoji="0" lang="en-US" altLang="en-US" sz="900" b="0" i="0" u="none" strike="noStrike" cap="none" normalizeH="0" baseline="0" dirty="0" smtClean="0">
+                <a:ln>
+                  <a:noFill/>
+                </a:ln>
+                <a:solidFill>
+                  <a:srgbClr val="000000"/>
+                </a:solidFill>
+                <a:effectLst/>
+                <a:latin typeface="Courier New" panose="02070309020205020404" pitchFamily="49" charset="0"/>
+                <a:cs typeface="Courier New" panose="02070309020205020404" pitchFamily="49" charset="0"/>
+              </a:rPr>
+            </a:br>
+            <a:r>
+              <a:rPr kumimoji="0" lang="en-US" altLang="en-US" sz="900" b="0" i="0" u="none" strike="noStrike" cap="none" normalizeH="0" baseline="0" dirty="0" smtClean="0">
+                <a:ln>
+                  <a:noFill/>
+                </a:ln>
+                <a:solidFill>
+                  <a:srgbClr val="000000"/>
+                </a:solidFill>
+                <a:effectLst/>
+                <a:latin typeface="Courier New" panose="02070309020205020404" pitchFamily="49" charset="0"/>
+                <a:cs typeface="Courier New" panose="02070309020205020404" pitchFamily="49" charset="0"/>
+              </a:rPr>
+              <a:t>| "Wyss, Johann Rudolf"@</a:t>
+            </a:r>
+            <a:r>
+              <a:rPr kumimoji="0" lang="en-US" altLang="en-US" sz="900" b="0" i="0" u="none" strike="noStrike" cap="none" normalizeH="0" baseline="0" dirty="0" err="1" smtClean="0">
+                <a:ln>
+                  <a:noFill/>
+                </a:ln>
+                <a:solidFill>
+                  <a:srgbClr val="000000"/>
+                </a:solidFill>
+                <a:effectLst/>
+                <a:latin typeface="Courier New" panose="02070309020205020404" pitchFamily="49" charset="0"/>
+                <a:cs typeface="Courier New" panose="02070309020205020404" pitchFamily="49" charset="0"/>
+              </a:rPr>
+              <a:t>en</a:t>
+            </a:r>
+            <a:r>
+              <a:rPr kumimoji="0" lang="en-US" altLang="en-US" sz="900" b="0" i="0" u="none" strike="noStrike" cap="none" normalizeH="0" baseline="0" dirty="0" smtClean="0">
+                <a:ln>
+                  <a:noFill/>
+                </a:ln>
+                <a:solidFill>
+                  <a:srgbClr val="000000"/>
+                </a:solidFill>
+                <a:effectLst/>
+                <a:latin typeface="Courier New" panose="02070309020205020404" pitchFamily="49" charset="0"/>
+                <a:cs typeface="Courier New" panose="02070309020205020404" pitchFamily="49" charset="0"/>
+              </a:rPr>
+              <a:t>     |</a:t>
+            </a:r>
+          </a:p>
+          <a:p>
+            <a:pPr marL="0" lvl="0" indent="0" defTabSz="914400" eaLnBrk="0" fontAlgn="base" hangingPunct="0">
+              <a:spcBef>
+                <a:spcPct val="0"/>
+              </a:spcBef>
+              <a:spcAft>
+                <a:spcPct val="0"/>
+              </a:spcAft>
+              <a:buClrTx/>
+              <a:buSzTx/>
+              <a:buNone/>
+            </a:pPr>
+            <a:r>
+              <a:rPr lang="en-US" altLang="en-US" sz="900" dirty="0" smtClean="0">
+                <a:solidFill>
+                  <a:srgbClr val="000000"/>
+                </a:solidFill>
+                <a:latin typeface="Courier New" panose="02070309020205020404" pitchFamily="49" charset="0"/>
+                <a:cs typeface="Courier New" panose="02070309020205020404" pitchFamily="49" charset="0"/>
+              </a:rPr>
+              <a:t>| ...                          |</a:t>
+            </a:r>
+            <a:r>
+              <a:rPr kumimoji="0" lang="en-US" altLang="en-US" sz="900" b="0" i="0" u="none" strike="noStrike" cap="none" normalizeH="0" baseline="0" dirty="0" smtClean="0">
+                <a:ln>
+                  <a:noFill/>
+                </a:ln>
+                <a:solidFill>
+                  <a:srgbClr val="000000"/>
+                </a:solidFill>
+                <a:effectLst/>
+                <a:latin typeface="Courier New" panose="02070309020205020404" pitchFamily="49" charset="0"/>
+                <a:cs typeface="Courier New" panose="02070309020205020404" pitchFamily="49" charset="0"/>
+              </a:rPr>
+              <a:t/>
+            </a:r>
+            <a:br>
+              <a:rPr kumimoji="0" lang="en-US" altLang="en-US" sz="900" b="0" i="0" u="none" strike="noStrike" cap="none" normalizeH="0" baseline="0" dirty="0" smtClean="0">
+                <a:ln>
+                  <a:noFill/>
+                </a:ln>
+                <a:solidFill>
+                  <a:srgbClr val="000000"/>
+                </a:solidFill>
+                <a:effectLst/>
+                <a:latin typeface="Courier New" panose="02070309020205020404" pitchFamily="49" charset="0"/>
+                <a:cs typeface="Courier New" panose="02070309020205020404" pitchFamily="49" charset="0"/>
+              </a:rPr>
+            </a:br>
+            <a:r>
+              <a:rPr lang="en-US" altLang="en-US" sz="900" dirty="0">
+                <a:solidFill>
+                  <a:srgbClr val="000000"/>
+                </a:solidFill>
+                <a:latin typeface="Courier New" panose="02070309020205020404" pitchFamily="49" charset="0"/>
+                <a:cs typeface="Courier New" panose="02070309020205020404" pitchFamily="49" charset="0"/>
+              </a:rPr>
+              <a:t>--------------------------------</a:t>
+            </a:r>
+            <a:endParaRPr kumimoji="0" lang="en-US" altLang="en-US" sz="900" b="0" i="0" u="none" strike="noStrike" cap="none" normalizeH="0" baseline="0" dirty="0" smtClean="0">
+              <a:ln>
+                <a:noFill/>
+              </a:ln>
+              <a:solidFill>
+                <a:schemeClr val="tx1"/>
+              </a:solidFill>
+              <a:effectLst/>
+              <a:latin typeface="Arial" panose="020B0604020202020204" pitchFamily="34" charset="0"/>
+            </a:endParaRPr>
+          </a:p>
+        </p:txBody>
+      </p:sp>
+    </p:spTree>
+    <p:extLst>
+      <p:ext uri="{BB962C8B-B14F-4D97-AF65-F5344CB8AC3E}">
+        <p14:creationId xmlns:p14="http://schemas.microsoft.com/office/powerpoint/2010/main" val="979867132"/>
+      </p:ext>
+    </p:extLst>
+  </p:cSld>
+  <p:clrMapOvr>
+    <a:masterClrMapping/>
+  </p:clrMapOvr>
+  <p:timing>
+    <p:tnLst>
+      <p:par>
+        <p:cTn id="1" dur="indefinite" restart="never" nodeType="tmRoot"/>
+      </p:par>
+    </p:tnLst>
+  </p:timing>
+</p:sld>
+</file>
+
+<file path=ppt/slides/slide8.xml><?xml version="1.0" encoding="utf-8"?>
 <p:sld xmlns:a="http://schemas.openxmlformats.org/drawingml/2006/main" xmlns:r="http://schemas.openxmlformats.org/officeDocument/2006/relationships" xmlns:p="http://schemas.openxmlformats.org/presentationml/2006/main">
   <p:cSld>
     <p:spTree>
@@ -6590,6 +15185,29 @@
           <a:bodyPr/>
           <a:lstStyle/>
           <a:p>
+            <a:r>
+              <a:rPr lang="en-GB" dirty="0" smtClean="0"/>
+              <a:t>Arbitrary data</a:t>
+            </a:r>
+          </a:p>
+          <a:p>
+            <a:r>
+              <a:rPr lang="en-GB" dirty="0" err="1" smtClean="0"/>
+              <a:t>Schemaless</a:t>
+            </a:r>
+            <a:endParaRPr lang="en-GB" dirty="0" smtClean="0"/>
+          </a:p>
+          <a:p>
+            <a:r>
+              <a:rPr lang="en-GB" dirty="0" smtClean="0"/>
+              <a:t>Relations / predicates</a:t>
+            </a:r>
+          </a:p>
+          <a:p>
+            <a:r>
+              <a:rPr lang="en-GB" dirty="0" smtClean="0"/>
+              <a:t>Distributed data (e.g. FOAF)</a:t>
+            </a:r>
             <a:endParaRPr lang="en-GB" dirty="0"/>
           </a:p>
         </p:txBody>
@@ -6632,7 +15250,62 @@
           <a:bodyPr/>
           <a:lstStyle/>
           <a:p>
-            <a:endParaRPr lang="en-GB"/>
+            <a:r>
+              <a:rPr lang="en-GB" dirty="0" smtClean="0"/>
+              <a:t>Data quality</a:t>
+            </a:r>
+          </a:p>
+          <a:p>
+            <a:r>
+              <a:rPr lang="en-GB" dirty="0" smtClean="0"/>
+              <a:t>Weak specifications (e.g. </a:t>
+            </a:r>
+            <a:r>
+              <a:rPr lang="en-GB" dirty="0" err="1" smtClean="0"/>
+              <a:t>DBpedia</a:t>
+            </a:r>
+            <a:r>
+              <a:rPr lang="en-GB" dirty="0" smtClean="0"/>
+              <a:t>)</a:t>
+            </a:r>
+          </a:p>
+          <a:p>
+            <a:pPr lvl="1"/>
+            <a:r>
+              <a:rPr lang="en-GB" dirty="0" smtClean="0"/>
+              <a:t>Unclear naming conventions (</a:t>
+            </a:r>
+            <a:r>
+              <a:rPr lang="en-GB" dirty="0" err="1" smtClean="0"/>
+              <a:t>dbo</a:t>
+            </a:r>
+            <a:r>
+              <a:rPr lang="en-GB" dirty="0" smtClean="0"/>
+              <a:t> vs </a:t>
+            </a:r>
+            <a:r>
+              <a:rPr lang="en-GB" dirty="0" err="1" smtClean="0"/>
+              <a:t>dbp</a:t>
+            </a:r>
+            <a:r>
+              <a:rPr lang="en-GB" dirty="0" smtClean="0"/>
+              <a:t>)</a:t>
+            </a:r>
+          </a:p>
+          <a:p>
+            <a:pPr lvl="1"/>
+            <a:r>
+              <a:rPr lang="en-GB" dirty="0" smtClean="0"/>
+              <a:t>Undefined object types (resource vs literal)</a:t>
+            </a:r>
+          </a:p>
+          <a:p>
+            <a:pPr lvl="1"/>
+            <a:r>
+              <a:rPr lang="en-GB" dirty="0" smtClean="0"/>
+              <a:t>Undefined literal types (date vs year vs string)</a:t>
+            </a:r>
+            <a:endParaRPr lang="en-GB" dirty="0"/>
           </a:p>
         </p:txBody>
       </p:sp>
@@ -6646,10 +15319,17 @@
   <p:clrMapOvr>
     <a:masterClrMapping/>
   </p:clrMapOvr>
+  <p:timing>
+    <p:tnLst>
+      <p:par>
+        <p:cTn id="1" dur="indefinite" restart="never" nodeType="tmRoot"/>
+      </p:par>
+    </p:tnLst>
+  </p:timing>
 </p:sld>
 </file>
 
-<file path=ppt/slides/slide6.xml><?xml version="1.0" encoding="utf-8"?>
+<file path=ppt/slides/slide9.xml><?xml version="1.0" encoding="utf-8"?>
 <p:sld xmlns:a="http://schemas.openxmlformats.org/drawingml/2006/main" xmlns:r="http://schemas.openxmlformats.org/officeDocument/2006/relationships" xmlns:p="http://schemas.openxmlformats.org/presentationml/2006/main">
   <p:cSld>
     <p:spTree>
@@ -6704,7 +15384,23 @@
           <a:bodyPr/>
           <a:lstStyle/>
           <a:p>
-            <a:endParaRPr lang="en-GB"/>
+            <a:r>
+              <a:rPr lang="en-GB" dirty="0" smtClean="0"/>
+              <a:t>Relatively easy to dive in</a:t>
+            </a:r>
+          </a:p>
+          <a:p>
+            <a:r>
+              <a:rPr lang="en-GB" dirty="0" smtClean="0"/>
+              <a:t>Complexity lies in details</a:t>
+            </a:r>
+          </a:p>
+          <a:p>
+            <a:r>
+              <a:rPr lang="en-GB" dirty="0" smtClean="0"/>
+              <a:t>80% to clean up result set</a:t>
+            </a:r>
+            <a:endParaRPr lang="en-GB" dirty="0"/>
           </a:p>
         </p:txBody>
       </p:sp>
@@ -6718,109 +15414,13 @@
   <p:clrMapOvr>
     <a:masterClrMapping/>
   </p:clrMapOvr>
-</p:sld>
-</file>
-
-<file path=ppt/slides/slide7.xml><?xml version="1.0" encoding="utf-8"?>
-<p:sld xmlns:a="http://schemas.openxmlformats.org/drawingml/2006/main" xmlns:r="http://schemas.openxmlformats.org/officeDocument/2006/relationships" xmlns:p="http://schemas.openxmlformats.org/presentationml/2006/main">
-  <p:cSld>
-    <p:spTree>
-      <p:nvGrpSpPr>
-        <p:cNvPr id="1" name=""/>
-        <p:cNvGrpSpPr/>
-        <p:nvPr/>
-      </p:nvGrpSpPr>
-      <p:grpSpPr>
-        <a:xfrm>
-          <a:off x="0" y="0"/>
-          <a:ext cx="0" cy="0"/>
-          <a:chOff x="0" y="0"/>
-          <a:chExt cx="0" cy="0"/>
-        </a:xfrm>
-      </p:grpSpPr>
-      <p:sp>
-        <p:nvSpPr>
-          <p:cNvPr id="2" name="Title 1"/>
-          <p:cNvSpPr>
-            <a:spLocks noGrp="1"/>
-          </p:cNvSpPr>
-          <p:nvPr>
-            <p:ph type="title"/>
-          </p:nvPr>
-        </p:nvSpPr>
-        <p:spPr/>
-        <p:txBody>
-          <a:bodyPr/>
-          <a:lstStyle/>
-          <a:p>
-            <a:r>
-              <a:rPr lang="en-GB" dirty="0" smtClean="0"/>
-              <a:t>Discussion</a:t>
-            </a:r>
-            <a:endParaRPr lang="en-GB" dirty="0"/>
-          </a:p>
-        </p:txBody>
-      </p:sp>
-      <p:sp>
-        <p:nvSpPr>
-          <p:cNvPr id="3" name="Content Placeholder 2"/>
-          <p:cNvSpPr>
-            <a:spLocks noGrp="1"/>
-          </p:cNvSpPr>
-          <p:nvPr>
-            <p:ph idx="1"/>
-          </p:nvPr>
-        </p:nvSpPr>
-        <p:spPr/>
-        <p:txBody>
-          <a:bodyPr/>
-          <a:lstStyle/>
-          <a:p>
-            <a:r>
-              <a:rPr lang="en-GB" dirty="0" smtClean="0"/>
-              <a:t>The complete project can be found on GitHub:</a:t>
-            </a:r>
-          </a:p>
-          <a:p>
-            <a:r>
-              <a:rPr lang="en-GB" dirty="0">
-                <a:hlinkClick r:id="rId2"/>
-              </a:rPr>
-              <a:t>https://github.com/StrubT/ADMgRDFStores</a:t>
-            </a:r>
-            <a:endParaRPr lang="en-GB" dirty="0"/>
-          </a:p>
-          <a:p>
-            <a:endParaRPr lang="en-GB" dirty="0" smtClean="0"/>
-          </a:p>
-          <a:p>
-            <a:r>
-              <a:rPr lang="en-GB" dirty="0" smtClean="0"/>
-              <a:t>Any questions?</a:t>
-            </a:r>
-          </a:p>
-          <a:p>
-            <a:endParaRPr lang="en-GB" dirty="0" smtClean="0"/>
-          </a:p>
-          <a:p>
-            <a:r>
-              <a:rPr lang="en-GB" dirty="0" smtClean="0"/>
-              <a:t>Thank you for your patience.</a:t>
-            </a:r>
-            <a:endParaRPr lang="en-GB" dirty="0"/>
-          </a:p>
-        </p:txBody>
-      </p:sp>
-    </p:spTree>
-    <p:extLst>
-      <p:ext uri="{BB962C8B-B14F-4D97-AF65-F5344CB8AC3E}">
-        <p14:creationId xmlns:p14="http://schemas.microsoft.com/office/powerpoint/2010/main" val="1654437355"/>
-      </p:ext>
-    </p:extLst>
-  </p:cSld>
-  <p:clrMapOvr>
-    <a:masterClrMapping/>
-  </p:clrMapOvr>
+  <p:timing>
+    <p:tnLst>
+      <p:par>
+        <p:cTn id="1" dur="indefinite" restart="never" nodeType="tmRoot"/>
+      </p:par>
+    </p:tnLst>
+  </p:timing>
 </p:sld>
 </file>
 

--- a/presentation.pptx
+++ b/presentation.pptx
@@ -623,7 +623,7 @@
           <a:p>
             <a:fld id="{81FAB61E-60FD-45ED-8F87-FA11B7EE7CDE}" type="datetimeFigureOut">
               <a:rPr lang="en-GB" smtClean="0"/>
-              <a:t>06/06/2016</a:t>
+              <a:t>07/06/2016</a:t>
             </a:fld>
             <a:endParaRPr lang="en-GB"/>
           </a:p>
@@ -919,7 +919,7 @@
           <a:p>
             <a:fld id="{81FAB61E-60FD-45ED-8F87-FA11B7EE7CDE}" type="datetimeFigureOut">
               <a:rPr lang="en-GB" smtClean="0"/>
-              <a:t>06/06/2016</a:t>
+              <a:t>07/06/2016</a:t>
             </a:fld>
             <a:endParaRPr lang="en-GB"/>
           </a:p>
@@ -1167,7 +1167,7 @@
           <a:p>
             <a:fld id="{81FAB61E-60FD-45ED-8F87-FA11B7EE7CDE}" type="datetimeFigureOut">
               <a:rPr lang="en-GB" smtClean="0"/>
-              <a:t>06/06/2016</a:t>
+              <a:t>07/06/2016</a:t>
             </a:fld>
             <a:endParaRPr lang="en-GB"/>
           </a:p>
@@ -1707,7 +1707,7 @@
           <a:p>
             <a:fld id="{81FAB61E-60FD-45ED-8F87-FA11B7EE7CDE}" type="datetimeFigureOut">
               <a:rPr lang="en-GB" smtClean="0"/>
-              <a:t>06/06/2016</a:t>
+              <a:t>07/06/2016</a:t>
             </a:fld>
             <a:endParaRPr lang="en-GB"/>
           </a:p>
@@ -1955,7 +1955,7 @@
           <a:p>
             <a:fld id="{81FAB61E-60FD-45ED-8F87-FA11B7EE7CDE}" type="datetimeFigureOut">
               <a:rPr lang="en-GB" smtClean="0"/>
-              <a:t>06/06/2016</a:t>
+              <a:t>07/06/2016</a:t>
             </a:fld>
             <a:endParaRPr lang="en-GB"/>
           </a:p>
@@ -2487,7 +2487,7 @@
           <a:p>
             <a:fld id="{81FAB61E-60FD-45ED-8F87-FA11B7EE7CDE}" type="datetimeFigureOut">
               <a:rPr lang="en-GB" smtClean="0"/>
-              <a:t>06/06/2016</a:t>
+              <a:t>07/06/2016</a:t>
             </a:fld>
             <a:endParaRPr lang="en-GB"/>
           </a:p>
@@ -2784,7 +2784,7 @@
           <a:p>
             <a:fld id="{81FAB61E-60FD-45ED-8F87-FA11B7EE7CDE}" type="datetimeFigureOut">
               <a:rPr lang="en-GB" smtClean="0"/>
-              <a:t>06/06/2016</a:t>
+              <a:t>07/06/2016</a:t>
             </a:fld>
             <a:endParaRPr lang="en-GB"/>
           </a:p>
@@ -2958,7 +2958,7 @@
           <a:p>
             <a:fld id="{81FAB61E-60FD-45ED-8F87-FA11B7EE7CDE}" type="datetimeFigureOut">
               <a:rPr lang="en-GB" smtClean="0"/>
-              <a:t>06/06/2016</a:t>
+              <a:t>07/06/2016</a:t>
             </a:fld>
             <a:endParaRPr lang="en-GB"/>
           </a:p>
@@ -3138,7 +3138,7 @@
           <a:p>
             <a:fld id="{81FAB61E-60FD-45ED-8F87-FA11B7EE7CDE}" type="datetimeFigureOut">
               <a:rPr lang="en-GB" smtClean="0"/>
-              <a:t>06/06/2016</a:t>
+              <a:t>07/06/2016</a:t>
             </a:fld>
             <a:endParaRPr lang="en-GB"/>
           </a:p>
@@ -3308,7 +3308,7 @@
           <a:p>
             <a:fld id="{81FAB61E-60FD-45ED-8F87-FA11B7EE7CDE}" type="datetimeFigureOut">
               <a:rPr lang="en-GB" smtClean="0"/>
-              <a:t>06/06/2016</a:t>
+              <a:t>07/06/2016</a:t>
             </a:fld>
             <a:endParaRPr lang="en-GB"/>
           </a:p>
@@ -3559,7 +3559,7 @@
           <a:p>
             <a:fld id="{81FAB61E-60FD-45ED-8F87-FA11B7EE7CDE}" type="datetimeFigureOut">
               <a:rPr lang="en-GB" smtClean="0"/>
-              <a:t>06/06/2016</a:t>
+              <a:t>07/06/2016</a:t>
             </a:fld>
             <a:endParaRPr lang="en-GB"/>
           </a:p>
@@ -3856,7 +3856,7 @@
           <a:p>
             <a:fld id="{81FAB61E-60FD-45ED-8F87-FA11B7EE7CDE}" type="datetimeFigureOut">
               <a:rPr lang="en-GB" smtClean="0"/>
-              <a:t>06/06/2016</a:t>
+              <a:t>07/06/2016</a:t>
             </a:fld>
             <a:endParaRPr lang="en-GB"/>
           </a:p>
@@ -4298,7 +4298,7 @@
           <a:p>
             <a:fld id="{81FAB61E-60FD-45ED-8F87-FA11B7EE7CDE}" type="datetimeFigureOut">
               <a:rPr lang="en-GB" smtClean="0"/>
-              <a:t>06/06/2016</a:t>
+              <a:t>07/06/2016</a:t>
             </a:fld>
             <a:endParaRPr lang="en-GB"/>
           </a:p>
@@ -4416,7 +4416,7 @@
           <a:p>
             <a:fld id="{81FAB61E-60FD-45ED-8F87-FA11B7EE7CDE}" type="datetimeFigureOut">
               <a:rPr lang="en-GB" smtClean="0"/>
-              <a:t>06/06/2016</a:t>
+              <a:t>07/06/2016</a:t>
             </a:fld>
             <a:endParaRPr lang="en-GB"/>
           </a:p>
@@ -4511,7 +4511,7 @@
           <a:p>
             <a:fld id="{81FAB61E-60FD-45ED-8F87-FA11B7EE7CDE}" type="datetimeFigureOut">
               <a:rPr lang="en-GB" smtClean="0"/>
-              <a:t>06/06/2016</a:t>
+              <a:t>07/06/2016</a:t>
             </a:fld>
             <a:endParaRPr lang="en-GB"/>
           </a:p>
@@ -4794,7 +4794,7 @@
           <a:p>
             <a:fld id="{81FAB61E-60FD-45ED-8F87-FA11B7EE7CDE}" type="datetimeFigureOut">
               <a:rPr lang="en-GB" smtClean="0"/>
-              <a:t>06/06/2016</a:t>
+              <a:t>07/06/2016</a:t>
             </a:fld>
             <a:endParaRPr lang="en-GB"/>
           </a:p>
@@ -5085,7 +5085,7 @@
           <a:p>
             <a:fld id="{81FAB61E-60FD-45ED-8F87-FA11B7EE7CDE}" type="datetimeFigureOut">
               <a:rPr lang="en-GB" smtClean="0"/>
-              <a:t>06/06/2016</a:t>
+              <a:t>07/06/2016</a:t>
             </a:fld>
             <a:endParaRPr lang="en-GB"/>
           </a:p>
@@ -5615,7 +5615,7 @@
           <a:p>
             <a:fld id="{81FAB61E-60FD-45ED-8F87-FA11B7EE7CDE}" type="datetimeFigureOut">
               <a:rPr lang="en-GB" smtClean="0"/>
-              <a:t>06/06/2016</a:t>
+              <a:t>07/06/2016</a:t>
             </a:fld>
             <a:endParaRPr lang="en-GB"/>
           </a:p>
@@ -6180,11 +6180,7 @@
             </a:r>
             <a:r>
               <a:rPr lang="en-GB" dirty="0" smtClean="0"/>
-              <a:t> </a:t>
-            </a:r>
-            <a:r>
-              <a:rPr lang="en-GB" dirty="0" smtClean="0"/>
-              <a:t>/ SPARQL</a:t>
+              <a:t> / SPARQL</a:t>
             </a:r>
             <a:endParaRPr lang="en-GB" dirty="0"/>
           </a:p>
@@ -6304,30 +6300,24 @@
         </p:nvSpPr>
         <p:spPr/>
         <p:txBody>
-          <a:bodyPr/>
+          <a:bodyPr>
+            <a:normAutofit/>
+          </a:bodyPr>
           <a:lstStyle/>
           <a:p>
             <a:r>
               <a:rPr lang="en-GB" dirty="0" smtClean="0"/>
-              <a:t>The complete project can be found on GitHub:</a:t>
-            </a:r>
-          </a:p>
-          <a:p>
-            <a:r>
-              <a:rPr lang="en-GB" dirty="0">
-                <a:hlinkClick r:id="rId2"/>
-              </a:rPr>
-              <a:t>https://github.com/StrubT/ADMgRDFStores</a:t>
-            </a:r>
-            <a:endParaRPr lang="en-GB" dirty="0"/>
-          </a:p>
-          <a:p>
-            <a:endParaRPr lang="en-GB" dirty="0" smtClean="0"/>
-          </a:p>
-          <a:p>
-            <a:r>
-              <a:rPr lang="en-GB" dirty="0" smtClean="0"/>
-              <a:t>Any questions?</a:t>
+              <a:t>Does </a:t>
+            </a:r>
+            <a:r>
+              <a:rPr lang="en-GB" dirty="0"/>
+              <a:t>anyone have experience with RDF / SPARQL?</a:t>
+            </a:r>
+          </a:p>
+          <a:p>
+            <a:r>
+              <a:rPr lang="en-GB" dirty="0"/>
+              <a:t>Are there any questions or comments?</a:t>
             </a:r>
           </a:p>
           <a:p>
@@ -6434,11 +6424,7 @@
           <a:p>
             <a:r>
               <a:rPr lang="en-GB" dirty="0" smtClean="0"/>
-              <a:t>Lessons </a:t>
-            </a:r>
-            <a:r>
-              <a:rPr lang="en-GB" dirty="0" smtClean="0"/>
-              <a:t>Learnt</a:t>
+              <a:t>Lessons Learnt</a:t>
             </a:r>
           </a:p>
           <a:p>
@@ -15363,7 +15349,11 @@
           <a:p>
             <a:r>
               <a:rPr lang="en-GB" dirty="0" smtClean="0"/>
-              <a:t>Lessons Learnt</a:t>
+              <a:t>Lessons </a:t>
+            </a:r>
+            <a:r>
+              <a:rPr lang="en-GB" dirty="0" smtClean="0"/>
+              <a:t>Learnt</a:t>
             </a:r>
             <a:endParaRPr lang="en-GB" dirty="0"/>
           </a:p>
@@ -15398,7 +15388,11 @@
           <a:p>
             <a:r>
               <a:rPr lang="en-GB" dirty="0" smtClean="0"/>
-              <a:t>80% to clean up result set</a:t>
+              <a:t>80% to clean up result </a:t>
+            </a:r>
+            <a:r>
+              <a:rPr lang="en-GB" dirty="0" smtClean="0"/>
+              <a:t>set</a:t>
             </a:r>
             <a:endParaRPr lang="en-GB" dirty="0"/>
           </a:p>

--- a/presentation.pptx
+++ b/presentation.pptx
@@ -1,9 +1,12 @@
 
 <file path=ppt/presentation.xml><?xml version="1.0" encoding="utf-8"?>
-<p:presentation xmlns:a="http://schemas.openxmlformats.org/drawingml/2006/main" xmlns:r="http://schemas.openxmlformats.org/officeDocument/2006/relationships" xmlns:p="http://schemas.openxmlformats.org/presentationml/2006/main" saveSubsetFonts="1">
+<p:presentation xmlns:a="http://schemas.openxmlformats.org/drawingml/2006/main" xmlns:r="http://schemas.openxmlformats.org/officeDocument/2006/relationships" xmlns:p="http://schemas.openxmlformats.org/presentationml/2006/main" showSpecialPlsOnTitleSld="0" saveSubsetFonts="1">
   <p:sldMasterIdLst>
     <p:sldMasterId id="2147483660" r:id="rId1"/>
   </p:sldMasterIdLst>
+  <p:notesMasterIdLst>
+    <p:notesMasterId r:id="rId12"/>
+  </p:notesMasterIdLst>
   <p:sldIdLst>
     <p:sldId id="256" r:id="rId2"/>
     <p:sldId id="257" r:id="rId3"/>
@@ -119,6 +122,356 @@
     </p:ext>
   </p:extLst>
 </p:presentation>
+</file>
+
+<file path=ppt/notesMasters/notesMaster1.xml><?xml version="1.0" encoding="utf-8"?>
+<p:notesMaster xmlns:a="http://schemas.openxmlformats.org/drawingml/2006/main" xmlns:r="http://schemas.openxmlformats.org/officeDocument/2006/relationships" xmlns:p="http://schemas.openxmlformats.org/presentationml/2006/main">
+  <p:cSld>
+    <p:bg>
+      <p:bgRef idx="1001">
+        <a:schemeClr val="bg1"/>
+      </p:bgRef>
+    </p:bg>
+    <p:spTree>
+      <p:nvGrpSpPr>
+        <p:cNvPr id="1" name=""/>
+        <p:cNvGrpSpPr/>
+        <p:nvPr/>
+      </p:nvGrpSpPr>
+      <p:grpSpPr>
+        <a:xfrm>
+          <a:off x="0" y="0"/>
+          <a:ext cx="0" cy="0"/>
+          <a:chOff x="0" y="0"/>
+          <a:chExt cx="0" cy="0"/>
+        </a:xfrm>
+      </p:grpSpPr>
+      <p:sp>
+        <p:nvSpPr>
+          <p:cNvPr id="2" name="Header Placeholder 1"/>
+          <p:cNvSpPr>
+            <a:spLocks noGrp="1"/>
+          </p:cNvSpPr>
+          <p:nvPr>
+            <p:ph type="hdr" sz="quarter"/>
+          </p:nvPr>
+        </p:nvSpPr>
+        <p:spPr>
+          <a:xfrm>
+            <a:off x="0" y="0"/>
+            <a:ext cx="2971800" cy="458788"/>
+          </a:xfrm>
+          <a:prstGeom prst="rect">
+            <a:avLst/>
+          </a:prstGeom>
+        </p:spPr>
+        <p:txBody>
+          <a:bodyPr vert="horz" lIns="91440" tIns="45720" rIns="91440" bIns="45720" rtlCol="0"/>
+          <a:lstStyle>
+            <a:lvl1pPr algn="l">
+              <a:defRPr sz="1200"/>
+            </a:lvl1pPr>
+          </a:lstStyle>
+          <a:p>
+            <a:endParaRPr lang="en-GB"/>
+          </a:p>
+        </p:txBody>
+      </p:sp>
+      <p:sp>
+        <p:nvSpPr>
+          <p:cNvPr id="3" name="Date Placeholder 2"/>
+          <p:cNvSpPr>
+            <a:spLocks noGrp="1"/>
+          </p:cNvSpPr>
+          <p:nvPr>
+            <p:ph type="dt" idx="1"/>
+          </p:nvPr>
+        </p:nvSpPr>
+        <p:spPr>
+          <a:xfrm>
+            <a:off x="3884613" y="0"/>
+            <a:ext cx="2971800" cy="458788"/>
+          </a:xfrm>
+          <a:prstGeom prst="rect">
+            <a:avLst/>
+          </a:prstGeom>
+        </p:spPr>
+        <p:txBody>
+          <a:bodyPr vert="horz" lIns="91440" tIns="45720" rIns="91440" bIns="45720" rtlCol="0"/>
+          <a:lstStyle>
+            <a:lvl1pPr algn="r">
+              <a:defRPr sz="1200"/>
+            </a:lvl1pPr>
+          </a:lstStyle>
+          <a:p>
+            <a:fld id="{8F2B10CB-CD11-4B20-9C7A-E62881B869CB}" type="datetimeFigureOut">
+              <a:rPr lang="en-GB" smtClean="0"/>
+              <a:t>11/06/2016</a:t>
+            </a:fld>
+            <a:endParaRPr lang="en-GB"/>
+          </a:p>
+        </p:txBody>
+      </p:sp>
+      <p:sp>
+        <p:nvSpPr>
+          <p:cNvPr id="4" name="Slide Image Placeholder 3"/>
+          <p:cNvSpPr>
+            <a:spLocks noGrp="1" noRot="1" noChangeAspect="1"/>
+          </p:cNvSpPr>
+          <p:nvPr>
+            <p:ph type="sldImg" idx="2"/>
+          </p:nvPr>
+        </p:nvSpPr>
+        <p:spPr>
+          <a:xfrm>
+            <a:off x="685800" y="1143000"/>
+            <a:ext cx="5486400" cy="3086100"/>
+          </a:xfrm>
+          <a:prstGeom prst="rect">
+            <a:avLst/>
+          </a:prstGeom>
+          <a:noFill/>
+          <a:ln w="12700">
+            <a:solidFill>
+              <a:prstClr val="black"/>
+            </a:solidFill>
+          </a:ln>
+        </p:spPr>
+        <p:txBody>
+          <a:bodyPr vert="horz" lIns="91440" tIns="45720" rIns="91440" bIns="45720" rtlCol="0" anchor="ctr"/>
+          <a:lstStyle/>
+          <a:p>
+            <a:endParaRPr lang="en-GB"/>
+          </a:p>
+        </p:txBody>
+      </p:sp>
+      <p:sp>
+        <p:nvSpPr>
+          <p:cNvPr id="5" name="Notes Placeholder 4"/>
+          <p:cNvSpPr>
+            <a:spLocks noGrp="1"/>
+          </p:cNvSpPr>
+          <p:nvPr>
+            <p:ph type="body" sz="quarter" idx="3"/>
+          </p:nvPr>
+        </p:nvSpPr>
+        <p:spPr>
+          <a:xfrm>
+            <a:off x="685800" y="4400550"/>
+            <a:ext cx="5486400" cy="3600450"/>
+          </a:xfrm>
+          <a:prstGeom prst="rect">
+            <a:avLst/>
+          </a:prstGeom>
+        </p:spPr>
+        <p:txBody>
+          <a:bodyPr vert="horz" lIns="91440" tIns="45720" rIns="91440" bIns="45720" rtlCol="0"/>
+          <a:lstStyle/>
+          <a:p>
+            <a:pPr lvl="0"/>
+            <a:r>
+              <a:rPr lang="en-US" smtClean="0"/>
+              <a:t>Edit Master text styles</a:t>
+            </a:r>
+          </a:p>
+          <a:p>
+            <a:pPr lvl="1"/>
+            <a:r>
+              <a:rPr lang="en-US" smtClean="0"/>
+              <a:t>Second level</a:t>
+            </a:r>
+          </a:p>
+          <a:p>
+            <a:pPr lvl="2"/>
+            <a:r>
+              <a:rPr lang="en-US" smtClean="0"/>
+              <a:t>Third level</a:t>
+            </a:r>
+          </a:p>
+          <a:p>
+            <a:pPr lvl="3"/>
+            <a:r>
+              <a:rPr lang="en-US" smtClean="0"/>
+              <a:t>Fourth level</a:t>
+            </a:r>
+          </a:p>
+          <a:p>
+            <a:pPr lvl="4"/>
+            <a:r>
+              <a:rPr lang="en-US" smtClean="0"/>
+              <a:t>Fifth level</a:t>
+            </a:r>
+            <a:endParaRPr lang="en-GB"/>
+          </a:p>
+        </p:txBody>
+      </p:sp>
+      <p:sp>
+        <p:nvSpPr>
+          <p:cNvPr id="6" name="Footer Placeholder 5"/>
+          <p:cNvSpPr>
+            <a:spLocks noGrp="1"/>
+          </p:cNvSpPr>
+          <p:nvPr>
+            <p:ph type="ftr" sz="quarter" idx="4"/>
+          </p:nvPr>
+        </p:nvSpPr>
+        <p:spPr>
+          <a:xfrm>
+            <a:off x="0" y="8685213"/>
+            <a:ext cx="2971800" cy="458787"/>
+          </a:xfrm>
+          <a:prstGeom prst="rect">
+            <a:avLst/>
+          </a:prstGeom>
+        </p:spPr>
+        <p:txBody>
+          <a:bodyPr vert="horz" lIns="91440" tIns="45720" rIns="91440" bIns="45720" rtlCol="0" anchor="b"/>
+          <a:lstStyle>
+            <a:lvl1pPr algn="l">
+              <a:defRPr sz="1200"/>
+            </a:lvl1pPr>
+          </a:lstStyle>
+          <a:p>
+            <a:endParaRPr lang="en-GB"/>
+          </a:p>
+        </p:txBody>
+      </p:sp>
+      <p:sp>
+        <p:nvSpPr>
+          <p:cNvPr id="7" name="Slide Number Placeholder 6"/>
+          <p:cNvSpPr>
+            <a:spLocks noGrp="1"/>
+          </p:cNvSpPr>
+          <p:nvPr>
+            <p:ph type="sldNum" sz="quarter" idx="5"/>
+          </p:nvPr>
+        </p:nvSpPr>
+        <p:spPr>
+          <a:xfrm>
+            <a:off x="3884613" y="8685213"/>
+            <a:ext cx="2971800" cy="458787"/>
+          </a:xfrm>
+          <a:prstGeom prst="rect">
+            <a:avLst/>
+          </a:prstGeom>
+        </p:spPr>
+        <p:txBody>
+          <a:bodyPr vert="horz" lIns="91440" tIns="45720" rIns="91440" bIns="45720" rtlCol="0" anchor="b"/>
+          <a:lstStyle>
+            <a:lvl1pPr algn="r">
+              <a:defRPr sz="1200"/>
+            </a:lvl1pPr>
+          </a:lstStyle>
+          <a:p>
+            <a:fld id="{1D53FB0B-445D-4472-A91A-ADC0F6063635}" type="slidenum">
+              <a:rPr lang="en-GB" smtClean="0"/>
+              <a:t>‹#›</a:t>
+            </a:fld>
+            <a:endParaRPr lang="en-GB"/>
+          </a:p>
+        </p:txBody>
+      </p:sp>
+    </p:spTree>
+    <p:extLst>
+      <p:ext uri="{BB962C8B-B14F-4D97-AF65-F5344CB8AC3E}">
+        <p14:creationId xmlns:p14="http://schemas.microsoft.com/office/powerpoint/2010/main" val="2533994433"/>
+      </p:ext>
+    </p:extLst>
+  </p:cSld>
+  <p:clrMap bg1="lt1" tx1="dk1" bg2="lt2" tx2="dk2" accent1="accent1" accent2="accent2" accent3="accent3" accent4="accent4" accent5="accent5" accent6="accent6" hlink="hlink" folHlink="folHlink"/>
+  <p:notesStyle>
+    <a:lvl1pPr marL="0" algn="l" defTabSz="914400" rtl="0" eaLnBrk="1" latinLnBrk="0" hangingPunct="1">
+      <a:defRPr sz="1200" kern="1200">
+        <a:solidFill>
+          <a:schemeClr val="tx1"/>
+        </a:solidFill>
+        <a:latin typeface="+mn-lt"/>
+        <a:ea typeface="+mn-ea"/>
+        <a:cs typeface="+mn-cs"/>
+      </a:defRPr>
+    </a:lvl1pPr>
+    <a:lvl2pPr marL="457200" algn="l" defTabSz="914400" rtl="0" eaLnBrk="1" latinLnBrk="0" hangingPunct="1">
+      <a:defRPr sz="1200" kern="1200">
+        <a:solidFill>
+          <a:schemeClr val="tx1"/>
+        </a:solidFill>
+        <a:latin typeface="+mn-lt"/>
+        <a:ea typeface="+mn-ea"/>
+        <a:cs typeface="+mn-cs"/>
+      </a:defRPr>
+    </a:lvl2pPr>
+    <a:lvl3pPr marL="914400" algn="l" defTabSz="914400" rtl="0" eaLnBrk="1" latinLnBrk="0" hangingPunct="1">
+      <a:defRPr sz="1200" kern="1200">
+        <a:solidFill>
+          <a:schemeClr val="tx1"/>
+        </a:solidFill>
+        <a:latin typeface="+mn-lt"/>
+        <a:ea typeface="+mn-ea"/>
+        <a:cs typeface="+mn-cs"/>
+      </a:defRPr>
+    </a:lvl3pPr>
+    <a:lvl4pPr marL="1371600" algn="l" defTabSz="914400" rtl="0" eaLnBrk="1" latinLnBrk="0" hangingPunct="1">
+      <a:defRPr sz="1200" kern="1200">
+        <a:solidFill>
+          <a:schemeClr val="tx1"/>
+        </a:solidFill>
+        <a:latin typeface="+mn-lt"/>
+        <a:ea typeface="+mn-ea"/>
+        <a:cs typeface="+mn-cs"/>
+      </a:defRPr>
+    </a:lvl4pPr>
+    <a:lvl5pPr marL="1828800" algn="l" defTabSz="914400" rtl="0" eaLnBrk="1" latinLnBrk="0" hangingPunct="1">
+      <a:defRPr sz="1200" kern="1200">
+        <a:solidFill>
+          <a:schemeClr val="tx1"/>
+        </a:solidFill>
+        <a:latin typeface="+mn-lt"/>
+        <a:ea typeface="+mn-ea"/>
+        <a:cs typeface="+mn-cs"/>
+      </a:defRPr>
+    </a:lvl5pPr>
+    <a:lvl6pPr marL="2286000" algn="l" defTabSz="914400" rtl="0" eaLnBrk="1" latinLnBrk="0" hangingPunct="1">
+      <a:defRPr sz="1200" kern="1200">
+        <a:solidFill>
+          <a:schemeClr val="tx1"/>
+        </a:solidFill>
+        <a:latin typeface="+mn-lt"/>
+        <a:ea typeface="+mn-ea"/>
+        <a:cs typeface="+mn-cs"/>
+      </a:defRPr>
+    </a:lvl6pPr>
+    <a:lvl7pPr marL="2743200" algn="l" defTabSz="914400" rtl="0" eaLnBrk="1" latinLnBrk="0" hangingPunct="1">
+      <a:defRPr sz="1200" kern="1200">
+        <a:solidFill>
+          <a:schemeClr val="tx1"/>
+        </a:solidFill>
+        <a:latin typeface="+mn-lt"/>
+        <a:ea typeface="+mn-ea"/>
+        <a:cs typeface="+mn-cs"/>
+      </a:defRPr>
+    </a:lvl7pPr>
+    <a:lvl8pPr marL="3200400" algn="l" defTabSz="914400" rtl="0" eaLnBrk="1" latinLnBrk="0" hangingPunct="1">
+      <a:defRPr sz="1200" kern="1200">
+        <a:solidFill>
+          <a:schemeClr val="tx1"/>
+        </a:solidFill>
+        <a:latin typeface="+mn-lt"/>
+        <a:ea typeface="+mn-ea"/>
+        <a:cs typeface="+mn-cs"/>
+      </a:defRPr>
+    </a:lvl8pPr>
+    <a:lvl9pPr marL="3657600" algn="l" defTabSz="914400" rtl="0" eaLnBrk="1" latinLnBrk="0" hangingPunct="1">
+      <a:defRPr sz="1200" kern="1200">
+        <a:solidFill>
+          <a:schemeClr val="tx1"/>
+        </a:solidFill>
+        <a:latin typeface="+mn-lt"/>
+        <a:ea typeface="+mn-ea"/>
+        <a:cs typeface="+mn-cs"/>
+      </a:defRPr>
+    </a:lvl9pPr>
+  </p:notesStyle>
+</p:notesMaster>
 </file>
 
 <file path=ppt/slideLayouts/slideLayout1.xml><?xml version="1.0" encoding="utf-8"?>
@@ -621,10 +974,10 @@
           <a:bodyPr/>
           <a:lstStyle/>
           <a:p>
-            <a:fld id="{81FAB61E-60FD-45ED-8F87-FA11B7EE7CDE}" type="datetimeFigureOut">
+            <a:r>
               <a:rPr lang="en-GB" smtClean="0"/>
-              <a:t>07/06/2016</a:t>
-            </a:fld>
+              <a:t>2016-06-14</a:t>
+            </a:r>
             <a:endParaRPr lang="en-GB"/>
           </a:p>
         </p:txBody>
@@ -649,6 +1002,10 @@
           <a:bodyPr/>
           <a:lstStyle/>
           <a:p>
+            <a:r>
+              <a:rPr lang="en-GB" smtClean="0"/>
+              <a:t>ADMg - RDF Stores - strut1, guggs2</a:t>
+            </a:r>
             <a:endParaRPr lang="en-GB"/>
           </a:p>
         </p:txBody>
@@ -917,10 +1274,10 @@
           <a:bodyPr/>
           <a:lstStyle/>
           <a:p>
-            <a:fld id="{81FAB61E-60FD-45ED-8F87-FA11B7EE7CDE}" type="datetimeFigureOut">
+            <a:r>
               <a:rPr lang="en-GB" smtClean="0"/>
-              <a:t>07/06/2016</a:t>
-            </a:fld>
+              <a:t>2016-06-14</a:t>
+            </a:r>
             <a:endParaRPr lang="en-GB"/>
           </a:p>
         </p:txBody>
@@ -940,6 +1297,10 @@
           <a:bodyPr/>
           <a:lstStyle/>
           <a:p>
+            <a:r>
+              <a:rPr lang="en-GB" smtClean="0"/>
+              <a:t>ADMg - RDF Stores - strut1, guggs2</a:t>
+            </a:r>
             <a:endParaRPr lang="en-GB"/>
           </a:p>
         </p:txBody>
@@ -1165,10 +1526,10 @@
           <a:bodyPr/>
           <a:lstStyle/>
           <a:p>
-            <a:fld id="{81FAB61E-60FD-45ED-8F87-FA11B7EE7CDE}" type="datetimeFigureOut">
+            <a:r>
               <a:rPr lang="en-GB" smtClean="0"/>
-              <a:t>07/06/2016</a:t>
-            </a:fld>
+              <a:t>2016-06-14</a:t>
+            </a:r>
             <a:endParaRPr lang="en-GB"/>
           </a:p>
         </p:txBody>
@@ -1188,6 +1549,10 @@
           <a:bodyPr/>
           <a:lstStyle/>
           <a:p>
+            <a:r>
+              <a:rPr lang="en-GB" smtClean="0"/>
+              <a:t>ADMg - RDF Stores - strut1, guggs2</a:t>
+            </a:r>
             <a:endParaRPr lang="en-GB"/>
           </a:p>
         </p:txBody>
@@ -1705,10 +2070,10 @@
           <a:bodyPr/>
           <a:lstStyle/>
           <a:p>
-            <a:fld id="{81FAB61E-60FD-45ED-8F87-FA11B7EE7CDE}" type="datetimeFigureOut">
+            <a:r>
               <a:rPr lang="en-GB" smtClean="0"/>
-              <a:t>07/06/2016</a:t>
-            </a:fld>
+              <a:t>2016-06-14</a:t>
+            </a:r>
             <a:endParaRPr lang="en-GB"/>
           </a:p>
         </p:txBody>
@@ -1728,6 +2093,10 @@
           <a:bodyPr/>
           <a:lstStyle/>
           <a:p>
+            <a:r>
+              <a:rPr lang="en-GB" smtClean="0"/>
+              <a:t>ADMg - RDF Stores - strut1, guggs2</a:t>
+            </a:r>
             <a:endParaRPr lang="en-GB"/>
           </a:p>
         </p:txBody>
@@ -1953,10 +2322,10 @@
           <a:bodyPr/>
           <a:lstStyle/>
           <a:p>
-            <a:fld id="{81FAB61E-60FD-45ED-8F87-FA11B7EE7CDE}" type="datetimeFigureOut">
+            <a:r>
               <a:rPr lang="en-GB" smtClean="0"/>
-              <a:t>07/06/2016</a:t>
-            </a:fld>
+              <a:t>2016-06-14</a:t>
+            </a:r>
             <a:endParaRPr lang="en-GB"/>
           </a:p>
         </p:txBody>
@@ -1976,6 +2345,10 @@
           <a:bodyPr/>
           <a:lstStyle/>
           <a:p>
+            <a:r>
+              <a:rPr lang="en-GB" smtClean="0"/>
+              <a:t>ADMg - RDF Stores - strut1, guggs2</a:t>
+            </a:r>
             <a:endParaRPr lang="en-GB"/>
           </a:p>
         </p:txBody>
@@ -2485,10 +2858,10 @@
           <a:bodyPr/>
           <a:lstStyle/>
           <a:p>
-            <a:fld id="{81FAB61E-60FD-45ED-8F87-FA11B7EE7CDE}" type="datetimeFigureOut">
+            <a:r>
               <a:rPr lang="en-GB" smtClean="0"/>
-              <a:t>07/06/2016</a:t>
-            </a:fld>
+              <a:t>2016-06-14</a:t>
+            </a:r>
             <a:endParaRPr lang="en-GB"/>
           </a:p>
         </p:txBody>
@@ -2508,6 +2881,10 @@
           <a:bodyPr/>
           <a:lstStyle/>
           <a:p>
+            <a:r>
+              <a:rPr lang="en-GB" smtClean="0"/>
+              <a:t>ADMg - RDF Stores - strut1, guggs2</a:t>
+            </a:r>
             <a:endParaRPr lang="en-GB"/>
           </a:p>
         </p:txBody>
@@ -2782,10 +3159,10 @@
           <a:bodyPr/>
           <a:lstStyle/>
           <a:p>
-            <a:fld id="{81FAB61E-60FD-45ED-8F87-FA11B7EE7CDE}" type="datetimeFigureOut">
+            <a:r>
               <a:rPr lang="en-GB" smtClean="0"/>
-              <a:t>07/06/2016</a:t>
-            </a:fld>
+              <a:t>2016-06-14</a:t>
+            </a:r>
             <a:endParaRPr lang="en-GB"/>
           </a:p>
         </p:txBody>
@@ -2805,6 +3182,10 @@
           <a:bodyPr/>
           <a:lstStyle/>
           <a:p>
+            <a:r>
+              <a:rPr lang="en-GB" smtClean="0"/>
+              <a:t>ADMg - RDF Stores - strut1, guggs2</a:t>
+            </a:r>
             <a:endParaRPr lang="en-GB"/>
           </a:p>
         </p:txBody>
@@ -2956,10 +3337,10 @@
           <a:bodyPr/>
           <a:lstStyle/>
           <a:p>
-            <a:fld id="{81FAB61E-60FD-45ED-8F87-FA11B7EE7CDE}" type="datetimeFigureOut">
+            <a:r>
               <a:rPr lang="en-GB" smtClean="0"/>
-              <a:t>07/06/2016</a:t>
-            </a:fld>
+              <a:t>2016-06-14</a:t>
+            </a:r>
             <a:endParaRPr lang="en-GB"/>
           </a:p>
         </p:txBody>
@@ -2979,6 +3360,10 @@
           <a:bodyPr/>
           <a:lstStyle/>
           <a:p>
+            <a:r>
+              <a:rPr lang="en-GB" smtClean="0"/>
+              <a:t>ADMg - RDF Stores - strut1, guggs2</a:t>
+            </a:r>
             <a:endParaRPr lang="en-GB"/>
           </a:p>
         </p:txBody>
@@ -3136,10 +3521,10 @@
           <a:bodyPr/>
           <a:lstStyle/>
           <a:p>
-            <a:fld id="{81FAB61E-60FD-45ED-8F87-FA11B7EE7CDE}" type="datetimeFigureOut">
+            <a:r>
               <a:rPr lang="en-GB" smtClean="0"/>
-              <a:t>07/06/2016</a:t>
-            </a:fld>
+              <a:t>2016-06-14</a:t>
+            </a:r>
             <a:endParaRPr lang="en-GB"/>
           </a:p>
         </p:txBody>
@@ -3159,6 +3544,10 @@
           <a:bodyPr/>
           <a:lstStyle/>
           <a:p>
+            <a:r>
+              <a:rPr lang="en-GB" smtClean="0"/>
+              <a:t>ADMg - RDF Stores - strut1, guggs2</a:t>
+            </a:r>
             <a:endParaRPr lang="en-GB"/>
           </a:p>
         </p:txBody>
@@ -3306,10 +3695,10 @@
           <a:bodyPr/>
           <a:lstStyle/>
           <a:p>
-            <a:fld id="{81FAB61E-60FD-45ED-8F87-FA11B7EE7CDE}" type="datetimeFigureOut">
+            <a:r>
               <a:rPr lang="en-GB" smtClean="0"/>
-              <a:t>07/06/2016</a:t>
-            </a:fld>
+              <a:t>2016-06-14</a:t>
+            </a:r>
             <a:endParaRPr lang="en-GB"/>
           </a:p>
         </p:txBody>
@@ -3329,6 +3718,10 @@
           <a:bodyPr/>
           <a:lstStyle/>
           <a:p>
+            <a:r>
+              <a:rPr lang="en-GB" smtClean="0"/>
+              <a:t>ADMg - RDF Stores - strut1, guggs2</a:t>
+            </a:r>
             <a:endParaRPr lang="en-GB"/>
           </a:p>
         </p:txBody>
@@ -3557,10 +3950,10 @@
           <a:bodyPr/>
           <a:lstStyle/>
           <a:p>
-            <a:fld id="{81FAB61E-60FD-45ED-8F87-FA11B7EE7CDE}" type="datetimeFigureOut">
+            <a:r>
               <a:rPr lang="en-GB" smtClean="0"/>
-              <a:t>07/06/2016</a:t>
-            </a:fld>
+              <a:t>2016-06-14</a:t>
+            </a:r>
             <a:endParaRPr lang="en-GB"/>
           </a:p>
         </p:txBody>
@@ -3580,6 +3973,10 @@
           <a:bodyPr/>
           <a:lstStyle/>
           <a:p>
+            <a:r>
+              <a:rPr lang="en-GB" smtClean="0"/>
+              <a:t>ADMg - RDF Stores - strut1, guggs2</a:t>
+            </a:r>
             <a:endParaRPr lang="en-GB"/>
           </a:p>
         </p:txBody>
@@ -3854,10 +4251,10 @@
           <a:bodyPr/>
           <a:lstStyle/>
           <a:p>
-            <a:fld id="{81FAB61E-60FD-45ED-8F87-FA11B7EE7CDE}" type="datetimeFigureOut">
+            <a:r>
               <a:rPr lang="en-GB" smtClean="0"/>
-              <a:t>07/06/2016</a:t>
-            </a:fld>
+              <a:t>2016-06-14</a:t>
+            </a:r>
             <a:endParaRPr lang="en-GB"/>
           </a:p>
         </p:txBody>
@@ -3877,6 +4274,10 @@
           <a:bodyPr/>
           <a:lstStyle/>
           <a:p>
+            <a:r>
+              <a:rPr lang="en-GB" smtClean="0"/>
+              <a:t>ADMg - RDF Stores - strut1, guggs2</a:t>
+            </a:r>
             <a:endParaRPr lang="en-GB"/>
           </a:p>
         </p:txBody>
@@ -4296,10 +4697,10 @@
           <a:bodyPr/>
           <a:lstStyle/>
           <a:p>
-            <a:fld id="{81FAB61E-60FD-45ED-8F87-FA11B7EE7CDE}" type="datetimeFigureOut">
+            <a:r>
               <a:rPr lang="en-GB" smtClean="0"/>
-              <a:t>07/06/2016</a:t>
-            </a:fld>
+              <a:t>2016-06-14</a:t>
+            </a:r>
             <a:endParaRPr lang="en-GB"/>
           </a:p>
         </p:txBody>
@@ -4319,6 +4720,10 @@
           <a:bodyPr/>
           <a:lstStyle/>
           <a:p>
+            <a:r>
+              <a:rPr lang="en-GB" smtClean="0"/>
+              <a:t>ADMg - RDF Stores - strut1, guggs2</a:t>
+            </a:r>
             <a:endParaRPr lang="en-GB"/>
           </a:p>
         </p:txBody>
@@ -4414,10 +4819,10 @@
           <a:bodyPr/>
           <a:lstStyle/>
           <a:p>
-            <a:fld id="{81FAB61E-60FD-45ED-8F87-FA11B7EE7CDE}" type="datetimeFigureOut">
+            <a:r>
               <a:rPr lang="en-GB" smtClean="0"/>
-              <a:t>07/06/2016</a:t>
-            </a:fld>
+              <a:t>2016-06-14</a:t>
+            </a:r>
             <a:endParaRPr lang="en-GB"/>
           </a:p>
         </p:txBody>
@@ -4437,6 +4842,10 @@
           <a:bodyPr/>
           <a:lstStyle/>
           <a:p>
+            <a:r>
+              <a:rPr lang="en-GB" smtClean="0"/>
+              <a:t>ADMg - RDF Stores - strut1, guggs2</a:t>
+            </a:r>
             <a:endParaRPr lang="en-GB"/>
           </a:p>
         </p:txBody>
@@ -4509,10 +4918,10 @@
           <a:bodyPr/>
           <a:lstStyle/>
           <a:p>
-            <a:fld id="{81FAB61E-60FD-45ED-8F87-FA11B7EE7CDE}" type="datetimeFigureOut">
+            <a:r>
               <a:rPr lang="en-GB" smtClean="0"/>
-              <a:t>07/06/2016</a:t>
-            </a:fld>
+              <a:t>2016-06-14</a:t>
+            </a:r>
             <a:endParaRPr lang="en-GB"/>
           </a:p>
         </p:txBody>
@@ -4532,6 +4941,10 @@
           <a:bodyPr/>
           <a:lstStyle/>
           <a:p>
+            <a:r>
+              <a:rPr lang="en-GB" smtClean="0"/>
+              <a:t>ADMg - RDF Stores - strut1, guggs2</a:t>
+            </a:r>
             <a:endParaRPr lang="en-GB"/>
           </a:p>
         </p:txBody>
@@ -4792,10 +5205,10 @@
           <a:bodyPr/>
           <a:lstStyle/>
           <a:p>
-            <a:fld id="{81FAB61E-60FD-45ED-8F87-FA11B7EE7CDE}" type="datetimeFigureOut">
+            <a:r>
               <a:rPr lang="en-GB" smtClean="0"/>
-              <a:t>07/06/2016</a:t>
-            </a:fld>
+              <a:t>2016-06-14</a:t>
+            </a:r>
             <a:endParaRPr lang="en-GB"/>
           </a:p>
         </p:txBody>
@@ -4815,6 +5228,10 @@
           <a:bodyPr/>
           <a:lstStyle/>
           <a:p>
+            <a:r>
+              <a:rPr lang="en-GB" smtClean="0"/>
+              <a:t>ADMg - RDF Stores - strut1, guggs2</a:t>
+            </a:r>
             <a:endParaRPr lang="en-GB"/>
           </a:p>
         </p:txBody>
@@ -5083,10 +5500,10 @@
           <a:bodyPr/>
           <a:lstStyle/>
           <a:p>
-            <a:fld id="{81FAB61E-60FD-45ED-8F87-FA11B7EE7CDE}" type="datetimeFigureOut">
+            <a:r>
               <a:rPr lang="en-GB" smtClean="0"/>
-              <a:t>07/06/2016</a:t>
-            </a:fld>
+              <a:t>2016-06-14</a:t>
+            </a:r>
             <a:endParaRPr lang="en-GB"/>
           </a:p>
         </p:txBody>
@@ -5106,6 +5523,10 @@
           <a:bodyPr/>
           <a:lstStyle/>
           <a:p>
+            <a:r>
+              <a:rPr lang="en-GB" smtClean="0"/>
+              <a:t>ADMg - RDF Stores - strut1, guggs2</a:t>
+            </a:r>
             <a:endParaRPr lang="en-GB"/>
           </a:p>
         </p:txBody>
@@ -5613,10 +6034,10 @@
             </a:lvl1pPr>
           </a:lstStyle>
           <a:p>
-            <a:fld id="{81FAB61E-60FD-45ED-8F87-FA11B7EE7CDE}" type="datetimeFigureOut">
+            <a:r>
               <a:rPr lang="en-GB" smtClean="0"/>
-              <a:t>07/06/2016</a:t>
-            </a:fld>
+              <a:t>2016-06-14</a:t>
+            </a:r>
             <a:endParaRPr lang="en-GB"/>
           </a:p>
         </p:txBody>
@@ -5654,6 +6075,10 @@
             </a:lvl1pPr>
           </a:lstStyle>
           <a:p>
+            <a:r>
+              <a:rPr lang="en-GB" smtClean="0"/>
+              <a:t>ADMg - RDF Stores - strut1, guggs2</a:t>
+            </a:r>
             <a:endParaRPr lang="en-GB"/>
           </a:p>
         </p:txBody>
@@ -5726,6 +6151,7 @@
     <p:sldLayoutId id="2147483676" r:id="rId16"/>
     <p:sldLayoutId id="2147483677" r:id="rId17"/>
   </p:sldLayoutIdLst>
+  <p:hf hdr="0"/>
   <p:txStyles>
     <p:titleStyle>
       <a:lvl1pPr algn="ctr" defTabSz="457200" rtl="0" eaLnBrk="1" latinLnBrk="0" hangingPunct="1">
@@ -6332,6 +6758,75 @@
           </a:p>
         </p:txBody>
       </p:sp>
+      <p:sp>
+        <p:nvSpPr>
+          <p:cNvPr id="4" name="Date Placeholder 3"/>
+          <p:cNvSpPr>
+            <a:spLocks noGrp="1"/>
+          </p:cNvSpPr>
+          <p:nvPr>
+            <p:ph type="dt" sz="half" idx="10"/>
+          </p:nvPr>
+        </p:nvSpPr>
+        <p:spPr/>
+        <p:txBody>
+          <a:bodyPr/>
+          <a:lstStyle/>
+          <a:p>
+            <a:r>
+              <a:rPr lang="en-GB" smtClean="0"/>
+              <a:t>2016-06-14</a:t>
+            </a:r>
+            <a:endParaRPr lang="en-GB"/>
+          </a:p>
+        </p:txBody>
+      </p:sp>
+      <p:sp>
+        <p:nvSpPr>
+          <p:cNvPr id="5" name="Footer Placeholder 4"/>
+          <p:cNvSpPr>
+            <a:spLocks noGrp="1"/>
+          </p:cNvSpPr>
+          <p:nvPr>
+            <p:ph type="ftr" sz="quarter" idx="11"/>
+          </p:nvPr>
+        </p:nvSpPr>
+        <p:spPr/>
+        <p:txBody>
+          <a:bodyPr/>
+          <a:lstStyle/>
+          <a:p>
+            <a:r>
+              <a:rPr lang="en-GB" smtClean="0"/>
+              <a:t>ADMg - RDF Stores - strut1, guggs2</a:t>
+            </a:r>
+            <a:endParaRPr lang="en-GB"/>
+          </a:p>
+        </p:txBody>
+      </p:sp>
+      <p:sp>
+        <p:nvSpPr>
+          <p:cNvPr id="6" name="Slide Number Placeholder 5"/>
+          <p:cNvSpPr>
+            <a:spLocks noGrp="1"/>
+          </p:cNvSpPr>
+          <p:nvPr>
+            <p:ph type="sldNum" sz="quarter" idx="12"/>
+          </p:nvPr>
+        </p:nvSpPr>
+        <p:spPr/>
+        <p:txBody>
+          <a:bodyPr/>
+          <a:lstStyle/>
+          <a:p>
+            <a:fld id="{BF7BA293-367D-4E5D-A82F-9B28F93B56C3}" type="slidenum">
+              <a:rPr lang="en-GB" smtClean="0"/>
+              <a:t>10</a:t>
+            </a:fld>
+            <a:endParaRPr lang="en-GB"/>
+          </a:p>
+        </p:txBody>
+      </p:sp>
     </p:spTree>
     <p:extLst>
       <p:ext uri="{BB962C8B-B14F-4D97-AF65-F5344CB8AC3E}">
@@ -6444,6 +6939,75 @@
               <a:t>github.com/StrubT/ADMgRDFStores</a:t>
             </a:r>
             <a:endParaRPr lang="en-GB" dirty="0" smtClean="0"/>
+          </a:p>
+        </p:txBody>
+      </p:sp>
+      <p:sp>
+        <p:nvSpPr>
+          <p:cNvPr id="4" name="Date Placeholder 3"/>
+          <p:cNvSpPr>
+            <a:spLocks noGrp="1"/>
+          </p:cNvSpPr>
+          <p:nvPr>
+            <p:ph type="dt" sz="half" idx="10"/>
+          </p:nvPr>
+        </p:nvSpPr>
+        <p:spPr/>
+        <p:txBody>
+          <a:bodyPr/>
+          <a:lstStyle/>
+          <a:p>
+            <a:r>
+              <a:rPr lang="en-GB" smtClean="0"/>
+              <a:t>2016-06-14</a:t>
+            </a:r>
+            <a:endParaRPr lang="en-GB"/>
+          </a:p>
+        </p:txBody>
+      </p:sp>
+      <p:sp>
+        <p:nvSpPr>
+          <p:cNvPr id="5" name="Footer Placeholder 4"/>
+          <p:cNvSpPr>
+            <a:spLocks noGrp="1"/>
+          </p:cNvSpPr>
+          <p:nvPr>
+            <p:ph type="ftr" sz="quarter" idx="11"/>
+          </p:nvPr>
+        </p:nvSpPr>
+        <p:spPr/>
+        <p:txBody>
+          <a:bodyPr/>
+          <a:lstStyle/>
+          <a:p>
+            <a:r>
+              <a:rPr lang="en-GB" smtClean="0"/>
+              <a:t>ADMg - RDF Stores - strut1, guggs2</a:t>
+            </a:r>
+            <a:endParaRPr lang="en-GB"/>
+          </a:p>
+        </p:txBody>
+      </p:sp>
+      <p:sp>
+        <p:nvSpPr>
+          <p:cNvPr id="6" name="Slide Number Placeholder 5"/>
+          <p:cNvSpPr>
+            <a:spLocks noGrp="1"/>
+          </p:cNvSpPr>
+          <p:nvPr>
+            <p:ph type="sldNum" sz="quarter" idx="12"/>
+          </p:nvPr>
+        </p:nvSpPr>
+        <p:spPr/>
+        <p:txBody>
+          <a:bodyPr/>
+          <a:lstStyle/>
+          <a:p>
+            <a:fld id="{BF7BA293-367D-4E5D-A82F-9B28F93B56C3}" type="slidenum">
+              <a:rPr lang="en-GB" smtClean="0"/>
+              <a:t>2</a:t>
+            </a:fld>
+            <a:endParaRPr lang="en-GB"/>
           </a:p>
         </p:txBody>
       </p:sp>
@@ -8628,6 +9192,75 @@
             <a:endParaRPr lang="en-US" altLang="en-US" sz="1400" dirty="0">
               <a:latin typeface="Arial" panose="020B0604020202020204" pitchFamily="34" charset="0"/>
             </a:endParaRPr>
+          </a:p>
+        </p:txBody>
+      </p:sp>
+      <p:sp>
+        <p:nvSpPr>
+          <p:cNvPr id="2" name="Date Placeholder 1"/>
+          <p:cNvSpPr>
+            <a:spLocks noGrp="1"/>
+          </p:cNvSpPr>
+          <p:nvPr>
+            <p:ph type="dt" sz="half" idx="10"/>
+          </p:nvPr>
+        </p:nvSpPr>
+        <p:spPr/>
+        <p:txBody>
+          <a:bodyPr/>
+          <a:lstStyle/>
+          <a:p>
+            <a:r>
+              <a:rPr lang="en-GB" smtClean="0"/>
+              <a:t>2016-06-14</a:t>
+            </a:r>
+            <a:endParaRPr lang="en-GB"/>
+          </a:p>
+        </p:txBody>
+      </p:sp>
+      <p:sp>
+        <p:nvSpPr>
+          <p:cNvPr id="3" name="Footer Placeholder 2"/>
+          <p:cNvSpPr>
+            <a:spLocks noGrp="1"/>
+          </p:cNvSpPr>
+          <p:nvPr>
+            <p:ph type="ftr" sz="quarter" idx="11"/>
+          </p:nvPr>
+        </p:nvSpPr>
+        <p:spPr/>
+        <p:txBody>
+          <a:bodyPr/>
+          <a:lstStyle/>
+          <a:p>
+            <a:r>
+              <a:rPr lang="en-GB" smtClean="0"/>
+              <a:t>ADMg - RDF Stores - strut1, guggs2</a:t>
+            </a:r>
+            <a:endParaRPr lang="en-GB"/>
+          </a:p>
+        </p:txBody>
+      </p:sp>
+      <p:sp>
+        <p:nvSpPr>
+          <p:cNvPr id="4" name="Slide Number Placeholder 3"/>
+          <p:cNvSpPr>
+            <a:spLocks noGrp="1"/>
+          </p:cNvSpPr>
+          <p:nvPr>
+            <p:ph type="sldNum" sz="quarter" idx="12"/>
+          </p:nvPr>
+        </p:nvSpPr>
+        <p:spPr/>
+        <p:txBody>
+          <a:bodyPr/>
+          <a:lstStyle/>
+          <a:p>
+            <a:fld id="{BF7BA293-367D-4E5D-A82F-9B28F93B56C3}" type="slidenum">
+              <a:rPr lang="en-GB" smtClean="0"/>
+              <a:t>3</a:t>
+            </a:fld>
+            <a:endParaRPr lang="en-GB"/>
           </a:p>
         </p:txBody>
       </p:sp>
@@ -9946,7 +10579,7 @@
 </file>
 
 <file path=ppt/slides/slide4.xml><?xml version="1.0" encoding="utf-8"?>
-<p:sld xmlns:a="http://schemas.openxmlformats.org/drawingml/2006/main" xmlns:r="http://schemas.openxmlformats.org/officeDocument/2006/relationships" xmlns:p="http://schemas.openxmlformats.org/presentationml/2006/main">
+<p:sld xmlns:a="http://schemas.openxmlformats.org/drawingml/2006/main" xmlns:r="http://schemas.openxmlformats.org/officeDocument/2006/relationships" xmlns:p="http://schemas.openxmlformats.org/presentationml/2006/main" show="0">
   <p:cSld>
     <p:spTree>
       <p:nvGrpSpPr>
@@ -10047,6 +10680,75 @@
           </a:p>
         </p:txBody>
       </p:sp>
+      <p:sp>
+        <p:nvSpPr>
+          <p:cNvPr id="4" name="Date Placeholder 3"/>
+          <p:cNvSpPr>
+            <a:spLocks noGrp="1"/>
+          </p:cNvSpPr>
+          <p:nvPr>
+            <p:ph type="dt" sz="half" idx="10"/>
+          </p:nvPr>
+        </p:nvSpPr>
+        <p:spPr/>
+        <p:txBody>
+          <a:bodyPr/>
+          <a:lstStyle/>
+          <a:p>
+            <a:r>
+              <a:rPr lang="en-GB" smtClean="0"/>
+              <a:t>2016-06-14</a:t>
+            </a:r>
+            <a:endParaRPr lang="en-GB"/>
+          </a:p>
+        </p:txBody>
+      </p:sp>
+      <p:sp>
+        <p:nvSpPr>
+          <p:cNvPr id="5" name="Footer Placeholder 4"/>
+          <p:cNvSpPr>
+            <a:spLocks noGrp="1"/>
+          </p:cNvSpPr>
+          <p:nvPr>
+            <p:ph type="ftr" sz="quarter" idx="11"/>
+          </p:nvPr>
+        </p:nvSpPr>
+        <p:spPr/>
+        <p:txBody>
+          <a:bodyPr/>
+          <a:lstStyle/>
+          <a:p>
+            <a:r>
+              <a:rPr lang="en-GB" smtClean="0"/>
+              <a:t>ADMg - RDF Stores - strut1, guggs2</a:t>
+            </a:r>
+            <a:endParaRPr lang="en-GB"/>
+          </a:p>
+        </p:txBody>
+      </p:sp>
+      <p:sp>
+        <p:nvSpPr>
+          <p:cNvPr id="6" name="Slide Number Placeholder 5"/>
+          <p:cNvSpPr>
+            <a:spLocks noGrp="1"/>
+          </p:cNvSpPr>
+          <p:nvPr>
+            <p:ph type="sldNum" sz="quarter" idx="12"/>
+          </p:nvPr>
+        </p:nvSpPr>
+        <p:spPr/>
+        <p:txBody>
+          <a:bodyPr/>
+          <a:lstStyle/>
+          <a:p>
+            <a:fld id="{BF7BA293-367D-4E5D-A82F-9B28F93B56C3}" type="slidenum">
+              <a:rPr lang="en-GB" smtClean="0"/>
+              <a:t>4</a:t>
+            </a:fld>
+            <a:endParaRPr lang="en-GB"/>
+          </a:p>
+        </p:txBody>
+      </p:sp>
     </p:spTree>
     <p:extLst>
       <p:ext uri="{BB962C8B-B14F-4D97-AF65-F5344CB8AC3E}">
@@ -10057,6 +10759,14 @@
   <p:clrMapOvr>
     <a:masterClrMapping/>
   </p:clrMapOvr>
+  <mc:AlternateContent xmlns:mc="http://schemas.openxmlformats.org/markup-compatibility/2006">
+    <mc:Choice xmlns:p14="http://schemas.microsoft.com/office/powerpoint/2010/main" Requires="p14">
+      <p:transition spd="slow" p14:dur="2000"/>
+    </mc:Choice>
+    <mc:Fallback>
+      <p:transition spd="slow"/>
+    </mc:Fallback>
+  </mc:AlternateContent>
   <p:timing>
     <p:tnLst>
       <p:par>
@@ -10102,12 +10812,27 @@
           <a:lstStyle/>
           <a:p>
             <a:r>
+              <a:rPr lang="en-GB" sz="3200" dirty="0" err="1"/>
+              <a:t>DBpedia</a:t>
+            </a:r>
+            <a:r>
               <a:rPr lang="en-GB" sz="3200" dirty="0"/>
-              <a:t>Q1: Who was born in Bern before 2000-01-01 (with name and DOB</a:t>
+              <a:t> Questions</a:t>
+            </a:r>
+            <a:br>
+              <a:rPr lang="en-GB" sz="3200" dirty="0"/>
+            </a:br>
+            <a:r>
+              <a:rPr lang="en-GB" sz="3200" dirty="0"/>
+              <a:t>Q1</a:t>
+            </a:r>
+            <a:r>
+              <a:rPr lang="en-GB" sz="3200" dirty="0"/>
+              <a:t>: Who was born in Bern before 2000-01-01 (with name and </a:t>
             </a:r>
             <a:r>
               <a:rPr lang="en-GB" sz="3200" dirty="0" smtClean="0"/>
-              <a:t>)?</a:t>
+              <a:t>date of birth)?</a:t>
             </a:r>
             <a:endParaRPr lang="en-GB" sz="3200" dirty="0"/>
           </a:p>
@@ -12084,6 +12809,75 @@
               <a:effectLst/>
               <a:latin typeface="Arial" panose="020B0604020202020204" pitchFamily="34" charset="0"/>
             </a:endParaRPr>
+          </a:p>
+        </p:txBody>
+      </p:sp>
+      <p:sp>
+        <p:nvSpPr>
+          <p:cNvPr id="2" name="Date Placeholder 1"/>
+          <p:cNvSpPr>
+            <a:spLocks noGrp="1"/>
+          </p:cNvSpPr>
+          <p:nvPr>
+            <p:ph type="dt" sz="half" idx="10"/>
+          </p:nvPr>
+        </p:nvSpPr>
+        <p:spPr/>
+        <p:txBody>
+          <a:bodyPr/>
+          <a:lstStyle/>
+          <a:p>
+            <a:r>
+              <a:rPr lang="en-GB" smtClean="0"/>
+              <a:t>2016-06-14</a:t>
+            </a:r>
+            <a:endParaRPr lang="en-GB"/>
+          </a:p>
+        </p:txBody>
+      </p:sp>
+      <p:sp>
+        <p:nvSpPr>
+          <p:cNvPr id="3" name="Footer Placeholder 2"/>
+          <p:cNvSpPr>
+            <a:spLocks noGrp="1"/>
+          </p:cNvSpPr>
+          <p:nvPr>
+            <p:ph type="ftr" sz="quarter" idx="11"/>
+          </p:nvPr>
+        </p:nvSpPr>
+        <p:spPr/>
+        <p:txBody>
+          <a:bodyPr/>
+          <a:lstStyle/>
+          <a:p>
+            <a:r>
+              <a:rPr lang="en-GB" smtClean="0"/>
+              <a:t>ADMg - RDF Stores - strut1, guggs2</a:t>
+            </a:r>
+            <a:endParaRPr lang="en-GB"/>
+          </a:p>
+        </p:txBody>
+      </p:sp>
+      <p:sp>
+        <p:nvSpPr>
+          <p:cNvPr id="6" name="Slide Number Placeholder 5"/>
+          <p:cNvSpPr>
+            <a:spLocks noGrp="1"/>
+          </p:cNvSpPr>
+          <p:nvPr>
+            <p:ph type="sldNum" sz="quarter" idx="12"/>
+          </p:nvPr>
+        </p:nvSpPr>
+        <p:spPr/>
+        <p:txBody>
+          <a:bodyPr/>
+          <a:lstStyle/>
+          <a:p>
+            <a:fld id="{BF7BA293-367D-4E5D-A82F-9B28F93B56C3}" type="slidenum">
+              <a:rPr lang="en-GB" smtClean="0"/>
+              <a:t>5</a:t>
+            </a:fld>
+            <a:endParaRPr lang="en-GB"/>
           </a:p>
         </p:txBody>
       </p:sp>
@@ -12142,8 +12936,23 @@
           <a:lstStyle/>
           <a:p>
             <a:r>
+              <a:rPr lang="en-GB" sz="3200" dirty="0" err="1"/>
+              <a:t>DBpedia</a:t>
+            </a:r>
+            <a:r>
               <a:rPr lang="en-GB" sz="3200" dirty="0"/>
-              <a:t>Q2: What are </a:t>
+              <a:t> Questions</a:t>
+            </a:r>
+            <a:br>
+              <a:rPr lang="en-GB" sz="3200" dirty="0"/>
+            </a:br>
+            <a:r>
+              <a:rPr lang="en-GB" sz="3200" dirty="0"/>
+              <a:t>Q2</a:t>
+            </a:r>
+            <a:r>
+              <a:rPr lang="en-GB" sz="3200" dirty="0"/>
+              <a:t>: What are </a:t>
             </a:r>
             <a:r>
               <a:rPr lang="en-GB" sz="3200" dirty="0" err="1"/>
@@ -13479,6 +14288,75 @@
               <a:effectLst/>
               <a:latin typeface="Arial" panose="020B0604020202020204" pitchFamily="34" charset="0"/>
             </a:endParaRPr>
+          </a:p>
+        </p:txBody>
+      </p:sp>
+      <p:sp>
+        <p:nvSpPr>
+          <p:cNvPr id="2" name="Date Placeholder 1"/>
+          <p:cNvSpPr>
+            <a:spLocks noGrp="1"/>
+          </p:cNvSpPr>
+          <p:nvPr>
+            <p:ph type="dt" sz="half" idx="10"/>
+          </p:nvPr>
+        </p:nvSpPr>
+        <p:spPr/>
+        <p:txBody>
+          <a:bodyPr/>
+          <a:lstStyle/>
+          <a:p>
+            <a:r>
+              <a:rPr lang="en-GB" smtClean="0"/>
+              <a:t>2016-06-14</a:t>
+            </a:r>
+            <a:endParaRPr lang="en-GB"/>
+          </a:p>
+        </p:txBody>
+      </p:sp>
+      <p:sp>
+        <p:nvSpPr>
+          <p:cNvPr id="4" name="Footer Placeholder 3"/>
+          <p:cNvSpPr>
+            <a:spLocks noGrp="1"/>
+          </p:cNvSpPr>
+          <p:nvPr>
+            <p:ph type="ftr" sz="quarter" idx="11"/>
+          </p:nvPr>
+        </p:nvSpPr>
+        <p:spPr/>
+        <p:txBody>
+          <a:bodyPr/>
+          <a:lstStyle/>
+          <a:p>
+            <a:r>
+              <a:rPr lang="en-GB" smtClean="0"/>
+              <a:t>ADMg - RDF Stores - strut1, guggs2</a:t>
+            </a:r>
+            <a:endParaRPr lang="en-GB"/>
+          </a:p>
+        </p:txBody>
+      </p:sp>
+      <p:sp>
+        <p:nvSpPr>
+          <p:cNvPr id="6" name="Slide Number Placeholder 5"/>
+          <p:cNvSpPr>
+            <a:spLocks noGrp="1"/>
+          </p:cNvSpPr>
+          <p:nvPr>
+            <p:ph type="sldNum" sz="quarter" idx="12"/>
+          </p:nvPr>
+        </p:nvSpPr>
+        <p:spPr/>
+        <p:txBody>
+          <a:bodyPr/>
+          <a:lstStyle/>
+          <a:p>
+            <a:fld id="{BF7BA293-367D-4E5D-A82F-9B28F93B56C3}" type="slidenum">
+              <a:rPr lang="en-GB" smtClean="0"/>
+              <a:t>6</a:t>
+            </a:fld>
+            <a:endParaRPr lang="en-GB"/>
           </a:p>
         </p:txBody>
       </p:sp>
@@ -13537,8 +14415,27 @@
           <a:lstStyle/>
           <a:p>
             <a:r>
+              <a:rPr lang="en-GB" sz="3200" dirty="0" err="1"/>
+              <a:t>DBpedia</a:t>
+            </a:r>
+            <a:r>
               <a:rPr lang="en-GB" sz="3200" dirty="0"/>
-              <a:t>Q3: Who was both born in Bern and died there as well?</a:t>
+              <a:t> </a:t>
+            </a:r>
+            <a:r>
+              <a:rPr lang="en-GB" sz="3200" dirty="0" smtClean="0"/>
+              <a:t>Questions</a:t>
+            </a:r>
+            <a:br>
+              <a:rPr lang="en-GB" sz="3200" dirty="0" smtClean="0"/>
+            </a:br>
+            <a:r>
+              <a:rPr lang="en-GB" sz="3200" dirty="0" smtClean="0"/>
+              <a:t>Q3</a:t>
+            </a:r>
+            <a:r>
+              <a:rPr lang="en-GB" sz="3200" dirty="0"/>
+              <a:t>: Who was both born in Bern and died there as well?</a:t>
             </a:r>
           </a:p>
         </p:txBody>
@@ -15070,6 +15967,75 @@
               <a:effectLst/>
               <a:latin typeface="Arial" panose="020B0604020202020204" pitchFamily="34" charset="0"/>
             </a:endParaRPr>
+          </a:p>
+        </p:txBody>
+      </p:sp>
+      <p:sp>
+        <p:nvSpPr>
+          <p:cNvPr id="3" name="Date Placeholder 2"/>
+          <p:cNvSpPr>
+            <a:spLocks noGrp="1"/>
+          </p:cNvSpPr>
+          <p:nvPr>
+            <p:ph type="dt" sz="half" idx="10"/>
+          </p:nvPr>
+        </p:nvSpPr>
+        <p:spPr/>
+        <p:txBody>
+          <a:bodyPr/>
+          <a:lstStyle/>
+          <a:p>
+            <a:r>
+              <a:rPr lang="en-GB" smtClean="0"/>
+              <a:t>2016-06-14</a:t>
+            </a:r>
+            <a:endParaRPr lang="en-GB"/>
+          </a:p>
+        </p:txBody>
+      </p:sp>
+      <p:sp>
+        <p:nvSpPr>
+          <p:cNvPr id="4" name="Footer Placeholder 3"/>
+          <p:cNvSpPr>
+            <a:spLocks noGrp="1"/>
+          </p:cNvSpPr>
+          <p:nvPr>
+            <p:ph type="ftr" sz="quarter" idx="11"/>
+          </p:nvPr>
+        </p:nvSpPr>
+        <p:spPr/>
+        <p:txBody>
+          <a:bodyPr/>
+          <a:lstStyle/>
+          <a:p>
+            <a:r>
+              <a:rPr lang="en-GB" smtClean="0"/>
+              <a:t>ADMg - RDF Stores - strut1, guggs2</a:t>
+            </a:r>
+            <a:endParaRPr lang="en-GB"/>
+          </a:p>
+        </p:txBody>
+      </p:sp>
+      <p:sp>
+        <p:nvSpPr>
+          <p:cNvPr id="7" name="Slide Number Placeholder 6"/>
+          <p:cNvSpPr>
+            <a:spLocks noGrp="1"/>
+          </p:cNvSpPr>
+          <p:nvPr>
+            <p:ph type="sldNum" sz="quarter" idx="12"/>
+          </p:nvPr>
+        </p:nvSpPr>
+        <p:spPr/>
+        <p:txBody>
+          <a:bodyPr/>
+          <a:lstStyle/>
+          <a:p>
+            <a:fld id="{BF7BA293-367D-4E5D-A82F-9B28F93B56C3}" type="slidenum">
+              <a:rPr lang="en-GB" smtClean="0"/>
+              <a:t>7</a:t>
+            </a:fld>
+            <a:endParaRPr lang="en-GB"/>
           </a:p>
         </p:txBody>
       </p:sp>
@@ -15295,6 +16261,75 @@
           </a:p>
         </p:txBody>
       </p:sp>
+      <p:sp>
+        <p:nvSpPr>
+          <p:cNvPr id="3" name="Date Placeholder 2"/>
+          <p:cNvSpPr>
+            <a:spLocks noGrp="1"/>
+          </p:cNvSpPr>
+          <p:nvPr>
+            <p:ph type="dt" sz="half" idx="10"/>
+          </p:nvPr>
+        </p:nvSpPr>
+        <p:spPr/>
+        <p:txBody>
+          <a:bodyPr/>
+          <a:lstStyle/>
+          <a:p>
+            <a:r>
+              <a:rPr lang="en-GB" smtClean="0"/>
+              <a:t>2016-06-14</a:t>
+            </a:r>
+            <a:endParaRPr lang="en-GB"/>
+          </a:p>
+        </p:txBody>
+      </p:sp>
+      <p:sp>
+        <p:nvSpPr>
+          <p:cNvPr id="8" name="Footer Placeholder 7"/>
+          <p:cNvSpPr>
+            <a:spLocks noGrp="1"/>
+          </p:cNvSpPr>
+          <p:nvPr>
+            <p:ph type="ftr" sz="quarter" idx="11"/>
+          </p:nvPr>
+        </p:nvSpPr>
+        <p:spPr/>
+        <p:txBody>
+          <a:bodyPr/>
+          <a:lstStyle/>
+          <a:p>
+            <a:r>
+              <a:rPr lang="en-GB" smtClean="0"/>
+              <a:t>ADMg - RDF Stores - strut1, guggs2</a:t>
+            </a:r>
+            <a:endParaRPr lang="en-GB"/>
+          </a:p>
+        </p:txBody>
+      </p:sp>
+      <p:sp>
+        <p:nvSpPr>
+          <p:cNvPr id="9" name="Slide Number Placeholder 8"/>
+          <p:cNvSpPr>
+            <a:spLocks noGrp="1"/>
+          </p:cNvSpPr>
+          <p:nvPr>
+            <p:ph type="sldNum" sz="quarter" idx="12"/>
+          </p:nvPr>
+        </p:nvSpPr>
+        <p:spPr/>
+        <p:txBody>
+          <a:bodyPr/>
+          <a:lstStyle/>
+          <a:p>
+            <a:fld id="{BF7BA293-367D-4E5D-A82F-9B28F93B56C3}" type="slidenum">
+              <a:rPr lang="en-GB" smtClean="0"/>
+              <a:t>8</a:t>
+            </a:fld>
+            <a:endParaRPr lang="en-GB"/>
+          </a:p>
+        </p:txBody>
+      </p:sp>
     </p:spTree>
     <p:extLst>
       <p:ext uri="{BB962C8B-B14F-4D97-AF65-F5344CB8AC3E}">
@@ -15349,11 +16384,7 @@
           <a:p>
             <a:r>
               <a:rPr lang="en-GB" dirty="0" smtClean="0"/>
-              <a:t>Lessons </a:t>
-            </a:r>
-            <a:r>
-              <a:rPr lang="en-GB" dirty="0" smtClean="0"/>
-              <a:t>Learnt</a:t>
+              <a:t>Lessons Learnt</a:t>
             </a:r>
             <a:endParaRPr lang="en-GB" dirty="0"/>
           </a:p>
@@ -15382,19 +16413,99 @@
           <a:p>
             <a:r>
               <a:rPr lang="en-GB" dirty="0" smtClean="0"/>
-              <a:t>Complexity lies in details</a:t>
-            </a:r>
-          </a:p>
-          <a:p>
+              <a:t>Getting details </a:t>
+            </a:r>
             <a:r>
               <a:rPr lang="en-GB" dirty="0" smtClean="0"/>
-              <a:t>80% to clean up result </a:t>
+              <a:t>right can be </a:t>
             </a:r>
             <a:r>
               <a:rPr lang="en-GB" dirty="0" smtClean="0"/>
-              <a:t>set</a:t>
+              <a:t>complicated</a:t>
+            </a:r>
+            <a:endParaRPr lang="en-GB" dirty="0" smtClean="0"/>
+          </a:p>
+          <a:p>
+            <a:r>
+              <a:rPr lang="en-GB" dirty="0" smtClean="0"/>
+              <a:t>Very important to maintain a clean graph</a:t>
+            </a:r>
+          </a:p>
+          <a:p>
+            <a:r>
+              <a:rPr lang="en-GB" dirty="0" smtClean="0"/>
+              <a:t>Even more important to document the rules</a:t>
             </a:r>
             <a:endParaRPr lang="en-GB" dirty="0"/>
+          </a:p>
+        </p:txBody>
+      </p:sp>
+      <p:sp>
+        <p:nvSpPr>
+          <p:cNvPr id="4" name="Date Placeholder 3"/>
+          <p:cNvSpPr>
+            <a:spLocks noGrp="1"/>
+          </p:cNvSpPr>
+          <p:nvPr>
+            <p:ph type="dt" sz="half" idx="10"/>
+          </p:nvPr>
+        </p:nvSpPr>
+        <p:spPr/>
+        <p:txBody>
+          <a:bodyPr/>
+          <a:lstStyle/>
+          <a:p>
+            <a:r>
+              <a:rPr lang="en-GB" smtClean="0"/>
+              <a:t>2016-06-14</a:t>
+            </a:r>
+            <a:endParaRPr lang="en-GB"/>
+          </a:p>
+        </p:txBody>
+      </p:sp>
+      <p:sp>
+        <p:nvSpPr>
+          <p:cNvPr id="5" name="Footer Placeholder 4"/>
+          <p:cNvSpPr>
+            <a:spLocks noGrp="1"/>
+          </p:cNvSpPr>
+          <p:nvPr>
+            <p:ph type="ftr" sz="quarter" idx="11"/>
+          </p:nvPr>
+        </p:nvSpPr>
+        <p:spPr/>
+        <p:txBody>
+          <a:bodyPr/>
+          <a:lstStyle/>
+          <a:p>
+            <a:r>
+              <a:rPr lang="en-GB" smtClean="0"/>
+              <a:t>ADMg - RDF Stores - strut1, guggs2</a:t>
+            </a:r>
+            <a:endParaRPr lang="en-GB"/>
+          </a:p>
+        </p:txBody>
+      </p:sp>
+      <p:sp>
+        <p:nvSpPr>
+          <p:cNvPr id="6" name="Slide Number Placeholder 5"/>
+          <p:cNvSpPr>
+            <a:spLocks noGrp="1"/>
+          </p:cNvSpPr>
+          <p:nvPr>
+            <p:ph type="sldNum" sz="quarter" idx="12"/>
+          </p:nvPr>
+        </p:nvSpPr>
+        <p:spPr/>
+        <p:txBody>
+          <a:bodyPr/>
+          <a:lstStyle/>
+          <a:p>
+            <a:fld id="{BF7BA293-367D-4E5D-A82F-9B28F93B56C3}" type="slidenum">
+              <a:rPr lang="en-GB" smtClean="0"/>
+              <a:t>9</a:t>
+            </a:fld>
+            <a:endParaRPr lang="en-GB"/>
           </a:p>
         </p:txBody>
       </p:sp>
@@ -15672,4 +16783,265 @@
     </a:ext>
   </a:extLst>
 </a:theme>
+</file>
+
+<file path=ppt/theme/theme2.xml><?xml version="1.0" encoding="utf-8"?>
+<a:theme xmlns:a="http://schemas.openxmlformats.org/drawingml/2006/main" name="Office Theme">
+  <a:themeElements>
+    <a:clrScheme name="Office">
+      <a:dk1>
+        <a:sysClr val="windowText" lastClr="000000"/>
+      </a:dk1>
+      <a:lt1>
+        <a:sysClr val="window" lastClr="FFFFFF"/>
+      </a:lt1>
+      <a:dk2>
+        <a:srgbClr val="44546A"/>
+      </a:dk2>
+      <a:lt2>
+        <a:srgbClr val="E7E6E6"/>
+      </a:lt2>
+      <a:accent1>
+        <a:srgbClr val="5B9BD5"/>
+      </a:accent1>
+      <a:accent2>
+        <a:srgbClr val="ED7D31"/>
+      </a:accent2>
+      <a:accent3>
+        <a:srgbClr val="A5A5A5"/>
+      </a:accent3>
+      <a:accent4>
+        <a:srgbClr val="FFC000"/>
+      </a:accent4>
+      <a:accent5>
+        <a:srgbClr val="4472C4"/>
+      </a:accent5>
+      <a:accent6>
+        <a:srgbClr val="70AD47"/>
+      </a:accent6>
+      <a:hlink>
+        <a:srgbClr val="0563C1"/>
+      </a:hlink>
+      <a:folHlink>
+        <a:srgbClr val="954F72"/>
+      </a:folHlink>
+    </a:clrScheme>
+    <a:fontScheme name="Office">
+      <a:majorFont>
+        <a:latin typeface="Calibri Light" panose="020F0302020204030204"/>
+        <a:ea typeface=""/>
+        <a:cs typeface=""/>
+        <a:font script="Jpan" typeface="游ゴシック Light"/>
+        <a:font script="Hang" typeface="맑은 고딕"/>
+        <a:font script="Hans" typeface="等线 Light"/>
+        <a:font script="Hant" typeface="新細明體"/>
+        <a:font script="Arab" typeface="Times New Roman"/>
+        <a:font script="Hebr" typeface="Times New Roman"/>
+        <a:font script="Thai" typeface="Angsana New"/>
+        <a:font script="Ethi" typeface="Nyala"/>
+        <a:font script="Beng" typeface="Vrinda"/>
+        <a:font script="Gujr" typeface="Shruti"/>
+        <a:font script="Khmr" typeface="MoolBoran"/>
+        <a:font script="Knda" typeface="Tunga"/>
+        <a:font script="Guru" typeface="Raavi"/>
+        <a:font script="Cans" typeface="Euphemia"/>
+        <a:font script="Cher" typeface="Plantagenet Cherokee"/>
+        <a:font script="Yiii" typeface="Microsoft Yi Baiti"/>
+        <a:font script="Tibt" typeface="Microsoft Himalaya"/>
+        <a:font script="Thaa" typeface="MV Boli"/>
+        <a:font script="Deva" typeface="Mangal"/>
+        <a:font script="Telu" typeface="Gautami"/>
+        <a:font script="Taml" typeface="Latha"/>
+        <a:font script="Syrc" typeface="Estrangelo Edessa"/>
+        <a:font script="Orya" typeface="Kalinga"/>
+        <a:font script="Mlym" typeface="Kartika"/>
+        <a:font script="Laoo" typeface="DokChampa"/>
+        <a:font script="Sinh" typeface="Iskoola Pota"/>
+        <a:font script="Mong" typeface="Mongolian Baiti"/>
+        <a:font script="Viet" typeface="Times New Roman"/>
+        <a:font script="Uigh" typeface="Microsoft Uighur"/>
+        <a:font script="Geor" typeface="Sylfaen"/>
+      </a:majorFont>
+      <a:minorFont>
+        <a:latin typeface="Calibri" panose="020F0502020204030204"/>
+        <a:ea typeface=""/>
+        <a:cs typeface=""/>
+        <a:font script="Jpan" typeface="游ゴシック"/>
+        <a:font script="Hang" typeface="맑은 고딕"/>
+        <a:font script="Hans" typeface="等线"/>
+        <a:font script="Hant" typeface="新細明體"/>
+        <a:font script="Arab" typeface="Arial"/>
+        <a:font script="Hebr" typeface="Arial"/>
+        <a:font script="Thai" typeface="Cordia New"/>
+        <a:font script="Ethi" typeface="Nyala"/>
+        <a:font script="Beng" typeface="Vrinda"/>
+        <a:font script="Gujr" typeface="Shruti"/>
+        <a:font script="Khmr" typeface="DaunPenh"/>
+        <a:font script="Knda" typeface="Tunga"/>
+        <a:font script="Guru" typeface="Raavi"/>
+        <a:font script="Cans" typeface="Euphemia"/>
+        <a:font script="Cher" typeface="Plantagenet Cherokee"/>
+        <a:font script="Yiii" typeface="Microsoft Yi Baiti"/>
+        <a:font script="Tibt" typeface="Microsoft Himalaya"/>
+        <a:font script="Thaa" typeface="MV Boli"/>
+        <a:font script="Deva" typeface="Mangal"/>
+        <a:font script="Telu" typeface="Gautami"/>
+        <a:font script="Taml" typeface="Latha"/>
+        <a:font script="Syrc" typeface="Estrangelo Edessa"/>
+        <a:font script="Orya" typeface="Kalinga"/>
+        <a:font script="Mlym" typeface="Kartika"/>
+        <a:font script="Laoo" typeface="DokChampa"/>
+        <a:font script="Sinh" typeface="Iskoola Pota"/>
+        <a:font script="Mong" typeface="Mongolian Baiti"/>
+        <a:font script="Viet" typeface="Arial"/>
+        <a:font script="Uigh" typeface="Microsoft Uighur"/>
+        <a:font script="Geor" typeface="Sylfaen"/>
+      </a:minorFont>
+    </a:fontScheme>
+    <a:fmtScheme name="Office">
+      <a:fillStyleLst>
+        <a:solidFill>
+          <a:schemeClr val="phClr"/>
+        </a:solidFill>
+        <a:gradFill rotWithShape="1">
+          <a:gsLst>
+            <a:gs pos="0">
+              <a:schemeClr val="phClr">
+                <a:lumMod val="110000"/>
+                <a:satMod val="105000"/>
+                <a:tint val="67000"/>
+              </a:schemeClr>
+            </a:gs>
+            <a:gs pos="50000">
+              <a:schemeClr val="phClr">
+                <a:lumMod val="105000"/>
+                <a:satMod val="103000"/>
+                <a:tint val="73000"/>
+              </a:schemeClr>
+            </a:gs>
+            <a:gs pos="100000">
+              <a:schemeClr val="phClr">
+                <a:lumMod val="105000"/>
+                <a:satMod val="109000"/>
+                <a:tint val="81000"/>
+              </a:schemeClr>
+            </a:gs>
+          </a:gsLst>
+          <a:lin ang="5400000" scaled="0"/>
+        </a:gradFill>
+        <a:gradFill rotWithShape="1">
+          <a:gsLst>
+            <a:gs pos="0">
+              <a:schemeClr val="phClr">
+                <a:satMod val="103000"/>
+                <a:lumMod val="102000"/>
+                <a:tint val="94000"/>
+              </a:schemeClr>
+            </a:gs>
+            <a:gs pos="50000">
+              <a:schemeClr val="phClr">
+                <a:satMod val="110000"/>
+                <a:lumMod val="100000"/>
+                <a:shade val="100000"/>
+              </a:schemeClr>
+            </a:gs>
+            <a:gs pos="100000">
+              <a:schemeClr val="phClr">
+                <a:lumMod val="99000"/>
+                <a:satMod val="120000"/>
+                <a:shade val="78000"/>
+              </a:schemeClr>
+            </a:gs>
+          </a:gsLst>
+          <a:lin ang="5400000" scaled="0"/>
+        </a:gradFill>
+      </a:fillStyleLst>
+      <a:lnStyleLst>
+        <a:ln w="6350" cap="flat" cmpd="sng" algn="ctr">
+          <a:solidFill>
+            <a:schemeClr val="phClr"/>
+          </a:solidFill>
+          <a:prstDash val="solid"/>
+          <a:miter lim="800000"/>
+        </a:ln>
+        <a:ln w="12700" cap="flat" cmpd="sng" algn="ctr">
+          <a:solidFill>
+            <a:schemeClr val="phClr"/>
+          </a:solidFill>
+          <a:prstDash val="solid"/>
+          <a:miter lim="800000"/>
+        </a:ln>
+        <a:ln w="19050" cap="flat" cmpd="sng" algn="ctr">
+          <a:solidFill>
+            <a:schemeClr val="phClr"/>
+          </a:solidFill>
+          <a:prstDash val="solid"/>
+          <a:miter lim="800000"/>
+        </a:ln>
+      </a:lnStyleLst>
+      <a:effectStyleLst>
+        <a:effectStyle>
+          <a:effectLst/>
+        </a:effectStyle>
+        <a:effectStyle>
+          <a:effectLst/>
+        </a:effectStyle>
+        <a:effectStyle>
+          <a:effectLst>
+            <a:outerShdw blurRad="57150" dist="19050" dir="5400000" algn="ctr" rotWithShape="0">
+              <a:srgbClr val="000000">
+                <a:alpha val="63000"/>
+              </a:srgbClr>
+            </a:outerShdw>
+          </a:effectLst>
+        </a:effectStyle>
+      </a:effectStyleLst>
+      <a:bgFillStyleLst>
+        <a:solidFill>
+          <a:schemeClr val="phClr"/>
+        </a:solidFill>
+        <a:solidFill>
+          <a:schemeClr val="phClr">
+            <a:tint val="95000"/>
+            <a:satMod val="170000"/>
+          </a:schemeClr>
+        </a:solidFill>
+        <a:gradFill rotWithShape="1">
+          <a:gsLst>
+            <a:gs pos="0">
+              <a:schemeClr val="phClr">
+                <a:tint val="93000"/>
+                <a:satMod val="150000"/>
+                <a:shade val="98000"/>
+                <a:lumMod val="102000"/>
+              </a:schemeClr>
+            </a:gs>
+            <a:gs pos="50000">
+              <a:schemeClr val="phClr">
+                <a:tint val="98000"/>
+                <a:satMod val="130000"/>
+                <a:shade val="90000"/>
+                <a:lumMod val="103000"/>
+              </a:schemeClr>
+            </a:gs>
+            <a:gs pos="100000">
+              <a:schemeClr val="phClr">
+                <a:shade val="63000"/>
+                <a:satMod val="120000"/>
+              </a:schemeClr>
+            </a:gs>
+          </a:gsLst>
+          <a:lin ang="5400000" scaled="0"/>
+        </a:gradFill>
+      </a:bgFillStyleLst>
+    </a:fmtScheme>
+  </a:themeElements>
+  <a:objectDefaults/>
+  <a:extraClrSchemeLst/>
+  <a:extLst>
+    <a:ext uri="{05A4C25C-085E-4340-85A3-A5531E510DB2}">
+      <thm15:themeFamily xmlns:thm15="http://schemas.microsoft.com/office/thememl/2012/main" name="Office Theme" id="{62F939B6-93AF-4DB8-9C6B-D6C7DFDC589F}" vid="{4A3C46E8-61CC-4603-A589-7422A47A8E4A}"/>
+    </a:ext>
+  </a:extLst>
+</a:theme>
 </file>